--- a/dynamics/pre.pptx
+++ b/dynamics/pre.pptx
@@ -4094,7 +4094,7 @@
         </p:blipFill>
         <p:spPr>
           <a:xfrm>
-            <a:off x="7842298" y="2438400"/>
+            <a:off x="7564581" y="2289034"/>
             <a:ext cx="4204797" cy="3271899"/>
           </a:xfrm>
           <a:prstGeom prst="rect">
@@ -4117,7 +4117,7 @@
         <p:spPr>
           <a:xfrm>
             <a:off x="106638" y="1765814"/>
-            <a:ext cx="10956846" cy="523220"/>
+            <a:ext cx="8911157" cy="523220"/>
           </a:xfrm>
           <a:prstGeom prst="rect">
             <a:avLst/>
@@ -4129,27 +4129,12 @@
           </a:bodyPr>
           <a:lstStyle/>
           <a:p>
-            <a:r>
-              <a:rPr lang="zh-CN" altLang="en-US" sz="2800" b="1" dirty="0">
-                <a:solidFill>
-                  <a:schemeClr val="accent6"/>
-                </a:solidFill>
-                <a:latin typeface="微软雅黑" panose="020B0503020204020204" pitchFamily="34" charset="-122"/>
-                <a:ea typeface="微软雅黑" panose="020B0503020204020204" pitchFamily="34" charset="-122"/>
-                <a:cs typeface="Times New Roman" panose="02020603050405020304" pitchFamily="18" charset="0"/>
-              </a:rPr>
-              <a:t>有限种群</a:t>
-            </a:r>
-            <a:r>
-              <a:rPr lang="zh-CN" altLang="en-US" sz="2800" dirty="0">
-                <a:latin typeface="微软雅黑" panose="020B0503020204020204" pitchFamily="34" charset="-122"/>
-                <a:ea typeface="微软雅黑" panose="020B0503020204020204" pitchFamily="34" charset="-122"/>
-                <a:cs typeface="Times New Roman" panose="02020603050405020304" pitchFamily="18" charset="0"/>
-              </a:rPr>
-              <a:t>中，种群</a:t>
-            </a:r>
-            <a:r>
-              <a:rPr lang="zh-CN" altLang="en-US" sz="2800" b="1" dirty="0">
+            <a:pPr marL="457200" indent="-457200">
+              <a:buFont typeface="Wingdings" panose="05000000000000000000" pitchFamily="2" charset="2"/>
+              <a:buChar char="p"/>
+            </a:pPr>
+            <a:r>
+              <a:rPr lang="en-US" altLang="zh-CN" sz="2800" dirty="0">
                 <a:solidFill>
                   <a:srgbClr val="C00000"/>
                 </a:solidFill>
@@ -4157,7 +4142,7 @@
                 <a:ea typeface="微软雅黑" panose="020B0503020204020204" pitchFamily="34" charset="-122"/>
                 <a:cs typeface="Times New Roman" panose="02020603050405020304" pitchFamily="18" charset="0"/>
               </a:rPr>
-              <a:t>空间结构</a:t>
+              <a:t>Goal : </a:t>
             </a:r>
             <a:r>
               <a:rPr lang="zh-CN" altLang="en-US" sz="2800" dirty="0">
@@ -4165,7 +4150,7 @@
                 <a:ea typeface="微软雅黑" panose="020B0503020204020204" pitchFamily="34" charset="-122"/>
                 <a:cs typeface="Times New Roman" panose="02020603050405020304" pitchFamily="18" charset="0"/>
               </a:rPr>
-              <a:t>对进化动态的影响，提出</a:t>
+              <a:t>研究考虑</a:t>
             </a:r>
             <a:r>
               <a:rPr lang="zh-CN" altLang="en-US" sz="2800" dirty="0">
@@ -4176,7 +4161,7 @@
                 <a:ea typeface="微软雅黑" panose="020B0503020204020204" pitchFamily="34" charset="-122"/>
                 <a:cs typeface="Times New Roman" panose="02020603050405020304" pitchFamily="18" charset="0"/>
               </a:rPr>
-              <a:t>进化图论</a:t>
+              <a:t>种群空间结构</a:t>
             </a:r>
             <a:r>
               <a:rPr lang="zh-CN" altLang="en-US" sz="2800" dirty="0">
@@ -4184,17 +4169,17 @@
                 <a:ea typeface="微软雅黑" panose="020B0503020204020204" pitchFamily="34" charset="-122"/>
                 <a:cs typeface="Times New Roman" panose="02020603050405020304" pitchFamily="18" charset="0"/>
               </a:rPr>
-              <a:t>的框架</a:t>
+              <a:t>的有限种群的进化动态</a:t>
             </a:r>
           </a:p>
         </p:txBody>
       </p:sp>
       <p:sp>
         <p:nvSpPr>
-          <p:cNvPr id="5" name="矩形 4">
+          <p:cNvPr id="9" name="矩形 8">
             <a:extLst>
               <a:ext uri="{FF2B5EF4-FFF2-40B4-BE49-F238E27FC236}">
-                <a16:creationId xmlns:a16="http://schemas.microsoft.com/office/drawing/2014/main" id="{6B3D5FD2-A48E-4521-9F79-B684F96B6F73}"/>
+                <a16:creationId xmlns:a16="http://schemas.microsoft.com/office/drawing/2014/main" id="{3AF3F037-4854-432C-B473-29946255C5C4}"/>
               </a:ext>
             </a:extLst>
           </p:cNvPr>
@@ -4203,8 +4188,8 @@
         </p:nvSpPr>
         <p:spPr>
           <a:xfrm>
-            <a:off x="0" y="2724685"/>
-            <a:ext cx="8128000" cy="1200329"/>
+            <a:off x="106638" y="2405412"/>
+            <a:ext cx="7690700" cy="1384995"/>
           </a:xfrm>
           <a:prstGeom prst="rect">
             <a:avLst/>
@@ -4216,268 +4201,1167 @@
           </a:bodyPr>
           <a:lstStyle/>
           <a:p>
-            <a:pPr marL="571500" lvl="0" indent="-571500">
-              <a:buClr>
-                <a:srgbClr val="ED7D31"/>
-              </a:buClr>
+            <a:pPr marL="457200" indent="-457200">
               <a:buFont typeface="Wingdings" panose="05000000000000000000" pitchFamily="2" charset="2"/>
               <a:buChar char="p"/>
             </a:pPr>
             <a:r>
-              <a:rPr lang="zh-CN" altLang="en-US" sz="2400" dirty="0">
+              <a:rPr lang="en-US" altLang="zh-CN" sz="2800" dirty="0">
                 <a:solidFill>
-                  <a:prstClr val="black"/>
+                  <a:srgbClr val="C00000"/>
                 </a:solidFill>
+                <a:latin typeface="微软雅黑" panose="020B0503020204020204" pitchFamily="34" charset="-122"/>
+                <a:ea typeface="微软雅黑" panose="020B0503020204020204" pitchFamily="34" charset="-122"/>
                 <a:cs typeface="Times New Roman" panose="02020603050405020304" pitchFamily="18" charset="0"/>
               </a:rPr>
-              <a:t>种群中的个体用图的顶点表示</a:t>
-            </a:r>
-            <a:endParaRPr lang="en-US" altLang="zh-CN" sz="2400" dirty="0">
-              <a:solidFill>
-                <a:prstClr val="black"/>
-              </a:solidFill>
-              <a:cs typeface="Times New Roman" panose="02020603050405020304" pitchFamily="18" charset="0"/>
-            </a:endParaRPr>
-          </a:p>
-          <a:p>
-            <a:pPr marL="571500" lvl="0" indent="-571500">
-              <a:buClr>
-                <a:srgbClr val="ED7D31"/>
-              </a:buClr>
-              <a:buFont typeface="Wingdings" panose="05000000000000000000" pitchFamily="2" charset="2"/>
-              <a:buChar char="p"/>
-            </a:pPr>
-            <a:r>
-              <a:rPr lang="zh-CN" altLang="en-US" sz="2400" dirty="0">
+              <a:t>Framework :</a:t>
+            </a:r>
+            <a:r>
+              <a:rPr lang="en-US" altLang="zh-CN" sz="2800" dirty="0">
                 <a:solidFill>
-                  <a:prstClr val="black"/>
+                  <a:srgbClr val="FF0000"/>
                 </a:solidFill>
-                <a:cs typeface="Times New Roman" panose="02020603050405020304" pitchFamily="18" charset="0"/>
-              </a:rPr>
-              <a:t>个体间的相互作用由连接顶点的边表示</a:t>
-            </a:r>
-            <a:endParaRPr lang="en-US" altLang="zh-CN" sz="2400" dirty="0">
-              <a:solidFill>
-                <a:prstClr val="black"/>
-              </a:solidFill>
-              <a:cs typeface="Times New Roman" panose="02020603050405020304" pitchFamily="18" charset="0"/>
-            </a:endParaRPr>
-          </a:p>
-          <a:p>
-            <a:pPr marL="571500" lvl="0" indent="-571500">
-              <a:buClr>
-                <a:srgbClr val="ED7D31"/>
-              </a:buClr>
-              <a:buFont typeface="Wingdings" panose="05000000000000000000" pitchFamily="2" charset="2"/>
-              <a:buChar char="p"/>
-            </a:pPr>
-            <a:r>
-              <a:rPr lang="zh-CN" altLang="en-US" sz="2400" dirty="0">
-                <a:solidFill>
-                  <a:prstClr val="black"/>
-                </a:solidFill>
-                <a:cs typeface="Times New Roman" panose="02020603050405020304" pitchFamily="18" charset="0"/>
-              </a:rPr>
-              <a:t>如果存在顶点 </a:t>
-            </a:r>
-            <a:r>
-              <a:rPr lang="en-US" altLang="zh-CN" sz="2400" i="1" dirty="0" err="1">
-                <a:solidFill>
-                  <a:prstClr val="black"/>
-                </a:solidFill>
-                <a:cs typeface="Times New Roman" panose="02020603050405020304" pitchFamily="18" charset="0"/>
-              </a:rPr>
-              <a:t>i</a:t>
-            </a:r>
-            <a:r>
-              <a:rPr lang="en-US" altLang="zh-CN" sz="2400" i="1" dirty="0">
-                <a:solidFill>
-                  <a:prstClr val="black"/>
-                </a:solidFill>
+                <a:latin typeface="微软雅黑" panose="020B0503020204020204" pitchFamily="34" charset="-122"/>
+                <a:ea typeface="微软雅黑" panose="020B0503020204020204" pitchFamily="34" charset="-122"/>
                 <a:cs typeface="Times New Roman" panose="02020603050405020304" pitchFamily="18" charset="0"/>
               </a:rPr>
               <a:t> </a:t>
             </a:r>
             <a:r>
-              <a:rPr lang="zh-CN" altLang="en-US" sz="2400" dirty="0">
+              <a:rPr lang="zh-CN" altLang="en-US" sz="2800" dirty="0">
                 <a:solidFill>
-                  <a:prstClr val="black"/>
+                  <a:srgbClr val="C00000"/>
                 </a:solidFill>
+                <a:latin typeface="微软雅黑" panose="020B0503020204020204" pitchFamily="34" charset="-122"/>
+                <a:ea typeface="微软雅黑" panose="020B0503020204020204" pitchFamily="34" charset="-122"/>
                 <a:cs typeface="Times New Roman" panose="02020603050405020304" pitchFamily="18" charset="0"/>
               </a:rPr>
-              <a:t>到顶点 </a:t>
-            </a:r>
-            <a:r>
-              <a:rPr lang="en-US" altLang="zh-CN" sz="2400" i="1" dirty="0">
-                <a:solidFill>
-                  <a:prstClr val="black"/>
-                </a:solidFill>
+              <a:t>图</a:t>
+            </a:r>
+            <a:r>
+              <a:rPr lang="zh-CN" altLang="en-US" sz="2800" dirty="0">
+                <a:latin typeface="微软雅黑" panose="020B0503020204020204" pitchFamily="34" charset="-122"/>
+                <a:ea typeface="微软雅黑" panose="020B0503020204020204" pitchFamily="34" charset="-122"/>
                 <a:cs typeface="Times New Roman" panose="02020603050405020304" pitchFamily="18" charset="0"/>
               </a:rPr>
-              <a:t>j </a:t>
-            </a:r>
-            <a:r>
-              <a:rPr lang="zh-CN" altLang="en-US" sz="2400" dirty="0">
-                <a:solidFill>
-                  <a:prstClr val="black"/>
-                </a:solidFill>
+              <a:t>上的</a:t>
+            </a:r>
+            <a:endParaRPr lang="en-US" altLang="zh-CN" sz="2800" dirty="0">
+              <a:latin typeface="微软雅黑" panose="020B0503020204020204" pitchFamily="34" charset="-122"/>
+              <a:ea typeface="微软雅黑" panose="020B0503020204020204" pitchFamily="34" charset="-122"/>
+              <a:cs typeface="Times New Roman" panose="02020603050405020304" pitchFamily="18" charset="0"/>
+            </a:endParaRPr>
+          </a:p>
+          <a:p>
+            <a:r>
+              <a:rPr lang="zh-CN" altLang="en-US" sz="2800" dirty="0">
+                <a:latin typeface="微软雅黑" panose="020B0503020204020204" pitchFamily="34" charset="-122"/>
+                <a:ea typeface="微软雅黑" panose="020B0503020204020204" pitchFamily="34" charset="-122"/>
                 <a:cs typeface="Times New Roman" panose="02020603050405020304" pitchFamily="18" charset="0"/>
               </a:rPr>
-              <a:t>的边，则</a:t>
-            </a:r>
-            <a:r>
-              <a:rPr lang="en-US" altLang="zh-CN" sz="2400" i="1" dirty="0">
-                <a:solidFill>
-                  <a:prstClr val="black"/>
-                </a:solidFill>
+              <a:t>生灭过程</a:t>
+            </a:r>
+            <a:r>
+              <a:rPr lang="en-US" altLang="zh-CN" sz="2800" dirty="0">
+                <a:latin typeface="微软雅黑" panose="020B0503020204020204" pitchFamily="34" charset="-122"/>
+                <a:ea typeface="微软雅黑" panose="020B0503020204020204" pitchFamily="34" charset="-122"/>
                 <a:cs typeface="Times New Roman" panose="02020603050405020304" pitchFamily="18" charset="0"/>
               </a:rPr>
-              <a:t> </a:t>
-            </a:r>
-            <a:r>
-              <a:rPr lang="en-US" altLang="zh-CN" sz="2400" i="1" dirty="0" err="1">
-                <a:solidFill>
-                  <a:prstClr val="black"/>
-                </a:solidFill>
+              <a:t>(Birth-Death process, BD process)</a:t>
+            </a:r>
+          </a:p>
+          <a:p>
+            <a:r>
+              <a:rPr lang="zh-CN" altLang="en-US" sz="2800" dirty="0">
+                <a:latin typeface="微软雅黑" panose="020B0503020204020204" pitchFamily="34" charset="-122"/>
+                <a:ea typeface="微软雅黑" panose="020B0503020204020204" pitchFamily="34" charset="-122"/>
                 <a:cs typeface="Times New Roman" panose="02020603050405020304" pitchFamily="18" charset="0"/>
               </a:rPr>
-              <a:t>i</a:t>
-            </a:r>
-            <a:r>
-              <a:rPr lang="en-US" altLang="zh-CN" sz="2400" i="1" dirty="0">
-                <a:solidFill>
-                  <a:prstClr val="black"/>
-                </a:solidFill>
+              <a:t>死生过程</a:t>
+            </a:r>
+            <a:r>
+              <a:rPr lang="en-US" altLang="zh-CN" sz="2800" dirty="0">
+                <a:latin typeface="微软雅黑" panose="020B0503020204020204" pitchFamily="34" charset="-122"/>
+                <a:ea typeface="微软雅黑" panose="020B0503020204020204" pitchFamily="34" charset="-122"/>
                 <a:cs typeface="Times New Roman" panose="02020603050405020304" pitchFamily="18" charset="0"/>
               </a:rPr>
-              <a:t> </a:t>
-            </a:r>
-            <a:r>
-              <a:rPr lang="zh-CN" altLang="en-US" sz="2400" dirty="0">
-                <a:solidFill>
-                  <a:prstClr val="black"/>
-                </a:solidFill>
-                <a:cs typeface="Times New Roman" panose="02020603050405020304" pitchFamily="18" charset="0"/>
-              </a:rPr>
-              <a:t>的子代可以</a:t>
-            </a:r>
-            <a:r>
-              <a:rPr lang="zh-CN" altLang="en-US" sz="2400" dirty="0">
-                <a:solidFill>
-                  <a:schemeClr val="accent1"/>
-                </a:solidFill>
-                <a:cs typeface="Times New Roman" panose="02020603050405020304" pitchFamily="18" charset="0"/>
-              </a:rPr>
-              <a:t>取代</a:t>
-            </a:r>
-            <a:r>
-              <a:rPr lang="zh-CN" altLang="en-US" sz="2400" dirty="0">
-                <a:solidFill>
-                  <a:prstClr val="black"/>
-                </a:solidFill>
-                <a:cs typeface="Times New Roman" panose="02020603050405020304" pitchFamily="18" charset="0"/>
-              </a:rPr>
-              <a:t> </a:t>
-            </a:r>
-            <a:r>
-              <a:rPr lang="en-US" altLang="zh-CN" sz="2400" i="1" dirty="0">
-                <a:solidFill>
-                  <a:prstClr val="black"/>
-                </a:solidFill>
-                <a:cs typeface="Times New Roman" panose="02020603050405020304" pitchFamily="18" charset="0"/>
-              </a:rPr>
-              <a:t>j</a:t>
-            </a:r>
-            <a:endParaRPr lang="en-US" altLang="zh-CN" sz="2400" dirty="0">
-              <a:solidFill>
-                <a:prstClr val="black"/>
-              </a:solidFill>
+              <a:t>(Death-Birth process, DB process)</a:t>
+            </a:r>
+            <a:endParaRPr lang="zh-CN" altLang="en-US" sz="2800" dirty="0">
+              <a:latin typeface="微软雅黑" panose="020B0503020204020204" pitchFamily="34" charset="-122"/>
+              <a:ea typeface="微软雅黑" panose="020B0503020204020204" pitchFamily="34" charset="-122"/>
               <a:cs typeface="Times New Roman" panose="02020603050405020304" pitchFamily="18" charset="0"/>
             </a:endParaRPr>
           </a:p>
         </p:txBody>
       </p:sp>
-      <p:cxnSp>
-        <p:nvCxnSpPr>
-          <p:cNvPr id="15" name="直接箭头连接符 14">
-            <a:extLst>
-              <a:ext uri="{FF2B5EF4-FFF2-40B4-BE49-F238E27FC236}">
-                <a16:creationId xmlns:a16="http://schemas.microsoft.com/office/drawing/2014/main" id="{BF22705A-60DB-472C-B03E-BA8BA061A7EF}"/>
-              </a:ext>
-            </a:extLst>
-          </p:cNvPr>
-          <p:cNvCxnSpPr>
-            <a:cxnSpLocks/>
-          </p:cNvCxnSpPr>
-          <p:nvPr/>
-        </p:nvCxnSpPr>
-        <p:spPr>
-          <a:xfrm flipV="1">
-            <a:off x="6692900" y="3925014"/>
-            <a:ext cx="482600" cy="286285"/>
-          </a:xfrm>
-          <a:prstGeom prst="straightConnector1">
-            <a:avLst/>
-          </a:prstGeom>
-          <a:ln>
-            <a:tailEnd type="triangle"/>
-          </a:ln>
-        </p:spPr>
-        <p:style>
-          <a:lnRef idx="1">
-            <a:schemeClr val="accent1"/>
-          </a:lnRef>
-          <a:fillRef idx="0">
-            <a:schemeClr val="accent1"/>
-          </a:fillRef>
-          <a:effectRef idx="0">
-            <a:schemeClr val="accent1"/>
-          </a:effectRef>
-          <a:fontRef idx="minor">
-            <a:schemeClr val="tx1"/>
-          </a:fontRef>
-        </p:style>
-      </p:cxnSp>
-      <p:sp>
-        <p:nvSpPr>
-          <p:cNvPr id="21" name="矩形 20">
-            <a:extLst>
-              <a:ext uri="{FF2B5EF4-FFF2-40B4-BE49-F238E27FC236}">
-                <a16:creationId xmlns:a16="http://schemas.microsoft.com/office/drawing/2014/main" id="{1DD3BF32-B2EE-41F8-92F0-0737E863BD94}"/>
-              </a:ext>
-            </a:extLst>
-          </p:cNvPr>
-          <p:cNvSpPr/>
-          <p:nvPr/>
-        </p:nvSpPr>
-        <p:spPr>
-          <a:xfrm>
-            <a:off x="5964912" y="4217491"/>
-            <a:ext cx="1210588" cy="400110"/>
-          </a:xfrm>
-          <a:prstGeom prst="rect">
-            <a:avLst/>
-          </a:prstGeom>
-        </p:spPr>
-        <p:txBody>
-          <a:bodyPr wrap="none">
-            <a:spAutoFit/>
-          </a:bodyPr>
-          <a:lstStyle/>
-          <a:p>
-            <a:r>
-              <a:rPr lang="zh-CN" altLang="en-US" sz="2000" dirty="0">
-                <a:solidFill>
-                  <a:srgbClr val="4472C4"/>
-                </a:solidFill>
-                <a:cs typeface="Times New Roman" panose="02020603050405020304" pitchFamily="18" charset="0"/>
-              </a:rPr>
-              <a:t>遗传角度</a:t>
-            </a:r>
-            <a:endParaRPr lang="zh-CN" altLang="en-US" sz="1600" dirty="0"/>
-          </a:p>
-        </p:txBody>
-      </p:sp>
+      <mc:AlternateContent xmlns:mc="http://schemas.openxmlformats.org/markup-compatibility/2006">
+        <mc:Choice xmlns:a14="http://schemas.microsoft.com/office/drawing/2010/main" Requires="a14">
+          <p:sp>
+            <p:nvSpPr>
+              <p:cNvPr id="10" name="矩形 9">
+                <a:extLst>
+                  <a:ext uri="{FF2B5EF4-FFF2-40B4-BE49-F238E27FC236}">
+                    <a16:creationId xmlns:a16="http://schemas.microsoft.com/office/drawing/2014/main" id="{F637072D-4ADA-4D89-BBB7-2B7B10618213}"/>
+                  </a:ext>
+                </a:extLst>
+              </p:cNvPr>
+              <p:cNvSpPr/>
+              <p:nvPr/>
+            </p:nvSpPr>
+            <p:spPr>
+              <a:xfrm>
+                <a:off x="106637" y="4152450"/>
+                <a:ext cx="11321946" cy="3539430"/>
+              </a:xfrm>
+              <a:prstGeom prst="rect">
+                <a:avLst/>
+              </a:prstGeom>
+            </p:spPr>
+            <p:txBody>
+              <a:bodyPr wrap="none">
+                <a:spAutoFit/>
+              </a:bodyPr>
+              <a:lstStyle/>
+              <a:p>
+                <a:pPr marL="457200" indent="-457200">
+                  <a:buFont typeface="Wingdings" panose="05000000000000000000" pitchFamily="2" charset="2"/>
+                  <a:buChar char="p"/>
+                </a:pPr>
+                <a:r>
+                  <a:rPr lang="en-US" altLang="zh-CN" sz="2800" dirty="0">
+                    <a:solidFill>
+                      <a:srgbClr val="C00000"/>
+                    </a:solidFill>
+                    <a:latin typeface="微软雅黑" panose="020B0503020204020204" pitchFamily="34" charset="-122"/>
+                    <a:ea typeface="微软雅黑" panose="020B0503020204020204" pitchFamily="34" charset="-122"/>
+                    <a:cs typeface="Times New Roman" panose="02020603050405020304" pitchFamily="18" charset="0"/>
+                  </a:rPr>
+                  <a:t>Assume : </a:t>
+                </a:r>
+                <a:endParaRPr lang="en-US" altLang="zh-CN" sz="2800" dirty="0">
+                  <a:latin typeface="微软雅黑" panose="020B0503020204020204" pitchFamily="34" charset="-122"/>
+                  <a:ea typeface="微软雅黑" panose="020B0503020204020204" pitchFamily="34" charset="-122"/>
+                  <a:cs typeface="Times New Roman" panose="02020603050405020304" pitchFamily="18" charset="0"/>
+                </a:endParaRPr>
+              </a:p>
+              <a:p>
+                <a:pPr marL="914400" lvl="1" indent="-457200">
+                  <a:buFont typeface="Wingdings" panose="05000000000000000000" pitchFamily="2" charset="2"/>
+                  <a:buChar char="p"/>
+                </a:pPr>
+                <a:r>
+                  <a:rPr lang="en-US" altLang="zh-CN" sz="2800" dirty="0">
+                    <a:solidFill>
+                      <a:schemeClr val="accent2"/>
+                    </a:solidFill>
+                    <a:latin typeface="微软雅黑" panose="020B0503020204020204" pitchFamily="34" charset="-122"/>
+                    <a:ea typeface="微软雅黑" panose="020B0503020204020204" pitchFamily="34" charset="-122"/>
+                    <a:cs typeface="Times New Roman" panose="02020603050405020304" pitchFamily="18" charset="0"/>
+                  </a:rPr>
+                  <a:t> </a:t>
+                </a:r>
+                <a:r>
+                  <a:rPr lang="zh-CN" altLang="en-US" sz="2800" dirty="0">
+                    <a:solidFill>
+                      <a:schemeClr val="tx1"/>
+                    </a:solidFill>
+                    <a:latin typeface="微软雅黑" panose="020B0503020204020204" pitchFamily="34" charset="-122"/>
+                    <a:ea typeface="微软雅黑" panose="020B0503020204020204" pitchFamily="34" charset="-122"/>
+                    <a:cs typeface="Times New Roman" panose="02020603050405020304" pitchFamily="18" charset="0"/>
+                  </a:rPr>
+                  <a:t>种群规模为</a:t>
+                </a:r>
+                <a14:m>
+                  <m:oMath xmlns:m="http://schemas.openxmlformats.org/officeDocument/2006/math">
+                    <m:r>
+                      <a:rPr lang="en-US" altLang="zh-CN" sz="2800" b="0" i="1" smtClean="0">
+                        <a:solidFill>
+                          <a:schemeClr val="tx1"/>
+                        </a:solidFill>
+                        <a:latin typeface="Cambria Math" panose="02040503050406030204" pitchFamily="18" charset="0"/>
+                        <a:ea typeface="微软雅黑" panose="020B0503020204020204" pitchFamily="34" charset="-122"/>
+                        <a:cs typeface="Times New Roman" panose="02020603050405020304" pitchFamily="18" charset="0"/>
+                      </a:rPr>
+                      <m:t>𝑁</m:t>
+                    </m:r>
+                  </m:oMath>
+                </a14:m>
+                <a:endParaRPr lang="en-US" altLang="zh-CN" sz="2800" dirty="0">
+                  <a:solidFill>
+                    <a:schemeClr val="accent2"/>
+                  </a:solidFill>
+                  <a:latin typeface="微软雅黑" panose="020B0503020204020204" pitchFamily="34" charset="-122"/>
+                  <a:ea typeface="微软雅黑" panose="020B0503020204020204" pitchFamily="34" charset="-122"/>
+                  <a:cs typeface="Times New Roman" panose="02020603050405020304" pitchFamily="18" charset="0"/>
+                </a:endParaRPr>
+              </a:p>
+              <a:p>
+                <a:pPr marL="914400" lvl="1" indent="-457200">
+                  <a:buFont typeface="Wingdings" panose="05000000000000000000" pitchFamily="2" charset="2"/>
+                  <a:buChar char="p"/>
+                </a:pPr>
+                <a:r>
+                  <a:rPr lang="en-US" altLang="zh-CN" sz="2800" dirty="0">
+                    <a:solidFill>
+                      <a:schemeClr val="accent2"/>
+                    </a:solidFill>
+                    <a:latin typeface="微软雅黑" panose="020B0503020204020204" pitchFamily="34" charset="-122"/>
+                    <a:ea typeface="微软雅黑" panose="020B0503020204020204" pitchFamily="34" charset="-122"/>
+                    <a:cs typeface="Times New Roman" panose="02020603050405020304" pitchFamily="18" charset="0"/>
+                  </a:rPr>
+                  <a:t> </a:t>
+                </a:r>
+                <a:r>
+                  <a:rPr lang="zh-CN" altLang="en-US" sz="2800" dirty="0">
+                    <a:latin typeface="微软雅黑" panose="020B0503020204020204" pitchFamily="34" charset="-122"/>
+                    <a:ea typeface="微软雅黑" panose="020B0503020204020204" pitchFamily="34" charset="-122"/>
+                    <a:cs typeface="Times New Roman" panose="02020603050405020304" pitchFamily="18" charset="0"/>
+                  </a:rPr>
+                  <a:t>有两个物种：</a:t>
+                </a:r>
+                <a:r>
+                  <a:rPr lang="en-US" altLang="zh-CN" sz="2800" dirty="0">
+                    <a:latin typeface="微软雅黑" panose="020B0503020204020204" pitchFamily="34" charset="-122"/>
+                    <a:ea typeface="微软雅黑" panose="020B0503020204020204" pitchFamily="34" charset="-122"/>
+                    <a:cs typeface="Times New Roman" panose="02020603050405020304" pitchFamily="18" charset="0"/>
+                  </a:rPr>
+                  <a:t>A(</a:t>
+                </a:r>
+                <a:r>
+                  <a:rPr lang="zh-CN" altLang="en-US" sz="2800" dirty="0">
+                    <a:latin typeface="微软雅黑" panose="020B0503020204020204" pitchFamily="34" charset="-122"/>
+                    <a:ea typeface="微软雅黑" panose="020B0503020204020204" pitchFamily="34" charset="-122"/>
+                    <a:cs typeface="Times New Roman" panose="02020603050405020304" pitchFamily="18" charset="0"/>
+                  </a:rPr>
+                  <a:t>野生型</a:t>
+                </a:r>
+                <a:r>
+                  <a:rPr lang="en-US" altLang="zh-CN" sz="2800" dirty="0">
+                    <a:latin typeface="微软雅黑" panose="020B0503020204020204" pitchFamily="34" charset="-122"/>
+                    <a:ea typeface="微软雅黑" panose="020B0503020204020204" pitchFamily="34" charset="-122"/>
+                    <a:cs typeface="Times New Roman" panose="02020603050405020304" pitchFamily="18" charset="0"/>
+                  </a:rPr>
+                  <a:t>) B(</a:t>
+                </a:r>
+                <a:r>
+                  <a:rPr lang="zh-CN" altLang="en-US" sz="2800" dirty="0">
+                    <a:latin typeface="微软雅黑" panose="020B0503020204020204" pitchFamily="34" charset="-122"/>
+                    <a:ea typeface="微软雅黑" panose="020B0503020204020204" pitchFamily="34" charset="-122"/>
+                    <a:cs typeface="Times New Roman" panose="02020603050405020304" pitchFamily="18" charset="0"/>
+                  </a:rPr>
+                  <a:t>突变型</a:t>
+                </a:r>
+                <a:r>
+                  <a:rPr lang="en-US" altLang="zh-CN" sz="2800" dirty="0">
+                    <a:latin typeface="微软雅黑" panose="020B0503020204020204" pitchFamily="34" charset="-122"/>
+                    <a:ea typeface="微软雅黑" panose="020B0503020204020204" pitchFamily="34" charset="-122"/>
+                    <a:cs typeface="Times New Roman" panose="02020603050405020304" pitchFamily="18" charset="0"/>
+                  </a:rPr>
+                  <a:t>)</a:t>
+                </a:r>
+              </a:p>
+              <a:p>
+                <a:pPr marL="914400" lvl="1" indent="-457200">
+                  <a:buFont typeface="Wingdings" panose="05000000000000000000" pitchFamily="2" charset="2"/>
+                  <a:buChar char="p"/>
+                </a:pPr>
+                <a:r>
+                  <a:rPr lang="en-US" altLang="zh-CN" sz="2800" dirty="0">
+                    <a:solidFill>
+                      <a:schemeClr val="accent2"/>
+                    </a:solidFill>
+                    <a:latin typeface="微软雅黑" panose="020B0503020204020204" pitchFamily="34" charset="-122"/>
+                    <a:ea typeface="微软雅黑" panose="020B0503020204020204" pitchFamily="34" charset="-122"/>
+                    <a:cs typeface="Times New Roman" panose="02020603050405020304" pitchFamily="18" charset="0"/>
+                  </a:rPr>
+                  <a:t> </a:t>
+                </a:r>
+                <a:r>
+                  <a:rPr lang="zh-CN" altLang="en-US" sz="2800" dirty="0">
+                    <a:solidFill>
+                      <a:schemeClr val="tx1"/>
+                    </a:solidFill>
+                    <a:latin typeface="微软雅黑" panose="020B0503020204020204" pitchFamily="34" charset="-122"/>
+                    <a:ea typeface="微软雅黑" panose="020B0503020204020204" pitchFamily="34" charset="-122"/>
+                    <a:cs typeface="Times New Roman" panose="02020603050405020304" pitchFamily="18" charset="0"/>
+                  </a:rPr>
+                  <a:t>相应的繁殖率为</a:t>
+                </a:r>
+                <a14:m>
+                  <m:oMath xmlns:m="http://schemas.openxmlformats.org/officeDocument/2006/math">
+                    <m:sSub>
+                      <m:sSubPr>
+                        <m:ctrlPr>
+                          <a:rPr lang="en-US" altLang="zh-CN" sz="2800" b="0" i="1" smtClean="0">
+                            <a:solidFill>
+                              <a:schemeClr val="tx1"/>
+                            </a:solidFill>
+                            <a:latin typeface="Cambria Math" panose="02040503050406030204" pitchFamily="18" charset="0"/>
+                            <a:ea typeface="微软雅黑" panose="020B0503020204020204" pitchFamily="34" charset="-122"/>
+                            <a:cs typeface="Times New Roman" panose="02020603050405020304" pitchFamily="18" charset="0"/>
+                          </a:rPr>
+                        </m:ctrlPr>
+                      </m:sSubPr>
+                      <m:e>
+                        <m:r>
+                          <a:rPr lang="en-US" altLang="zh-CN" sz="2800" b="0" i="1" smtClean="0">
+                            <a:solidFill>
+                              <a:schemeClr val="tx1"/>
+                            </a:solidFill>
+                            <a:latin typeface="Cambria Math" panose="02040503050406030204" pitchFamily="18" charset="0"/>
+                            <a:ea typeface="微软雅黑" panose="020B0503020204020204" pitchFamily="34" charset="-122"/>
+                            <a:cs typeface="Times New Roman" panose="02020603050405020304" pitchFamily="18" charset="0"/>
+                          </a:rPr>
+                          <m:t>𝑟</m:t>
+                        </m:r>
+                      </m:e>
+                      <m:sub>
+                        <m:r>
+                          <a:rPr lang="en-US" altLang="zh-CN" sz="2800" b="0" i="1" smtClean="0">
+                            <a:solidFill>
+                              <a:schemeClr val="tx1"/>
+                            </a:solidFill>
+                            <a:latin typeface="Cambria Math" panose="02040503050406030204" pitchFamily="18" charset="0"/>
+                            <a:ea typeface="微软雅黑" panose="020B0503020204020204" pitchFamily="34" charset="-122"/>
+                            <a:cs typeface="Times New Roman" panose="02020603050405020304" pitchFamily="18" charset="0"/>
+                          </a:rPr>
+                          <m:t>𝐴</m:t>
+                        </m:r>
+                      </m:sub>
+                    </m:sSub>
+                  </m:oMath>
+                </a14:m>
+                <a:r>
+                  <a:rPr lang="zh-CN" altLang="en-US" sz="2800" dirty="0">
+                    <a:solidFill>
+                      <a:schemeClr val="tx1"/>
+                    </a:solidFill>
+                    <a:latin typeface="微软雅黑" panose="020B0503020204020204" pitchFamily="34" charset="-122"/>
+                    <a:ea typeface="微软雅黑" panose="020B0503020204020204" pitchFamily="34" charset="-122"/>
+                    <a:cs typeface="Times New Roman" panose="02020603050405020304" pitchFamily="18" charset="0"/>
+                  </a:rPr>
+                  <a:t>和</a:t>
+                </a:r>
+                <a14:m>
+                  <m:oMath xmlns:m="http://schemas.openxmlformats.org/officeDocument/2006/math">
+                    <m:sSub>
+                      <m:sSubPr>
+                        <m:ctrlPr>
+                          <a:rPr lang="en-US" altLang="zh-CN" sz="2800" i="1">
+                            <a:solidFill>
+                              <a:schemeClr val="tx1"/>
+                            </a:solidFill>
+                            <a:latin typeface="Cambria Math" panose="02040503050406030204" pitchFamily="18" charset="0"/>
+                            <a:ea typeface="微软雅黑" panose="020B0503020204020204" pitchFamily="34" charset="-122"/>
+                            <a:cs typeface="Times New Roman" panose="02020603050405020304" pitchFamily="18" charset="0"/>
+                          </a:rPr>
+                        </m:ctrlPr>
+                      </m:sSubPr>
+                      <m:e>
+                        <m:r>
+                          <a:rPr lang="en-US" altLang="zh-CN" sz="2800" i="1">
+                            <a:solidFill>
+                              <a:schemeClr val="tx1"/>
+                            </a:solidFill>
+                            <a:latin typeface="Cambria Math" panose="02040503050406030204" pitchFamily="18" charset="0"/>
+                            <a:ea typeface="微软雅黑" panose="020B0503020204020204" pitchFamily="34" charset="-122"/>
+                            <a:cs typeface="Times New Roman" panose="02020603050405020304" pitchFamily="18" charset="0"/>
+                          </a:rPr>
+                          <m:t>𝑟</m:t>
+                        </m:r>
+                      </m:e>
+                      <m:sub>
+                        <m:r>
+                          <a:rPr lang="en-US" altLang="zh-CN" sz="2800" b="0" i="1" smtClean="0">
+                            <a:solidFill>
+                              <a:schemeClr val="tx1"/>
+                            </a:solidFill>
+                            <a:latin typeface="Cambria Math" panose="02040503050406030204" pitchFamily="18" charset="0"/>
+                            <a:ea typeface="微软雅黑" panose="020B0503020204020204" pitchFamily="34" charset="-122"/>
+                            <a:cs typeface="Times New Roman" panose="02020603050405020304" pitchFamily="18" charset="0"/>
+                          </a:rPr>
+                          <m:t>𝐵</m:t>
+                        </m:r>
+                      </m:sub>
+                    </m:sSub>
+                  </m:oMath>
+                </a14:m>
+                <a:endParaRPr lang="en-US" altLang="zh-CN" sz="2800" dirty="0">
+                  <a:solidFill>
+                    <a:schemeClr val="accent2"/>
+                  </a:solidFill>
+                  <a:latin typeface="微软雅黑" panose="020B0503020204020204" pitchFamily="34" charset="-122"/>
+                  <a:ea typeface="微软雅黑" panose="020B0503020204020204" pitchFamily="34" charset="-122"/>
+                  <a:cs typeface="Times New Roman" panose="02020603050405020304" pitchFamily="18" charset="0"/>
+                </a:endParaRPr>
+              </a:p>
+              <a:p>
+                <a:pPr marL="914400" lvl="1" indent="-457200">
+                  <a:buFont typeface="Wingdings" panose="05000000000000000000" pitchFamily="2" charset="2"/>
+                  <a:buChar char="p"/>
+                </a:pPr>
+                <a:r>
+                  <a:rPr lang="en-US" altLang="zh-CN" sz="2800" dirty="0">
+                    <a:solidFill>
+                      <a:schemeClr val="accent2"/>
+                    </a:solidFill>
+                    <a:latin typeface="微软雅黑" panose="020B0503020204020204" pitchFamily="34" charset="-122"/>
+                    <a:ea typeface="微软雅黑" panose="020B0503020204020204" pitchFamily="34" charset="-122"/>
+                    <a:cs typeface="Times New Roman" panose="02020603050405020304" pitchFamily="18" charset="0"/>
+                  </a:rPr>
+                  <a:t> </a:t>
+                </a:r>
+                <a:r>
+                  <a:rPr lang="zh-CN" altLang="en-US" sz="2800" dirty="0">
+                    <a:solidFill>
+                      <a:schemeClr val="tx1"/>
+                    </a:solidFill>
+                    <a:latin typeface="微软雅黑" panose="020B0503020204020204" pitchFamily="34" charset="-122"/>
+                    <a:ea typeface="微软雅黑" panose="020B0503020204020204" pitchFamily="34" charset="-122"/>
+                    <a:cs typeface="Times New Roman" panose="02020603050405020304" pitchFamily="18" charset="0"/>
+                  </a:rPr>
+                  <a:t>相应的死亡率为</a:t>
+                </a:r>
+                <a14:m>
+                  <m:oMath xmlns:m="http://schemas.openxmlformats.org/officeDocument/2006/math">
+                    <m:sSub>
+                      <m:sSubPr>
+                        <m:ctrlPr>
+                          <a:rPr lang="en-US" altLang="zh-CN" sz="2800" i="1">
+                            <a:solidFill>
+                              <a:schemeClr val="tx1"/>
+                            </a:solidFill>
+                            <a:latin typeface="Cambria Math" panose="02040503050406030204" pitchFamily="18" charset="0"/>
+                            <a:ea typeface="微软雅黑" panose="020B0503020204020204" pitchFamily="34" charset="-122"/>
+                            <a:cs typeface="Times New Roman" panose="02020603050405020304" pitchFamily="18" charset="0"/>
+                          </a:rPr>
+                        </m:ctrlPr>
+                      </m:sSubPr>
+                      <m:e>
+                        <m:r>
+                          <a:rPr lang="en-US" altLang="zh-CN" sz="2800" b="0" i="1" smtClean="0">
+                            <a:solidFill>
+                              <a:schemeClr val="tx1"/>
+                            </a:solidFill>
+                            <a:latin typeface="Cambria Math" panose="02040503050406030204" pitchFamily="18" charset="0"/>
+                            <a:ea typeface="微软雅黑" panose="020B0503020204020204" pitchFamily="34" charset="-122"/>
+                            <a:cs typeface="Times New Roman" panose="02020603050405020304" pitchFamily="18" charset="0"/>
+                          </a:rPr>
+                          <m:t>𝑑</m:t>
+                        </m:r>
+                      </m:e>
+                      <m:sub>
+                        <m:r>
+                          <a:rPr lang="en-US" altLang="zh-CN" sz="2800" i="1">
+                            <a:solidFill>
+                              <a:schemeClr val="tx1"/>
+                            </a:solidFill>
+                            <a:latin typeface="Cambria Math" panose="02040503050406030204" pitchFamily="18" charset="0"/>
+                            <a:ea typeface="微软雅黑" panose="020B0503020204020204" pitchFamily="34" charset="-122"/>
+                            <a:cs typeface="Times New Roman" panose="02020603050405020304" pitchFamily="18" charset="0"/>
+                          </a:rPr>
+                          <m:t>𝐴</m:t>
+                        </m:r>
+                      </m:sub>
+                    </m:sSub>
+                  </m:oMath>
+                </a14:m>
+                <a:r>
+                  <a:rPr lang="zh-CN" altLang="en-US" sz="2800" dirty="0">
+                    <a:solidFill>
+                      <a:schemeClr val="tx1"/>
+                    </a:solidFill>
+                    <a:latin typeface="微软雅黑" panose="020B0503020204020204" pitchFamily="34" charset="-122"/>
+                    <a:ea typeface="微软雅黑" panose="020B0503020204020204" pitchFamily="34" charset="-122"/>
+                    <a:cs typeface="Times New Roman" panose="02020603050405020304" pitchFamily="18" charset="0"/>
+                  </a:rPr>
+                  <a:t>和</a:t>
+                </a:r>
+                <a14:m>
+                  <m:oMath xmlns:m="http://schemas.openxmlformats.org/officeDocument/2006/math">
+                    <m:sSub>
+                      <m:sSubPr>
+                        <m:ctrlPr>
+                          <a:rPr lang="en-US" altLang="zh-CN" sz="2800" i="1">
+                            <a:solidFill>
+                              <a:schemeClr val="tx1"/>
+                            </a:solidFill>
+                            <a:latin typeface="Cambria Math" panose="02040503050406030204" pitchFamily="18" charset="0"/>
+                            <a:ea typeface="微软雅黑" panose="020B0503020204020204" pitchFamily="34" charset="-122"/>
+                            <a:cs typeface="Times New Roman" panose="02020603050405020304" pitchFamily="18" charset="0"/>
+                          </a:rPr>
+                        </m:ctrlPr>
+                      </m:sSubPr>
+                      <m:e>
+                        <m:r>
+                          <a:rPr lang="en-US" altLang="zh-CN" sz="2800" b="0" i="1" smtClean="0">
+                            <a:solidFill>
+                              <a:schemeClr val="tx1"/>
+                            </a:solidFill>
+                            <a:latin typeface="Cambria Math" panose="02040503050406030204" pitchFamily="18" charset="0"/>
+                            <a:ea typeface="微软雅黑" panose="020B0503020204020204" pitchFamily="34" charset="-122"/>
+                            <a:cs typeface="Times New Roman" panose="02020603050405020304" pitchFamily="18" charset="0"/>
+                          </a:rPr>
+                          <m:t>𝑑</m:t>
+                        </m:r>
+                      </m:e>
+                      <m:sub>
+                        <m:r>
+                          <a:rPr lang="en-US" altLang="zh-CN" sz="2800" i="1">
+                            <a:solidFill>
+                              <a:schemeClr val="tx1"/>
+                            </a:solidFill>
+                            <a:latin typeface="Cambria Math" panose="02040503050406030204" pitchFamily="18" charset="0"/>
+                            <a:ea typeface="微软雅黑" panose="020B0503020204020204" pitchFamily="34" charset="-122"/>
+                            <a:cs typeface="Times New Roman" panose="02020603050405020304" pitchFamily="18" charset="0"/>
+                          </a:rPr>
+                          <m:t>𝐵</m:t>
+                        </m:r>
+                      </m:sub>
+                    </m:sSub>
+                  </m:oMath>
+                </a14:m>
+                <a:endParaRPr lang="en-US" altLang="zh-CN" sz="2800" dirty="0">
+                  <a:solidFill>
+                    <a:schemeClr val="accent2"/>
+                  </a:solidFill>
+                  <a:latin typeface="微软雅黑" panose="020B0503020204020204" pitchFamily="34" charset="-122"/>
+                  <a:ea typeface="微软雅黑" panose="020B0503020204020204" pitchFamily="34" charset="-122"/>
+                  <a:cs typeface="Times New Roman" panose="02020603050405020304" pitchFamily="18" charset="0"/>
+                </a:endParaRPr>
+              </a:p>
+              <a:p>
+                <a:pPr marL="914400" lvl="1" indent="-457200">
+                  <a:buFont typeface="Wingdings" panose="05000000000000000000" pitchFamily="2" charset="2"/>
+                  <a:buChar char="p"/>
+                </a:pPr>
+                <a:r>
+                  <a:rPr lang="en-US" altLang="zh-CN" sz="2800" dirty="0">
+                    <a:solidFill>
+                      <a:schemeClr val="accent2"/>
+                    </a:solidFill>
+                    <a:latin typeface="微软雅黑" panose="020B0503020204020204" pitchFamily="34" charset="-122"/>
+                    <a:ea typeface="微软雅黑" panose="020B0503020204020204" pitchFamily="34" charset="-122"/>
+                    <a:cs typeface="Times New Roman" panose="02020603050405020304" pitchFamily="18" charset="0"/>
+                  </a:rPr>
+                  <a:t> </a:t>
+                </a:r>
+                <a:r>
+                  <a:rPr lang="zh-CN" altLang="en-US" sz="2800" dirty="0">
+                    <a:solidFill>
+                      <a:schemeClr val="tx1"/>
+                    </a:solidFill>
+                    <a:latin typeface="微软雅黑" panose="020B0503020204020204" pitchFamily="34" charset="-122"/>
+                    <a:ea typeface="微软雅黑" panose="020B0503020204020204" pitchFamily="34" charset="-122"/>
+                    <a:cs typeface="Times New Roman" panose="02020603050405020304" pitchFamily="18" charset="0"/>
+                  </a:rPr>
+                  <a:t>种群内所有个体位置用</a:t>
+                </a:r>
+                <a14:m>
+                  <m:oMath xmlns:m="http://schemas.openxmlformats.org/officeDocument/2006/math">
+                    <m:r>
+                      <a:rPr lang="en-US" altLang="zh-CN" sz="2800" b="0" i="1" smtClean="0">
+                        <a:solidFill>
+                          <a:schemeClr val="tx1"/>
+                        </a:solidFill>
+                        <a:latin typeface="Cambria Math" panose="02040503050406030204" pitchFamily="18" charset="0"/>
+                        <a:ea typeface="微软雅黑" panose="020B0503020204020204" pitchFamily="34" charset="-122"/>
+                        <a:cs typeface="Times New Roman" panose="02020603050405020304" pitchFamily="18" charset="0"/>
+                      </a:rPr>
+                      <m:t>𝑖</m:t>
+                    </m:r>
+                    <m:r>
+                      <a:rPr lang="en-US" altLang="zh-CN" sz="2800" b="0" i="1" smtClean="0">
+                        <a:solidFill>
+                          <a:schemeClr val="tx1"/>
+                        </a:solidFill>
+                        <a:latin typeface="Cambria Math" panose="02040503050406030204" pitchFamily="18" charset="0"/>
+                        <a:ea typeface="微软雅黑" panose="020B0503020204020204" pitchFamily="34" charset="-122"/>
+                        <a:cs typeface="Times New Roman" panose="02020603050405020304" pitchFamily="18" charset="0"/>
+                      </a:rPr>
+                      <m:t>=1,2,…,</m:t>
+                    </m:r>
+                    <m:r>
+                      <a:rPr lang="en-US" altLang="zh-CN" sz="2800" b="0" i="1" smtClean="0">
+                        <a:solidFill>
+                          <a:schemeClr val="tx1"/>
+                        </a:solidFill>
+                        <a:latin typeface="Cambria Math" panose="02040503050406030204" pitchFamily="18" charset="0"/>
+                        <a:ea typeface="微软雅黑" panose="020B0503020204020204" pitchFamily="34" charset="-122"/>
+                        <a:cs typeface="Times New Roman" panose="02020603050405020304" pitchFamily="18" charset="0"/>
+                      </a:rPr>
+                      <m:t>𝑁</m:t>
+                    </m:r>
+                  </m:oMath>
+                </a14:m>
+                <a:r>
+                  <a:rPr lang="zh-CN" altLang="en-US" sz="2800" dirty="0">
+                    <a:solidFill>
+                      <a:schemeClr val="tx1"/>
+                    </a:solidFill>
+                    <a:latin typeface="微软雅黑" panose="020B0503020204020204" pitchFamily="34" charset="-122"/>
+                    <a:ea typeface="微软雅黑" panose="020B0503020204020204" pitchFamily="34" charset="-122"/>
+                    <a:cs typeface="Times New Roman" panose="02020603050405020304" pitchFamily="18" charset="0"/>
+                  </a:rPr>
+                  <a:t>表示</a:t>
+                </a:r>
+                <a:endParaRPr lang="en-US" altLang="zh-CN" sz="2800" dirty="0">
+                  <a:solidFill>
+                    <a:schemeClr val="tx1"/>
+                  </a:solidFill>
+                  <a:latin typeface="微软雅黑" panose="020B0503020204020204" pitchFamily="34" charset="-122"/>
+                  <a:ea typeface="微软雅黑" panose="020B0503020204020204" pitchFamily="34" charset="-122"/>
+                  <a:cs typeface="Times New Roman" panose="02020603050405020304" pitchFamily="18" charset="0"/>
+                </a:endParaRPr>
+              </a:p>
+              <a:p>
+                <a:pPr marL="914400" lvl="1" indent="-457200">
+                  <a:buFont typeface="Wingdings" panose="05000000000000000000" pitchFamily="2" charset="2"/>
+                  <a:buChar char="p"/>
+                </a:pPr>
+                <a:r>
+                  <a:rPr lang="en-US" altLang="zh-CN" sz="2800" dirty="0">
+                    <a:solidFill>
+                      <a:schemeClr val="accent2"/>
+                    </a:solidFill>
+                    <a:latin typeface="微软雅黑" panose="020B0503020204020204" pitchFamily="34" charset="-122"/>
+                    <a:ea typeface="微软雅黑" panose="020B0503020204020204" pitchFamily="34" charset="-122"/>
+                    <a:cs typeface="Times New Roman" panose="02020603050405020304" pitchFamily="18" charset="0"/>
+                  </a:rPr>
+                  <a:t> </a:t>
+                </a:r>
+                <a:r>
+                  <a:rPr lang="zh-CN" altLang="en-US" sz="2800" dirty="0">
+                    <a:solidFill>
+                      <a:schemeClr val="tx1"/>
+                    </a:solidFill>
+                    <a:latin typeface="微软雅黑" panose="020B0503020204020204" pitchFamily="34" charset="-122"/>
+                    <a:ea typeface="微软雅黑" panose="020B0503020204020204" pitchFamily="34" charset="-122"/>
+                    <a:cs typeface="Times New Roman" panose="02020603050405020304" pitchFamily="18" charset="0"/>
+                  </a:rPr>
+                  <a:t>对于位置</a:t>
+                </a:r>
+                <a14:m>
+                  <m:oMath xmlns:m="http://schemas.openxmlformats.org/officeDocument/2006/math">
+                    <m:r>
+                      <a:rPr lang="en-US" altLang="zh-CN" sz="2800" i="1">
+                        <a:solidFill>
+                          <a:schemeClr val="tx1"/>
+                        </a:solidFill>
+                        <a:latin typeface="Cambria Math" panose="02040503050406030204" pitchFamily="18" charset="0"/>
+                        <a:ea typeface="微软雅黑" panose="020B0503020204020204" pitchFamily="34" charset="-122"/>
+                        <a:cs typeface="Times New Roman" panose="02020603050405020304" pitchFamily="18" charset="0"/>
+                      </a:rPr>
+                      <m:t>𝑖</m:t>
+                    </m:r>
+                  </m:oMath>
+                </a14:m>
+                <a:r>
+                  <a:rPr lang="zh-CN" altLang="en-US" sz="2800" dirty="0">
+                    <a:solidFill>
+                      <a:schemeClr val="tx1"/>
+                    </a:solidFill>
+                    <a:latin typeface="微软雅黑" panose="020B0503020204020204" pitchFamily="34" charset="-122"/>
+                    <a:ea typeface="微软雅黑" panose="020B0503020204020204" pitchFamily="34" charset="-122"/>
+                    <a:cs typeface="Times New Roman" panose="02020603050405020304" pitchFamily="18" charset="0"/>
+                  </a:rPr>
+                  <a:t>的个体，如果其是</a:t>
+                </a:r>
+                <a:r>
+                  <a:rPr lang="en-US" altLang="zh-CN" sz="2800" dirty="0">
+                    <a:solidFill>
+                      <a:schemeClr val="tx1"/>
+                    </a:solidFill>
+                    <a:latin typeface="微软雅黑" panose="020B0503020204020204" pitchFamily="34" charset="-122"/>
+                    <a:ea typeface="微软雅黑" panose="020B0503020204020204" pitchFamily="34" charset="-122"/>
+                    <a:cs typeface="Times New Roman" panose="02020603050405020304" pitchFamily="18" charset="0"/>
+                  </a:rPr>
+                  <a:t>B</a:t>
+                </a:r>
+                <a:r>
+                  <a:rPr lang="zh-CN" altLang="en-US" sz="2800" dirty="0">
+                    <a:solidFill>
+                      <a:schemeClr val="tx1"/>
+                    </a:solidFill>
+                    <a:latin typeface="微软雅黑" panose="020B0503020204020204" pitchFamily="34" charset="-122"/>
+                    <a:ea typeface="微软雅黑" panose="020B0503020204020204" pitchFamily="34" charset="-122"/>
+                    <a:cs typeface="Times New Roman" panose="02020603050405020304" pitchFamily="18" charset="0"/>
+                  </a:rPr>
+                  <a:t>，则</a:t>
+                </a:r>
+                <a14:m>
+                  <m:oMath xmlns:m="http://schemas.openxmlformats.org/officeDocument/2006/math">
+                    <m:sSub>
+                      <m:sSubPr>
+                        <m:ctrlPr>
+                          <a:rPr lang="en-US" altLang="zh-CN" sz="2800" b="0" i="1" smtClean="0">
+                            <a:solidFill>
+                              <a:schemeClr val="tx1"/>
+                            </a:solidFill>
+                            <a:latin typeface="Cambria Math" panose="02040503050406030204" pitchFamily="18" charset="0"/>
+                            <a:ea typeface="微软雅黑" panose="020B0503020204020204" pitchFamily="34" charset="-122"/>
+                            <a:cs typeface="Times New Roman" panose="02020603050405020304" pitchFamily="18" charset="0"/>
+                          </a:rPr>
+                        </m:ctrlPr>
+                      </m:sSubPr>
+                      <m:e>
+                        <m:r>
+                          <a:rPr lang="en-US" altLang="zh-CN" sz="2800" b="0" i="1" smtClean="0">
+                            <a:solidFill>
+                              <a:schemeClr val="tx1"/>
+                            </a:solidFill>
+                            <a:latin typeface="Cambria Math" panose="02040503050406030204" pitchFamily="18" charset="0"/>
+                            <a:ea typeface="微软雅黑" panose="020B0503020204020204" pitchFamily="34" charset="-122"/>
+                            <a:cs typeface="Times New Roman" panose="02020603050405020304" pitchFamily="18" charset="0"/>
+                          </a:rPr>
+                          <m:t>𝑛</m:t>
+                        </m:r>
+                      </m:e>
+                      <m:sub>
+                        <m:r>
+                          <a:rPr lang="en-US" altLang="zh-CN" sz="2800" i="1">
+                            <a:solidFill>
+                              <a:schemeClr val="tx1"/>
+                            </a:solidFill>
+                            <a:latin typeface="Cambria Math" panose="02040503050406030204" pitchFamily="18" charset="0"/>
+                            <a:ea typeface="微软雅黑" panose="020B0503020204020204" pitchFamily="34" charset="-122"/>
+                            <a:cs typeface="Times New Roman" panose="02020603050405020304" pitchFamily="18" charset="0"/>
+                          </a:rPr>
+                          <m:t>𝑖</m:t>
+                        </m:r>
+                      </m:sub>
+                    </m:sSub>
+                    <m:r>
+                      <a:rPr lang="en-US" altLang="zh-CN" sz="2800" b="0" i="1" smtClean="0">
+                        <a:solidFill>
+                          <a:schemeClr val="tx1"/>
+                        </a:solidFill>
+                        <a:latin typeface="Cambria Math" panose="02040503050406030204" pitchFamily="18" charset="0"/>
+                        <a:ea typeface="微软雅黑" panose="020B0503020204020204" pitchFamily="34" charset="-122"/>
+                        <a:cs typeface="Times New Roman" panose="02020603050405020304" pitchFamily="18" charset="0"/>
+                      </a:rPr>
+                      <m:t>=1</m:t>
+                    </m:r>
+                  </m:oMath>
+                </a14:m>
+                <a:r>
+                  <a:rPr lang="zh-CN" altLang="en-US" sz="2800" dirty="0">
+                    <a:solidFill>
+                      <a:schemeClr val="tx1"/>
+                    </a:solidFill>
+                    <a:latin typeface="微软雅黑" panose="020B0503020204020204" pitchFamily="34" charset="-122"/>
+                    <a:ea typeface="微软雅黑" panose="020B0503020204020204" pitchFamily="34" charset="-122"/>
+                    <a:cs typeface="Times New Roman" panose="02020603050405020304" pitchFamily="18" charset="0"/>
+                  </a:rPr>
+                  <a:t>，如果其是</a:t>
+                </a:r>
+                <a:r>
+                  <a:rPr lang="en-US" altLang="zh-CN" sz="2800" dirty="0">
+                    <a:solidFill>
+                      <a:schemeClr val="tx1"/>
+                    </a:solidFill>
+                    <a:latin typeface="微软雅黑" panose="020B0503020204020204" pitchFamily="34" charset="-122"/>
+                    <a:ea typeface="微软雅黑" panose="020B0503020204020204" pitchFamily="34" charset="-122"/>
+                    <a:cs typeface="Times New Roman" panose="02020603050405020304" pitchFamily="18" charset="0"/>
+                  </a:rPr>
+                  <a:t>A</a:t>
+                </a:r>
+                <a:r>
+                  <a:rPr lang="zh-CN" altLang="en-US" sz="2800" dirty="0">
+                    <a:solidFill>
+                      <a:schemeClr val="tx1"/>
+                    </a:solidFill>
+                    <a:latin typeface="微软雅黑" panose="020B0503020204020204" pitchFamily="34" charset="-122"/>
+                    <a:ea typeface="微软雅黑" panose="020B0503020204020204" pitchFamily="34" charset="-122"/>
+                    <a:cs typeface="Times New Roman" panose="02020603050405020304" pitchFamily="18" charset="0"/>
+                  </a:rPr>
+                  <a:t>，则</a:t>
+                </a:r>
+                <a14:m>
+                  <m:oMath xmlns:m="http://schemas.openxmlformats.org/officeDocument/2006/math">
+                    <m:sSub>
+                      <m:sSubPr>
+                        <m:ctrlPr>
+                          <a:rPr lang="en-US" altLang="zh-CN" sz="2800" i="1">
+                            <a:solidFill>
+                              <a:schemeClr val="tx1"/>
+                            </a:solidFill>
+                            <a:latin typeface="Cambria Math" panose="02040503050406030204" pitchFamily="18" charset="0"/>
+                            <a:ea typeface="微软雅黑" panose="020B0503020204020204" pitchFamily="34" charset="-122"/>
+                            <a:cs typeface="Times New Roman" panose="02020603050405020304" pitchFamily="18" charset="0"/>
+                          </a:rPr>
+                        </m:ctrlPr>
+                      </m:sSubPr>
+                      <m:e>
+                        <m:r>
+                          <a:rPr lang="en-US" altLang="zh-CN" sz="2800" i="1">
+                            <a:solidFill>
+                              <a:schemeClr val="tx1"/>
+                            </a:solidFill>
+                            <a:latin typeface="Cambria Math" panose="02040503050406030204" pitchFamily="18" charset="0"/>
+                            <a:ea typeface="微软雅黑" panose="020B0503020204020204" pitchFamily="34" charset="-122"/>
+                            <a:cs typeface="Times New Roman" panose="02020603050405020304" pitchFamily="18" charset="0"/>
+                          </a:rPr>
+                          <m:t>𝑛</m:t>
+                        </m:r>
+                      </m:e>
+                      <m:sub>
+                        <m:r>
+                          <a:rPr lang="en-US" altLang="zh-CN" sz="2800" i="1">
+                            <a:solidFill>
+                              <a:schemeClr val="tx1"/>
+                            </a:solidFill>
+                            <a:latin typeface="Cambria Math" panose="02040503050406030204" pitchFamily="18" charset="0"/>
+                            <a:ea typeface="微软雅黑" panose="020B0503020204020204" pitchFamily="34" charset="-122"/>
+                            <a:cs typeface="Times New Roman" panose="02020603050405020304" pitchFamily="18" charset="0"/>
+                          </a:rPr>
+                          <m:t>𝑖</m:t>
+                        </m:r>
+                      </m:sub>
+                    </m:sSub>
+                    <m:r>
+                      <a:rPr lang="en-US" altLang="zh-CN" sz="2800" i="1">
+                        <a:solidFill>
+                          <a:schemeClr val="tx1"/>
+                        </a:solidFill>
+                        <a:latin typeface="Cambria Math" panose="02040503050406030204" pitchFamily="18" charset="0"/>
+                        <a:ea typeface="微软雅黑" panose="020B0503020204020204" pitchFamily="34" charset="-122"/>
+                        <a:cs typeface="Times New Roman" panose="02020603050405020304" pitchFamily="18" charset="0"/>
+                      </a:rPr>
+                      <m:t>=</m:t>
+                    </m:r>
+                    <m:r>
+                      <a:rPr lang="en-US" altLang="zh-CN" sz="2800" b="0" i="1" smtClean="0">
+                        <a:solidFill>
+                          <a:schemeClr val="tx1"/>
+                        </a:solidFill>
+                        <a:latin typeface="Cambria Math" panose="02040503050406030204" pitchFamily="18" charset="0"/>
+                        <a:ea typeface="微软雅黑" panose="020B0503020204020204" pitchFamily="34" charset="-122"/>
+                        <a:cs typeface="Times New Roman" panose="02020603050405020304" pitchFamily="18" charset="0"/>
+                      </a:rPr>
+                      <m:t>0</m:t>
+                    </m:r>
+                  </m:oMath>
+                </a14:m>
+                <a:endParaRPr lang="en-US" altLang="zh-CN" sz="2800" b="0" dirty="0">
+                  <a:solidFill>
+                    <a:schemeClr val="tx1"/>
+                  </a:solidFill>
+                  <a:latin typeface="微软雅黑" panose="020B0503020204020204" pitchFamily="34" charset="-122"/>
+                  <a:ea typeface="微软雅黑" panose="020B0503020204020204" pitchFamily="34" charset="-122"/>
+                  <a:cs typeface="Times New Roman" panose="02020603050405020304" pitchFamily="18" charset="0"/>
+                </a:endParaRPr>
+              </a:p>
+              <a:p>
+                <a:pPr lvl="1"/>
+                <a:r>
+                  <a:rPr lang="en-US" altLang="zh-CN" sz="2800" dirty="0">
+                    <a:solidFill>
+                      <a:schemeClr val="accent2"/>
+                    </a:solidFill>
+                    <a:latin typeface="微软雅黑" panose="020B0503020204020204" pitchFamily="34" charset="-122"/>
+                    <a:ea typeface="微软雅黑" panose="020B0503020204020204" pitchFamily="34" charset="-122"/>
+                    <a:cs typeface="Times New Roman" panose="02020603050405020304" pitchFamily="18" charset="0"/>
+                  </a:rPr>
+                  <a:t>     </a:t>
+                </a:r>
+                <a:r>
+                  <a:rPr lang="zh-CN" altLang="en-US" sz="2800" dirty="0">
+                    <a:solidFill>
+                      <a:schemeClr val="tx1"/>
+                    </a:solidFill>
+                    <a:latin typeface="微软雅黑" panose="020B0503020204020204" pitchFamily="34" charset="-122"/>
+                    <a:ea typeface="微软雅黑" panose="020B0503020204020204" pitchFamily="34" charset="-122"/>
+                    <a:cs typeface="Times New Roman" panose="02020603050405020304" pitchFamily="18" charset="0"/>
+                  </a:rPr>
+                  <a:t>则</a:t>
+                </a:r>
+                <a:r>
+                  <a:rPr lang="en-US" altLang="zh-CN" sz="2800" dirty="0">
+                    <a:solidFill>
+                      <a:schemeClr val="tx1"/>
+                    </a:solidFill>
+                    <a:latin typeface="微软雅黑" panose="020B0503020204020204" pitchFamily="34" charset="-122"/>
+                    <a:ea typeface="微软雅黑" panose="020B0503020204020204" pitchFamily="34" charset="-122"/>
+                    <a:cs typeface="Times New Roman" panose="02020603050405020304" pitchFamily="18" charset="0"/>
+                  </a:rPr>
+                  <a:t>B</a:t>
+                </a:r>
+                <a:r>
+                  <a:rPr lang="zh-CN" altLang="en-US" sz="2800" dirty="0">
+                    <a:solidFill>
+                      <a:schemeClr val="tx1"/>
+                    </a:solidFill>
+                    <a:latin typeface="微软雅黑" panose="020B0503020204020204" pitchFamily="34" charset="-122"/>
+                    <a:ea typeface="微软雅黑" panose="020B0503020204020204" pitchFamily="34" charset="-122"/>
+                    <a:cs typeface="Times New Roman" panose="02020603050405020304" pitchFamily="18" charset="0"/>
+                  </a:rPr>
+                  <a:t>在位置</a:t>
+                </a:r>
+                <a14:m>
+                  <m:oMath xmlns:m="http://schemas.openxmlformats.org/officeDocument/2006/math">
+                    <m:r>
+                      <a:rPr lang="en-US" altLang="zh-CN" sz="2800" i="1">
+                        <a:solidFill>
+                          <a:schemeClr val="tx1"/>
+                        </a:solidFill>
+                        <a:latin typeface="Cambria Math" panose="02040503050406030204" pitchFamily="18" charset="0"/>
+                        <a:ea typeface="微软雅黑" panose="020B0503020204020204" pitchFamily="34" charset="-122"/>
+                        <a:cs typeface="Times New Roman" panose="02020603050405020304" pitchFamily="18" charset="0"/>
+                      </a:rPr>
+                      <m:t>𝑖</m:t>
+                    </m:r>
+                  </m:oMath>
+                </a14:m>
+                <a:r>
+                  <a:rPr lang="zh-CN" altLang="en-US" sz="2800" dirty="0">
+                    <a:solidFill>
+                      <a:schemeClr val="tx1"/>
+                    </a:solidFill>
+                    <a:latin typeface="微软雅黑" panose="020B0503020204020204" pitchFamily="34" charset="-122"/>
+                    <a:ea typeface="微软雅黑" panose="020B0503020204020204" pitchFamily="34" charset="-122"/>
+                    <a:cs typeface="Times New Roman" panose="02020603050405020304" pitchFamily="18" charset="0"/>
+                  </a:rPr>
+                  <a:t>的分布为</a:t>
+                </a:r>
+                <a14:m>
+                  <m:oMath xmlns:m="http://schemas.openxmlformats.org/officeDocument/2006/math">
+                    <m:sSub>
+                      <m:sSubPr>
+                        <m:ctrlPr>
+                          <a:rPr lang="en-US" altLang="zh-CN" sz="2800" i="1">
+                            <a:solidFill>
+                              <a:schemeClr val="tx1"/>
+                            </a:solidFill>
+                            <a:latin typeface="Cambria Math" panose="02040503050406030204" pitchFamily="18" charset="0"/>
+                            <a:ea typeface="微软雅黑" panose="020B0503020204020204" pitchFamily="34" charset="-122"/>
+                            <a:cs typeface="Times New Roman" panose="02020603050405020304" pitchFamily="18" charset="0"/>
+                          </a:rPr>
+                        </m:ctrlPr>
+                      </m:sSubPr>
+                      <m:e>
+                        <m:r>
+                          <a:rPr lang="en-US" altLang="zh-CN" sz="2800" i="1">
+                            <a:solidFill>
+                              <a:schemeClr val="tx1"/>
+                            </a:solidFill>
+                            <a:latin typeface="Cambria Math" panose="02040503050406030204" pitchFamily="18" charset="0"/>
+                            <a:ea typeface="微软雅黑" panose="020B0503020204020204" pitchFamily="34" charset="-122"/>
+                            <a:cs typeface="Times New Roman" panose="02020603050405020304" pitchFamily="18" charset="0"/>
+                          </a:rPr>
+                          <m:t>𝑛</m:t>
+                        </m:r>
+                      </m:e>
+                      <m:sub>
+                        <m:r>
+                          <a:rPr lang="en-US" altLang="zh-CN" sz="2800" i="1">
+                            <a:solidFill>
+                              <a:schemeClr val="tx1"/>
+                            </a:solidFill>
+                            <a:latin typeface="Cambria Math" panose="02040503050406030204" pitchFamily="18" charset="0"/>
+                            <a:ea typeface="微软雅黑" panose="020B0503020204020204" pitchFamily="34" charset="-122"/>
+                            <a:cs typeface="Times New Roman" panose="02020603050405020304" pitchFamily="18" charset="0"/>
+                          </a:rPr>
+                          <m:t>𝑖</m:t>
+                        </m:r>
+                      </m:sub>
+                    </m:sSub>
+                  </m:oMath>
+                </a14:m>
+                <a:r>
+                  <a:rPr lang="zh-CN" altLang="en-US" sz="2800" dirty="0">
+                    <a:solidFill>
+                      <a:schemeClr val="tx1"/>
+                    </a:solidFill>
+                    <a:latin typeface="微软雅黑" panose="020B0503020204020204" pitchFamily="34" charset="-122"/>
+                    <a:ea typeface="微软雅黑" panose="020B0503020204020204" pitchFamily="34" charset="-122"/>
+                    <a:cs typeface="Times New Roman" panose="02020603050405020304" pitchFamily="18" charset="0"/>
+                  </a:rPr>
+                  <a:t>，</a:t>
+                </a:r>
+                <a:r>
+                  <a:rPr lang="en-US" altLang="zh-CN" sz="2800" dirty="0">
+                    <a:solidFill>
+                      <a:schemeClr val="tx1"/>
+                    </a:solidFill>
+                    <a:latin typeface="微软雅黑" panose="020B0503020204020204" pitchFamily="34" charset="-122"/>
+                    <a:ea typeface="微软雅黑" panose="020B0503020204020204" pitchFamily="34" charset="-122"/>
+                    <a:cs typeface="Times New Roman" panose="02020603050405020304" pitchFamily="18" charset="0"/>
+                  </a:rPr>
+                  <a:t> A</a:t>
+                </a:r>
+                <a:r>
+                  <a:rPr lang="zh-CN" altLang="en-US" sz="2800" dirty="0">
+                    <a:solidFill>
+                      <a:schemeClr val="tx1"/>
+                    </a:solidFill>
+                    <a:latin typeface="微软雅黑" panose="020B0503020204020204" pitchFamily="34" charset="-122"/>
+                    <a:ea typeface="微软雅黑" panose="020B0503020204020204" pitchFamily="34" charset="-122"/>
+                    <a:cs typeface="Times New Roman" panose="02020603050405020304" pitchFamily="18" charset="0"/>
+                  </a:rPr>
+                  <a:t>在位置</a:t>
+                </a:r>
+                <a14:m>
+                  <m:oMath xmlns:m="http://schemas.openxmlformats.org/officeDocument/2006/math">
+                    <m:r>
+                      <a:rPr lang="en-US" altLang="zh-CN" sz="2800" i="1">
+                        <a:solidFill>
+                          <a:schemeClr val="tx1"/>
+                        </a:solidFill>
+                        <a:latin typeface="Cambria Math" panose="02040503050406030204" pitchFamily="18" charset="0"/>
+                        <a:ea typeface="微软雅黑" panose="020B0503020204020204" pitchFamily="34" charset="-122"/>
+                        <a:cs typeface="Times New Roman" panose="02020603050405020304" pitchFamily="18" charset="0"/>
+                      </a:rPr>
+                      <m:t>𝑖</m:t>
+                    </m:r>
+                  </m:oMath>
+                </a14:m>
+                <a:r>
+                  <a:rPr lang="zh-CN" altLang="en-US" sz="2800" dirty="0">
+                    <a:solidFill>
+                      <a:schemeClr val="tx1"/>
+                    </a:solidFill>
+                    <a:latin typeface="微软雅黑" panose="020B0503020204020204" pitchFamily="34" charset="-122"/>
+                    <a:ea typeface="微软雅黑" panose="020B0503020204020204" pitchFamily="34" charset="-122"/>
+                    <a:cs typeface="Times New Roman" panose="02020603050405020304" pitchFamily="18" charset="0"/>
+                  </a:rPr>
+                  <a:t>的分布为</a:t>
+                </a:r>
+                <a14:m>
+                  <m:oMath xmlns:m="http://schemas.openxmlformats.org/officeDocument/2006/math">
+                    <m:r>
+                      <a:rPr lang="en-US" altLang="zh-CN" sz="2800" dirty="0">
+                        <a:solidFill>
+                          <a:schemeClr val="tx1"/>
+                        </a:solidFill>
+                        <a:latin typeface="Cambria Math" panose="02040503050406030204" pitchFamily="18" charset="0"/>
+                        <a:ea typeface="微软雅黑" panose="020B0503020204020204" pitchFamily="34" charset="-122"/>
+                        <a:cs typeface="Times New Roman" panose="02020603050405020304" pitchFamily="18" charset="0"/>
+                      </a:rPr>
+                      <m:t>1</m:t>
+                    </m:r>
+                    <m:r>
+                      <a:rPr lang="en-US" altLang="zh-CN" sz="2800" b="0" i="0" dirty="0" smtClean="0">
+                        <a:solidFill>
+                          <a:schemeClr val="tx1"/>
+                        </a:solidFill>
+                        <a:latin typeface="Cambria Math" panose="02040503050406030204" pitchFamily="18" charset="0"/>
+                        <a:ea typeface="微软雅黑" panose="020B0503020204020204" pitchFamily="34" charset="-122"/>
+                        <a:cs typeface="Times New Roman" panose="02020603050405020304" pitchFamily="18" charset="0"/>
+                      </a:rPr>
+                      <m:t>−</m:t>
+                    </m:r>
+                    <m:sSub>
+                      <m:sSubPr>
+                        <m:ctrlPr>
+                          <a:rPr lang="en-US" altLang="zh-CN" sz="2800" i="1">
+                            <a:solidFill>
+                              <a:schemeClr val="tx1"/>
+                            </a:solidFill>
+                            <a:latin typeface="Cambria Math" panose="02040503050406030204" pitchFamily="18" charset="0"/>
+                            <a:ea typeface="微软雅黑" panose="020B0503020204020204" pitchFamily="34" charset="-122"/>
+                            <a:cs typeface="Times New Roman" panose="02020603050405020304" pitchFamily="18" charset="0"/>
+                          </a:rPr>
+                        </m:ctrlPr>
+                      </m:sSubPr>
+                      <m:e>
+                        <m:r>
+                          <a:rPr lang="en-US" altLang="zh-CN" sz="2800" i="1">
+                            <a:solidFill>
+                              <a:schemeClr val="tx1"/>
+                            </a:solidFill>
+                            <a:latin typeface="Cambria Math" panose="02040503050406030204" pitchFamily="18" charset="0"/>
+                            <a:ea typeface="微软雅黑" panose="020B0503020204020204" pitchFamily="34" charset="-122"/>
+                            <a:cs typeface="Times New Roman" panose="02020603050405020304" pitchFamily="18" charset="0"/>
+                          </a:rPr>
+                          <m:t>𝑛</m:t>
+                        </m:r>
+                      </m:e>
+                      <m:sub>
+                        <m:r>
+                          <a:rPr lang="en-US" altLang="zh-CN" sz="2800" i="1">
+                            <a:solidFill>
+                              <a:schemeClr val="tx1"/>
+                            </a:solidFill>
+                            <a:latin typeface="Cambria Math" panose="02040503050406030204" pitchFamily="18" charset="0"/>
+                            <a:ea typeface="微软雅黑" panose="020B0503020204020204" pitchFamily="34" charset="-122"/>
+                            <a:cs typeface="Times New Roman" panose="02020603050405020304" pitchFamily="18" charset="0"/>
+                          </a:rPr>
+                          <m:t>𝑖</m:t>
+                        </m:r>
+                      </m:sub>
+                    </m:sSub>
+                  </m:oMath>
+                </a14:m>
+                <a:r>
+                  <a:rPr lang="zh-CN" altLang="en-US" sz="2800" dirty="0">
+                    <a:solidFill>
+                      <a:schemeClr val="tx1"/>
+                    </a:solidFill>
+                    <a:latin typeface="微软雅黑" panose="020B0503020204020204" pitchFamily="34" charset="-122"/>
+                    <a:ea typeface="微软雅黑" panose="020B0503020204020204" pitchFamily="34" charset="-122"/>
+                    <a:cs typeface="Times New Roman" panose="02020603050405020304" pitchFamily="18" charset="0"/>
+                  </a:rPr>
+                  <a:t>，</a:t>
+                </a:r>
+                <a:endParaRPr lang="zh-CN" altLang="en-US" sz="2800" dirty="0">
+                  <a:solidFill>
+                    <a:schemeClr val="accent2"/>
+                  </a:solidFill>
+                  <a:latin typeface="微软雅黑" panose="020B0503020204020204" pitchFamily="34" charset="-122"/>
+                  <a:ea typeface="微软雅黑" panose="020B0503020204020204" pitchFamily="34" charset="-122"/>
+                  <a:cs typeface="Times New Roman" panose="02020603050405020304" pitchFamily="18" charset="0"/>
+                </a:endParaRPr>
+              </a:p>
+            </p:txBody>
+          </p:sp>
+        </mc:Choice>
+        <mc:Fallback>
+          <p:sp>
+            <p:nvSpPr>
+              <p:cNvPr id="10" name="矩形 9">
+                <a:extLst>
+                  <a:ext uri="{FF2B5EF4-FFF2-40B4-BE49-F238E27FC236}">
+                    <a16:creationId xmlns:a16="http://schemas.microsoft.com/office/drawing/2014/main" id="{F637072D-4ADA-4D89-BBB7-2B7B10618213}"/>
+                  </a:ext>
+                </a:extLst>
+              </p:cNvPr>
+              <p:cNvSpPr>
+                <a:spLocks noRot="1" noChangeAspect="1" noMove="1" noResize="1" noEditPoints="1" noAdjustHandles="1" noChangeArrowheads="1" noChangeShapeType="1" noTextEdit="1"/>
+              </p:cNvSpPr>
+              <p:nvPr/>
+            </p:nvSpPr>
+            <p:spPr>
+              <a:xfrm>
+                <a:off x="106637" y="4152450"/>
+                <a:ext cx="11321946" cy="3539430"/>
+              </a:xfrm>
+              <a:prstGeom prst="rect">
+                <a:avLst/>
+              </a:prstGeom>
+              <a:blipFill>
+                <a:blip r:embed="rId4"/>
+                <a:stretch>
+                  <a:fillRect l="-915" t="-1721" b="-3787"/>
+                </a:stretch>
+              </a:blipFill>
+            </p:spPr>
+            <p:txBody>
+              <a:bodyPr/>
+              <a:lstStyle/>
+              <a:p>
+                <a:r>
+                  <a:rPr lang="zh-CN" altLang="en-US">
+                    <a:noFill/>
+                  </a:rPr>
+                  <a:t> </a:t>
+                </a:r>
+              </a:p>
+            </p:txBody>
+          </p:sp>
+        </mc:Fallback>
+      </mc:AlternateContent>
     </p:spTree>
     <p:extLst>
       <p:ext uri="{BB962C8B-B14F-4D97-AF65-F5344CB8AC3E}">

--- a/dynamics/pre.pptx
+++ b/dynamics/pre.pptx
@@ -5,7 +5,7 @@
     <p:sldMasterId id="2147483684" r:id="rId1"/>
   </p:sldMasterIdLst>
   <p:notesMasterIdLst>
-    <p:notesMasterId r:id="rId13"/>
+    <p:notesMasterId r:id="rId16"/>
   </p:notesMasterIdLst>
   <p:sldIdLst>
     <p:sldId id="280" r:id="rId2"/>
@@ -17,8 +17,11 @@
     <p:sldId id="279" r:id="rId8"/>
     <p:sldId id="270" r:id="rId9"/>
     <p:sldId id="281" r:id="rId10"/>
-    <p:sldId id="282" r:id="rId11"/>
-    <p:sldId id="283" r:id="rId12"/>
+    <p:sldId id="285" r:id="rId11"/>
+    <p:sldId id="286" r:id="rId12"/>
+    <p:sldId id="282" r:id="rId13"/>
+    <p:sldId id="283" r:id="rId14"/>
+    <p:sldId id="287" r:id="rId15"/>
   </p:sldIdLst>
   <p:sldSz cx="12192000" cy="9144000"/>
   <p:notesSz cx="6858000" cy="9144000"/>
@@ -4181,7 +4184,7 @@
         <p:spPr>
           <a:xfrm>
             <a:off x="4379640" y="6604335"/>
-            <a:ext cx="2319866" cy="1077218"/>
+            <a:ext cx="2409634" cy="1908215"/>
           </a:xfrm>
           <a:prstGeom prst="rect">
             <a:avLst/>
@@ -4240,7 +4243,64 @@
               <a:rPr lang="zh-CN" altLang="en-US" dirty="0">
                 <a:cs typeface="Times New Roman" panose="02020603050405020304" pitchFamily="18" charset="0"/>
               </a:rPr>
+              <a:t>适合度</a:t>
+            </a:r>
+            <a:endParaRPr lang="en-US" altLang="zh-CN" dirty="0">
+              <a:cs typeface="Times New Roman" panose="02020603050405020304" pitchFamily="18" charset="0"/>
+            </a:endParaRPr>
+          </a:p>
+          <a:p>
+            <a:pPr marL="742950" lvl="1" indent="-285750">
+              <a:buFont typeface="Wingdings" panose="05000000000000000000" pitchFamily="2" charset="2"/>
+              <a:buChar char="p"/>
+            </a:pPr>
+            <a:r>
+              <a:rPr lang="zh-CN" altLang="en-US" dirty="0">
+                <a:cs typeface="Times New Roman" panose="02020603050405020304" pitchFamily="18" charset="0"/>
+              </a:rPr>
               <a:t>平均中性漂变</a:t>
+            </a:r>
+            <a:endParaRPr lang="en-US" altLang="zh-CN" dirty="0">
+              <a:cs typeface="Times New Roman" panose="02020603050405020304" pitchFamily="18" charset="0"/>
+            </a:endParaRPr>
+          </a:p>
+          <a:p>
+            <a:pPr marL="742950" lvl="1" indent="-285750">
+              <a:buFont typeface="Wingdings" panose="05000000000000000000" pitchFamily="2" charset="2"/>
+              <a:buChar char="p"/>
+            </a:pPr>
+            <a:r>
+              <a:rPr lang="zh-CN" altLang="en-US" dirty="0">
+                <a:cs typeface="Times New Roman" panose="02020603050405020304" pitchFamily="18" charset="0"/>
+              </a:rPr>
+              <a:t>网络上</a:t>
+            </a:r>
+            <a:r>
+              <a:rPr lang="en-US" altLang="zh-CN" dirty="0">
+                <a:cs typeface="Times New Roman" panose="02020603050405020304" pitchFamily="18" charset="0"/>
+              </a:rPr>
+              <a:t>BD</a:t>
+            </a:r>
+            <a:r>
+              <a:rPr lang="zh-CN" altLang="en-US" dirty="0">
+                <a:cs typeface="Times New Roman" panose="02020603050405020304" pitchFamily="18" charset="0"/>
+              </a:rPr>
+              <a:t>过程</a:t>
+            </a:r>
+            <a:endParaRPr lang="en-US" altLang="zh-CN" dirty="0">
+              <a:cs typeface="Times New Roman" panose="02020603050405020304" pitchFamily="18" charset="0"/>
+            </a:endParaRPr>
+          </a:p>
+          <a:p>
+            <a:pPr marL="742950" lvl="1" indent="-285750">
+              <a:buFont typeface="Wingdings" panose="05000000000000000000" pitchFamily="2" charset="2"/>
+              <a:buChar char="p"/>
+            </a:pPr>
+            <a:r>
+              <a:rPr lang="zh-CN" altLang="en-US" dirty="0">
+                <a:cs typeface="Times New Roman" panose="02020603050405020304" pitchFamily="18" charset="0"/>
+              </a:rPr>
+              <a:t>仿真算法</a:t>
             </a:r>
             <a:endParaRPr lang="en-US" altLang="zh-CN" dirty="0">
               <a:cs typeface="Times New Roman" panose="02020603050405020304" pitchFamily="18" charset="0"/>
@@ -4301,7 +4361,7 @@
         <p:spPr>
           <a:xfrm>
             <a:off x="6849661" y="6604335"/>
-            <a:ext cx="2836033" cy="1077218"/>
+            <a:ext cx="3243196" cy="1077218"/>
           </a:xfrm>
           <a:prstGeom prst="rect">
             <a:avLst/>
@@ -4345,7 +4405,7 @@
               <a:rPr lang="zh-CN" altLang="en-US" dirty="0">
                 <a:cs typeface="Times New Roman" panose="02020603050405020304" pitchFamily="18" charset="0"/>
               </a:rPr>
-              <a:t>星形图上理论分析</a:t>
+              <a:t>星形图上平均中性漂变</a:t>
             </a:r>
             <a:endParaRPr lang="en-US" altLang="zh-CN" dirty="0">
               <a:cs typeface="Times New Roman" panose="02020603050405020304" pitchFamily="18" charset="0"/>
@@ -4360,7 +4420,7 @@
               <a:rPr lang="zh-CN" altLang="en-US" dirty="0">
                 <a:cs typeface="Times New Roman" panose="02020603050405020304" pitchFamily="18" charset="0"/>
               </a:rPr>
-              <a:t>实验模拟结果分析</a:t>
+              <a:t>复杂网络上仿真结果</a:t>
             </a:r>
             <a:endParaRPr lang="en-US" altLang="zh-CN" dirty="0">
               <a:cs typeface="Times New Roman" panose="02020603050405020304" pitchFamily="18" charset="0"/>
@@ -4466,7 +4526,7 @@
         <p:spPr>
           <a:xfrm>
             <a:off x="106638" y="326480"/>
-            <a:ext cx="10229660" cy="923330"/>
+            <a:ext cx="5482591" cy="769441"/>
           </a:xfrm>
           <a:prstGeom prst="rect">
             <a:avLst/>
@@ -4479,7 +4539,7 @@
           <a:lstStyle/>
           <a:p>
             <a:r>
-              <a:rPr lang="zh-CN" altLang="en-US" sz="5400" dirty="0">
+              <a:rPr lang="zh-CN" altLang="en-US" sz="4400" dirty="0">
                 <a:solidFill>
                   <a:srgbClr val="FCFCFF"/>
                 </a:solidFill>
@@ -4487,9 +4547,31 @@
                 <a:ea typeface="微软雅黑" panose="020B0503020204020204" pitchFamily="34" charset="-122"/>
                 <a:cs typeface="Times New Roman" panose="02020603050405020304" pitchFamily="18" charset="0"/>
               </a:rPr>
-              <a:t>结果和讨论：星形图上理论分析</a:t>
+              <a:t>模型：网络上</a:t>
             </a:r>
-            <a:endParaRPr lang="zh-CN" altLang="en-US" sz="5400" dirty="0">
+            <a:r>
+              <a:rPr lang="en-US" altLang="zh-CN" sz="4400" dirty="0">
+                <a:solidFill>
+                  <a:srgbClr val="FCFCFF"/>
+                </a:solidFill>
+                <a:latin typeface="微软雅黑" panose="020B0503020204020204" pitchFamily="34" charset="-122"/>
+                <a:ea typeface="微软雅黑" panose="020B0503020204020204" pitchFamily="34" charset="-122"/>
+                <a:cs typeface="Times New Roman" panose="02020603050405020304" pitchFamily="18" charset="0"/>
+              </a:rPr>
+              <a:t>BD</a:t>
+            </a:r>
+            <a:r>
+              <a:rPr lang="zh-CN" altLang="en-US" sz="4400" dirty="0">
+                <a:solidFill>
+                  <a:srgbClr val="FCFCFF"/>
+                </a:solidFill>
+                <a:latin typeface="微软雅黑" panose="020B0503020204020204" pitchFamily="34" charset="-122"/>
+                <a:ea typeface="微软雅黑" panose="020B0503020204020204" pitchFamily="34" charset="-122"/>
+                <a:cs typeface="Times New Roman" panose="02020603050405020304" pitchFamily="18" charset="0"/>
+              </a:rPr>
+              <a:t>过程</a:t>
+            </a:r>
+            <a:endParaRPr lang="zh-CN" altLang="en-US" sz="4400" dirty="0">
               <a:solidFill>
                 <a:srgbClr val="FCFCFF"/>
               </a:solidFill>
@@ -4501,10 +4583,10 @@
       </p:sp>
       <p:pic>
         <p:nvPicPr>
-          <p:cNvPr id="3" name="图片 2">
+          <p:cNvPr id="2" name="图片 1">
             <a:extLst>
               <a:ext uri="{FF2B5EF4-FFF2-40B4-BE49-F238E27FC236}">
-                <a16:creationId xmlns:a16="http://schemas.microsoft.com/office/drawing/2014/main" id="{57556333-09E1-4E96-92ED-7AF18310552A}"/>
+                <a16:creationId xmlns:a16="http://schemas.microsoft.com/office/drawing/2014/main" id="{AFD7DDAA-38E7-4263-86CA-750619CCE946}"/>
               </a:ext>
             </a:extLst>
           </p:cNvPr>
@@ -4521,38 +4603,8 @@
         </p:blipFill>
         <p:spPr>
           <a:xfrm>
-            <a:off x="298914" y="1487653"/>
-            <a:ext cx="5797086" cy="3084347"/>
-          </a:xfrm>
-          <a:prstGeom prst="rect">
-            <a:avLst/>
-          </a:prstGeom>
-        </p:spPr>
-      </p:pic>
-      <p:pic>
-        <p:nvPicPr>
-          <p:cNvPr id="5" name="图片 4">
-            <a:extLst>
-              <a:ext uri="{FF2B5EF4-FFF2-40B4-BE49-F238E27FC236}">
-                <a16:creationId xmlns:a16="http://schemas.microsoft.com/office/drawing/2014/main" id="{DEA76FB5-317C-4F5B-99D4-680020E6A56F}"/>
-              </a:ext>
-            </a:extLst>
-          </p:cNvPr>
-          <p:cNvPicPr>
-            <a:picLocks noChangeAspect="1"/>
-          </p:cNvPicPr>
-          <p:nvPr/>
-        </p:nvPicPr>
-        <p:blipFill>
-          <a:blip r:embed="rId3"/>
-          <a:stretch>
-            <a:fillRect/>
-          </a:stretch>
-        </p:blipFill>
-        <p:spPr>
-          <a:xfrm>
-            <a:off x="1955800" y="4784125"/>
-            <a:ext cx="8633278" cy="4033395"/>
+            <a:off x="225458" y="4432880"/>
+            <a:ext cx="4086892" cy="3949700"/>
           </a:xfrm>
           <a:prstGeom prst="rect">
             <a:avLst/>
@@ -4563,10 +4615,10 @@
         <mc:Choice xmlns:a14="http://schemas.microsoft.com/office/drawing/2010/main" Requires="a14">
           <p:sp>
             <p:nvSpPr>
-              <p:cNvPr id="8" name="矩形 7">
+              <p:cNvPr id="6" name="矩形 5">
                 <a:extLst>
                   <a:ext uri="{FF2B5EF4-FFF2-40B4-BE49-F238E27FC236}">
-                    <a16:creationId xmlns:a16="http://schemas.microsoft.com/office/drawing/2014/main" id="{372CE707-96EF-4B6E-874B-E3DD6917C95F}"/>
+                    <a16:creationId xmlns:a16="http://schemas.microsoft.com/office/drawing/2014/main" id="{3EDC814A-58B1-42E5-9BB9-F082826C19C3}"/>
                   </a:ext>
                 </a:extLst>
               </p:cNvPr>
@@ -4575,8 +4627,8 @@
             </p:nvSpPr>
             <p:spPr>
               <a:xfrm>
-                <a:off x="6810140" y="2674903"/>
-                <a:ext cx="3526158" cy="700256"/>
+                <a:off x="4742259" y="4509566"/>
+                <a:ext cx="7391703" cy="2271006"/>
               </a:xfrm>
               <a:prstGeom prst="rect">
                 <a:avLst/>
@@ -4588,143 +4640,640 @@
               </a:bodyPr>
               <a:lstStyle/>
               <a:p>
+                <a:r>
+                  <a:rPr lang="zh-CN" altLang="en-US" sz="2400" dirty="0"/>
+                  <a:t>以概率</a:t>
+                </a:r>
                 <a14:m>
                   <m:oMath xmlns:m="http://schemas.openxmlformats.org/officeDocument/2006/math">
-                    <m:sSubSup>
-                      <m:sSubSupPr>
+                    <m:r>
+                      <a:rPr lang="en-US" altLang="zh-CN" sz="2400" i="1" dirty="0">
+                        <a:latin typeface="Cambria Math" panose="02040503050406030204" pitchFamily="18" charset="0"/>
+                      </a:rPr>
+                      <m:t>1</m:t>
+                    </m:r>
+                    <m:r>
+                      <a:rPr lang="en-US" altLang="zh-CN" sz="2400" i="1" dirty="0" smtClean="0">
+                        <a:latin typeface="Cambria Math" panose="02040503050406030204" pitchFamily="18" charset="0"/>
+                      </a:rPr>
+                      <m:t>/</m:t>
+                    </m:r>
+                    <m:r>
+                      <a:rPr lang="en-US" altLang="zh-CN" sz="2400" i="1" dirty="0">
+                        <a:latin typeface="Cambria Math" panose="02040503050406030204" pitchFamily="18" charset="0"/>
+                      </a:rPr>
+                      <m:t>1</m:t>
+                    </m:r>
+                    <m:r>
+                      <a:rPr lang="en-US" altLang="zh-CN" sz="2400" i="1" dirty="0" smtClean="0">
+                        <a:latin typeface="Cambria Math" panose="02040503050406030204" pitchFamily="18" charset="0"/>
+                      </a:rPr>
+                      <m:t>2</m:t>
+                    </m:r>
+                  </m:oMath>
+                </a14:m>
+                <a:r>
+                  <a:rPr lang="zh-CN" altLang="en-US" sz="2400" dirty="0"/>
+                  <a:t>选择结点</a:t>
+                </a:r>
+                <a:r>
+                  <a:rPr lang="en-US" altLang="zh-CN" sz="2400" dirty="0"/>
+                  <a:t>11</a:t>
+                </a:r>
+                <a:r>
+                  <a:rPr lang="zh-CN" altLang="en-US" sz="2400" dirty="0"/>
+                  <a:t>繁殖</a:t>
+                </a:r>
+                <a:endParaRPr lang="en-US" altLang="zh-CN" sz="2400" dirty="0"/>
+              </a:p>
+              <a:p>
+                <a:r>
+                  <a:rPr lang="zh-CN" altLang="en-US" sz="2400" dirty="0"/>
+                  <a:t>邻居：</a:t>
+                </a:r>
+                <a:r>
+                  <a:rPr lang="en-US" altLang="zh-CN" sz="2400" dirty="0"/>
+                  <a:t>{</a:t>
+                </a:r>
+                <a:r>
+                  <a:rPr lang="en-US" altLang="zh-CN" sz="2400" dirty="0">
+                    <a:solidFill>
+                      <a:srgbClr val="1F77B4"/>
+                    </a:solidFill>
+                  </a:rPr>
+                  <a:t>1</a:t>
+                </a:r>
+                <a:r>
+                  <a:rPr lang="en-US" altLang="zh-CN" sz="2400" dirty="0"/>
+                  <a:t>, </a:t>
+                </a:r>
+                <a:r>
+                  <a:rPr lang="en-US" altLang="zh-CN" sz="2400" dirty="0">
+                    <a:solidFill>
+                      <a:srgbClr val="D62728"/>
+                    </a:solidFill>
+                  </a:rPr>
+                  <a:t>2</a:t>
+                </a:r>
+                <a:r>
+                  <a:rPr lang="en-US" altLang="zh-CN" sz="2400" dirty="0"/>
+                  <a:t>, </a:t>
+                </a:r>
+                <a:r>
+                  <a:rPr lang="en-US" altLang="zh-CN" sz="2400" dirty="0">
+                    <a:solidFill>
+                      <a:srgbClr val="1F77B4"/>
+                    </a:solidFill>
+                  </a:rPr>
+                  <a:t>4</a:t>
+                </a:r>
+                <a:r>
+                  <a:rPr lang="en-US" altLang="zh-CN" sz="2400" dirty="0"/>
+                  <a:t>, </a:t>
+                </a:r>
+                <a:r>
+                  <a:rPr lang="en-US" altLang="zh-CN" sz="2400" dirty="0">
+                    <a:solidFill>
+                      <a:srgbClr val="D62728"/>
+                    </a:solidFill>
+                  </a:rPr>
+                  <a:t>6</a:t>
+                </a:r>
+                <a:r>
+                  <a:rPr lang="en-US" altLang="zh-CN" sz="2400" dirty="0"/>
+                  <a:t>, </a:t>
+                </a:r>
+                <a:r>
+                  <a:rPr lang="en-US" altLang="zh-CN" sz="2400" dirty="0">
+                    <a:solidFill>
+                      <a:srgbClr val="1F77B4"/>
+                    </a:solidFill>
+                  </a:rPr>
+                  <a:t>7</a:t>
+                </a:r>
+                <a:r>
+                  <a:rPr lang="en-US" altLang="zh-CN" sz="2400" dirty="0"/>
+                  <a:t>, </a:t>
+                </a:r>
+                <a:r>
+                  <a:rPr lang="en-US" altLang="zh-CN" sz="2400" dirty="0">
+                    <a:solidFill>
+                      <a:srgbClr val="D62728"/>
+                    </a:solidFill>
+                  </a:rPr>
+                  <a:t>10</a:t>
+                </a:r>
+                <a:r>
+                  <a:rPr lang="en-US" altLang="zh-CN" sz="2400" dirty="0"/>
+                  <a:t>}</a:t>
+                </a:r>
+              </a:p>
+              <a:p>
+                <a:r>
+                  <a:rPr lang="zh-CN" altLang="en-US" sz="2400" dirty="0"/>
+                  <a:t>野生型</a:t>
+                </a:r>
+                <a:r>
+                  <a:rPr lang="en-US" altLang="zh-CN" sz="2400" dirty="0">
+                    <a:solidFill>
+                      <a:srgbClr val="1F77B4"/>
+                    </a:solidFill>
+                  </a:rPr>
+                  <a:t>A</a:t>
+                </a:r>
+                <a:r>
+                  <a:rPr lang="zh-CN" altLang="en-US" sz="2400" dirty="0"/>
+                  <a:t>：</a:t>
+                </a:r>
+                <a:r>
+                  <a:rPr lang="en-US" altLang="zh-CN" sz="2400" dirty="0"/>
+                  <a:t>{</a:t>
+                </a:r>
+                <a:r>
+                  <a:rPr lang="en-US" altLang="zh-CN" sz="2400" dirty="0">
+                    <a:solidFill>
+                      <a:srgbClr val="1F77B4"/>
+                    </a:solidFill>
+                  </a:rPr>
+                  <a:t>1</a:t>
+                </a:r>
+                <a:r>
+                  <a:rPr lang="en-US" altLang="zh-CN" sz="2400" dirty="0"/>
+                  <a:t>, </a:t>
+                </a:r>
+                <a:r>
+                  <a:rPr lang="en-US" altLang="zh-CN" sz="2400" dirty="0">
+                    <a:solidFill>
+                      <a:srgbClr val="1F77B4"/>
+                    </a:solidFill>
+                  </a:rPr>
+                  <a:t>4</a:t>
+                </a:r>
+                <a:r>
+                  <a:rPr lang="en-US" altLang="zh-CN" sz="2400" dirty="0"/>
+                  <a:t>, </a:t>
+                </a:r>
+                <a:r>
+                  <a:rPr lang="en-US" altLang="zh-CN" sz="2400" dirty="0">
+                    <a:solidFill>
+                      <a:srgbClr val="1F77B4"/>
+                    </a:solidFill>
+                  </a:rPr>
+                  <a:t>7</a:t>
+                </a:r>
+                <a:r>
+                  <a:rPr lang="en-US" altLang="zh-CN" sz="2400" dirty="0"/>
+                  <a:t>}  </a:t>
+                </a:r>
+                <a:r>
+                  <a:rPr lang="zh-CN" altLang="en-US" sz="2400" dirty="0"/>
+                  <a:t>死亡率</a:t>
+                </a:r>
+                <a14:m>
+                  <m:oMath xmlns:m="http://schemas.openxmlformats.org/officeDocument/2006/math">
+                    <m:sSub>
+                      <m:sSubPr>
                         <m:ctrlPr>
-                          <a:rPr lang="en-US" altLang="zh-CN" b="0" i="1" smtClean="0">
+                          <a:rPr lang="en-US" altLang="zh-CN" sz="2400" b="0" i="1" smtClean="0">
                             <a:latin typeface="Cambria Math" panose="02040503050406030204" pitchFamily="18" charset="0"/>
                           </a:rPr>
                         </m:ctrlPr>
-                      </m:sSubSupPr>
+                      </m:sSubPr>
                       <m:e>
                         <m:r>
-                          <a:rPr lang="en-US" altLang="zh-CN" b="0" i="1" smtClean="0">
+                          <a:rPr lang="en-US" altLang="zh-CN" sz="2400" b="0" i="1" smtClean="0">
                             <a:latin typeface="Cambria Math" panose="02040503050406030204" pitchFamily="18" charset="0"/>
                           </a:rPr>
-                          <m:t>𝜋</m:t>
+                          <m:t>𝑑</m:t>
                         </m:r>
                       </m:e>
                       <m:sub>
                         <m:r>
-                          <a:rPr lang="en-US" altLang="zh-CN" b="0" i="1" smtClean="0">
+                          <a:rPr lang="en-US" altLang="zh-CN" sz="2400" b="0" i="1" smtClean="0">
                             <a:latin typeface="Cambria Math" panose="02040503050406030204" pitchFamily="18" charset="0"/>
                           </a:rPr>
-                          <m:t>𝑖</m:t>
+                          <m:t>𝐴</m:t>
                         </m:r>
                       </m:sub>
-                      <m:sup>
-                        <m:r>
-                          <a:rPr lang="en-US" altLang="zh-CN" b="0" i="1" smtClean="0">
-                            <a:latin typeface="Cambria Math" panose="02040503050406030204" pitchFamily="18" charset="0"/>
-                          </a:rPr>
-                          <m:t>1</m:t>
-                        </m:r>
-                      </m:sup>
-                    </m:sSubSup>
-                  </m:oMath>
-                </a14:m>
-                <a:r>
-                  <a:rPr lang="zh-CN" altLang="en-US" dirty="0"/>
-                  <a:t>是开始状态为</a:t>
-                </a:r>
-                <a14:m>
-                  <m:oMath xmlns:m="http://schemas.openxmlformats.org/officeDocument/2006/math">
+                    </m:sSub>
                     <m:r>
-                      <a:rPr lang="en-US" altLang="zh-CN" b="0" i="1" smtClean="0">
+                      <a:rPr lang="en-US" altLang="zh-CN" sz="2400" b="0" i="1" smtClean="0">
                         <a:latin typeface="Cambria Math" panose="02040503050406030204" pitchFamily="18" charset="0"/>
                       </a:rPr>
-                      <m:t>(</m:t>
-                    </m:r>
-                    <m:r>
-                      <a:rPr lang="en-US" altLang="zh-CN" b="0" i="1" smtClean="0">
-                        <a:latin typeface="Cambria Math" panose="02040503050406030204" pitchFamily="18" charset="0"/>
-                      </a:rPr>
-                      <m:t>𝑖</m:t>
-                    </m:r>
-                    <m:r>
-                      <a:rPr lang="en-US" altLang="zh-CN" b="0" i="1" smtClean="0">
-                        <a:latin typeface="Cambria Math" panose="02040503050406030204" pitchFamily="18" charset="0"/>
-                      </a:rPr>
-                      <m:t>,1)</m:t>
+                      <m:t>=1</m:t>
                     </m:r>
                   </m:oMath>
                 </a14:m>
-                <a:r>
-                  <a:rPr lang="zh-CN" altLang="en-US" dirty="0"/>
-                  <a:t>的固定概率</a:t>
-                </a:r>
-                <a:endParaRPr lang="en-US" altLang="zh-CN" dirty="0"/>
+                <a:endParaRPr lang="en-US" altLang="zh-CN" sz="2400" dirty="0"/>
               </a:p>
               <a:p>
+                <a:r>
+                  <a:rPr lang="zh-CN" altLang="en-US" sz="2400" dirty="0"/>
+                  <a:t>突变型</a:t>
+                </a:r>
+                <a:r>
+                  <a:rPr lang="en-US" altLang="zh-CN" sz="2400" dirty="0">
+                    <a:solidFill>
+                      <a:srgbClr val="D62728"/>
+                    </a:solidFill>
+                  </a:rPr>
+                  <a:t>B</a:t>
+                </a:r>
+                <a:r>
+                  <a:rPr lang="zh-CN" altLang="en-US" sz="2400" dirty="0"/>
+                  <a:t>：</a:t>
+                </a:r>
+                <a:r>
+                  <a:rPr lang="en-US" altLang="zh-CN" sz="2400" dirty="0"/>
+                  <a:t>{</a:t>
+                </a:r>
+                <a:r>
+                  <a:rPr lang="en-US" altLang="zh-CN" sz="2400" dirty="0">
+                    <a:solidFill>
+                      <a:srgbClr val="D62728"/>
+                    </a:solidFill>
+                  </a:rPr>
+                  <a:t>2</a:t>
+                </a:r>
+                <a:r>
+                  <a:rPr lang="en-US" altLang="zh-CN" sz="2400" dirty="0"/>
+                  <a:t>, </a:t>
+                </a:r>
+                <a:r>
+                  <a:rPr lang="en-US" altLang="zh-CN" sz="2400" dirty="0">
+                    <a:solidFill>
+                      <a:srgbClr val="D62728"/>
+                    </a:solidFill>
+                  </a:rPr>
+                  <a:t>6</a:t>
+                </a:r>
+                <a:r>
+                  <a:rPr lang="en-US" altLang="zh-CN" sz="2400" dirty="0"/>
+                  <a:t>, </a:t>
+                </a:r>
+                <a:r>
+                  <a:rPr lang="en-US" altLang="zh-CN" sz="2400" dirty="0">
+                    <a:solidFill>
+                      <a:srgbClr val="D62728"/>
+                    </a:solidFill>
+                  </a:rPr>
+                  <a:t>10</a:t>
+                </a:r>
+                <a:r>
+                  <a:rPr lang="en-US" altLang="zh-CN" sz="2400" dirty="0"/>
+                  <a:t>} </a:t>
+                </a:r>
                 <a14:m>
                   <m:oMath xmlns:m="http://schemas.openxmlformats.org/officeDocument/2006/math">
-                    <m:sSubSup>
-                      <m:sSubSupPr>
+                    <m:sSub>
+                      <m:sSubPr>
                         <m:ctrlPr>
-                          <a:rPr lang="en-US" altLang="zh-CN" i="1">
+                          <a:rPr lang="en-US" altLang="zh-CN" sz="2400" b="0" i="1" smtClean="0">
                             <a:latin typeface="Cambria Math" panose="02040503050406030204" pitchFamily="18" charset="0"/>
                           </a:rPr>
                         </m:ctrlPr>
-                      </m:sSubSupPr>
+                      </m:sSubPr>
                       <m:e>
                         <m:r>
-                          <a:rPr lang="en-US" altLang="zh-CN" i="1">
+                          <a:rPr lang="en-US" altLang="zh-CN" sz="2400" b="0" i="1" smtClean="0">
                             <a:latin typeface="Cambria Math" panose="02040503050406030204" pitchFamily="18" charset="0"/>
                           </a:rPr>
-                          <m:t>𝜋</m:t>
+                          <m:t>𝑘</m:t>
                         </m:r>
                       </m:e>
                       <m:sub>
                         <m:r>
-                          <a:rPr lang="en-US" altLang="zh-CN" b="0" i="1" smtClean="0">
+                          <a:rPr lang="en-US" altLang="zh-CN" sz="2400" b="0" i="1" smtClean="0">
                             <a:latin typeface="Cambria Math" panose="02040503050406030204" pitchFamily="18" charset="0"/>
                           </a:rPr>
-                          <m:t>𝑖</m:t>
+                          <m:t>2</m:t>
                         </m:r>
                       </m:sub>
-                      <m:sup>
-                        <m:r>
-                          <a:rPr lang="en-US" altLang="zh-CN" b="0" i="1" smtClean="0">
+                    </m:sSub>
+                    <m:r>
+                      <a:rPr lang="en-US" altLang="zh-CN" sz="2400" b="0" i="1" smtClean="0">
+                        <a:latin typeface="Cambria Math" panose="02040503050406030204" pitchFamily="18" charset="0"/>
+                      </a:rPr>
+                      <m:t>=2,</m:t>
+                    </m:r>
+                    <m:sSub>
+                      <m:sSubPr>
+                        <m:ctrlPr>
+                          <a:rPr lang="en-US" altLang="zh-CN" sz="2400" b="0" i="1" smtClean="0">
                             <a:latin typeface="Cambria Math" panose="02040503050406030204" pitchFamily="18" charset="0"/>
                           </a:rPr>
-                          <m:t>0</m:t>
+                        </m:ctrlPr>
+                      </m:sSubPr>
+                      <m:e>
+                        <m:r>
+                          <a:rPr lang="en-US" altLang="zh-CN" sz="2400" b="0" i="1" smtClean="0">
+                            <a:latin typeface="Cambria Math" panose="02040503050406030204" pitchFamily="18" charset="0"/>
+                          </a:rPr>
+                          <m:t>𝑘</m:t>
                         </m:r>
-                      </m:sup>
-                    </m:sSubSup>
-                  </m:oMath>
-                </a14:m>
-                <a:r>
-                  <a:rPr lang="zh-CN" altLang="en-US" dirty="0"/>
-                  <a:t>是开始状态为</a:t>
-                </a:r>
-                <a14:m>
-                  <m:oMath xmlns:m="http://schemas.openxmlformats.org/officeDocument/2006/math">
+                      </m:e>
+                      <m:sub>
+                        <m:r>
+                          <a:rPr lang="en-US" altLang="zh-CN" sz="2400" b="0" i="1" smtClean="0">
+                            <a:latin typeface="Cambria Math" panose="02040503050406030204" pitchFamily="18" charset="0"/>
+                          </a:rPr>
+                          <m:t>6</m:t>
+                        </m:r>
+                      </m:sub>
+                    </m:sSub>
                     <m:r>
-                      <a:rPr lang="en-US" altLang="zh-CN" i="1">
+                      <a:rPr lang="en-US" altLang="zh-CN" sz="2400" b="0" i="1" smtClean="0">
                         <a:latin typeface="Cambria Math" panose="02040503050406030204" pitchFamily="18" charset="0"/>
                       </a:rPr>
-                      <m:t>(</m:t>
+                      <m:t>=2,</m:t>
+                    </m:r>
+                    <m:sSub>
+                      <m:sSubPr>
+                        <m:ctrlPr>
+                          <a:rPr lang="en-US" altLang="zh-CN" sz="2400" b="0" i="1" smtClean="0">
+                            <a:latin typeface="Cambria Math" panose="02040503050406030204" pitchFamily="18" charset="0"/>
+                          </a:rPr>
+                        </m:ctrlPr>
+                      </m:sSubPr>
+                      <m:e>
+                        <m:r>
+                          <a:rPr lang="en-US" altLang="zh-CN" sz="2400" b="0" i="1" smtClean="0">
+                            <a:latin typeface="Cambria Math" panose="02040503050406030204" pitchFamily="18" charset="0"/>
+                          </a:rPr>
+                          <m:t>𝑘</m:t>
+                        </m:r>
+                      </m:e>
+                      <m:sub>
+                        <m:r>
+                          <a:rPr lang="en-US" altLang="zh-CN" sz="2400" b="0" i="1" smtClean="0">
+                            <a:latin typeface="Cambria Math" panose="02040503050406030204" pitchFamily="18" charset="0"/>
+                          </a:rPr>
+                          <m:t>10</m:t>
+                        </m:r>
+                      </m:sub>
+                    </m:sSub>
+                    <m:r>
+                      <a:rPr lang="en-US" altLang="zh-CN" sz="2400" b="0" i="1" smtClean="0">
+                        <a:latin typeface="Cambria Math" panose="02040503050406030204" pitchFamily="18" charset="0"/>
+                      </a:rPr>
+                      <m:t>=5, &lt;</m:t>
                     </m:r>
                     <m:r>
-                      <a:rPr lang="en-US" altLang="zh-CN" i="1">
+                      <a:rPr lang="en-US" altLang="zh-CN" sz="2400" b="0" i="1" smtClean="0">
                         <a:latin typeface="Cambria Math" panose="02040503050406030204" pitchFamily="18" charset="0"/>
                       </a:rPr>
-                      <m:t>𝑖</m:t>
+                      <m:t>𝑘</m:t>
                     </m:r>
                     <m:r>
-                      <a:rPr lang="en-US" altLang="zh-CN" i="1">
+                      <a:rPr lang="en-US" altLang="zh-CN" sz="2400" b="0" i="1" smtClean="0">
                         <a:latin typeface="Cambria Math" panose="02040503050406030204" pitchFamily="18" charset="0"/>
                       </a:rPr>
-                      <m:t>,0)</m:t>
+                      <m:t>&gt; =3</m:t>
                     </m:r>
                   </m:oMath>
                 </a14:m>
-                <a:r>
-                  <a:rPr lang="zh-CN" altLang="en-US" dirty="0"/>
-                  <a:t>的固定概率</a:t>
-                </a:r>
+                <a:endParaRPr lang="en-US" altLang="zh-CN" sz="2400" dirty="0"/>
+              </a:p>
+              <a:p>
+                <a:pPr/>
+                <a14:m>
+                  <m:oMathPara xmlns:m="http://schemas.openxmlformats.org/officeDocument/2006/math">
+                    <m:oMathParaPr>
+                      <m:jc m:val="centerGroup"/>
+                    </m:oMathParaPr>
+                    <m:oMath xmlns:m="http://schemas.openxmlformats.org/officeDocument/2006/math">
+                      <m:sSubSup>
+                        <m:sSubSupPr>
+                          <m:ctrlPr>
+                            <a:rPr lang="en-US" altLang="zh-CN" sz="2400" b="0" i="1" smtClean="0">
+                              <a:latin typeface="Cambria Math" panose="02040503050406030204" pitchFamily="18" charset="0"/>
+                            </a:rPr>
+                          </m:ctrlPr>
+                        </m:sSubSupPr>
+                        <m:e>
+                          <m:r>
+                            <a:rPr lang="en-US" altLang="zh-CN" sz="2400" b="0" i="1" smtClean="0">
+                              <a:latin typeface="Cambria Math" panose="02040503050406030204" pitchFamily="18" charset="0"/>
+                            </a:rPr>
+                            <m:t>𝑑</m:t>
+                          </m:r>
+                        </m:e>
+                        <m:sub>
+                          <m:r>
+                            <a:rPr lang="en-US" altLang="zh-CN" sz="2400" b="0" i="1" smtClean="0">
+                              <a:latin typeface="Cambria Math" panose="02040503050406030204" pitchFamily="18" charset="0"/>
+                            </a:rPr>
+                            <m:t>𝐵</m:t>
+                          </m:r>
+                        </m:sub>
+                        <m:sup>
+                          <m:r>
+                            <a:rPr lang="en-US" altLang="zh-CN" sz="2400" b="0" i="1" smtClean="0">
+                              <a:latin typeface="Cambria Math" panose="02040503050406030204" pitchFamily="18" charset="0"/>
+                            </a:rPr>
+                            <m:t>(2)</m:t>
+                          </m:r>
+                        </m:sup>
+                      </m:sSubSup>
+                      <m:r>
+                        <a:rPr lang="en-US" altLang="zh-CN" sz="2400" b="0" i="1" smtClean="0">
+                          <a:latin typeface="Cambria Math" panose="02040503050406030204" pitchFamily="18" charset="0"/>
+                        </a:rPr>
+                        <m:t>=</m:t>
+                      </m:r>
+                      <m:f>
+                        <m:fPr>
+                          <m:ctrlPr>
+                            <a:rPr lang="en-US" altLang="zh-CN" sz="2400" b="0" i="1" smtClean="0">
+                              <a:latin typeface="Cambria Math" panose="02040503050406030204" pitchFamily="18" charset="0"/>
+                            </a:rPr>
+                          </m:ctrlPr>
+                        </m:fPr>
+                        <m:num>
+                          <m:r>
+                            <a:rPr lang="en-US" altLang="zh-CN" sz="2400" b="0" i="1" smtClean="0">
+                              <a:latin typeface="Cambria Math" panose="02040503050406030204" pitchFamily="18" charset="0"/>
+                            </a:rPr>
+                            <m:t>2</m:t>
+                          </m:r>
+                        </m:num>
+                        <m:den>
+                          <m:r>
+                            <a:rPr lang="en-US" altLang="zh-CN" sz="2400" b="0" i="1" smtClean="0">
+                              <a:latin typeface="Cambria Math" panose="02040503050406030204" pitchFamily="18" charset="0"/>
+                            </a:rPr>
+                            <m:t>3</m:t>
+                          </m:r>
+                        </m:den>
+                      </m:f>
+                      <m:r>
+                        <a:rPr lang="en-US" altLang="zh-CN" sz="2400" b="0" i="1" smtClean="0">
+                          <a:latin typeface="Cambria Math" panose="02040503050406030204" pitchFamily="18" charset="0"/>
+                        </a:rPr>
+                        <m:t>,</m:t>
+                      </m:r>
+                      <m:sSubSup>
+                        <m:sSubSupPr>
+                          <m:ctrlPr>
+                            <a:rPr lang="en-US" altLang="zh-CN" sz="2400" i="1">
+                              <a:latin typeface="Cambria Math" panose="02040503050406030204" pitchFamily="18" charset="0"/>
+                            </a:rPr>
+                          </m:ctrlPr>
+                        </m:sSubSupPr>
+                        <m:e>
+                          <m:r>
+                            <a:rPr lang="en-US" altLang="zh-CN" sz="2400" i="1">
+                              <a:latin typeface="Cambria Math" panose="02040503050406030204" pitchFamily="18" charset="0"/>
+                            </a:rPr>
+                            <m:t>𝑑</m:t>
+                          </m:r>
+                        </m:e>
+                        <m:sub>
+                          <m:r>
+                            <a:rPr lang="en-US" altLang="zh-CN" sz="2400" i="1">
+                              <a:latin typeface="Cambria Math" panose="02040503050406030204" pitchFamily="18" charset="0"/>
+                            </a:rPr>
+                            <m:t>𝐵</m:t>
+                          </m:r>
+                        </m:sub>
+                        <m:sup>
+                          <m:r>
+                            <a:rPr lang="en-US" altLang="zh-CN" sz="2400" i="1">
+                              <a:latin typeface="Cambria Math" panose="02040503050406030204" pitchFamily="18" charset="0"/>
+                            </a:rPr>
+                            <m:t>(</m:t>
+                          </m:r>
+                          <m:r>
+                            <a:rPr lang="en-US" altLang="zh-CN" sz="2400" b="0" i="1" smtClean="0">
+                              <a:latin typeface="Cambria Math" panose="02040503050406030204" pitchFamily="18" charset="0"/>
+                            </a:rPr>
+                            <m:t>6</m:t>
+                          </m:r>
+                          <m:r>
+                            <a:rPr lang="en-US" altLang="zh-CN" sz="2400" i="1">
+                              <a:latin typeface="Cambria Math" panose="02040503050406030204" pitchFamily="18" charset="0"/>
+                            </a:rPr>
+                            <m:t>)</m:t>
+                          </m:r>
+                        </m:sup>
+                      </m:sSubSup>
+                      <m:r>
+                        <a:rPr lang="en-US" altLang="zh-CN" sz="2400" i="1">
+                          <a:latin typeface="Cambria Math" panose="02040503050406030204" pitchFamily="18" charset="0"/>
+                        </a:rPr>
+                        <m:t>=</m:t>
+                      </m:r>
+                      <m:f>
+                        <m:fPr>
+                          <m:ctrlPr>
+                            <a:rPr lang="en-US" altLang="zh-CN" sz="2400" i="1">
+                              <a:latin typeface="Cambria Math" panose="02040503050406030204" pitchFamily="18" charset="0"/>
+                            </a:rPr>
+                          </m:ctrlPr>
+                        </m:fPr>
+                        <m:num>
+                          <m:r>
+                            <a:rPr lang="en-US" altLang="zh-CN" sz="2400" i="1">
+                              <a:latin typeface="Cambria Math" panose="02040503050406030204" pitchFamily="18" charset="0"/>
+                            </a:rPr>
+                            <m:t>2</m:t>
+                          </m:r>
+                        </m:num>
+                        <m:den>
+                          <m:r>
+                            <a:rPr lang="en-US" altLang="zh-CN" sz="2400" i="1">
+                              <a:latin typeface="Cambria Math" panose="02040503050406030204" pitchFamily="18" charset="0"/>
+                            </a:rPr>
+                            <m:t>3</m:t>
+                          </m:r>
+                        </m:den>
+                      </m:f>
+                      <m:r>
+                        <a:rPr lang="en-US" altLang="zh-CN" sz="2400" b="0" i="1" smtClean="0">
+                          <a:latin typeface="Cambria Math" panose="02040503050406030204" pitchFamily="18" charset="0"/>
+                        </a:rPr>
+                        <m:t>,</m:t>
+                      </m:r>
+                      <m:sSubSup>
+                        <m:sSubSupPr>
+                          <m:ctrlPr>
+                            <a:rPr lang="en-US" altLang="zh-CN" sz="2400" i="1">
+                              <a:latin typeface="Cambria Math" panose="02040503050406030204" pitchFamily="18" charset="0"/>
+                            </a:rPr>
+                          </m:ctrlPr>
+                        </m:sSubSupPr>
+                        <m:e>
+                          <m:r>
+                            <a:rPr lang="en-US" altLang="zh-CN" sz="2400" i="1">
+                              <a:latin typeface="Cambria Math" panose="02040503050406030204" pitchFamily="18" charset="0"/>
+                            </a:rPr>
+                            <m:t>𝑑</m:t>
+                          </m:r>
+                        </m:e>
+                        <m:sub>
+                          <m:r>
+                            <a:rPr lang="en-US" altLang="zh-CN" sz="2400" i="1">
+                              <a:latin typeface="Cambria Math" panose="02040503050406030204" pitchFamily="18" charset="0"/>
+                            </a:rPr>
+                            <m:t>𝐵</m:t>
+                          </m:r>
+                        </m:sub>
+                        <m:sup>
+                          <m:r>
+                            <a:rPr lang="en-US" altLang="zh-CN" sz="2400" i="1">
+                              <a:latin typeface="Cambria Math" panose="02040503050406030204" pitchFamily="18" charset="0"/>
+                            </a:rPr>
+                            <m:t>(</m:t>
+                          </m:r>
+                          <m:r>
+                            <a:rPr lang="en-US" altLang="zh-CN" sz="2400" b="0" i="1" smtClean="0">
+                              <a:latin typeface="Cambria Math" panose="02040503050406030204" pitchFamily="18" charset="0"/>
+                            </a:rPr>
+                            <m:t>10</m:t>
+                          </m:r>
+                          <m:r>
+                            <a:rPr lang="en-US" altLang="zh-CN" sz="2400" i="1">
+                              <a:latin typeface="Cambria Math" panose="02040503050406030204" pitchFamily="18" charset="0"/>
+                            </a:rPr>
+                            <m:t>)</m:t>
+                          </m:r>
+                        </m:sup>
+                      </m:sSubSup>
+                      <m:r>
+                        <a:rPr lang="en-US" altLang="zh-CN" sz="2400" b="0" i="1" smtClean="0">
+                          <a:latin typeface="Cambria Math" panose="02040503050406030204" pitchFamily="18" charset="0"/>
+                        </a:rPr>
+                        <m:t>=</m:t>
+                      </m:r>
+                      <m:f>
+                        <m:fPr>
+                          <m:ctrlPr>
+                            <a:rPr lang="en-US" altLang="zh-CN" sz="2400" b="0" i="1" smtClean="0">
+                              <a:latin typeface="Cambria Math" panose="02040503050406030204" pitchFamily="18" charset="0"/>
+                            </a:rPr>
+                          </m:ctrlPr>
+                        </m:fPr>
+                        <m:num>
+                          <m:r>
+                            <a:rPr lang="en-US" altLang="zh-CN" sz="2400" b="0" i="1" smtClean="0">
+                              <a:latin typeface="Cambria Math" panose="02040503050406030204" pitchFamily="18" charset="0"/>
+                            </a:rPr>
+                            <m:t>5</m:t>
+                          </m:r>
+                        </m:num>
+                        <m:den>
+                          <m:r>
+                            <a:rPr lang="en-US" altLang="zh-CN" sz="2400" b="0" i="1" smtClean="0">
+                              <a:latin typeface="Cambria Math" panose="02040503050406030204" pitchFamily="18" charset="0"/>
+                            </a:rPr>
+                            <m:t>3</m:t>
+                          </m:r>
+                        </m:den>
+                      </m:f>
+                    </m:oMath>
+                  </m:oMathPara>
+                </a14:m>
+                <a:endParaRPr lang="en-US" altLang="zh-CN" sz="2400" dirty="0"/>
               </a:p>
             </p:txBody>
           </p:sp>
@@ -4732,10 +5281,10 @@
         <mc:Fallback>
           <p:sp>
             <p:nvSpPr>
-              <p:cNvPr id="8" name="矩形 7">
+              <p:cNvPr id="6" name="矩形 5">
                 <a:extLst>
                   <a:ext uri="{FF2B5EF4-FFF2-40B4-BE49-F238E27FC236}">
-                    <a16:creationId xmlns:a16="http://schemas.microsoft.com/office/drawing/2014/main" id="{372CE707-96EF-4B6E-874B-E3DD6917C95F}"/>
+                    <a16:creationId xmlns:a16="http://schemas.microsoft.com/office/drawing/2014/main" id="{3EDC814A-58B1-42E5-9BB9-F082826C19C3}"/>
                   </a:ext>
                 </a:extLst>
               </p:cNvPr>
@@ -4746,16 +5295,16 @@
             </p:nvSpPr>
             <p:spPr>
               <a:xfrm>
-                <a:off x="6810140" y="2674903"/>
-                <a:ext cx="3526158" cy="700256"/>
+                <a:off x="4742259" y="4509566"/>
+                <a:ext cx="7391703" cy="2271006"/>
               </a:xfrm>
               <a:prstGeom prst="rect">
                 <a:avLst/>
               </a:prstGeom>
               <a:blipFill>
-                <a:blip r:embed="rId4"/>
+                <a:blip r:embed="rId3"/>
                 <a:stretch>
-                  <a:fillRect t="-3478" b="-9565"/>
+                  <a:fillRect l="-1320" t="-2151"/>
                 </a:stretch>
               </a:blipFill>
             </p:spPr>
@@ -4778,10 +5327,10 @@
         <mc:Choice xmlns:a14="http://schemas.microsoft.com/office/drawing/2010/main" Requires="a14">
           <p:sp>
             <p:nvSpPr>
-              <p:cNvPr id="10" name="矩形 9">
+              <p:cNvPr id="9" name="矩形 8">
                 <a:extLst>
                   <a:ext uri="{FF2B5EF4-FFF2-40B4-BE49-F238E27FC236}">
-                    <a16:creationId xmlns:a16="http://schemas.microsoft.com/office/drawing/2014/main" id="{E1439B43-5894-4A99-B52E-CB661072F099}"/>
+                    <a16:creationId xmlns:a16="http://schemas.microsoft.com/office/drawing/2014/main" id="{6084C05D-EB5F-4EDD-B9AC-ACE49F8CD7D0}"/>
                   </a:ext>
                 </a:extLst>
               </p:cNvPr>
@@ -4790,8 +5339,8 @@
             </p:nvSpPr>
             <p:spPr>
               <a:xfrm>
-                <a:off x="6566421" y="1537845"/>
-                <a:ext cx="5625579" cy="924933"/>
+                <a:off x="4655271" y="7105208"/>
+                <a:ext cx="6581225" cy="793679"/>
               </a:xfrm>
               <a:prstGeom prst="rect">
                 <a:avLst/>
@@ -4803,152 +5352,528 @@
               </a:bodyPr>
               <a:lstStyle/>
               <a:p>
-                <a:r>
-                  <a:rPr lang="zh-CN" altLang="en-US" dirty="0"/>
-                  <a:t>状态空间用有序二元对</a:t>
-                </a:r>
+                <a:pPr lvl="0"/>
                 <a14:m>
-                  <m:oMath xmlns:m="http://schemas.openxmlformats.org/officeDocument/2006/math">
-                    <m:r>
-                      <a:rPr lang="en-US" altLang="zh-CN" b="0" i="1" smtClean="0">
-                        <a:latin typeface="Cambria Math" panose="02040503050406030204" pitchFamily="18" charset="0"/>
-                      </a:rPr>
-                      <m:t>(</m:t>
-                    </m:r>
-                    <m:r>
-                      <a:rPr lang="en-US" altLang="zh-CN" b="0" i="1" smtClean="0">
-                        <a:latin typeface="Cambria Math" panose="02040503050406030204" pitchFamily="18" charset="0"/>
-                      </a:rPr>
-                      <m:t>𝑢</m:t>
-                    </m:r>
-                    <m:r>
-                      <a:rPr lang="en-US" altLang="zh-CN" b="0" i="1" smtClean="0">
-                        <a:latin typeface="Cambria Math" panose="02040503050406030204" pitchFamily="18" charset="0"/>
-                      </a:rPr>
-                      <m:t>,</m:t>
-                    </m:r>
-                    <m:r>
-                      <a:rPr lang="en-US" altLang="zh-CN" b="0" i="1" smtClean="0">
-                        <a:latin typeface="Cambria Math" panose="02040503050406030204" pitchFamily="18" charset="0"/>
-                      </a:rPr>
-                      <m:t>𝑣</m:t>
-                    </m:r>
-                    <m:r>
-                      <a:rPr lang="en-US" altLang="zh-CN" b="0" i="1" smtClean="0">
-                        <a:latin typeface="Cambria Math" panose="02040503050406030204" pitchFamily="18" charset="0"/>
-                      </a:rPr>
-                      <m:t>)</m:t>
-                    </m:r>
-                    <m:r>
-                      <a:rPr lang="zh-CN" altLang="en-US" i="1">
-                        <a:latin typeface="Cambria Math" panose="02040503050406030204" pitchFamily="18" charset="0"/>
-                      </a:rPr>
-                      <m:t>表示</m:t>
-                    </m:r>
-                  </m:oMath>
+                  <m:oMathPara xmlns:m="http://schemas.openxmlformats.org/officeDocument/2006/math">
+                    <m:oMathParaPr>
+                      <m:jc m:val="centerGroup"/>
+                    </m:oMathParaPr>
+                    <m:oMath xmlns:m="http://schemas.openxmlformats.org/officeDocument/2006/math">
+                      <m:sSub>
+                        <m:sSubPr>
+                          <m:ctrlPr>
+                            <a:rPr lang="en-US" altLang="zh-CN" sz="2400" b="0" i="1" smtClean="0">
+                              <a:solidFill>
+                                <a:srgbClr val="1F77B4"/>
+                              </a:solidFill>
+                              <a:latin typeface="Cambria Math" panose="02040503050406030204" pitchFamily="18" charset="0"/>
+                            </a:rPr>
+                          </m:ctrlPr>
+                        </m:sSubPr>
+                        <m:e>
+                          <m:r>
+                            <a:rPr lang="en-US" altLang="zh-CN" sz="2400" b="0" i="1" smtClean="0">
+                              <a:solidFill>
+                                <a:srgbClr val="1F77B4"/>
+                              </a:solidFill>
+                              <a:latin typeface="Cambria Math" panose="02040503050406030204" pitchFamily="18" charset="0"/>
+                            </a:rPr>
+                            <m:t>𝑝</m:t>
+                          </m:r>
+                        </m:e>
+                        <m:sub>
+                          <m:r>
+                            <a:rPr lang="en-US" altLang="zh-CN" sz="2400" b="0" i="1" smtClean="0">
+                              <a:solidFill>
+                                <a:srgbClr val="1F77B4"/>
+                              </a:solidFill>
+                              <a:latin typeface="Cambria Math" panose="02040503050406030204" pitchFamily="18" charset="0"/>
+                            </a:rPr>
+                            <m:t>1</m:t>
+                          </m:r>
+                        </m:sub>
+                      </m:sSub>
+                      <m:r>
+                        <a:rPr lang="en-US" altLang="zh-CN" sz="2400" i="1">
+                          <a:solidFill>
+                            <a:prstClr val="black"/>
+                          </a:solidFill>
+                          <a:latin typeface="Cambria Math" panose="02040503050406030204" pitchFamily="18" charset="0"/>
+                        </a:rPr>
+                        <m:t>=</m:t>
+                      </m:r>
+                      <m:f>
+                        <m:fPr>
+                          <m:ctrlPr>
+                            <a:rPr lang="en-US" altLang="zh-CN" sz="2400" i="1">
+                              <a:solidFill>
+                                <a:prstClr val="black"/>
+                              </a:solidFill>
+                              <a:latin typeface="Cambria Math" panose="02040503050406030204" pitchFamily="18" charset="0"/>
+                            </a:rPr>
+                          </m:ctrlPr>
+                        </m:fPr>
+                        <m:num>
+                          <m:r>
+                            <a:rPr lang="en-US" altLang="zh-CN" sz="2400" b="0" i="1" smtClean="0">
+                              <a:solidFill>
+                                <a:prstClr val="black"/>
+                              </a:solidFill>
+                              <a:latin typeface="Cambria Math" panose="02040503050406030204" pitchFamily="18" charset="0"/>
+                            </a:rPr>
+                            <m:t>1</m:t>
+                          </m:r>
+                        </m:num>
+                        <m:den>
+                          <m:r>
+                            <a:rPr lang="en-US" altLang="zh-CN" sz="2400" b="0" i="1" smtClean="0">
+                              <a:solidFill>
+                                <a:prstClr val="black"/>
+                              </a:solidFill>
+                              <a:latin typeface="Cambria Math" panose="02040503050406030204" pitchFamily="18" charset="0"/>
+                            </a:rPr>
+                            <m:t>6</m:t>
+                          </m:r>
+                        </m:den>
+                      </m:f>
+                      <m:r>
+                        <a:rPr lang="en-US" altLang="zh-CN" sz="2400" i="1">
+                          <a:solidFill>
+                            <a:prstClr val="black"/>
+                          </a:solidFill>
+                          <a:latin typeface="Cambria Math" panose="02040503050406030204" pitchFamily="18" charset="0"/>
+                        </a:rPr>
+                        <m:t>,</m:t>
+                      </m:r>
+                      <m:sSub>
+                        <m:sSubPr>
+                          <m:ctrlPr>
+                            <a:rPr lang="en-US" altLang="zh-CN" sz="2400" i="1" smtClean="0">
+                              <a:solidFill>
+                                <a:srgbClr val="1F77B4"/>
+                              </a:solidFill>
+                              <a:latin typeface="Cambria Math" panose="02040503050406030204" pitchFamily="18" charset="0"/>
+                            </a:rPr>
+                          </m:ctrlPr>
+                        </m:sSubPr>
+                        <m:e>
+                          <m:r>
+                            <a:rPr lang="en-US" altLang="zh-CN" sz="2400" i="1">
+                              <a:solidFill>
+                                <a:srgbClr val="1F77B4"/>
+                              </a:solidFill>
+                              <a:latin typeface="Cambria Math" panose="02040503050406030204" pitchFamily="18" charset="0"/>
+                            </a:rPr>
+                            <m:t>𝑝</m:t>
+                          </m:r>
+                        </m:e>
+                        <m:sub>
+                          <m:r>
+                            <a:rPr lang="en-US" altLang="zh-CN" sz="2400" b="0" i="1" smtClean="0">
+                              <a:solidFill>
+                                <a:srgbClr val="1F77B4"/>
+                              </a:solidFill>
+                              <a:latin typeface="Cambria Math" panose="02040503050406030204" pitchFamily="18" charset="0"/>
+                            </a:rPr>
+                            <m:t>4</m:t>
+                          </m:r>
+                        </m:sub>
+                      </m:sSub>
+                      <m:r>
+                        <a:rPr lang="en-US" altLang="zh-CN" sz="2400" b="0" i="1" smtClean="0">
+                          <a:solidFill>
+                            <a:prstClr val="black"/>
+                          </a:solidFill>
+                          <a:latin typeface="Cambria Math" panose="02040503050406030204" pitchFamily="18" charset="0"/>
+                        </a:rPr>
+                        <m:t>=</m:t>
+                      </m:r>
+                      <m:f>
+                        <m:fPr>
+                          <m:ctrlPr>
+                            <a:rPr lang="en-US" altLang="zh-CN" sz="2400" b="0" i="1" smtClean="0">
+                              <a:solidFill>
+                                <a:prstClr val="black"/>
+                              </a:solidFill>
+                              <a:latin typeface="Cambria Math" panose="02040503050406030204" pitchFamily="18" charset="0"/>
+                            </a:rPr>
+                          </m:ctrlPr>
+                        </m:fPr>
+                        <m:num>
+                          <m:r>
+                            <a:rPr lang="en-US" altLang="zh-CN" sz="2400" b="0" i="1" smtClean="0">
+                              <a:solidFill>
+                                <a:prstClr val="black"/>
+                              </a:solidFill>
+                              <a:latin typeface="Cambria Math" panose="02040503050406030204" pitchFamily="18" charset="0"/>
+                            </a:rPr>
+                            <m:t>1</m:t>
+                          </m:r>
+                        </m:num>
+                        <m:den>
+                          <m:r>
+                            <a:rPr lang="en-US" altLang="zh-CN" sz="2400" b="0" i="1" smtClean="0">
+                              <a:solidFill>
+                                <a:prstClr val="black"/>
+                              </a:solidFill>
+                              <a:latin typeface="Cambria Math" panose="02040503050406030204" pitchFamily="18" charset="0"/>
+                            </a:rPr>
+                            <m:t>6</m:t>
+                          </m:r>
+                        </m:den>
+                      </m:f>
+                      <m:r>
+                        <a:rPr lang="en-US" altLang="zh-CN" sz="2400" i="1">
+                          <a:solidFill>
+                            <a:prstClr val="black"/>
+                          </a:solidFill>
+                          <a:latin typeface="Cambria Math" panose="02040503050406030204" pitchFamily="18" charset="0"/>
+                        </a:rPr>
+                        <m:t>,</m:t>
+                      </m:r>
+                      <m:sSub>
+                        <m:sSubPr>
+                          <m:ctrlPr>
+                            <a:rPr lang="en-US" altLang="zh-CN" sz="2400" i="1" smtClean="0">
+                              <a:solidFill>
+                                <a:srgbClr val="1F77B4"/>
+                              </a:solidFill>
+                              <a:latin typeface="Cambria Math" panose="02040503050406030204" pitchFamily="18" charset="0"/>
+                            </a:rPr>
+                          </m:ctrlPr>
+                        </m:sSubPr>
+                        <m:e>
+                          <m:r>
+                            <a:rPr lang="en-US" altLang="zh-CN" sz="2400" i="1">
+                              <a:solidFill>
+                                <a:srgbClr val="1F77B4"/>
+                              </a:solidFill>
+                              <a:latin typeface="Cambria Math" panose="02040503050406030204" pitchFamily="18" charset="0"/>
+                            </a:rPr>
+                            <m:t>𝑝</m:t>
+                          </m:r>
+                        </m:e>
+                        <m:sub>
+                          <m:r>
+                            <a:rPr lang="en-US" altLang="zh-CN" sz="2400" b="0" i="1" smtClean="0">
+                              <a:solidFill>
+                                <a:srgbClr val="1F77B4"/>
+                              </a:solidFill>
+                              <a:latin typeface="Cambria Math" panose="02040503050406030204" pitchFamily="18" charset="0"/>
+                            </a:rPr>
+                            <m:t>7</m:t>
+                          </m:r>
+                        </m:sub>
+                      </m:sSub>
+                      <m:r>
+                        <a:rPr lang="en-US" altLang="zh-CN" sz="2400" b="0" i="1" smtClean="0">
+                          <a:solidFill>
+                            <a:prstClr val="black"/>
+                          </a:solidFill>
+                          <a:latin typeface="Cambria Math" panose="02040503050406030204" pitchFamily="18" charset="0"/>
+                        </a:rPr>
+                        <m:t>=</m:t>
+                      </m:r>
+                      <m:f>
+                        <m:fPr>
+                          <m:ctrlPr>
+                            <a:rPr lang="en-US" altLang="zh-CN" sz="2400" b="0" i="1" smtClean="0">
+                              <a:solidFill>
+                                <a:prstClr val="black"/>
+                              </a:solidFill>
+                              <a:latin typeface="Cambria Math" panose="02040503050406030204" pitchFamily="18" charset="0"/>
+                            </a:rPr>
+                          </m:ctrlPr>
+                        </m:fPr>
+                        <m:num>
+                          <m:r>
+                            <a:rPr lang="en-US" altLang="zh-CN" sz="2400" b="0" i="1" smtClean="0">
+                              <a:solidFill>
+                                <a:prstClr val="black"/>
+                              </a:solidFill>
+                              <a:latin typeface="Cambria Math" panose="02040503050406030204" pitchFamily="18" charset="0"/>
+                            </a:rPr>
+                            <m:t>1</m:t>
+                          </m:r>
+                        </m:num>
+                        <m:den>
+                          <m:r>
+                            <a:rPr lang="en-US" altLang="zh-CN" sz="2400" b="0" i="1" smtClean="0">
+                              <a:solidFill>
+                                <a:prstClr val="black"/>
+                              </a:solidFill>
+                              <a:latin typeface="Cambria Math" panose="02040503050406030204" pitchFamily="18" charset="0"/>
+                            </a:rPr>
+                            <m:t>9</m:t>
+                          </m:r>
+                        </m:den>
+                      </m:f>
+                      <m:r>
+                        <a:rPr lang="en-US" altLang="zh-CN" sz="2400" b="0" i="1" smtClean="0">
+                          <a:solidFill>
+                            <a:prstClr val="black"/>
+                          </a:solidFill>
+                          <a:latin typeface="Cambria Math" panose="02040503050406030204" pitchFamily="18" charset="0"/>
+                        </a:rPr>
+                        <m:t>, </m:t>
+                      </m:r>
+                      <m:sSub>
+                        <m:sSubPr>
+                          <m:ctrlPr>
+                            <a:rPr lang="en-US" altLang="zh-CN" sz="2400" b="0" i="1" smtClean="0">
+                              <a:solidFill>
+                                <a:srgbClr val="D62728"/>
+                              </a:solidFill>
+                              <a:latin typeface="Cambria Math" panose="02040503050406030204" pitchFamily="18" charset="0"/>
+                            </a:rPr>
+                          </m:ctrlPr>
+                        </m:sSubPr>
+                        <m:e>
+                          <m:r>
+                            <a:rPr lang="en-US" altLang="zh-CN" sz="2400" b="0" i="1" smtClean="0">
+                              <a:solidFill>
+                                <a:srgbClr val="D62728"/>
+                              </a:solidFill>
+                              <a:latin typeface="Cambria Math" panose="02040503050406030204" pitchFamily="18" charset="0"/>
+                            </a:rPr>
+                            <m:t>𝑝</m:t>
+                          </m:r>
+                        </m:e>
+                        <m:sub>
+                          <m:r>
+                            <a:rPr lang="en-US" altLang="zh-CN" sz="2400" b="0" i="1" smtClean="0">
+                              <a:solidFill>
+                                <a:srgbClr val="D62728"/>
+                              </a:solidFill>
+                              <a:latin typeface="Cambria Math" panose="02040503050406030204" pitchFamily="18" charset="0"/>
+                            </a:rPr>
+                            <m:t>2</m:t>
+                          </m:r>
+                        </m:sub>
+                      </m:sSub>
+                      <m:r>
+                        <a:rPr lang="en-US" altLang="zh-CN" sz="2400" b="0" i="1" smtClean="0">
+                          <a:solidFill>
+                            <a:prstClr val="black"/>
+                          </a:solidFill>
+                          <a:latin typeface="Cambria Math" panose="02040503050406030204" pitchFamily="18" charset="0"/>
+                        </a:rPr>
+                        <m:t>=</m:t>
+                      </m:r>
+                      <m:f>
+                        <m:fPr>
+                          <m:ctrlPr>
+                            <a:rPr lang="en-US" altLang="zh-CN" sz="2400" b="0" i="1" smtClean="0">
+                              <a:solidFill>
+                                <a:prstClr val="black"/>
+                              </a:solidFill>
+                              <a:latin typeface="Cambria Math" panose="02040503050406030204" pitchFamily="18" charset="0"/>
+                            </a:rPr>
+                          </m:ctrlPr>
+                        </m:fPr>
+                        <m:num>
+                          <m:r>
+                            <a:rPr lang="en-US" altLang="zh-CN" sz="2400" b="0" i="1" smtClean="0">
+                              <a:solidFill>
+                                <a:prstClr val="black"/>
+                              </a:solidFill>
+                              <a:latin typeface="Cambria Math" panose="02040503050406030204" pitchFamily="18" charset="0"/>
+                            </a:rPr>
+                            <m:t>1</m:t>
+                          </m:r>
+                        </m:num>
+                        <m:den>
+                          <m:r>
+                            <a:rPr lang="en-US" altLang="zh-CN" sz="2400" b="0" i="1" smtClean="0">
+                              <a:solidFill>
+                                <a:prstClr val="black"/>
+                              </a:solidFill>
+                              <a:latin typeface="Cambria Math" panose="02040503050406030204" pitchFamily="18" charset="0"/>
+                            </a:rPr>
+                            <m:t>9</m:t>
+                          </m:r>
+                        </m:den>
+                      </m:f>
+                      <m:r>
+                        <a:rPr lang="en-US" altLang="zh-CN" sz="2400" b="0" i="1" smtClean="0">
+                          <a:solidFill>
+                            <a:prstClr val="black"/>
+                          </a:solidFill>
+                          <a:latin typeface="Cambria Math" panose="02040503050406030204" pitchFamily="18" charset="0"/>
+                        </a:rPr>
+                        <m:t>,</m:t>
+                      </m:r>
+                      <m:sSub>
+                        <m:sSubPr>
+                          <m:ctrlPr>
+                            <a:rPr lang="en-US" altLang="zh-CN" sz="2400" i="1" smtClean="0">
+                              <a:solidFill>
+                                <a:srgbClr val="D62728"/>
+                              </a:solidFill>
+                              <a:latin typeface="Cambria Math" panose="02040503050406030204" pitchFamily="18" charset="0"/>
+                            </a:rPr>
+                          </m:ctrlPr>
+                        </m:sSubPr>
+                        <m:e>
+                          <m:r>
+                            <a:rPr lang="en-US" altLang="zh-CN" sz="2400" i="1">
+                              <a:solidFill>
+                                <a:srgbClr val="D62728"/>
+                              </a:solidFill>
+                              <a:latin typeface="Cambria Math" panose="02040503050406030204" pitchFamily="18" charset="0"/>
+                            </a:rPr>
+                            <m:t>𝑝</m:t>
+                          </m:r>
+                        </m:e>
+                        <m:sub>
+                          <m:r>
+                            <a:rPr lang="en-US" altLang="zh-CN" sz="2400" b="0" i="1" smtClean="0">
+                              <a:solidFill>
+                                <a:srgbClr val="D62728"/>
+                              </a:solidFill>
+                              <a:latin typeface="Cambria Math" panose="02040503050406030204" pitchFamily="18" charset="0"/>
+                            </a:rPr>
+                            <m:t>6</m:t>
+                          </m:r>
+                        </m:sub>
+                      </m:sSub>
+                      <m:r>
+                        <a:rPr lang="en-US" altLang="zh-CN" sz="2400" i="1">
+                          <a:solidFill>
+                            <a:prstClr val="black"/>
+                          </a:solidFill>
+                          <a:latin typeface="Cambria Math" panose="02040503050406030204" pitchFamily="18" charset="0"/>
+                        </a:rPr>
+                        <m:t>=</m:t>
+                      </m:r>
+                      <m:f>
+                        <m:fPr>
+                          <m:ctrlPr>
+                            <a:rPr lang="en-US" altLang="zh-CN" sz="2400" i="1">
+                              <a:solidFill>
+                                <a:prstClr val="black"/>
+                              </a:solidFill>
+                              <a:latin typeface="Cambria Math" panose="02040503050406030204" pitchFamily="18" charset="0"/>
+                            </a:rPr>
+                          </m:ctrlPr>
+                        </m:fPr>
+                        <m:num>
+                          <m:r>
+                            <a:rPr lang="en-US" altLang="zh-CN" sz="2400" i="1">
+                              <a:solidFill>
+                                <a:prstClr val="black"/>
+                              </a:solidFill>
+                              <a:latin typeface="Cambria Math" panose="02040503050406030204" pitchFamily="18" charset="0"/>
+                            </a:rPr>
+                            <m:t>1</m:t>
+                          </m:r>
+                        </m:num>
+                        <m:den>
+                          <m:r>
+                            <a:rPr lang="en-US" altLang="zh-CN" sz="2400" i="1">
+                              <a:solidFill>
+                                <a:prstClr val="black"/>
+                              </a:solidFill>
+                              <a:latin typeface="Cambria Math" panose="02040503050406030204" pitchFamily="18" charset="0"/>
+                            </a:rPr>
+                            <m:t>9</m:t>
+                          </m:r>
+                        </m:den>
+                      </m:f>
+                      <m:r>
+                        <a:rPr lang="en-US" altLang="zh-CN" sz="2400" i="1">
+                          <a:solidFill>
+                            <a:prstClr val="black"/>
+                          </a:solidFill>
+                          <a:latin typeface="Cambria Math" panose="02040503050406030204" pitchFamily="18" charset="0"/>
+                        </a:rPr>
+                        <m:t>,</m:t>
+                      </m:r>
+                      <m:sSub>
+                        <m:sSubPr>
+                          <m:ctrlPr>
+                            <a:rPr lang="en-US" altLang="zh-CN" sz="2400" i="1" smtClean="0">
+                              <a:solidFill>
+                                <a:srgbClr val="D62728"/>
+                              </a:solidFill>
+                              <a:latin typeface="Cambria Math" panose="02040503050406030204" pitchFamily="18" charset="0"/>
+                            </a:rPr>
+                          </m:ctrlPr>
+                        </m:sSubPr>
+                        <m:e>
+                          <m:r>
+                            <a:rPr lang="en-US" altLang="zh-CN" sz="2400" i="1">
+                              <a:solidFill>
+                                <a:srgbClr val="D62728"/>
+                              </a:solidFill>
+                              <a:latin typeface="Cambria Math" panose="02040503050406030204" pitchFamily="18" charset="0"/>
+                            </a:rPr>
+                            <m:t>𝑝</m:t>
+                          </m:r>
+                        </m:e>
+                        <m:sub>
+                          <m:r>
+                            <a:rPr lang="en-US" altLang="zh-CN" sz="2400" b="0" i="1" smtClean="0">
+                              <a:solidFill>
+                                <a:srgbClr val="D62728"/>
+                              </a:solidFill>
+                              <a:latin typeface="Cambria Math" panose="02040503050406030204" pitchFamily="18" charset="0"/>
+                            </a:rPr>
+                            <m:t>10</m:t>
+                          </m:r>
+                        </m:sub>
+                      </m:sSub>
+                      <m:r>
+                        <a:rPr lang="en-US" altLang="zh-CN" sz="2400" i="1">
+                          <a:solidFill>
+                            <a:prstClr val="black"/>
+                          </a:solidFill>
+                          <a:latin typeface="Cambria Math" panose="02040503050406030204" pitchFamily="18" charset="0"/>
+                        </a:rPr>
+                        <m:t>=</m:t>
+                      </m:r>
+                      <m:f>
+                        <m:fPr>
+                          <m:ctrlPr>
+                            <a:rPr lang="en-US" altLang="zh-CN" sz="2400" i="1">
+                              <a:solidFill>
+                                <a:prstClr val="black"/>
+                              </a:solidFill>
+                              <a:latin typeface="Cambria Math" panose="02040503050406030204" pitchFamily="18" charset="0"/>
+                            </a:rPr>
+                          </m:ctrlPr>
+                        </m:fPr>
+                        <m:num>
+                          <m:r>
+                            <a:rPr lang="en-US" altLang="zh-CN" sz="2400" b="0" i="1" smtClean="0">
+                              <a:solidFill>
+                                <a:prstClr val="black"/>
+                              </a:solidFill>
+                              <a:latin typeface="Cambria Math" panose="02040503050406030204" pitchFamily="18" charset="0"/>
+                            </a:rPr>
+                            <m:t>5</m:t>
+                          </m:r>
+                        </m:num>
+                        <m:den>
+                          <m:r>
+                            <a:rPr lang="en-US" altLang="zh-CN" sz="2400" b="0" i="1" smtClean="0">
+                              <a:solidFill>
+                                <a:prstClr val="black"/>
+                              </a:solidFill>
+                              <a:latin typeface="Cambria Math" panose="02040503050406030204" pitchFamily="18" charset="0"/>
+                            </a:rPr>
+                            <m:t>18</m:t>
+                          </m:r>
+                        </m:den>
+                      </m:f>
+                    </m:oMath>
+                  </m:oMathPara>
                 </a14:m>
-                <a:endParaRPr lang="en-US" altLang="zh-CN" dirty="0"/>
-              </a:p>
-              <a:p>
-                <a14:m>
-                  <m:oMath xmlns:m="http://schemas.openxmlformats.org/officeDocument/2006/math">
-                    <m:r>
-                      <a:rPr lang="en-US" altLang="zh-CN" b="0" i="1" smtClean="0">
-                        <a:latin typeface="Cambria Math" panose="02040503050406030204" pitchFamily="18" charset="0"/>
-                      </a:rPr>
-                      <m:t>𝑢</m:t>
-                    </m:r>
-                  </m:oMath>
-                </a14:m>
-                <a:r>
-                  <a:rPr lang="zh-CN" altLang="en-US" dirty="0"/>
-                  <a:t>：</a:t>
-                </a:r>
-                <a14:m>
-                  <m:oMath xmlns:m="http://schemas.openxmlformats.org/officeDocument/2006/math">
-                    <m:r>
-                      <a:rPr lang="en-US" altLang="zh-CN" b="0" i="1" dirty="0" smtClean="0">
-                        <a:latin typeface="Cambria Math" panose="02040503050406030204" pitchFamily="18" charset="0"/>
-                      </a:rPr>
-                      <m:t>0∼</m:t>
-                    </m:r>
-                    <m:r>
-                      <a:rPr lang="en-US" altLang="zh-CN" b="0" i="1" dirty="0" smtClean="0">
-                        <a:latin typeface="Cambria Math" panose="02040503050406030204" pitchFamily="18" charset="0"/>
-                      </a:rPr>
-                      <m:t>𝑛</m:t>
-                    </m:r>
-                  </m:oMath>
-                </a14:m>
-                <a:r>
-                  <a:rPr lang="zh-CN" altLang="en-US" dirty="0"/>
-                  <a:t>，</a:t>
-                </a:r>
-                <a:r>
-                  <a:rPr lang="en-US" altLang="zh-CN" dirty="0"/>
-                  <a:t>B</a:t>
-                </a:r>
-                <a:r>
-                  <a:rPr lang="zh-CN" altLang="en-US" dirty="0"/>
-                  <a:t>在叶子结点个数</a:t>
-                </a:r>
-                <a:endParaRPr lang="en-US" altLang="zh-CN" dirty="0"/>
-              </a:p>
-              <a:p>
-                <a14:m>
-                  <m:oMath xmlns:m="http://schemas.openxmlformats.org/officeDocument/2006/math">
-                    <m:r>
-                      <a:rPr lang="en-US" altLang="zh-CN" b="0" i="1" smtClean="0">
-                        <a:latin typeface="Cambria Math" panose="02040503050406030204" pitchFamily="18" charset="0"/>
-                      </a:rPr>
-                      <m:t>𝑣</m:t>
-                    </m:r>
-                  </m:oMath>
-                </a14:m>
-                <a:r>
-                  <a:rPr lang="zh-CN" altLang="en-US" dirty="0"/>
-                  <a:t>：</a:t>
-                </a:r>
-                <a14:m>
-                  <m:oMath xmlns:m="http://schemas.openxmlformats.org/officeDocument/2006/math">
-                    <m:r>
-                      <a:rPr lang="en-US" altLang="zh-CN" b="0" i="1" dirty="0" smtClean="0">
-                        <a:latin typeface="Cambria Math" panose="02040503050406030204" pitchFamily="18" charset="0"/>
-                      </a:rPr>
-                      <m:t>0</m:t>
-                    </m:r>
-                    <m:r>
-                      <a:rPr lang="zh-CN" altLang="en-US" i="1" dirty="0">
-                        <a:latin typeface="Cambria Math" panose="02040503050406030204" pitchFamily="18" charset="0"/>
-                      </a:rPr>
-                      <m:t>或</m:t>
-                    </m:r>
-                  </m:oMath>
-                </a14:m>
-                <a:r>
-                  <a:rPr lang="en-US" altLang="zh-CN" dirty="0"/>
-                  <a:t>1</a:t>
-                </a:r>
-                <a:r>
-                  <a:rPr lang="zh-CN" altLang="en-US" dirty="0"/>
-                  <a:t>，核心结点是否被占据（占据为</a:t>
-                </a:r>
-                <a:r>
-                  <a:rPr lang="en-US" altLang="zh-CN" dirty="0"/>
-                  <a:t>1</a:t>
-                </a:r>
-                <a:r>
-                  <a:rPr lang="zh-CN" altLang="en-US" dirty="0"/>
-                  <a:t>，否则为</a:t>
-                </a:r>
-                <a:r>
-                  <a:rPr lang="en-US" altLang="zh-CN" dirty="0"/>
-                  <a:t>0</a:t>
-                </a:r>
-                <a:r>
-                  <a:rPr lang="zh-CN" altLang="en-US" dirty="0"/>
-                  <a:t>）</a:t>
-                </a:r>
+                <a:endParaRPr lang="en-US" altLang="zh-CN" sz="2400" dirty="0">
+                  <a:solidFill>
+                    <a:prstClr val="black"/>
+                  </a:solidFill>
+                </a:endParaRPr>
               </a:p>
             </p:txBody>
           </p:sp>
@@ -4956,10 +5881,10 @@
         <mc:Fallback>
           <p:sp>
             <p:nvSpPr>
-              <p:cNvPr id="10" name="矩形 9">
+              <p:cNvPr id="9" name="矩形 8">
                 <a:extLst>
                   <a:ext uri="{FF2B5EF4-FFF2-40B4-BE49-F238E27FC236}">
-                    <a16:creationId xmlns:a16="http://schemas.microsoft.com/office/drawing/2014/main" id="{E1439B43-5894-4A99-B52E-CB661072F099}"/>
+                    <a16:creationId xmlns:a16="http://schemas.microsoft.com/office/drawing/2014/main" id="{6084C05D-EB5F-4EDD-B9AC-ACE49F8CD7D0}"/>
                   </a:ext>
                 </a:extLst>
               </p:cNvPr>
@@ -4970,16 +5895,16 @@
             </p:nvSpPr>
             <p:spPr>
               <a:xfrm>
-                <a:off x="6566421" y="1537845"/>
-                <a:ext cx="5625579" cy="924933"/>
+                <a:off x="4655271" y="7105208"/>
+                <a:ext cx="6581225" cy="793679"/>
               </a:xfrm>
               <a:prstGeom prst="rect">
                 <a:avLst/>
               </a:prstGeom>
               <a:blipFill>
-                <a:blip r:embed="rId5"/>
+                <a:blip r:embed="rId4"/>
                 <a:stretch>
-                  <a:fillRect l="-867" t="-3289" r="-433" b="-9211"/>
+                  <a:fillRect/>
                 </a:stretch>
               </a:blipFill>
             </p:spPr>
@@ -5002,10 +5927,10 @@
         <mc:Choice xmlns:a14="http://schemas.microsoft.com/office/drawing/2010/main" Requires="a14">
           <p:sp>
             <p:nvSpPr>
-              <p:cNvPr id="12" name="矩形 11">
+              <p:cNvPr id="11" name="矩形 10">
                 <a:extLst>
                   <a:ext uri="{FF2B5EF4-FFF2-40B4-BE49-F238E27FC236}">
-                    <a16:creationId xmlns:a16="http://schemas.microsoft.com/office/drawing/2014/main" id="{D77AE814-3291-49ED-9E6D-78C3D08398C8}"/>
+                    <a16:creationId xmlns:a16="http://schemas.microsoft.com/office/drawing/2014/main" id="{62937932-7FF9-4BF4-BE44-0C41D6F531F7}"/>
                   </a:ext>
                 </a:extLst>
               </p:cNvPr>
@@ -5014,18 +5939,321 @@
             </p:nvSpPr>
             <p:spPr>
               <a:xfrm>
-                <a:off x="7152125" y="3919257"/>
-                <a:ext cx="2842188" cy="652743"/>
+                <a:off x="225458" y="1723262"/>
+                <a:ext cx="11105817" cy="2643224"/>
               </a:xfrm>
               <a:prstGeom prst="rect">
                 <a:avLst/>
               </a:prstGeom>
             </p:spPr>
             <p:txBody>
-              <a:bodyPr wrap="none">
+              <a:bodyPr wrap="square">
                 <a:spAutoFit/>
               </a:bodyPr>
               <a:lstStyle/>
+              <a:p>
+                <a:r>
+                  <a:rPr lang="zh-CN" altLang="en-US" sz="2400" dirty="0">
+                    <a:latin typeface="微软雅黑" panose="020B0503020204020204" pitchFamily="34" charset="-122"/>
+                    <a:ea typeface="微软雅黑" panose="020B0503020204020204" pitchFamily="34" charset="-122"/>
+                    <a:cs typeface="Times New Roman" panose="02020603050405020304" pitchFamily="18" charset="0"/>
+                  </a:rPr>
+                  <a:t>考虑种群大小为</a:t>
+                </a:r>
+                <a14:m>
+                  <m:oMath xmlns:m="http://schemas.openxmlformats.org/officeDocument/2006/math">
+                    <m:r>
+                      <m:rPr>
+                        <m:sty m:val="p"/>
+                      </m:rPr>
+                      <a:rPr lang="en-US" altLang="zh-CN" sz="2400" b="0" i="0" smtClean="0">
+                        <a:latin typeface="Cambria Math" panose="02040503050406030204" pitchFamily="18" charset="0"/>
+                        <a:ea typeface="微软雅黑" panose="020B0503020204020204" pitchFamily="34" charset="-122"/>
+                        <a:cs typeface="Times New Roman" panose="02020603050405020304" pitchFamily="18" charset="0"/>
+                      </a:rPr>
+                      <m:t>N</m:t>
+                    </m:r>
+                  </m:oMath>
+                </a14:m>
+                <a:r>
+                  <a:rPr lang="zh-CN" altLang="en-US" sz="2400" dirty="0">
+                    <a:latin typeface="微软雅黑" panose="020B0503020204020204" pitchFamily="34" charset="-122"/>
+                    <a:ea typeface="微软雅黑" panose="020B0503020204020204" pitchFamily="34" charset="-122"/>
+                    <a:cs typeface="Times New Roman" panose="02020603050405020304" pitchFamily="18" charset="0"/>
+                  </a:rPr>
+                  <a:t>的有限种群，由两类物种组成：</a:t>
+                </a:r>
+                <a:r>
+                  <a:rPr lang="en-US" altLang="zh-CN" sz="2400" dirty="0">
+                    <a:solidFill>
+                      <a:srgbClr val="1F77B4"/>
+                    </a:solidFill>
+                    <a:latin typeface="微软雅黑" panose="020B0503020204020204" pitchFamily="34" charset="-122"/>
+                    <a:ea typeface="微软雅黑" panose="020B0503020204020204" pitchFamily="34" charset="-122"/>
+                    <a:cs typeface="Times New Roman" panose="02020603050405020304" pitchFamily="18" charset="0"/>
+                  </a:rPr>
+                  <a:t>A(</a:t>
+                </a:r>
+                <a:r>
+                  <a:rPr lang="zh-CN" altLang="en-US" sz="2400" dirty="0">
+                    <a:solidFill>
+                      <a:srgbClr val="1F77B4"/>
+                    </a:solidFill>
+                    <a:latin typeface="微软雅黑" panose="020B0503020204020204" pitchFamily="34" charset="-122"/>
+                    <a:ea typeface="微软雅黑" panose="020B0503020204020204" pitchFamily="34" charset="-122"/>
+                    <a:cs typeface="Times New Roman" panose="02020603050405020304" pitchFamily="18" charset="0"/>
+                  </a:rPr>
+                  <a:t>野生型</a:t>
+                </a:r>
+                <a:r>
+                  <a:rPr lang="en-US" altLang="zh-CN" sz="2400" dirty="0">
+                    <a:solidFill>
+                      <a:srgbClr val="1F77B4"/>
+                    </a:solidFill>
+                    <a:latin typeface="微软雅黑" panose="020B0503020204020204" pitchFamily="34" charset="-122"/>
+                    <a:ea typeface="微软雅黑" panose="020B0503020204020204" pitchFamily="34" charset="-122"/>
+                    <a:cs typeface="Times New Roman" panose="02020603050405020304" pitchFamily="18" charset="0"/>
+                  </a:rPr>
+                  <a:t>) </a:t>
+                </a:r>
+                <a:r>
+                  <a:rPr lang="en-US" altLang="zh-CN" sz="2400" dirty="0">
+                    <a:solidFill>
+                      <a:srgbClr val="D62728"/>
+                    </a:solidFill>
+                    <a:latin typeface="微软雅黑" panose="020B0503020204020204" pitchFamily="34" charset="-122"/>
+                    <a:ea typeface="微软雅黑" panose="020B0503020204020204" pitchFamily="34" charset="-122"/>
+                    <a:cs typeface="Times New Roman" panose="02020603050405020304" pitchFamily="18" charset="0"/>
+                  </a:rPr>
+                  <a:t>B(</a:t>
+                </a:r>
+                <a:r>
+                  <a:rPr lang="zh-CN" altLang="en-US" sz="2400" dirty="0">
+                    <a:solidFill>
+                      <a:srgbClr val="D62728"/>
+                    </a:solidFill>
+                    <a:latin typeface="微软雅黑" panose="020B0503020204020204" pitchFamily="34" charset="-122"/>
+                    <a:ea typeface="微软雅黑" panose="020B0503020204020204" pitchFamily="34" charset="-122"/>
+                    <a:cs typeface="Times New Roman" panose="02020603050405020304" pitchFamily="18" charset="0"/>
+                  </a:rPr>
+                  <a:t>突变型</a:t>
+                </a:r>
+                <a:r>
+                  <a:rPr lang="en-US" altLang="zh-CN" sz="2400" dirty="0">
+                    <a:solidFill>
+                      <a:srgbClr val="D62728"/>
+                    </a:solidFill>
+                    <a:latin typeface="微软雅黑" panose="020B0503020204020204" pitchFamily="34" charset="-122"/>
+                    <a:ea typeface="微软雅黑" panose="020B0503020204020204" pitchFamily="34" charset="-122"/>
+                    <a:cs typeface="Times New Roman" panose="02020603050405020304" pitchFamily="18" charset="0"/>
+                  </a:rPr>
+                  <a:t>)</a:t>
+                </a:r>
+                <a:r>
+                  <a:rPr lang="zh-CN" altLang="en-US" sz="2400" dirty="0">
+                    <a:latin typeface="微软雅黑" panose="020B0503020204020204" pitchFamily="34" charset="-122"/>
+                    <a:ea typeface="微软雅黑" panose="020B0503020204020204" pitchFamily="34" charset="-122"/>
+                    <a:cs typeface="Times New Roman" panose="02020603050405020304" pitchFamily="18" charset="0"/>
+                  </a:rPr>
+                  <a:t>，种群在</a:t>
+                </a:r>
+                <a:r>
+                  <a:rPr lang="en-US" altLang="zh-CN" sz="2400" dirty="0">
+                    <a:latin typeface="微软雅黑" panose="020B0503020204020204" pitchFamily="34" charset="-122"/>
+                    <a:ea typeface="微软雅黑" panose="020B0503020204020204" pitchFamily="34" charset="-122"/>
+                    <a:cs typeface="Times New Roman" panose="02020603050405020304" pitchFamily="18" charset="0"/>
+                  </a:rPr>
+                  <a:t>BD</a:t>
+                </a:r>
+                <a:r>
+                  <a:rPr lang="zh-CN" altLang="en-US" sz="2400" dirty="0">
+                    <a:latin typeface="微软雅黑" panose="020B0503020204020204" pitchFamily="34" charset="-122"/>
+                    <a:ea typeface="微软雅黑" panose="020B0503020204020204" pitchFamily="34" charset="-122"/>
+                    <a:cs typeface="Times New Roman" panose="02020603050405020304" pitchFamily="18" charset="0"/>
+                  </a:rPr>
+                  <a:t>过程下进化，适合度取决于死亡率</a:t>
+                </a:r>
+                <a:r>
+                  <a:rPr lang="en-US" altLang="zh-CN" sz="2400" dirty="0">
+                    <a:latin typeface="微软雅黑" panose="020B0503020204020204" pitchFamily="34" charset="-122"/>
+                    <a:ea typeface="微软雅黑" panose="020B0503020204020204" pitchFamily="34" charset="-122"/>
+                    <a:cs typeface="Times New Roman" panose="02020603050405020304" pitchFamily="18" charset="0"/>
+                  </a:rPr>
+                  <a:t>.</a:t>
+                </a:r>
+              </a:p>
+              <a:p>
+                <a14:m>
+                  <m:oMathPara xmlns:m="http://schemas.openxmlformats.org/officeDocument/2006/math">
+                    <m:oMathParaPr>
+                      <m:jc m:val="centerGroup"/>
+                    </m:oMathParaPr>
+                    <m:oMath xmlns:m="http://schemas.openxmlformats.org/officeDocument/2006/math">
+                      <m:sSub>
+                        <m:sSubPr>
+                          <m:ctrlPr>
+                            <a:rPr lang="en-US" altLang="zh-CN" sz="2400" b="0" i="1" smtClean="0">
+                              <a:latin typeface="Cambria Math" panose="02040503050406030204" pitchFamily="18" charset="0"/>
+                              <a:ea typeface="微软雅黑" panose="020B0503020204020204" pitchFamily="34" charset="-122"/>
+                              <a:cs typeface="Times New Roman" panose="02020603050405020304" pitchFamily="18" charset="0"/>
+                            </a:rPr>
+                          </m:ctrlPr>
+                        </m:sSubPr>
+                        <m:e>
+                          <m:r>
+                            <a:rPr lang="en-US" altLang="zh-CN" sz="2400" b="0" i="1" smtClean="0">
+                              <a:latin typeface="Cambria Math" panose="02040503050406030204" pitchFamily="18" charset="0"/>
+                              <a:ea typeface="微软雅黑" panose="020B0503020204020204" pitchFamily="34" charset="-122"/>
+                              <a:cs typeface="Times New Roman" panose="02020603050405020304" pitchFamily="18" charset="0"/>
+                            </a:rPr>
+                            <m:t>𝑟</m:t>
+                          </m:r>
+                        </m:e>
+                        <m:sub>
+                          <m:r>
+                            <a:rPr lang="en-US" altLang="zh-CN" sz="2400" b="0" i="1" smtClean="0">
+                              <a:latin typeface="Cambria Math" panose="02040503050406030204" pitchFamily="18" charset="0"/>
+                              <a:ea typeface="微软雅黑" panose="020B0503020204020204" pitchFamily="34" charset="-122"/>
+                              <a:cs typeface="Times New Roman" panose="02020603050405020304" pitchFamily="18" charset="0"/>
+                            </a:rPr>
+                            <m:t>𝐴</m:t>
+                          </m:r>
+                        </m:sub>
+                      </m:sSub>
+                      <m:r>
+                        <a:rPr lang="en-US" altLang="zh-CN" sz="2400" b="0" i="1" smtClean="0">
+                          <a:latin typeface="Cambria Math" panose="02040503050406030204" pitchFamily="18" charset="0"/>
+                          <a:ea typeface="微软雅黑" panose="020B0503020204020204" pitchFamily="34" charset="-122"/>
+                          <a:cs typeface="Times New Roman" panose="02020603050405020304" pitchFamily="18" charset="0"/>
+                        </a:rPr>
+                        <m:t>=1,</m:t>
+                      </m:r>
+                      <m:sSub>
+                        <m:sSubPr>
+                          <m:ctrlPr>
+                            <a:rPr lang="en-US" altLang="zh-CN" sz="2400" b="0" i="1" smtClean="0">
+                              <a:latin typeface="Cambria Math" panose="02040503050406030204" pitchFamily="18" charset="0"/>
+                              <a:ea typeface="微软雅黑" panose="020B0503020204020204" pitchFamily="34" charset="-122"/>
+                              <a:cs typeface="Times New Roman" panose="02020603050405020304" pitchFamily="18" charset="0"/>
+                            </a:rPr>
+                          </m:ctrlPr>
+                        </m:sSubPr>
+                        <m:e>
+                          <m:r>
+                            <a:rPr lang="en-US" altLang="zh-CN" sz="2400" b="0" i="1" smtClean="0">
+                              <a:latin typeface="Cambria Math" panose="02040503050406030204" pitchFamily="18" charset="0"/>
+                              <a:ea typeface="微软雅黑" panose="020B0503020204020204" pitchFamily="34" charset="-122"/>
+                              <a:cs typeface="Times New Roman" panose="02020603050405020304" pitchFamily="18" charset="0"/>
+                            </a:rPr>
+                            <m:t>𝑟</m:t>
+                          </m:r>
+                        </m:e>
+                        <m:sub>
+                          <m:r>
+                            <a:rPr lang="en-US" altLang="zh-CN" sz="2400" b="0" i="1" smtClean="0">
+                              <a:latin typeface="Cambria Math" panose="02040503050406030204" pitchFamily="18" charset="0"/>
+                              <a:ea typeface="微软雅黑" panose="020B0503020204020204" pitchFamily="34" charset="-122"/>
+                              <a:cs typeface="Times New Roman" panose="02020603050405020304" pitchFamily="18" charset="0"/>
+                            </a:rPr>
+                            <m:t>𝐵</m:t>
+                          </m:r>
+                        </m:sub>
+                      </m:sSub>
+                      <m:r>
+                        <a:rPr lang="en-US" altLang="zh-CN" sz="2400" b="0" i="1" smtClean="0">
+                          <a:latin typeface="Cambria Math" panose="02040503050406030204" pitchFamily="18" charset="0"/>
+                          <a:ea typeface="微软雅黑" panose="020B0503020204020204" pitchFamily="34" charset="-122"/>
+                          <a:cs typeface="Times New Roman" panose="02020603050405020304" pitchFamily="18" charset="0"/>
+                        </a:rPr>
+                        <m:t>=1</m:t>
+                      </m:r>
+                    </m:oMath>
+                  </m:oMathPara>
+                </a14:m>
+                <a:endParaRPr lang="en-US" altLang="zh-CN" sz="2400" dirty="0">
+                  <a:latin typeface="微软雅黑" panose="020B0503020204020204" pitchFamily="34" charset="-122"/>
+                  <a:ea typeface="微软雅黑" panose="020B0503020204020204" pitchFamily="34" charset="-122"/>
+                  <a:cs typeface="Times New Roman" panose="02020603050405020304" pitchFamily="18" charset="0"/>
+                </a:endParaRPr>
+              </a:p>
+              <a:p>
+                <a14:m>
+                  <m:oMath xmlns:m="http://schemas.openxmlformats.org/officeDocument/2006/math">
+                    <m:sSub>
+                      <m:sSubPr>
+                        <m:ctrlPr>
+                          <a:rPr lang="en-US" altLang="zh-CN" sz="2400" i="1">
+                            <a:latin typeface="Cambria Math" panose="02040503050406030204" pitchFamily="18" charset="0"/>
+                            <a:ea typeface="微软雅黑" panose="020B0503020204020204" pitchFamily="34" charset="-122"/>
+                            <a:cs typeface="Times New Roman" panose="02020603050405020304" pitchFamily="18" charset="0"/>
+                          </a:rPr>
+                        </m:ctrlPr>
+                      </m:sSubPr>
+                      <m:e>
+                        <m:r>
+                          <a:rPr lang="en-US" altLang="zh-CN" sz="2400" i="1">
+                            <a:latin typeface="Cambria Math" panose="02040503050406030204" pitchFamily="18" charset="0"/>
+                            <a:ea typeface="微软雅黑" panose="020B0503020204020204" pitchFamily="34" charset="-122"/>
+                            <a:cs typeface="Times New Roman" panose="02020603050405020304" pitchFamily="18" charset="0"/>
+                          </a:rPr>
+                          <m:t>𝑑</m:t>
+                        </m:r>
+                      </m:e>
+                      <m:sub>
+                        <m:r>
+                          <a:rPr lang="en-US" altLang="zh-CN" sz="2400" i="1">
+                            <a:latin typeface="Cambria Math" panose="02040503050406030204" pitchFamily="18" charset="0"/>
+                            <a:ea typeface="微软雅黑" panose="020B0503020204020204" pitchFamily="34" charset="-122"/>
+                            <a:cs typeface="Times New Roman" panose="02020603050405020304" pitchFamily="18" charset="0"/>
+                          </a:rPr>
+                          <m:t>𝐴</m:t>
+                        </m:r>
+                      </m:sub>
+                    </m:sSub>
+                    <m:r>
+                      <a:rPr lang="en-US" altLang="zh-CN" sz="2400" i="1">
+                        <a:latin typeface="Cambria Math" panose="02040503050406030204" pitchFamily="18" charset="0"/>
+                        <a:ea typeface="微软雅黑" panose="020B0503020204020204" pitchFamily="34" charset="-122"/>
+                        <a:cs typeface="Times New Roman" panose="02020603050405020304" pitchFamily="18" charset="0"/>
+                      </a:rPr>
+                      <m:t>=1</m:t>
+                    </m:r>
+                  </m:oMath>
+                </a14:m>
+                <a:r>
+                  <a:rPr lang="zh-CN" altLang="en-US" sz="2400" dirty="0">
+                    <a:latin typeface="微软雅黑" panose="020B0503020204020204" pitchFamily="34" charset="-122"/>
+                    <a:ea typeface="微软雅黑" panose="020B0503020204020204" pitchFamily="34" charset="-122"/>
+                    <a:cs typeface="Times New Roman" panose="02020603050405020304" pitchFamily="18" charset="0"/>
+                  </a:rPr>
+                  <a:t>，如果变异个体在节点</a:t>
+                </a:r>
+                <a14:m>
+                  <m:oMath xmlns:m="http://schemas.openxmlformats.org/officeDocument/2006/math">
+                    <m:r>
+                      <a:rPr lang="en-US" altLang="zh-CN" sz="2400" b="0" i="1" smtClean="0">
+                        <a:latin typeface="Cambria Math" panose="02040503050406030204" pitchFamily="18" charset="0"/>
+                        <a:ea typeface="微软雅黑" panose="020B0503020204020204" pitchFamily="34" charset="-122"/>
+                        <a:cs typeface="Times New Roman" panose="02020603050405020304" pitchFamily="18" charset="0"/>
+                      </a:rPr>
+                      <m:t>𝑖</m:t>
+                    </m:r>
+                  </m:oMath>
+                </a14:m>
+                <a:r>
+                  <a:rPr lang="zh-CN" altLang="en-US" sz="2400" dirty="0">
+                    <a:latin typeface="微软雅黑" panose="020B0503020204020204" pitchFamily="34" charset="-122"/>
+                    <a:ea typeface="微软雅黑" panose="020B0503020204020204" pitchFamily="34" charset="-122"/>
+                    <a:cs typeface="Times New Roman" panose="02020603050405020304" pitchFamily="18" charset="0"/>
+                  </a:rPr>
+                  <a:t>，则死亡率为</a:t>
+                </a:r>
+                <a:endParaRPr lang="en-US" altLang="zh-CN" sz="2400" dirty="0">
+                  <a:latin typeface="微软雅黑" panose="020B0503020204020204" pitchFamily="34" charset="-122"/>
+                  <a:ea typeface="微软雅黑" panose="020B0503020204020204" pitchFamily="34" charset="-122"/>
+                  <a:cs typeface="Times New Roman" panose="02020603050405020304" pitchFamily="18" charset="0"/>
+                </a:endParaRPr>
+              </a:p>
               <a:p>
                 <a14:m>
                   <m:oMathPara xmlns:m="http://schemas.openxmlformats.org/officeDocument/2006/math">
@@ -5036,178 +6264,239 @@
                       <m:sSubSup>
                         <m:sSubSupPr>
                           <m:ctrlPr>
-                            <a:rPr lang="en-US" altLang="zh-CN" i="1" smtClean="0">
-                              <a:latin typeface="Cambria Math" panose="02040503050406030204" pitchFamily="18" charset="0"/>
+                            <a:rPr lang="en-US" altLang="zh-CN" sz="2400" b="0" i="1" smtClean="0">
+                              <a:latin typeface="Cambria Math" panose="02040503050406030204" pitchFamily="18" charset="0"/>
+                              <a:ea typeface="微软雅黑" panose="020B0503020204020204" pitchFamily="34" charset="-122"/>
+                              <a:cs typeface="Times New Roman" panose="02020603050405020304" pitchFamily="18" charset="0"/>
                             </a:rPr>
                           </m:ctrlPr>
                         </m:sSubSupPr>
                         <m:e>
                           <m:r>
-                            <a:rPr lang="en-US" altLang="zh-CN" i="1">
-                              <a:latin typeface="Cambria Math" panose="02040503050406030204" pitchFamily="18" charset="0"/>
-                            </a:rPr>
-                            <m:t>𝜋</m:t>
+                            <a:rPr lang="en-US" altLang="zh-CN" sz="2400" b="0" i="1" smtClean="0">
+                              <a:latin typeface="Cambria Math" panose="02040503050406030204" pitchFamily="18" charset="0"/>
+                              <a:ea typeface="微软雅黑" panose="020B0503020204020204" pitchFamily="34" charset="-122"/>
+                              <a:cs typeface="Times New Roman" panose="02020603050405020304" pitchFamily="18" charset="0"/>
+                            </a:rPr>
+                            <m:t>𝑑</m:t>
                           </m:r>
                         </m:e>
                         <m:sub>
                           <m:r>
-                            <a:rPr lang="en-US" altLang="zh-CN" b="0" i="1" smtClean="0">
-                              <a:latin typeface="Cambria Math" panose="02040503050406030204" pitchFamily="18" charset="0"/>
-                            </a:rPr>
-                            <m:t>1</m:t>
+                            <a:rPr lang="en-US" altLang="zh-CN" sz="2400" b="0" i="1" smtClean="0">
+                              <a:latin typeface="Cambria Math" panose="02040503050406030204" pitchFamily="18" charset="0"/>
+                              <a:ea typeface="微软雅黑" panose="020B0503020204020204" pitchFamily="34" charset="-122"/>
+                              <a:cs typeface="Times New Roman" panose="02020603050405020304" pitchFamily="18" charset="0"/>
+                            </a:rPr>
+                            <m:t>𝐵</m:t>
                           </m:r>
                         </m:sub>
                         <m:sup>
                           <m:r>
-                            <a:rPr lang="en-US" altLang="zh-CN" i="1">
-                              <a:latin typeface="Cambria Math" panose="02040503050406030204" pitchFamily="18" charset="0"/>
-                            </a:rPr>
-                            <m:t>0</m:t>
+                            <a:rPr lang="en-US" altLang="zh-CN" sz="2400" b="0" i="1" smtClean="0">
+                              <a:latin typeface="Cambria Math" panose="02040503050406030204" pitchFamily="18" charset="0"/>
+                              <a:ea typeface="微软雅黑" panose="020B0503020204020204" pitchFamily="34" charset="-122"/>
+                              <a:cs typeface="Times New Roman" panose="02020603050405020304" pitchFamily="18" charset="0"/>
+                            </a:rPr>
+                            <m:t>(</m:t>
+                          </m:r>
+                          <m:r>
+                            <a:rPr lang="en-US" altLang="zh-CN" sz="2400" b="0" i="1" smtClean="0">
+                              <a:latin typeface="Cambria Math" panose="02040503050406030204" pitchFamily="18" charset="0"/>
+                              <a:ea typeface="微软雅黑" panose="020B0503020204020204" pitchFamily="34" charset="-122"/>
+                              <a:cs typeface="Times New Roman" panose="02020603050405020304" pitchFamily="18" charset="0"/>
+                            </a:rPr>
+                            <m:t>𝑖</m:t>
+                          </m:r>
+                          <m:r>
+                            <a:rPr lang="en-US" altLang="zh-CN" sz="2400" b="0" i="1" smtClean="0">
+                              <a:latin typeface="Cambria Math" panose="02040503050406030204" pitchFamily="18" charset="0"/>
+                              <a:ea typeface="微软雅黑" panose="020B0503020204020204" pitchFamily="34" charset="-122"/>
+                              <a:cs typeface="Times New Roman" panose="02020603050405020304" pitchFamily="18" charset="0"/>
+                            </a:rPr>
+                            <m:t>)</m:t>
                           </m:r>
                         </m:sup>
                       </m:sSubSup>
                       <m:r>
-                        <a:rPr lang="en-US" altLang="zh-CN" b="0" i="1" smtClean="0">
+                        <a:rPr lang="en-US" altLang="zh-CN" sz="2400" b="0" i="1" smtClean="0">
                           <a:latin typeface="Cambria Math" panose="02040503050406030204" pitchFamily="18" charset="0"/>
+                          <a:ea typeface="微软雅黑" panose="020B0503020204020204" pitchFamily="34" charset="-122"/>
+                          <a:cs typeface="Times New Roman" panose="02020603050405020304" pitchFamily="18" charset="0"/>
                         </a:rPr>
                         <m:t>=</m:t>
                       </m:r>
                       <m:f>
                         <m:fPr>
                           <m:ctrlPr>
-                            <a:rPr lang="en-US" altLang="zh-CN" b="0" i="1" smtClean="0">
-                              <a:latin typeface="Cambria Math" panose="02040503050406030204" pitchFamily="18" charset="0"/>
+                            <a:rPr lang="en-US" altLang="zh-CN" sz="2400" b="0" i="1" smtClean="0">
+                              <a:latin typeface="Cambria Math" panose="02040503050406030204" pitchFamily="18" charset="0"/>
+                              <a:ea typeface="微软雅黑" panose="020B0503020204020204" pitchFamily="34" charset="-122"/>
+                              <a:cs typeface="Times New Roman" panose="02020603050405020304" pitchFamily="18" charset="0"/>
                             </a:rPr>
                           </m:ctrlPr>
                         </m:fPr>
                         <m:num>
-                          <m:r>
-                            <a:rPr lang="en-US" altLang="zh-CN" b="0" i="1" smtClean="0">
-                              <a:latin typeface="Cambria Math" panose="02040503050406030204" pitchFamily="18" charset="0"/>
-                            </a:rPr>
-                            <m:t>(</m:t>
-                          </m:r>
-                          <m:r>
-                            <a:rPr lang="en-US" altLang="zh-CN" b="0" i="1" smtClean="0">
-                              <a:latin typeface="Cambria Math" panose="02040503050406030204" pitchFamily="18" charset="0"/>
-                            </a:rPr>
-                            <m:t>𝑛</m:t>
-                          </m:r>
-                          <m:r>
-                            <a:rPr lang="en-US" altLang="zh-CN" b="0" i="1" smtClean="0">
-                              <a:latin typeface="Cambria Math" panose="02040503050406030204" pitchFamily="18" charset="0"/>
-                            </a:rPr>
-                            <m:t>+1)(2</m:t>
-                          </m:r>
-                          <m:sSup>
-                            <m:sSupPr>
+                          <m:sSub>
+                            <m:sSubPr>
                               <m:ctrlPr>
-                                <a:rPr lang="en-US" altLang="zh-CN" b="0" i="1" smtClean="0">
+                                <a:rPr lang="en-US" altLang="zh-CN" sz="2400" b="0" i="1" smtClean="0">
                                   <a:latin typeface="Cambria Math" panose="02040503050406030204" pitchFamily="18" charset="0"/>
+                                  <a:ea typeface="微软雅黑" panose="020B0503020204020204" pitchFamily="34" charset="-122"/>
+                                  <a:cs typeface="Times New Roman" panose="02020603050405020304" pitchFamily="18" charset="0"/>
                                 </a:rPr>
                               </m:ctrlPr>
-                            </m:sSupPr>
+                            </m:sSubPr>
                             <m:e>
                               <m:r>
-                                <a:rPr lang="en-US" altLang="zh-CN" b="0" i="1" smtClean="0">
+                                <a:rPr lang="en-US" altLang="zh-CN" sz="2400" b="0" i="1" smtClean="0">
                                   <a:latin typeface="Cambria Math" panose="02040503050406030204" pitchFamily="18" charset="0"/>
+                                  <a:ea typeface="微软雅黑" panose="020B0503020204020204" pitchFamily="34" charset="-122"/>
+                                  <a:cs typeface="Times New Roman" panose="02020603050405020304" pitchFamily="18" charset="0"/>
                                 </a:rPr>
-                                <m:t>𝑛</m:t>
+                                <m:t>𝑘</m:t>
                               </m:r>
                             </m:e>
-                            <m:sup>
+                            <m:sub>
                               <m:r>
-                                <a:rPr lang="en-US" altLang="zh-CN" b="0" i="1" smtClean="0">
+                                <a:rPr lang="en-US" altLang="zh-CN" sz="2400" b="0" i="1" smtClean="0">
                                   <a:latin typeface="Cambria Math" panose="02040503050406030204" pitchFamily="18" charset="0"/>
+                                  <a:ea typeface="微软雅黑" panose="020B0503020204020204" pitchFamily="34" charset="-122"/>
+                                  <a:cs typeface="Times New Roman" panose="02020603050405020304" pitchFamily="18" charset="0"/>
                                 </a:rPr>
-                                <m:t>2</m:t>
+                                <m:t>𝑖</m:t>
                               </m:r>
-                            </m:sup>
-                          </m:sSup>
-                          <m:r>
-                            <a:rPr lang="en-US" altLang="zh-CN" b="0" i="1" smtClean="0">
-                              <a:latin typeface="Cambria Math" panose="02040503050406030204" pitchFamily="18" charset="0"/>
-                            </a:rPr>
-                            <m:t>+1)</m:t>
-                          </m:r>
+                            </m:sub>
+                          </m:sSub>
                         </m:num>
                         <m:den>
                           <m:r>
-                            <a:rPr lang="en-US" altLang="zh-CN" b="0" i="1" smtClean="0">
-                              <a:latin typeface="Cambria Math" panose="02040503050406030204" pitchFamily="18" charset="0"/>
-                            </a:rPr>
-                            <m:t>2</m:t>
+                            <a:rPr lang="en-US" altLang="zh-CN" sz="2400" b="0" i="1" smtClean="0">
+                              <a:latin typeface="Cambria Math" panose="02040503050406030204" pitchFamily="18" charset="0"/>
+                              <a:ea typeface="微软雅黑" panose="020B0503020204020204" pitchFamily="34" charset="-122"/>
+                              <a:cs typeface="Times New Roman" panose="02020603050405020304" pitchFamily="18" charset="0"/>
+                            </a:rPr>
+                            <m:t>&lt;</m:t>
                           </m:r>
-                          <m:sSup>
-                            <m:sSupPr>
-                              <m:ctrlPr>
-                                <a:rPr lang="en-US" altLang="zh-CN" b="0" i="1" smtClean="0">
-                                  <a:latin typeface="Cambria Math" panose="02040503050406030204" pitchFamily="18" charset="0"/>
-                                </a:rPr>
-                              </m:ctrlPr>
-                            </m:sSupPr>
-                            <m:e>
-                              <m:r>
-                                <a:rPr lang="en-US" altLang="zh-CN" b="0" i="1" smtClean="0">
-                                  <a:latin typeface="Cambria Math" panose="02040503050406030204" pitchFamily="18" charset="0"/>
-                                </a:rPr>
-                                <m:t>𝑛</m:t>
-                              </m:r>
-                            </m:e>
-                            <m:sup>
-                              <m:r>
-                                <a:rPr lang="en-US" altLang="zh-CN" b="0" i="1" smtClean="0">
-                                  <a:latin typeface="Cambria Math" panose="02040503050406030204" pitchFamily="18" charset="0"/>
-                                </a:rPr>
-                                <m:t>2</m:t>
-                              </m:r>
-                            </m:sup>
-                          </m:sSup>
                           <m:r>
-                            <a:rPr lang="en-US" altLang="zh-CN" b="0" i="1" smtClean="0">
-                              <a:latin typeface="Cambria Math" panose="02040503050406030204" pitchFamily="18" charset="0"/>
-                            </a:rPr>
-                            <m:t>+2</m:t>
+                            <a:rPr lang="en-US" altLang="zh-CN" sz="2400" b="0" i="1" smtClean="0">
+                              <a:latin typeface="Cambria Math" panose="02040503050406030204" pitchFamily="18" charset="0"/>
+                              <a:ea typeface="微软雅黑" panose="020B0503020204020204" pitchFamily="34" charset="-122"/>
+                              <a:cs typeface="Times New Roman" panose="02020603050405020304" pitchFamily="18" charset="0"/>
+                            </a:rPr>
+                            <m:t>𝑘</m:t>
+                          </m:r>
+                          <m:r>
+                            <a:rPr lang="en-US" altLang="zh-CN" sz="2400" b="0" i="1" smtClean="0">
+                              <a:latin typeface="Cambria Math" panose="02040503050406030204" pitchFamily="18" charset="0"/>
+                              <a:ea typeface="微软雅黑" panose="020B0503020204020204" pitchFamily="34" charset="-122"/>
+                              <a:cs typeface="Times New Roman" panose="02020603050405020304" pitchFamily="18" charset="0"/>
+                            </a:rPr>
+                            <m:t>&gt;</m:t>
                           </m:r>
                         </m:den>
                       </m:f>
-                      <m:sSubSup>
-                        <m:sSubSupPr>
-                          <m:ctrlPr>
-                            <a:rPr lang="en-US" altLang="zh-CN" i="1">
-                              <a:latin typeface="Cambria Math" panose="02040503050406030204" pitchFamily="18" charset="0"/>
-                            </a:rPr>
-                          </m:ctrlPr>
-                        </m:sSubSupPr>
-                        <m:e>
-                          <m:r>
-                            <a:rPr lang="en-US" altLang="zh-CN" i="1">
-                              <a:latin typeface="Cambria Math" panose="02040503050406030204" pitchFamily="18" charset="0"/>
-                            </a:rPr>
-                            <m:t>𝜋</m:t>
-                          </m:r>
-                        </m:e>
-                        <m:sub>
-                          <m:r>
-                            <a:rPr lang="en-US" altLang="zh-CN" b="0" i="1" smtClean="0">
-                              <a:latin typeface="Cambria Math" panose="02040503050406030204" pitchFamily="18" charset="0"/>
-                            </a:rPr>
-                            <m:t>0</m:t>
-                          </m:r>
-                        </m:sub>
-                        <m:sup>
-                          <m:r>
-                            <a:rPr lang="en-US" altLang="zh-CN" b="0" i="1" smtClean="0">
-                              <a:latin typeface="Cambria Math" panose="02040503050406030204" pitchFamily="18" charset="0"/>
-                            </a:rPr>
-                            <m:t>1</m:t>
-                          </m:r>
-                        </m:sup>
-                      </m:sSubSup>
                     </m:oMath>
                   </m:oMathPara>
                 </a14:m>
-                <a:endParaRPr lang="zh-CN" altLang="en-US" dirty="0"/>
+                <a:endParaRPr lang="en-US" altLang="zh-CN" sz="2400" dirty="0">
+                  <a:latin typeface="微软雅黑" panose="020B0503020204020204" pitchFamily="34" charset="-122"/>
+                  <a:ea typeface="微软雅黑" panose="020B0503020204020204" pitchFamily="34" charset="-122"/>
+                  <a:cs typeface="Times New Roman" panose="02020603050405020304" pitchFamily="18" charset="0"/>
+                </a:endParaRPr>
+              </a:p>
+              <a:p>
+                <a:r>
+                  <a:rPr lang="zh-CN" altLang="en-US" sz="2400" dirty="0">
+                    <a:latin typeface="微软雅黑" panose="020B0503020204020204" pitchFamily="34" charset="-122"/>
+                    <a:ea typeface="微软雅黑" panose="020B0503020204020204" pitchFamily="34" charset="-122"/>
+                    <a:cs typeface="Times New Roman" panose="02020603050405020304" pitchFamily="18" charset="0"/>
+                  </a:rPr>
+                  <a:t>对所有位置取平均，</a:t>
+                </a:r>
+                <a14:m>
+                  <m:oMath xmlns:m="http://schemas.openxmlformats.org/officeDocument/2006/math">
+                    <m:r>
+                      <a:rPr lang="en-US" altLang="zh-CN" sz="2400" b="0" i="1" smtClean="0">
+                        <a:latin typeface="Cambria Math" panose="02040503050406030204" pitchFamily="18" charset="0"/>
+                        <a:ea typeface="微软雅黑" panose="020B0503020204020204" pitchFamily="34" charset="-122"/>
+                        <a:cs typeface="Times New Roman" panose="02020603050405020304" pitchFamily="18" charset="0"/>
+                      </a:rPr>
+                      <m:t>&lt;</m:t>
+                    </m:r>
+                    <m:sSub>
+                      <m:sSubPr>
+                        <m:ctrlPr>
+                          <a:rPr lang="en-US" altLang="zh-CN" sz="2400" b="0" i="1" smtClean="0">
+                            <a:latin typeface="Cambria Math" panose="02040503050406030204" pitchFamily="18" charset="0"/>
+                            <a:ea typeface="微软雅黑" panose="020B0503020204020204" pitchFamily="34" charset="-122"/>
+                            <a:cs typeface="Times New Roman" panose="02020603050405020304" pitchFamily="18" charset="0"/>
+                          </a:rPr>
+                        </m:ctrlPr>
+                      </m:sSubPr>
+                      <m:e>
+                        <m:r>
+                          <a:rPr lang="en-US" altLang="zh-CN" sz="2400" b="0" i="1" smtClean="0">
+                            <a:latin typeface="Cambria Math" panose="02040503050406030204" pitchFamily="18" charset="0"/>
+                            <a:ea typeface="微软雅黑" panose="020B0503020204020204" pitchFamily="34" charset="-122"/>
+                            <a:cs typeface="Times New Roman" panose="02020603050405020304" pitchFamily="18" charset="0"/>
+                          </a:rPr>
+                          <m:t>𝑑</m:t>
+                        </m:r>
+                      </m:e>
+                      <m:sub>
+                        <m:r>
+                          <a:rPr lang="en-US" altLang="zh-CN" sz="2400" b="0" i="1" smtClean="0">
+                            <a:latin typeface="Cambria Math" panose="02040503050406030204" pitchFamily="18" charset="0"/>
+                            <a:ea typeface="微软雅黑" panose="020B0503020204020204" pitchFamily="34" charset="-122"/>
+                            <a:cs typeface="Times New Roman" panose="02020603050405020304" pitchFamily="18" charset="0"/>
+                          </a:rPr>
+                          <m:t>𝐵</m:t>
+                        </m:r>
+                      </m:sub>
+                    </m:sSub>
+                    <m:r>
+                      <a:rPr lang="en-US" altLang="zh-CN" sz="2400" b="0" i="1" smtClean="0">
+                        <a:latin typeface="Cambria Math" panose="02040503050406030204" pitchFamily="18" charset="0"/>
+                        <a:ea typeface="微软雅黑" panose="020B0503020204020204" pitchFamily="34" charset="-122"/>
+                        <a:cs typeface="Times New Roman" panose="02020603050405020304" pitchFamily="18" charset="0"/>
+                      </a:rPr>
+                      <m:t>&gt;  </m:t>
+                    </m:r>
+                    <m:r>
+                      <a:rPr lang="en-US" altLang="zh-CN" sz="2400" i="1">
+                        <a:latin typeface="Cambria Math" panose="02040503050406030204" pitchFamily="18" charset="0"/>
+                        <a:ea typeface="微软雅黑" panose="020B0503020204020204" pitchFamily="34" charset="-122"/>
+                        <a:cs typeface="Times New Roman" panose="02020603050405020304" pitchFamily="18" charset="0"/>
+                      </a:rPr>
+                      <m:t>=</m:t>
+                    </m:r>
+                    <m:r>
+                      <a:rPr lang="en-US" altLang="zh-CN" sz="2400" i="1" smtClean="0">
+                        <a:latin typeface="Cambria Math" panose="02040503050406030204" pitchFamily="18" charset="0"/>
+                        <a:ea typeface="微软雅黑" panose="020B0503020204020204" pitchFamily="34" charset="-122"/>
+                        <a:cs typeface="Times New Roman" panose="02020603050405020304" pitchFamily="18" charset="0"/>
+                      </a:rPr>
+                      <m:t>1</m:t>
+                    </m:r>
+                  </m:oMath>
+                </a14:m>
+                <a:r>
+                  <a:rPr lang="zh-CN" altLang="en-US" sz="2400" dirty="0">
+                    <a:latin typeface="微软雅黑" panose="020B0503020204020204" pitchFamily="34" charset="-122"/>
+                    <a:ea typeface="微软雅黑" panose="020B0503020204020204" pitchFamily="34" charset="-122"/>
+                    <a:cs typeface="Times New Roman" panose="02020603050405020304" pitchFamily="18" charset="0"/>
+                  </a:rPr>
+                  <a:t>，这样我们的进化过程符合平均中性漂变</a:t>
+                </a:r>
+                <a:r>
+                  <a:rPr lang="en-US" altLang="zh-CN" sz="2400" dirty="0">
+                    <a:latin typeface="微软雅黑" panose="020B0503020204020204" pitchFamily="34" charset="-122"/>
+                    <a:ea typeface="微软雅黑" panose="020B0503020204020204" pitchFamily="34" charset="-122"/>
+                    <a:cs typeface="Times New Roman" panose="02020603050405020304" pitchFamily="18" charset="0"/>
+                  </a:rPr>
+                  <a:t>.</a:t>
+                </a:r>
               </a:p>
             </p:txBody>
           </p:sp>
@@ -5215,10 +6504,10 @@
         <mc:Fallback>
           <p:sp>
             <p:nvSpPr>
-              <p:cNvPr id="12" name="矩形 11">
+              <p:cNvPr id="11" name="矩形 10">
                 <a:extLst>
                   <a:ext uri="{FF2B5EF4-FFF2-40B4-BE49-F238E27FC236}">
-                    <a16:creationId xmlns:a16="http://schemas.microsoft.com/office/drawing/2014/main" id="{D77AE814-3291-49ED-9E6D-78C3D08398C8}"/>
+                    <a16:creationId xmlns:a16="http://schemas.microsoft.com/office/drawing/2014/main" id="{62937932-7FF9-4BF4-BE44-0C41D6F531F7}"/>
                   </a:ext>
                 </a:extLst>
               </p:cNvPr>
@@ -5229,16 +6518,16 @@
             </p:nvSpPr>
             <p:spPr>
               <a:xfrm>
-                <a:off x="7152125" y="3919257"/>
-                <a:ext cx="2842188" cy="652743"/>
+                <a:off x="225458" y="1723262"/>
+                <a:ext cx="11105817" cy="2643224"/>
               </a:xfrm>
               <a:prstGeom prst="rect">
                 <a:avLst/>
               </a:prstGeom>
               <a:blipFill>
-                <a:blip r:embed="rId6"/>
+                <a:blip r:embed="rId5"/>
                 <a:stretch>
-                  <a:fillRect/>
+                  <a:fillRect l="-878" t="-1848" b="-4619"/>
                 </a:stretch>
               </a:blipFill>
             </p:spPr>
@@ -5260,7 +6549,7 @@
     </p:spTree>
     <p:extLst>
       <p:ext uri="{BB962C8B-B14F-4D97-AF65-F5344CB8AC3E}">
-        <p14:creationId xmlns:p14="http://schemas.microsoft.com/office/powerpoint/2010/main" val="1153379278"/>
+        <p14:creationId xmlns:p14="http://schemas.microsoft.com/office/powerpoint/2010/main" val="2983887943"/>
       </p:ext>
     </p:extLst>
   </p:cSld>
@@ -5355,7 +6644,168 @@
         <p:spPr>
           <a:xfrm>
             <a:off x="106638" y="326480"/>
-            <a:ext cx="10229660" cy="923330"/>
+            <a:ext cx="4134465" cy="769441"/>
+          </a:xfrm>
+          <a:prstGeom prst="rect">
+            <a:avLst/>
+          </a:prstGeom>
+        </p:spPr>
+        <p:txBody>
+          <a:bodyPr wrap="none">
+            <a:spAutoFit/>
+          </a:bodyPr>
+          <a:lstStyle/>
+          <a:p>
+            <a:r>
+              <a:rPr lang="zh-CN" altLang="en-US" sz="4400" dirty="0">
+                <a:solidFill>
+                  <a:srgbClr val="FCFCFF"/>
+                </a:solidFill>
+                <a:latin typeface="微软雅黑" panose="020B0503020204020204" pitchFamily="34" charset="-122"/>
+                <a:ea typeface="微软雅黑" panose="020B0503020204020204" pitchFamily="34" charset="-122"/>
+                <a:cs typeface="Times New Roman" panose="02020603050405020304" pitchFamily="18" charset="0"/>
+              </a:rPr>
+              <a:t>模型：仿真算法</a:t>
+            </a:r>
+            <a:endParaRPr lang="zh-CN" altLang="en-US" sz="4400" dirty="0">
+              <a:solidFill>
+                <a:srgbClr val="FCFCFF"/>
+              </a:solidFill>
+              <a:latin typeface="微软雅黑" panose="020B0503020204020204" pitchFamily="34" charset="-122"/>
+              <a:ea typeface="微软雅黑" panose="020B0503020204020204" pitchFamily="34" charset="-122"/>
+            </a:endParaRPr>
+          </a:p>
+        </p:txBody>
+      </p:sp>
+      <p:pic>
+        <p:nvPicPr>
+          <p:cNvPr id="3" name="图片 2">
+            <a:extLst>
+              <a:ext uri="{FF2B5EF4-FFF2-40B4-BE49-F238E27FC236}">
+                <a16:creationId xmlns:a16="http://schemas.microsoft.com/office/drawing/2014/main" id="{299F04B8-3724-4798-825F-4E8CDD7F0D5F}"/>
+              </a:ext>
+            </a:extLst>
+          </p:cNvPr>
+          <p:cNvPicPr>
+            <a:picLocks noChangeAspect="1"/>
+          </p:cNvPicPr>
+          <p:nvPr/>
+        </p:nvPicPr>
+        <p:blipFill>
+          <a:blip r:embed="rId2"/>
+          <a:stretch>
+            <a:fillRect/>
+          </a:stretch>
+        </p:blipFill>
+        <p:spPr>
+          <a:xfrm>
+            <a:off x="1462340" y="1615758"/>
+            <a:ext cx="9055565" cy="7106015"/>
+          </a:xfrm>
+          <a:prstGeom prst="rect">
+            <a:avLst/>
+          </a:prstGeom>
+        </p:spPr>
+      </p:pic>
+    </p:spTree>
+    <p:extLst>
+      <p:ext uri="{BB962C8B-B14F-4D97-AF65-F5344CB8AC3E}">
+        <p14:creationId xmlns:p14="http://schemas.microsoft.com/office/powerpoint/2010/main" val="1120383413"/>
+      </p:ext>
+    </p:extLst>
+  </p:cSld>
+  <p:clrMapOvr>
+    <a:masterClrMapping/>
+  </p:clrMapOvr>
+</p:sld>
+</file>
+
+<file path=ppt/slides/slide12.xml><?xml version="1.0" encoding="utf-8"?>
+<p:sld xmlns:a="http://schemas.openxmlformats.org/drawingml/2006/main" xmlns:r="http://schemas.openxmlformats.org/officeDocument/2006/relationships" xmlns:p="http://schemas.openxmlformats.org/presentationml/2006/main">
+  <p:cSld>
+    <p:spTree>
+      <p:nvGrpSpPr>
+        <p:cNvPr id="1" name=""/>
+        <p:cNvGrpSpPr/>
+        <p:nvPr/>
+      </p:nvGrpSpPr>
+      <p:grpSpPr>
+        <a:xfrm>
+          <a:off x="0" y="0"/>
+          <a:ext cx="0" cy="0"/>
+          <a:chOff x="0" y="0"/>
+          <a:chExt cx="0" cy="0"/>
+        </a:xfrm>
+      </p:grpSpPr>
+      <p:sp>
+        <p:nvSpPr>
+          <p:cNvPr id="4" name="矩形 3">
+            <a:extLst>
+              <a:ext uri="{FF2B5EF4-FFF2-40B4-BE49-F238E27FC236}">
+                <a16:creationId xmlns:a16="http://schemas.microsoft.com/office/drawing/2014/main" id="{F7F56775-9DF5-4E8B-90D1-8A5DC5B1D139}"/>
+              </a:ext>
+            </a:extLst>
+          </p:cNvPr>
+          <p:cNvSpPr/>
+          <p:nvPr/>
+        </p:nvSpPr>
+        <p:spPr>
+          <a:xfrm>
+            <a:off x="0" y="0"/>
+            <a:ext cx="12192000" cy="1439334"/>
+          </a:xfrm>
+          <a:prstGeom prst="rect">
+            <a:avLst/>
+          </a:prstGeom>
+          <a:solidFill>
+            <a:schemeClr val="tx2"/>
+          </a:solidFill>
+        </p:spPr>
+        <p:style>
+          <a:lnRef idx="2">
+            <a:schemeClr val="accent1">
+              <a:shade val="50000"/>
+            </a:schemeClr>
+          </a:lnRef>
+          <a:fillRef idx="1">
+            <a:schemeClr val="accent1"/>
+          </a:fillRef>
+          <a:effectRef idx="0">
+            <a:schemeClr val="accent1"/>
+          </a:effectRef>
+          <a:fontRef idx="minor">
+            <a:schemeClr val="lt1"/>
+          </a:fontRef>
+        </p:style>
+        <p:txBody>
+          <a:bodyPr rtlCol="0" anchor="ctr"/>
+          <a:lstStyle/>
+          <a:p>
+            <a:pPr algn="ctr"/>
+            <a:endParaRPr lang="zh-CN" altLang="en-US">
+              <a:solidFill>
+                <a:srgbClr val="FF0000"/>
+              </a:solidFill>
+            </a:endParaRPr>
+          </a:p>
+        </p:txBody>
+      </p:sp>
+      <p:sp>
+        <p:nvSpPr>
+          <p:cNvPr id="7" name="矩形 6">
+            <a:extLst>
+              <a:ext uri="{FF2B5EF4-FFF2-40B4-BE49-F238E27FC236}">
+                <a16:creationId xmlns:a16="http://schemas.microsoft.com/office/drawing/2014/main" id="{45935406-9B51-4ACA-A604-DE84FECA04AD}"/>
+              </a:ext>
+            </a:extLst>
+          </p:cNvPr>
+          <p:cNvSpPr/>
+          <p:nvPr/>
+        </p:nvSpPr>
+        <p:spPr>
+          <a:xfrm>
+            <a:off x="106638" y="326480"/>
+            <a:ext cx="10572125" cy="923330"/>
           </a:xfrm>
           <a:prstGeom prst="rect">
             <a:avLst/>
@@ -5376,7 +6826,7 @@
                 <a:ea typeface="微软雅黑" panose="020B0503020204020204" pitchFamily="34" charset="-122"/>
                 <a:cs typeface="Times New Roman" panose="02020603050405020304" pitchFamily="18" charset="0"/>
               </a:rPr>
-              <a:t>结果和讨论：星形图上理论分析</a:t>
+              <a:t>结果和讨论：星形图平均中性漂变</a:t>
             </a:r>
             <a:endParaRPr lang="zh-CN" altLang="en-US" sz="5400" dirty="0">
               <a:solidFill>
@@ -5440,7 +6890,7 @@
         </p:blipFill>
         <p:spPr>
           <a:xfrm>
-            <a:off x="1955800" y="4784125"/>
+            <a:off x="3263584" y="5110605"/>
             <a:ext cx="8633278" cy="4033395"/>
           </a:xfrm>
           <a:prstGeom prst="rect">
@@ -5448,8 +6898,8 @@
           </a:prstGeom>
         </p:spPr>
       </p:pic>
-      <mc:AlternateContent xmlns:mc="http://schemas.openxmlformats.org/markup-compatibility/2006">
-        <mc:Choice xmlns:a14="http://schemas.microsoft.com/office/drawing/2010/main" Requires="a14">
+      <mc:AlternateContent xmlns:mc="http://schemas.openxmlformats.org/markup-compatibility/2006" xmlns:a14="http://schemas.microsoft.com/office/drawing/2010/main">
+        <mc:Choice Requires="a14">
           <p:sp>
             <p:nvSpPr>
               <p:cNvPr id="8" name="矩形 7">
@@ -5618,7 +7068,7 @@
             </p:txBody>
           </p:sp>
         </mc:Choice>
-        <mc:Fallback>
+        <mc:Fallback xmlns="">
           <p:sp>
             <p:nvSpPr>
               <p:cNvPr id="8" name="矩形 7">
@@ -5663,8 +7113,8 @@
           </p:sp>
         </mc:Fallback>
       </mc:AlternateContent>
-      <mc:AlternateContent xmlns:mc="http://schemas.openxmlformats.org/markup-compatibility/2006">
-        <mc:Choice xmlns:a14="http://schemas.microsoft.com/office/drawing/2010/main" Requires="a14">
+      <mc:AlternateContent xmlns:mc="http://schemas.openxmlformats.org/markup-compatibility/2006" xmlns:a14="http://schemas.microsoft.com/office/drawing/2010/main">
+        <mc:Choice Requires="a14">
           <p:sp>
             <p:nvSpPr>
               <p:cNvPr id="10" name="矩形 9">
@@ -5842,7 +7292,7 @@
             </p:txBody>
           </p:sp>
         </mc:Choice>
-        <mc:Fallback>
+        <mc:Fallback xmlns="">
           <p:sp>
             <p:nvSpPr>
               <p:cNvPr id="10" name="矩形 9">
@@ -5903,7 +7353,7 @@
             </p:nvSpPr>
             <p:spPr>
               <a:xfrm>
-                <a:off x="7152125" y="3919257"/>
+                <a:off x="137026" y="7197951"/>
                 <a:ext cx="2842188" cy="652743"/>
               </a:xfrm>
               <a:prstGeom prst="rect">
@@ -5916,6 +7366,7 @@
               </a:bodyPr>
               <a:lstStyle/>
               <a:p>
+                <a:pPr/>
                 <a14:m>
                   <m:oMathPara xmlns:m="http://schemas.openxmlformats.org/officeDocument/2006/math">
                     <m:oMathParaPr>
@@ -6118,7 +7569,7 @@
             </p:nvSpPr>
             <p:spPr>
               <a:xfrm>
-                <a:off x="7152125" y="3919257"/>
+                <a:off x="137026" y="7197951"/>
                 <a:ext cx="2842188" cy="652743"/>
               </a:xfrm>
               <a:prstGeom prst="rect">
@@ -6146,10 +7597,1067 @@
           </p:sp>
         </mc:Fallback>
       </mc:AlternateContent>
+      <mc:AlternateContent xmlns:mc="http://schemas.openxmlformats.org/markup-compatibility/2006">
+        <mc:Choice xmlns:a14="http://schemas.microsoft.com/office/drawing/2010/main" Requires="a14">
+          <p:sp>
+            <p:nvSpPr>
+              <p:cNvPr id="2" name="矩形 1">
+                <a:extLst>
+                  <a:ext uri="{FF2B5EF4-FFF2-40B4-BE49-F238E27FC236}">
+                    <a16:creationId xmlns:a16="http://schemas.microsoft.com/office/drawing/2014/main" id="{C8372B85-A210-4E79-87DD-41CF96A70BD7}"/>
+                  </a:ext>
+                </a:extLst>
+              </p:cNvPr>
+              <p:cNvSpPr/>
+              <p:nvPr/>
+            </p:nvSpPr>
+            <p:spPr>
+              <a:xfrm>
+                <a:off x="603305" y="5110605"/>
+                <a:ext cx="1330429" cy="1131335"/>
+              </a:xfrm>
+              <a:prstGeom prst="rect">
+                <a:avLst/>
+              </a:prstGeom>
+            </p:spPr>
+            <p:txBody>
+              <a:bodyPr wrap="none">
+                <a:spAutoFit/>
+              </a:bodyPr>
+              <a:lstStyle/>
+              <a:p>
+                <a14:m>
+                  <m:oMathPara xmlns:m="http://schemas.openxmlformats.org/officeDocument/2006/math">
+                    <m:oMathParaPr>
+                      <m:jc m:val="centerGroup"/>
+                    </m:oMathParaPr>
+                    <m:oMath xmlns:m="http://schemas.openxmlformats.org/officeDocument/2006/math">
+                      <m:sSub>
+                        <m:sSubPr>
+                          <m:ctrlPr>
+                            <a:rPr lang="en-US" altLang="zh-CN" b="0" i="1" smtClean="0">
+                              <a:latin typeface="Cambria Math" panose="02040503050406030204" pitchFamily="18" charset="0"/>
+                            </a:rPr>
+                          </m:ctrlPr>
+                        </m:sSubPr>
+                        <m:e>
+                          <m:r>
+                            <a:rPr lang="en-US" altLang="zh-CN" b="0" i="1" smtClean="0">
+                              <a:latin typeface="Cambria Math" panose="02040503050406030204" pitchFamily="18" charset="0"/>
+                            </a:rPr>
+                            <m:t>𝑑</m:t>
+                          </m:r>
+                        </m:e>
+                        <m:sub>
+                          <m:r>
+                            <a:rPr lang="en-US" altLang="zh-CN" b="0" i="1" smtClean="0">
+                              <a:latin typeface="Cambria Math" panose="02040503050406030204" pitchFamily="18" charset="0"/>
+                            </a:rPr>
+                            <m:t>𝑜</m:t>
+                          </m:r>
+                        </m:sub>
+                      </m:sSub>
+                      <m:r>
+                        <a:rPr lang="en-US" altLang="zh-CN" b="0" i="1" smtClean="0">
+                          <a:latin typeface="Cambria Math" panose="02040503050406030204" pitchFamily="18" charset="0"/>
+                        </a:rPr>
+                        <m:t>=</m:t>
+                      </m:r>
+                      <m:f>
+                        <m:fPr>
+                          <m:ctrlPr>
+                            <a:rPr lang="en-US" altLang="zh-CN" b="0" i="1" smtClean="0">
+                              <a:latin typeface="Cambria Math" panose="02040503050406030204" pitchFamily="18" charset="0"/>
+                            </a:rPr>
+                          </m:ctrlPr>
+                        </m:fPr>
+                        <m:num>
+                          <m:r>
+                            <a:rPr lang="en-US" altLang="zh-CN" b="0" i="1" smtClean="0">
+                              <a:latin typeface="Cambria Math" panose="02040503050406030204" pitchFamily="18" charset="0"/>
+                            </a:rPr>
+                            <m:t>𝑛</m:t>
+                          </m:r>
+                          <m:r>
+                            <a:rPr lang="en-US" altLang="zh-CN" b="0" i="1" smtClean="0">
+                              <a:latin typeface="Cambria Math" panose="02040503050406030204" pitchFamily="18" charset="0"/>
+                            </a:rPr>
+                            <m:t>+1</m:t>
+                          </m:r>
+                        </m:num>
+                        <m:den>
+                          <m:r>
+                            <a:rPr lang="en-US" altLang="zh-CN" b="0" i="1" smtClean="0">
+                              <a:latin typeface="Cambria Math" panose="02040503050406030204" pitchFamily="18" charset="0"/>
+                            </a:rPr>
+                            <m:t>2</m:t>
+                          </m:r>
+                        </m:den>
+                      </m:f>
+                    </m:oMath>
+                  </m:oMathPara>
+                </a14:m>
+                <a:endParaRPr lang="en-US" altLang="zh-CN" dirty="0"/>
+              </a:p>
+              <a:p>
+                <a14:m>
+                  <m:oMathPara xmlns:m="http://schemas.openxmlformats.org/officeDocument/2006/math">
+                    <m:oMathParaPr>
+                      <m:jc m:val="centerGroup"/>
+                    </m:oMathParaPr>
+                    <m:oMath xmlns:m="http://schemas.openxmlformats.org/officeDocument/2006/math">
+                      <m:r>
+                        <a:rPr lang="en-US" altLang="zh-CN" b="0" i="1" smtClean="0">
+                          <a:latin typeface="Cambria Math" panose="02040503050406030204" pitchFamily="18" charset="0"/>
+                        </a:rPr>
+                        <m:t>𝑑</m:t>
+                      </m:r>
+                      <m:r>
+                        <a:rPr lang="en-US" altLang="zh-CN" b="0" i="1" smtClean="0">
+                          <a:latin typeface="Cambria Math" panose="02040503050406030204" pitchFamily="18" charset="0"/>
+                        </a:rPr>
+                        <m:t>=</m:t>
+                      </m:r>
+                      <m:f>
+                        <m:fPr>
+                          <m:ctrlPr>
+                            <a:rPr lang="en-US" altLang="zh-CN" b="0" i="1" smtClean="0">
+                              <a:latin typeface="Cambria Math" panose="02040503050406030204" pitchFamily="18" charset="0"/>
+                            </a:rPr>
+                          </m:ctrlPr>
+                        </m:fPr>
+                        <m:num>
+                          <m:r>
+                            <a:rPr lang="en-US" altLang="zh-CN" b="0" i="1" smtClean="0">
+                              <a:latin typeface="Cambria Math" panose="02040503050406030204" pitchFamily="18" charset="0"/>
+                            </a:rPr>
+                            <m:t>𝑛</m:t>
+                          </m:r>
+                          <m:r>
+                            <a:rPr lang="en-US" altLang="zh-CN" b="0" i="1" smtClean="0">
+                              <a:latin typeface="Cambria Math" panose="02040503050406030204" pitchFamily="18" charset="0"/>
+                            </a:rPr>
+                            <m:t>+1</m:t>
+                          </m:r>
+                        </m:num>
+                        <m:den>
+                          <m:r>
+                            <a:rPr lang="en-US" altLang="zh-CN" b="0" i="1" smtClean="0">
+                              <a:latin typeface="Cambria Math" panose="02040503050406030204" pitchFamily="18" charset="0"/>
+                            </a:rPr>
+                            <m:t>2</m:t>
+                          </m:r>
+                          <m:r>
+                            <a:rPr lang="en-US" altLang="zh-CN" b="0" i="1" smtClean="0">
+                              <a:latin typeface="Cambria Math" panose="02040503050406030204" pitchFamily="18" charset="0"/>
+                            </a:rPr>
+                            <m:t>𝑛</m:t>
+                          </m:r>
+                        </m:den>
+                      </m:f>
+                    </m:oMath>
+                  </m:oMathPara>
+                </a14:m>
+                <a:endParaRPr lang="zh-CN" altLang="en-US" dirty="0"/>
+              </a:p>
+            </p:txBody>
+          </p:sp>
+        </mc:Choice>
+        <mc:Fallback>
+          <p:sp>
+            <p:nvSpPr>
+              <p:cNvPr id="2" name="矩形 1">
+                <a:extLst>
+                  <a:ext uri="{FF2B5EF4-FFF2-40B4-BE49-F238E27FC236}">
+                    <a16:creationId xmlns:a16="http://schemas.microsoft.com/office/drawing/2014/main" id="{C8372B85-A210-4E79-87DD-41CF96A70BD7}"/>
+                  </a:ext>
+                </a:extLst>
+              </p:cNvPr>
+              <p:cNvSpPr>
+                <a:spLocks noRot="1" noChangeAspect="1" noMove="1" noResize="1" noEditPoints="1" noAdjustHandles="1" noChangeArrowheads="1" noChangeShapeType="1" noTextEdit="1"/>
+              </p:cNvSpPr>
+              <p:nvPr/>
+            </p:nvSpPr>
+            <p:spPr>
+              <a:xfrm>
+                <a:off x="603305" y="5110605"/>
+                <a:ext cx="1330429" cy="1131335"/>
+              </a:xfrm>
+              <a:prstGeom prst="rect">
+                <a:avLst/>
+              </a:prstGeom>
+              <a:blipFill>
+                <a:blip r:embed="rId7"/>
+                <a:stretch>
+                  <a:fillRect/>
+                </a:stretch>
+              </a:blipFill>
+            </p:spPr>
+            <p:txBody>
+              <a:bodyPr/>
+              <a:lstStyle/>
+              <a:p>
+                <a:r>
+                  <a:rPr lang="zh-CN" altLang="en-US">
+                    <a:noFill/>
+                  </a:rPr>
+                  <a:t> </a:t>
+                </a:r>
+              </a:p>
+            </p:txBody>
+          </p:sp>
+        </mc:Fallback>
+      </mc:AlternateContent>
+      <p:pic>
+        <p:nvPicPr>
+          <p:cNvPr id="6" name="图片 5">
+            <a:extLst>
+              <a:ext uri="{FF2B5EF4-FFF2-40B4-BE49-F238E27FC236}">
+                <a16:creationId xmlns:a16="http://schemas.microsoft.com/office/drawing/2014/main" id="{930E913E-4F77-4DD4-890D-513ADCE0CDB4}"/>
+              </a:ext>
+            </a:extLst>
+          </p:cNvPr>
+          <p:cNvPicPr>
+            <a:picLocks noChangeAspect="1"/>
+          </p:cNvPicPr>
+          <p:nvPr/>
+        </p:nvPicPr>
+        <p:blipFill>
+          <a:blip r:embed="rId8"/>
+          <a:stretch>
+            <a:fillRect/>
+          </a:stretch>
+        </p:blipFill>
+        <p:spPr>
+          <a:xfrm>
+            <a:off x="7114582" y="3356459"/>
+            <a:ext cx="1764509" cy="1798705"/>
+          </a:xfrm>
+          <a:prstGeom prst="rect">
+            <a:avLst/>
+          </a:prstGeom>
+        </p:spPr>
+      </p:pic>
+      <p:pic>
+        <p:nvPicPr>
+          <p:cNvPr id="11" name="图片 10">
+            <a:extLst>
+              <a:ext uri="{FF2B5EF4-FFF2-40B4-BE49-F238E27FC236}">
+                <a16:creationId xmlns:a16="http://schemas.microsoft.com/office/drawing/2014/main" id="{D6132D21-758A-4B2E-8CD3-B69DA37A156A}"/>
+              </a:ext>
+            </a:extLst>
+          </p:cNvPr>
+          <p:cNvPicPr>
+            <a:picLocks noChangeAspect="1"/>
+          </p:cNvPicPr>
+          <p:nvPr/>
+        </p:nvPicPr>
+        <p:blipFill>
+          <a:blip r:embed="rId9"/>
+          <a:stretch>
+            <a:fillRect/>
+          </a:stretch>
+        </p:blipFill>
+        <p:spPr>
+          <a:xfrm>
+            <a:off x="9897673" y="3436629"/>
+            <a:ext cx="1562180" cy="1619333"/>
+          </a:xfrm>
+          <a:prstGeom prst="rect">
+            <a:avLst/>
+          </a:prstGeom>
+        </p:spPr>
+      </p:pic>
+      <mc:AlternateContent xmlns:mc="http://schemas.openxmlformats.org/markup-compatibility/2006">
+        <mc:Choice xmlns:a14="http://schemas.microsoft.com/office/drawing/2010/main" Requires="a14">
+          <p:sp>
+            <p:nvSpPr>
+              <p:cNvPr id="13" name="矩形 12">
+                <a:extLst>
+                  <a:ext uri="{FF2B5EF4-FFF2-40B4-BE49-F238E27FC236}">
+                    <a16:creationId xmlns:a16="http://schemas.microsoft.com/office/drawing/2014/main" id="{111E4477-00DA-4439-A392-8C13B980B1DC}"/>
+                  </a:ext>
+                </a:extLst>
+              </p:cNvPr>
+              <p:cNvSpPr/>
+              <p:nvPr/>
+            </p:nvSpPr>
+            <p:spPr>
+              <a:xfrm>
+                <a:off x="6620666" y="4033395"/>
+                <a:ext cx="493853" cy="374205"/>
+              </a:xfrm>
+              <a:prstGeom prst="rect">
+                <a:avLst/>
+              </a:prstGeom>
+            </p:spPr>
+            <p:txBody>
+              <a:bodyPr wrap="none">
+                <a:spAutoFit/>
+              </a:bodyPr>
+              <a:lstStyle/>
+              <a:p>
+                <a14:m>
+                  <m:oMathPara xmlns:m="http://schemas.openxmlformats.org/officeDocument/2006/math">
+                    <m:oMathParaPr>
+                      <m:jc m:val="centerGroup"/>
+                    </m:oMathParaPr>
+                    <m:oMath xmlns:m="http://schemas.openxmlformats.org/officeDocument/2006/math">
+                      <m:sSubSup>
+                        <m:sSubSupPr>
+                          <m:ctrlPr>
+                            <a:rPr lang="en-US" altLang="zh-CN" i="1">
+                              <a:latin typeface="Cambria Math" panose="02040503050406030204" pitchFamily="18" charset="0"/>
+                            </a:rPr>
+                          </m:ctrlPr>
+                        </m:sSubSupPr>
+                        <m:e>
+                          <m:r>
+                            <a:rPr lang="en-US" altLang="zh-CN" i="1">
+                              <a:latin typeface="Cambria Math" panose="02040503050406030204" pitchFamily="18" charset="0"/>
+                            </a:rPr>
+                            <m:t>𝜋</m:t>
+                          </m:r>
+                        </m:e>
+                        <m:sub>
+                          <m:r>
+                            <a:rPr lang="en-US" altLang="zh-CN" i="1">
+                              <a:latin typeface="Cambria Math" panose="02040503050406030204" pitchFamily="18" charset="0"/>
+                            </a:rPr>
+                            <m:t>0</m:t>
+                          </m:r>
+                        </m:sub>
+                        <m:sup>
+                          <m:r>
+                            <a:rPr lang="en-US" altLang="zh-CN" i="1">
+                              <a:latin typeface="Cambria Math" panose="02040503050406030204" pitchFamily="18" charset="0"/>
+                            </a:rPr>
+                            <m:t>1</m:t>
+                          </m:r>
+                        </m:sup>
+                      </m:sSubSup>
+                    </m:oMath>
+                  </m:oMathPara>
+                </a14:m>
+                <a:endParaRPr lang="zh-CN" altLang="en-US" dirty="0"/>
+              </a:p>
+            </p:txBody>
+          </p:sp>
+        </mc:Choice>
+        <mc:Fallback>
+          <p:sp>
+            <p:nvSpPr>
+              <p:cNvPr id="13" name="矩形 12">
+                <a:extLst>
+                  <a:ext uri="{FF2B5EF4-FFF2-40B4-BE49-F238E27FC236}">
+                    <a16:creationId xmlns:a16="http://schemas.microsoft.com/office/drawing/2014/main" id="{111E4477-00DA-4439-A392-8C13B980B1DC}"/>
+                  </a:ext>
+                </a:extLst>
+              </p:cNvPr>
+              <p:cNvSpPr>
+                <a:spLocks noRot="1" noChangeAspect="1" noMove="1" noResize="1" noEditPoints="1" noAdjustHandles="1" noChangeArrowheads="1" noChangeShapeType="1" noTextEdit="1"/>
+              </p:cNvSpPr>
+              <p:nvPr/>
+            </p:nvSpPr>
+            <p:spPr>
+              <a:xfrm>
+                <a:off x="6620666" y="4033395"/>
+                <a:ext cx="493853" cy="374205"/>
+              </a:xfrm>
+              <a:prstGeom prst="rect">
+                <a:avLst/>
+              </a:prstGeom>
+              <a:blipFill>
+                <a:blip r:embed="rId10"/>
+                <a:stretch>
+                  <a:fillRect b="-3279"/>
+                </a:stretch>
+              </a:blipFill>
+            </p:spPr>
+            <p:txBody>
+              <a:bodyPr/>
+              <a:lstStyle/>
+              <a:p>
+                <a:r>
+                  <a:rPr lang="zh-CN" altLang="en-US">
+                    <a:noFill/>
+                  </a:rPr>
+                  <a:t> </a:t>
+                </a:r>
+              </a:p>
+            </p:txBody>
+          </p:sp>
+        </mc:Fallback>
+      </mc:AlternateContent>
+      <mc:AlternateContent xmlns:mc="http://schemas.openxmlformats.org/markup-compatibility/2006">
+        <mc:Choice xmlns:a14="http://schemas.microsoft.com/office/drawing/2010/main" Requires="a14">
+          <p:sp>
+            <p:nvSpPr>
+              <p:cNvPr id="14" name="矩形 13">
+                <a:extLst>
+                  <a:ext uri="{FF2B5EF4-FFF2-40B4-BE49-F238E27FC236}">
+                    <a16:creationId xmlns:a16="http://schemas.microsoft.com/office/drawing/2014/main" id="{A082E276-163F-4F37-830B-A942FEFD0387}"/>
+                  </a:ext>
+                </a:extLst>
+              </p:cNvPr>
+              <p:cNvSpPr/>
+              <p:nvPr/>
+            </p:nvSpPr>
+            <p:spPr>
+              <a:xfrm>
+                <a:off x="9358299" y="4011121"/>
+                <a:ext cx="498791" cy="374205"/>
+              </a:xfrm>
+              <a:prstGeom prst="rect">
+                <a:avLst/>
+              </a:prstGeom>
+            </p:spPr>
+            <p:txBody>
+              <a:bodyPr wrap="none">
+                <a:spAutoFit/>
+              </a:bodyPr>
+              <a:lstStyle/>
+              <a:p>
+                <a14:m>
+                  <m:oMathPara xmlns:m="http://schemas.openxmlformats.org/officeDocument/2006/math">
+                    <m:oMathParaPr>
+                      <m:jc m:val="centerGroup"/>
+                    </m:oMathParaPr>
+                    <m:oMath xmlns:m="http://schemas.openxmlformats.org/officeDocument/2006/math">
+                      <m:sSubSup>
+                        <m:sSubSupPr>
+                          <m:ctrlPr>
+                            <a:rPr lang="en-US" altLang="zh-CN" i="1">
+                              <a:latin typeface="Cambria Math" panose="02040503050406030204" pitchFamily="18" charset="0"/>
+                            </a:rPr>
+                          </m:ctrlPr>
+                        </m:sSubSupPr>
+                        <m:e>
+                          <m:r>
+                            <a:rPr lang="en-US" altLang="zh-CN" i="1">
+                              <a:latin typeface="Cambria Math" panose="02040503050406030204" pitchFamily="18" charset="0"/>
+                            </a:rPr>
+                            <m:t>𝜋</m:t>
+                          </m:r>
+                        </m:e>
+                        <m:sub>
+                          <m:r>
+                            <a:rPr lang="en-US" altLang="zh-CN" i="1">
+                              <a:latin typeface="Cambria Math" panose="02040503050406030204" pitchFamily="18" charset="0"/>
+                            </a:rPr>
+                            <m:t>1</m:t>
+                          </m:r>
+                        </m:sub>
+                        <m:sup>
+                          <m:r>
+                            <a:rPr lang="en-US" altLang="zh-CN" i="1">
+                              <a:latin typeface="Cambria Math" panose="02040503050406030204" pitchFamily="18" charset="0"/>
+                            </a:rPr>
+                            <m:t>0</m:t>
+                          </m:r>
+                        </m:sup>
+                      </m:sSubSup>
+                    </m:oMath>
+                  </m:oMathPara>
+                </a14:m>
+                <a:endParaRPr lang="zh-CN" altLang="en-US" dirty="0"/>
+              </a:p>
+            </p:txBody>
+          </p:sp>
+        </mc:Choice>
+        <mc:Fallback>
+          <p:sp>
+            <p:nvSpPr>
+              <p:cNvPr id="14" name="矩形 13">
+                <a:extLst>
+                  <a:ext uri="{FF2B5EF4-FFF2-40B4-BE49-F238E27FC236}">
+                    <a16:creationId xmlns:a16="http://schemas.microsoft.com/office/drawing/2014/main" id="{A082E276-163F-4F37-830B-A942FEFD0387}"/>
+                  </a:ext>
+                </a:extLst>
+              </p:cNvPr>
+              <p:cNvSpPr>
+                <a:spLocks noRot="1" noChangeAspect="1" noMove="1" noResize="1" noEditPoints="1" noAdjustHandles="1" noChangeArrowheads="1" noChangeShapeType="1" noTextEdit="1"/>
+              </p:cNvSpPr>
+              <p:nvPr/>
+            </p:nvSpPr>
+            <p:spPr>
+              <a:xfrm>
+                <a:off x="9358299" y="4011121"/>
+                <a:ext cx="498791" cy="374205"/>
+              </a:xfrm>
+              <a:prstGeom prst="rect">
+                <a:avLst/>
+              </a:prstGeom>
+              <a:blipFill>
+                <a:blip r:embed="rId11"/>
+                <a:stretch>
+                  <a:fillRect b="-3279"/>
+                </a:stretch>
+              </a:blipFill>
+            </p:spPr>
+            <p:txBody>
+              <a:bodyPr/>
+              <a:lstStyle/>
+              <a:p>
+                <a:r>
+                  <a:rPr lang="zh-CN" altLang="en-US">
+                    <a:noFill/>
+                  </a:rPr>
+                  <a:t> </a:t>
+                </a:r>
+              </a:p>
+            </p:txBody>
+          </p:sp>
+        </mc:Fallback>
+      </mc:AlternateContent>
+    </p:spTree>
+    <p:extLst>
+      <p:ext uri="{BB962C8B-B14F-4D97-AF65-F5344CB8AC3E}">
+        <p14:creationId xmlns:p14="http://schemas.microsoft.com/office/powerpoint/2010/main" val="1153379278"/>
+      </p:ext>
+    </p:extLst>
+  </p:cSld>
+  <p:clrMapOvr>
+    <a:masterClrMapping/>
+  </p:clrMapOvr>
+</p:sld>
+</file>
+
+<file path=ppt/slides/slide13.xml><?xml version="1.0" encoding="utf-8"?>
+<p:sld xmlns:a="http://schemas.openxmlformats.org/drawingml/2006/main" xmlns:r="http://schemas.openxmlformats.org/officeDocument/2006/relationships" xmlns:p="http://schemas.openxmlformats.org/presentationml/2006/main">
+  <p:cSld>
+    <p:spTree>
+      <p:nvGrpSpPr>
+        <p:cNvPr id="1" name=""/>
+        <p:cNvGrpSpPr/>
+        <p:nvPr/>
+      </p:nvGrpSpPr>
+      <p:grpSpPr>
+        <a:xfrm>
+          <a:off x="0" y="0"/>
+          <a:ext cx="0" cy="0"/>
+          <a:chOff x="0" y="0"/>
+          <a:chExt cx="0" cy="0"/>
+        </a:xfrm>
+      </p:grpSpPr>
+      <p:sp>
+        <p:nvSpPr>
+          <p:cNvPr id="4" name="矩形 3">
+            <a:extLst>
+              <a:ext uri="{FF2B5EF4-FFF2-40B4-BE49-F238E27FC236}">
+                <a16:creationId xmlns:a16="http://schemas.microsoft.com/office/drawing/2014/main" id="{F7F56775-9DF5-4E8B-90D1-8A5DC5B1D139}"/>
+              </a:ext>
+            </a:extLst>
+          </p:cNvPr>
+          <p:cNvSpPr/>
+          <p:nvPr/>
+        </p:nvSpPr>
+        <p:spPr>
+          <a:xfrm>
+            <a:off x="0" y="0"/>
+            <a:ext cx="12192000" cy="1439334"/>
+          </a:xfrm>
+          <a:prstGeom prst="rect">
+            <a:avLst/>
+          </a:prstGeom>
+          <a:solidFill>
+            <a:schemeClr val="tx2"/>
+          </a:solidFill>
+        </p:spPr>
+        <p:style>
+          <a:lnRef idx="2">
+            <a:schemeClr val="accent1">
+              <a:shade val="50000"/>
+            </a:schemeClr>
+          </a:lnRef>
+          <a:fillRef idx="1">
+            <a:schemeClr val="accent1"/>
+          </a:fillRef>
+          <a:effectRef idx="0">
+            <a:schemeClr val="accent1"/>
+          </a:effectRef>
+          <a:fontRef idx="minor">
+            <a:schemeClr val="lt1"/>
+          </a:fontRef>
+        </p:style>
+        <p:txBody>
+          <a:bodyPr rtlCol="0" anchor="ctr"/>
+          <a:lstStyle/>
+          <a:p>
+            <a:pPr algn="ctr"/>
+            <a:endParaRPr lang="zh-CN" altLang="en-US">
+              <a:solidFill>
+                <a:srgbClr val="FF0000"/>
+              </a:solidFill>
+            </a:endParaRPr>
+          </a:p>
+        </p:txBody>
+      </p:sp>
+      <p:sp>
+        <p:nvSpPr>
+          <p:cNvPr id="7" name="矩形 6">
+            <a:extLst>
+              <a:ext uri="{FF2B5EF4-FFF2-40B4-BE49-F238E27FC236}">
+                <a16:creationId xmlns:a16="http://schemas.microsoft.com/office/drawing/2014/main" id="{45935406-9B51-4ACA-A604-DE84FECA04AD}"/>
+              </a:ext>
+            </a:extLst>
+          </p:cNvPr>
+          <p:cNvSpPr/>
+          <p:nvPr/>
+        </p:nvSpPr>
+        <p:spPr>
+          <a:xfrm>
+            <a:off x="106638" y="326480"/>
+            <a:ext cx="10572125" cy="923330"/>
+          </a:xfrm>
+          <a:prstGeom prst="rect">
+            <a:avLst/>
+          </a:prstGeom>
+        </p:spPr>
+        <p:txBody>
+          <a:bodyPr wrap="none">
+            <a:spAutoFit/>
+          </a:bodyPr>
+          <a:lstStyle/>
+          <a:p>
+            <a:r>
+              <a:rPr lang="zh-CN" altLang="en-US" sz="5400" dirty="0">
+                <a:solidFill>
+                  <a:srgbClr val="FCFCFF"/>
+                </a:solidFill>
+                <a:latin typeface="微软雅黑" panose="020B0503020204020204" pitchFamily="34" charset="-122"/>
+                <a:ea typeface="微软雅黑" panose="020B0503020204020204" pitchFamily="34" charset="-122"/>
+                <a:cs typeface="Times New Roman" panose="02020603050405020304" pitchFamily="18" charset="0"/>
+              </a:rPr>
+              <a:t>结果和讨论：复杂网络上仿真结果</a:t>
+            </a:r>
+            <a:endParaRPr lang="zh-CN" altLang="en-US" sz="5400" dirty="0">
+              <a:solidFill>
+                <a:srgbClr val="FCFCFF"/>
+              </a:solidFill>
+              <a:latin typeface="微软雅黑" panose="020B0503020204020204" pitchFamily="34" charset="-122"/>
+              <a:ea typeface="微软雅黑" panose="020B0503020204020204" pitchFamily="34" charset="-122"/>
+            </a:endParaRPr>
+          </a:p>
+        </p:txBody>
+      </p:sp>
+      <p:pic>
+        <p:nvPicPr>
+          <p:cNvPr id="2" name="图片 1">
+            <a:extLst>
+              <a:ext uri="{FF2B5EF4-FFF2-40B4-BE49-F238E27FC236}">
+                <a16:creationId xmlns:a16="http://schemas.microsoft.com/office/drawing/2014/main" id="{F7314D45-463A-432A-86C9-610056B83F64}"/>
+              </a:ext>
+            </a:extLst>
+          </p:cNvPr>
+          <p:cNvPicPr>
+            <a:picLocks noChangeAspect="1"/>
+          </p:cNvPicPr>
+          <p:nvPr/>
+        </p:nvPicPr>
+        <p:blipFill>
+          <a:blip r:embed="rId2"/>
+          <a:stretch>
+            <a:fillRect/>
+          </a:stretch>
+        </p:blipFill>
+        <p:spPr>
+          <a:xfrm>
+            <a:off x="2229256" y="2873497"/>
+            <a:ext cx="7588512" cy="6139342"/>
+          </a:xfrm>
+          <a:prstGeom prst="rect">
+            <a:avLst/>
+          </a:prstGeom>
+        </p:spPr>
+      </p:pic>
+      <mc:AlternateContent xmlns:mc="http://schemas.openxmlformats.org/markup-compatibility/2006">
+        <mc:Choice xmlns:a14="http://schemas.microsoft.com/office/drawing/2010/main" Requires="a14">
+          <p:sp>
+            <p:nvSpPr>
+              <p:cNvPr id="6" name="矩形 5">
+                <a:extLst>
+                  <a:ext uri="{FF2B5EF4-FFF2-40B4-BE49-F238E27FC236}">
+                    <a16:creationId xmlns:a16="http://schemas.microsoft.com/office/drawing/2014/main" id="{33C38049-1550-4FBE-9120-B51C205945D2}"/>
+                  </a:ext>
+                </a:extLst>
+              </p:cNvPr>
+              <p:cNvSpPr/>
+              <p:nvPr/>
+            </p:nvSpPr>
+            <p:spPr>
+              <a:xfrm>
+                <a:off x="575366" y="1787083"/>
+                <a:ext cx="6998070" cy="925190"/>
+              </a:xfrm>
+              <a:prstGeom prst="rect">
+                <a:avLst/>
+              </a:prstGeom>
+            </p:spPr>
+            <p:txBody>
+              <a:bodyPr wrap="none">
+                <a:spAutoFit/>
+              </a:bodyPr>
+              <a:lstStyle/>
+              <a:p>
+                <a:r>
+                  <a:rPr lang="zh-CN" altLang="en-US" dirty="0"/>
+                  <a:t>小世界网络</a:t>
+                </a:r>
+                <a:endParaRPr lang="en-US" altLang="zh-CN" dirty="0"/>
+              </a:p>
+              <a:p>
+                <a:pPr marL="285750" indent="-285750">
+                  <a:buFont typeface="Arial" panose="020B0604020202020204" pitchFamily="34" charset="0"/>
+                  <a:buChar char="•"/>
+                </a:pPr>
+                <a14:m>
+                  <m:oMath xmlns:m="http://schemas.openxmlformats.org/officeDocument/2006/math">
+                    <m:r>
+                      <a:rPr lang="en-US" altLang="zh-CN" b="0" i="1" smtClean="0">
+                        <a:latin typeface="Cambria Math" panose="02040503050406030204" pitchFamily="18" charset="0"/>
+                      </a:rPr>
+                      <m:t>𝑞</m:t>
+                    </m:r>
+                  </m:oMath>
+                </a14:m>
+                <a:r>
+                  <a:rPr lang="zh-CN" altLang="en-US" dirty="0"/>
+                  <a:t>上升，固定概率上升，重连</a:t>
+                </a:r>
+                <a14:m>
+                  <m:oMath xmlns:m="http://schemas.openxmlformats.org/officeDocument/2006/math">
+                    <m:r>
+                      <a:rPr lang="zh-CN" altLang="en-US" b="0" i="1" dirty="0">
+                        <a:latin typeface="Cambria Math" panose="02040503050406030204" pitchFamily="18" charset="0"/>
+                      </a:rPr>
+                      <m:t>概率</m:t>
+                    </m:r>
+                    <m:r>
+                      <a:rPr lang="en-US" altLang="zh-CN" b="0" i="1" smtClean="0">
+                        <a:latin typeface="Cambria Math" panose="02040503050406030204" pitchFamily="18" charset="0"/>
+                      </a:rPr>
+                      <m:t>𝑞</m:t>
+                    </m:r>
+                    <m:r>
+                      <a:rPr lang="zh-CN" altLang="en-US" i="1">
+                        <a:latin typeface="Cambria Math" panose="02040503050406030204" pitchFamily="18" charset="0"/>
+                      </a:rPr>
+                      <m:t>是</m:t>
+                    </m:r>
+                  </m:oMath>
+                </a14:m>
+                <a:r>
+                  <a:rPr lang="zh-CN" altLang="en-US" dirty="0"/>
+                  <a:t>网络随机性的度量。</a:t>
+                </a:r>
+                <a:endParaRPr lang="en-US" altLang="zh-CN" dirty="0"/>
+              </a:p>
+              <a:p>
+                <a:pPr marL="285750" indent="-285750">
+                  <a:buFont typeface="Arial" panose="020B0604020202020204" pitchFamily="34" charset="0"/>
+                  <a:buChar char="•"/>
+                </a:pPr>
+                <a14:m>
+                  <m:oMath xmlns:m="http://schemas.openxmlformats.org/officeDocument/2006/math">
+                    <m:r>
+                      <a:rPr lang="en-US" altLang="zh-CN" b="0" i="1" smtClean="0">
+                        <a:latin typeface="Cambria Math" panose="02040503050406030204" pitchFamily="18" charset="0"/>
+                      </a:rPr>
+                      <m:t>&lt;</m:t>
+                    </m:r>
+                    <m:r>
+                      <a:rPr lang="en-US" altLang="zh-CN" b="0" i="1" smtClean="0">
+                        <a:latin typeface="Cambria Math" panose="02040503050406030204" pitchFamily="18" charset="0"/>
+                      </a:rPr>
+                      <m:t>𝑘</m:t>
+                    </m:r>
+                    <m:r>
+                      <a:rPr lang="en-US" altLang="zh-CN" b="0" i="1" smtClean="0">
+                        <a:latin typeface="Cambria Math" panose="02040503050406030204" pitchFamily="18" charset="0"/>
+                      </a:rPr>
+                      <m:t>&gt;</m:t>
+                    </m:r>
+                  </m:oMath>
+                </a14:m>
+                <a:r>
+                  <a:rPr lang="zh-CN" altLang="en-US" dirty="0"/>
+                  <a:t>上升，固定概率下降，平均度</a:t>
+                </a:r>
+                <a14:m>
+                  <m:oMath xmlns:m="http://schemas.openxmlformats.org/officeDocument/2006/math">
+                    <m:r>
+                      <a:rPr lang="en-US" altLang="zh-CN" b="0" i="1" smtClean="0">
+                        <a:latin typeface="Cambria Math" panose="02040503050406030204" pitchFamily="18" charset="0"/>
+                      </a:rPr>
+                      <m:t>&lt;</m:t>
+                    </m:r>
+                    <m:r>
+                      <a:rPr lang="en-US" altLang="zh-CN" b="0" i="1" smtClean="0">
+                        <a:latin typeface="Cambria Math" panose="02040503050406030204" pitchFamily="18" charset="0"/>
+                      </a:rPr>
+                      <m:t>𝑘</m:t>
+                    </m:r>
+                    <m:r>
+                      <a:rPr lang="en-US" altLang="zh-CN" b="0" i="1" smtClean="0">
+                        <a:latin typeface="Cambria Math" panose="02040503050406030204" pitchFamily="18" charset="0"/>
+                      </a:rPr>
+                      <m:t>&gt;</m:t>
+                    </m:r>
+                  </m:oMath>
+                </a14:m>
+                <a:r>
+                  <a:rPr lang="zh-CN" altLang="en-US" dirty="0"/>
+                  <a:t>是网络稀疏性的度量。</a:t>
+                </a:r>
+              </a:p>
+            </p:txBody>
+          </p:sp>
+        </mc:Choice>
+        <mc:Fallback>
+          <p:sp>
+            <p:nvSpPr>
+              <p:cNvPr id="6" name="矩形 5">
+                <a:extLst>
+                  <a:ext uri="{FF2B5EF4-FFF2-40B4-BE49-F238E27FC236}">
+                    <a16:creationId xmlns:a16="http://schemas.microsoft.com/office/drawing/2014/main" id="{33C38049-1550-4FBE-9120-B51C205945D2}"/>
+                  </a:ext>
+                </a:extLst>
+              </p:cNvPr>
+              <p:cNvSpPr>
+                <a:spLocks noRot="1" noChangeAspect="1" noMove="1" noResize="1" noEditPoints="1" noAdjustHandles="1" noChangeArrowheads="1" noChangeShapeType="1" noTextEdit="1"/>
+              </p:cNvSpPr>
+              <p:nvPr/>
+            </p:nvSpPr>
+            <p:spPr>
+              <a:xfrm>
+                <a:off x="575366" y="1787083"/>
+                <a:ext cx="6998070" cy="925190"/>
+              </a:xfrm>
+              <a:prstGeom prst="rect">
+                <a:avLst/>
+              </a:prstGeom>
+              <a:blipFill>
+                <a:blip r:embed="rId3"/>
+                <a:stretch>
+                  <a:fillRect l="-697" t="-3289" r="-87" b="-9211"/>
+                </a:stretch>
+              </a:blipFill>
+            </p:spPr>
+            <p:txBody>
+              <a:bodyPr/>
+              <a:lstStyle/>
+              <a:p>
+                <a:r>
+                  <a:rPr lang="zh-CN" altLang="en-US">
+                    <a:noFill/>
+                  </a:rPr>
+                  <a:t> </a:t>
+                </a:r>
+              </a:p>
+            </p:txBody>
+          </p:sp>
+        </mc:Fallback>
+      </mc:AlternateContent>
     </p:spTree>
     <p:extLst>
       <p:ext uri="{BB962C8B-B14F-4D97-AF65-F5344CB8AC3E}">
         <p14:creationId xmlns:p14="http://schemas.microsoft.com/office/powerpoint/2010/main" val="499740248"/>
+      </p:ext>
+    </p:extLst>
+  </p:cSld>
+  <p:clrMapOvr>
+    <a:masterClrMapping/>
+  </p:clrMapOvr>
+</p:sld>
+</file>
+
+<file path=ppt/slides/slide14.xml><?xml version="1.0" encoding="utf-8"?>
+<p:sld xmlns:a="http://schemas.openxmlformats.org/drawingml/2006/main" xmlns:r="http://schemas.openxmlformats.org/officeDocument/2006/relationships" xmlns:p="http://schemas.openxmlformats.org/presentationml/2006/main">
+  <p:cSld>
+    <p:spTree>
+      <p:nvGrpSpPr>
+        <p:cNvPr id="1" name=""/>
+        <p:cNvGrpSpPr/>
+        <p:nvPr/>
+      </p:nvGrpSpPr>
+      <p:grpSpPr>
+        <a:xfrm>
+          <a:off x="0" y="0"/>
+          <a:ext cx="0" cy="0"/>
+          <a:chOff x="0" y="0"/>
+          <a:chExt cx="0" cy="0"/>
+        </a:xfrm>
+      </p:grpSpPr>
+      <p:sp>
+        <p:nvSpPr>
+          <p:cNvPr id="4" name="矩形 3">
+            <a:extLst>
+              <a:ext uri="{FF2B5EF4-FFF2-40B4-BE49-F238E27FC236}">
+                <a16:creationId xmlns:a16="http://schemas.microsoft.com/office/drawing/2014/main" id="{F7F56775-9DF5-4E8B-90D1-8A5DC5B1D139}"/>
+              </a:ext>
+            </a:extLst>
+          </p:cNvPr>
+          <p:cNvSpPr/>
+          <p:nvPr/>
+        </p:nvSpPr>
+        <p:spPr>
+          <a:xfrm>
+            <a:off x="0" y="0"/>
+            <a:ext cx="12192000" cy="1439334"/>
+          </a:xfrm>
+          <a:prstGeom prst="rect">
+            <a:avLst/>
+          </a:prstGeom>
+          <a:solidFill>
+            <a:schemeClr val="tx2"/>
+          </a:solidFill>
+        </p:spPr>
+        <p:style>
+          <a:lnRef idx="2">
+            <a:schemeClr val="accent1">
+              <a:shade val="50000"/>
+            </a:schemeClr>
+          </a:lnRef>
+          <a:fillRef idx="1">
+            <a:schemeClr val="accent1"/>
+          </a:fillRef>
+          <a:effectRef idx="0">
+            <a:schemeClr val="accent1"/>
+          </a:effectRef>
+          <a:fontRef idx="minor">
+            <a:schemeClr val="lt1"/>
+          </a:fontRef>
+        </p:style>
+        <p:txBody>
+          <a:bodyPr rtlCol="0" anchor="ctr"/>
+          <a:lstStyle/>
+          <a:p>
+            <a:pPr algn="ctr"/>
+            <a:endParaRPr lang="zh-CN" altLang="en-US">
+              <a:solidFill>
+                <a:srgbClr val="FF0000"/>
+              </a:solidFill>
+            </a:endParaRPr>
+          </a:p>
+        </p:txBody>
+      </p:sp>
+      <p:sp>
+        <p:nvSpPr>
+          <p:cNvPr id="7" name="矩形 6">
+            <a:extLst>
+              <a:ext uri="{FF2B5EF4-FFF2-40B4-BE49-F238E27FC236}">
+                <a16:creationId xmlns:a16="http://schemas.microsoft.com/office/drawing/2014/main" id="{45935406-9B51-4ACA-A604-DE84FECA04AD}"/>
+              </a:ext>
+            </a:extLst>
+          </p:cNvPr>
+          <p:cNvSpPr/>
+          <p:nvPr/>
+        </p:nvSpPr>
+        <p:spPr>
+          <a:xfrm>
+            <a:off x="106638" y="326480"/>
+            <a:ext cx="10572125" cy="923330"/>
+          </a:xfrm>
+          <a:prstGeom prst="rect">
+            <a:avLst/>
+          </a:prstGeom>
+        </p:spPr>
+        <p:txBody>
+          <a:bodyPr wrap="none">
+            <a:spAutoFit/>
+          </a:bodyPr>
+          <a:lstStyle/>
+          <a:p>
+            <a:r>
+              <a:rPr lang="zh-CN" altLang="en-US" sz="5400" dirty="0">
+                <a:solidFill>
+                  <a:srgbClr val="FCFCFF"/>
+                </a:solidFill>
+                <a:latin typeface="微软雅黑" panose="020B0503020204020204" pitchFamily="34" charset="-122"/>
+                <a:ea typeface="微软雅黑" panose="020B0503020204020204" pitchFamily="34" charset="-122"/>
+                <a:cs typeface="Times New Roman" panose="02020603050405020304" pitchFamily="18" charset="0"/>
+              </a:rPr>
+              <a:t>结果和讨论：复杂网络上仿真结果</a:t>
+            </a:r>
+            <a:endParaRPr lang="zh-CN" altLang="en-US" sz="5400" dirty="0">
+              <a:solidFill>
+                <a:srgbClr val="FCFCFF"/>
+              </a:solidFill>
+              <a:latin typeface="微软雅黑" panose="020B0503020204020204" pitchFamily="34" charset="-122"/>
+              <a:ea typeface="微软雅黑" panose="020B0503020204020204" pitchFamily="34" charset="-122"/>
+            </a:endParaRPr>
+          </a:p>
+        </p:txBody>
+      </p:sp>
+      <p:sp>
+        <p:nvSpPr>
+          <p:cNvPr id="6" name="矩形 5">
+            <a:extLst>
+              <a:ext uri="{FF2B5EF4-FFF2-40B4-BE49-F238E27FC236}">
+                <a16:creationId xmlns:a16="http://schemas.microsoft.com/office/drawing/2014/main" id="{33C38049-1550-4FBE-9120-B51C205945D2}"/>
+              </a:ext>
+            </a:extLst>
+          </p:cNvPr>
+          <p:cNvSpPr/>
+          <p:nvPr/>
+        </p:nvSpPr>
+        <p:spPr>
+          <a:xfrm>
+            <a:off x="575366" y="1787083"/>
+            <a:ext cx="1569660" cy="369332"/>
+          </a:xfrm>
+          <a:prstGeom prst="rect">
+            <a:avLst/>
+          </a:prstGeom>
+        </p:spPr>
+        <p:txBody>
+          <a:bodyPr wrap="none">
+            <a:spAutoFit/>
+          </a:bodyPr>
+          <a:lstStyle/>
+          <a:p>
+            <a:r>
+              <a:rPr lang="zh-CN" altLang="en-US" dirty="0"/>
+              <a:t>无标度网络：</a:t>
+            </a:r>
+          </a:p>
+        </p:txBody>
+      </p:sp>
+      <p:pic>
+        <p:nvPicPr>
+          <p:cNvPr id="3" name="图片 2">
+            <a:extLst>
+              <a:ext uri="{FF2B5EF4-FFF2-40B4-BE49-F238E27FC236}">
+                <a16:creationId xmlns:a16="http://schemas.microsoft.com/office/drawing/2014/main" id="{857C1664-F87A-41C7-8356-1D31D23626D6}"/>
+              </a:ext>
+            </a:extLst>
+          </p:cNvPr>
+          <p:cNvPicPr>
+            <a:picLocks noChangeAspect="1"/>
+          </p:cNvPicPr>
+          <p:nvPr/>
+        </p:nvPicPr>
+        <p:blipFill>
+          <a:blip r:embed="rId2"/>
+          <a:stretch>
+            <a:fillRect/>
+          </a:stretch>
+        </p:blipFill>
+        <p:spPr>
+          <a:xfrm>
+            <a:off x="2332515" y="2749648"/>
+            <a:ext cx="7052115" cy="5696195"/>
+          </a:xfrm>
+          <a:prstGeom prst="rect">
+            <a:avLst/>
+          </a:prstGeom>
+        </p:spPr>
+      </p:pic>
+    </p:spTree>
+    <p:extLst>
+      <p:ext uri="{BB962C8B-B14F-4D97-AF65-F5344CB8AC3E}">
+        <p14:creationId xmlns:p14="http://schemas.microsoft.com/office/powerpoint/2010/main" val="3091257938"/>
       </p:ext>
     </p:extLst>
   </p:cSld>
@@ -9216,6 +11724,59 @@
                 <a:prstClr val="black"/>
               </a:solidFill>
               <a:cs typeface="Times New Roman" panose="02020603050405020304" pitchFamily="18" charset="0"/>
+            </a:endParaRPr>
+          </a:p>
+        </p:txBody>
+      </p:sp>
+      <p:sp>
+        <p:nvSpPr>
+          <p:cNvPr id="10" name="矩形 9">
+            <a:extLst>
+              <a:ext uri="{FF2B5EF4-FFF2-40B4-BE49-F238E27FC236}">
+                <a16:creationId xmlns:a16="http://schemas.microsoft.com/office/drawing/2014/main" id="{E6EE6A90-4A55-4CAB-94FF-F06404B6C2A3}"/>
+              </a:ext>
+            </a:extLst>
+          </p:cNvPr>
+          <p:cNvSpPr/>
+          <p:nvPr/>
+        </p:nvSpPr>
+        <p:spPr>
+          <a:xfrm>
+            <a:off x="997913" y="2798947"/>
+            <a:ext cx="3153427" cy="369332"/>
+          </a:xfrm>
+          <a:prstGeom prst="rect">
+            <a:avLst/>
+          </a:prstGeom>
+        </p:spPr>
+        <p:txBody>
+          <a:bodyPr wrap="none">
+            <a:spAutoFit/>
+          </a:bodyPr>
+          <a:lstStyle/>
+          <a:p>
+            <a:r>
+              <a:rPr lang="zh-CN" altLang="en-US" dirty="0">
+                <a:solidFill>
+                  <a:schemeClr val="accent6"/>
+                </a:solidFill>
+                <a:cs typeface="Times New Roman" panose="02020603050405020304" pitchFamily="18" charset="0"/>
+              </a:rPr>
+              <a:t>适合度取决于繁殖率</a:t>
+            </a:r>
+            <a:r>
+              <a:rPr lang="en-US" altLang="zh-CN" dirty="0">
+                <a:solidFill>
+                  <a:schemeClr val="accent6"/>
+                </a:solidFill>
+                <a:cs typeface="Times New Roman" panose="02020603050405020304" pitchFamily="18" charset="0"/>
+              </a:rPr>
+              <a:t>(Page 10)</a:t>
+            </a:r>
+            <a:endParaRPr lang="zh-CN" altLang="en-US" dirty="0">
+              <a:solidFill>
+                <a:schemeClr val="accent6"/>
+              </a:solidFill>
             </a:endParaRPr>
           </a:p>
         </p:txBody>
@@ -12554,59 +15115,6 @@
             <a:endParaRPr lang="zh-CN" altLang="en-US" dirty="0">
               <a:solidFill>
                 <a:srgbClr val="C00000"/>
-              </a:solidFill>
-            </a:endParaRPr>
-          </a:p>
-        </p:txBody>
-      </p:sp>
-      <p:sp>
-        <p:nvSpPr>
-          <p:cNvPr id="30" name="矩形 29">
-            <a:extLst>
-              <a:ext uri="{FF2B5EF4-FFF2-40B4-BE49-F238E27FC236}">
-                <a16:creationId xmlns:a16="http://schemas.microsoft.com/office/drawing/2014/main" id="{9E4184A3-8D8E-47C1-9089-9DF125F3CA86}"/>
-              </a:ext>
-            </a:extLst>
-          </p:cNvPr>
-          <p:cNvSpPr/>
-          <p:nvPr/>
-        </p:nvSpPr>
-        <p:spPr>
-          <a:xfrm>
-            <a:off x="6695980" y="1496219"/>
-            <a:ext cx="3615092" cy="369332"/>
-          </a:xfrm>
-          <a:prstGeom prst="rect">
-            <a:avLst/>
-          </a:prstGeom>
-        </p:spPr>
-        <p:txBody>
-          <a:bodyPr wrap="none">
-            <a:spAutoFit/>
-          </a:bodyPr>
-          <a:lstStyle/>
-          <a:p>
-            <a:r>
-              <a:rPr lang="zh-CN" altLang="en-US" dirty="0">
-                <a:solidFill>
-                  <a:schemeClr val="accent6"/>
-                </a:solidFill>
-                <a:cs typeface="Times New Roman" panose="02020603050405020304" pitchFamily="18" charset="0"/>
-              </a:rPr>
-              <a:t>适合度用繁殖速率来描述</a:t>
-            </a:r>
-            <a:r>
-              <a:rPr lang="en-US" altLang="zh-CN" dirty="0">
-                <a:solidFill>
-                  <a:schemeClr val="accent6"/>
-                </a:solidFill>
-                <a:cs typeface="Times New Roman" panose="02020603050405020304" pitchFamily="18" charset="0"/>
-              </a:rPr>
-              <a:t>(Page 10)</a:t>
-            </a:r>
-            <a:endParaRPr lang="zh-CN" altLang="en-US" dirty="0">
-              <a:solidFill>
-                <a:schemeClr val="accent6"/>
               </a:solidFill>
             </a:endParaRPr>
           </a:p>
@@ -14420,7 +16928,7 @@
               </a:ln>
               <a:extLst>
                 <a:ext uri="{C572A759-6A51-4108-AA02-DFA0A04FC94B}">
-                  <ma14:wrappingTextBoxFlag xmlns:ma14="http://schemas.microsoft.com/office/mac/drawingml/2011/main" xmlns:m="http://schemas.openxmlformats.org/officeDocument/2006/math" xmlns="" val="1"/>
+                  <ma14:wrappingTextBoxFlag xmlns="" xmlns:m="http://schemas.openxmlformats.org/officeDocument/2006/math" xmlns:ma14="http://schemas.microsoft.com/office/mac/drawingml/2011/main" val="1"/>
                 </a:ext>
               </a:extLst>
             </p:spPr>
@@ -16639,8 +19147,8 @@
           </p:sp>
         </mc:Fallback>
       </mc:AlternateContent>
-      <mc:AlternateContent xmlns:mc="http://schemas.openxmlformats.org/markup-compatibility/2006" xmlns:a14="http://schemas.microsoft.com/office/drawing/2010/main">
-        <mc:Choice Requires="a14">
+      <mc:AlternateContent xmlns:mc="http://schemas.openxmlformats.org/markup-compatibility/2006">
+        <mc:Choice xmlns:a14="http://schemas.microsoft.com/office/drawing/2010/main" Requires="a14">
           <p:sp>
             <p:nvSpPr>
               <p:cNvPr id="10" name="矩形 9">
@@ -16806,30 +19314,6 @@
                             </m:dPr>
                             <m:e>
                               <m:r>
-                                <a:rPr lang="en-US" altLang="zh-CN" i="1" dirty="0" err="1">
-                                  <a:latin typeface="Cambria Math" panose="02040503050406030204" pitchFamily="18" charset="0"/>
-                                </a:rPr>
-                                <m:t>𝑖</m:t>
-                              </m:r>
-                              <m:r>
-                                <a:rPr lang="en-US" altLang="zh-CN" i="1" dirty="0">
-                                  <a:latin typeface="Cambria Math" panose="02040503050406030204" pitchFamily="18" charset="0"/>
-                                </a:rPr>
-                                <m:t>=</m:t>
-                              </m:r>
-                              <m:r>
-                                <a:rPr lang="en-US" altLang="zh-CN" i="1" dirty="0">
-                                  <a:latin typeface="Cambria Math" panose="02040503050406030204" pitchFamily="18" charset="0"/>
-                                </a:rPr>
-                                <m:t>𝐵</m:t>
-                              </m:r>
-                              <m:r>
-                                <a:rPr lang="en-US" altLang="zh-CN" i="1" dirty="0">
-                                  <a:latin typeface="Cambria Math" panose="02040503050406030204" pitchFamily="18" charset="0"/>
-                                </a:rPr>
-                                <m:t>,</m:t>
-                              </m:r>
-                              <m:r>
                                 <a:rPr lang="en-US" altLang="zh-CN" i="1" dirty="0">
                                   <a:latin typeface="Cambria Math" panose="02040503050406030204" pitchFamily="18" charset="0"/>
                                 </a:rPr>
@@ -16846,6 +19330,30 @@
                                   <a:latin typeface="Cambria Math" panose="02040503050406030204" pitchFamily="18" charset="0"/>
                                 </a:rPr>
                                 <m:t>𝐷</m:t>
+                              </m:r>
+                              <m:r>
+                                <a:rPr lang="en-US" altLang="zh-CN" b="0" i="1" dirty="0" smtClean="0">
+                                  <a:latin typeface="Cambria Math" panose="02040503050406030204" pitchFamily="18" charset="0"/>
+                                </a:rPr>
+                                <m:t>,</m:t>
+                              </m:r>
+                              <m:r>
+                                <a:rPr lang="en-US" altLang="zh-CN" i="1" dirty="0">
+                                  <a:latin typeface="Cambria Math" panose="02040503050406030204" pitchFamily="18" charset="0"/>
+                                </a:rPr>
+                                <m:t>𝑖</m:t>
+                              </m:r>
+                              <m:r>
+                                <a:rPr lang="en-US" altLang="zh-CN" i="1" dirty="0">
+                                  <a:latin typeface="Cambria Math" panose="02040503050406030204" pitchFamily="18" charset="0"/>
+                                </a:rPr>
+                                <m:t>=</m:t>
+                              </m:r>
+                              <m:r>
+                                <a:rPr lang="en-US" altLang="zh-CN" i="1" dirty="0">
+                                  <a:latin typeface="Cambria Math" panose="02040503050406030204" pitchFamily="18" charset="0"/>
+                                </a:rPr>
+                                <m:t>𝐵</m:t>
                               </m:r>
                             </m:e>
                           </m:d>
@@ -16938,7 +19446,7 @@
                                 <a:rPr lang="en-US" altLang="zh-CN" i="1" dirty="0">
                                   <a:latin typeface="Cambria Math" panose="02040503050406030204" pitchFamily="18" charset="0"/>
                                 </a:rPr>
-                                <m:t>𝑖</m:t>
+                                <m:t>𝑗</m:t>
                               </m:r>
                               <m:r>
                                 <a:rPr lang="en-US" altLang="zh-CN" i="1" dirty="0">
@@ -16950,7 +19458,7 @@
                                 <a:rPr lang="en-US" altLang="zh-CN" i="1" dirty="0">
                                   <a:latin typeface="Cambria Math" panose="02040503050406030204" pitchFamily="18" charset="0"/>
                                 </a:rPr>
-                                <m:t>𝐵</m:t>
+                                <m:t>𝐷</m:t>
                               </m:r>
                             </m:e>
                           </m:d>
@@ -16976,7 +19484,7 @@
                                 <a:rPr lang="en-US" altLang="zh-CN" i="1" dirty="0">
                                   <a:latin typeface="Cambria Math" panose="02040503050406030204" pitchFamily="18" charset="0"/>
                                 </a:rPr>
-                                <m:t>𝑗</m:t>
+                                <m:t>𝑖</m:t>
                               </m:r>
                               <m:r>
                                 <a:rPr lang="en-US" altLang="zh-CN" i="1" dirty="0">
@@ -16988,7 +19496,7 @@
                                 <a:rPr lang="en-US" altLang="zh-CN" i="1" dirty="0">
                                   <a:latin typeface="Cambria Math" panose="02040503050406030204" pitchFamily="18" charset="0"/>
                                 </a:rPr>
-                                <m:t>𝐷</m:t>
+                                <m:t>𝐵</m:t>
                               </m:r>
                             </m:e>
                           </m:d>
@@ -17086,7 +19594,7 @@
             </p:txBody>
           </p:sp>
         </mc:Choice>
-        <mc:Fallback xmlns="">
+        <mc:Fallback>
           <p:sp>
             <p:nvSpPr>
               <p:cNvPr id="10" name="矩形 9">
@@ -17465,6 +19973,215 @@
                 <a:blip r:embed="rId10"/>
                 <a:stretch>
                   <a:fillRect l="-916" t="-9836" b="-24590"/>
+                </a:stretch>
+              </a:blipFill>
+            </p:spPr>
+            <p:txBody>
+              <a:bodyPr/>
+              <a:lstStyle/>
+              <a:p>
+                <a:r>
+                  <a:rPr lang="zh-CN" altLang="en-US">
+                    <a:noFill/>
+                  </a:rPr>
+                  <a:t> </a:t>
+                </a:r>
+              </a:p>
+            </p:txBody>
+          </p:sp>
+        </mc:Fallback>
+      </mc:AlternateContent>
+      <mc:AlternateContent xmlns:mc="http://schemas.openxmlformats.org/markup-compatibility/2006">
+        <mc:Choice xmlns:a14="http://schemas.microsoft.com/office/drawing/2010/main" Requires="a14">
+          <p:sp>
+            <p:nvSpPr>
+              <p:cNvPr id="2" name="矩形 1">
+                <a:extLst>
+                  <a:ext uri="{FF2B5EF4-FFF2-40B4-BE49-F238E27FC236}">
+                    <a16:creationId xmlns:a16="http://schemas.microsoft.com/office/drawing/2014/main" id="{947388C1-64EA-4FD4-9230-FA49EBB73B16}"/>
+                  </a:ext>
+                </a:extLst>
+              </p:cNvPr>
+              <p:cNvSpPr/>
+              <p:nvPr/>
+            </p:nvSpPr>
+            <p:spPr>
+              <a:xfrm>
+                <a:off x="6824688" y="7813334"/>
+                <a:ext cx="1596784" cy="664990"/>
+              </a:xfrm>
+              <a:prstGeom prst="rect">
+                <a:avLst/>
+              </a:prstGeom>
+            </p:spPr>
+            <p:txBody>
+              <a:bodyPr wrap="none">
+                <a:spAutoFit/>
+              </a:bodyPr>
+              <a:lstStyle/>
+              <a:p>
+                <a14:m>
+                  <m:oMathPara xmlns:m="http://schemas.openxmlformats.org/officeDocument/2006/math">
+                    <m:oMathParaPr>
+                      <m:jc m:val="centerGroup"/>
+                    </m:oMathParaPr>
+                    <m:oMath xmlns:m="http://schemas.openxmlformats.org/officeDocument/2006/math">
+                      <m:r>
+                        <a:rPr lang="en-US" altLang="zh-CN" i="1" smtClean="0">
+                          <a:latin typeface="Cambria Math" panose="02040503050406030204" pitchFamily="18" charset="0"/>
+                          <a:ea typeface="微软雅黑" panose="020B0503020204020204" pitchFamily="34" charset="-122"/>
+                        </a:rPr>
+                        <m:t>𝜌</m:t>
+                      </m:r>
+                      <m:r>
+                        <a:rPr lang="zh-CN" altLang="en-US" i="1">
+                          <a:latin typeface="Cambria Math" panose="02040503050406030204" pitchFamily="18" charset="0"/>
+                          <a:ea typeface="微软雅黑" panose="020B0503020204020204" pitchFamily="34" charset="-122"/>
+                        </a:rPr>
+                        <m:t>=</m:t>
+                      </m:r>
+                      <m:f>
+                        <m:fPr>
+                          <m:ctrlPr>
+                            <a:rPr lang="zh-CN" altLang="en-US" i="1">
+                              <a:latin typeface="Cambria Math" panose="02040503050406030204" pitchFamily="18" charset="0"/>
+                              <a:ea typeface="微软雅黑" panose="020B0503020204020204" pitchFamily="34" charset="-122"/>
+                            </a:rPr>
+                          </m:ctrlPr>
+                        </m:fPr>
+                        <m:num>
+                          <m:r>
+                            <a:rPr lang="zh-CN" altLang="en-US" i="1">
+                              <a:latin typeface="Cambria Math" panose="02040503050406030204" pitchFamily="18" charset="0"/>
+                              <a:ea typeface="微软雅黑" panose="020B0503020204020204" pitchFamily="34" charset="-122"/>
+                            </a:rPr>
+                            <m:t>1−</m:t>
+                          </m:r>
+                          <m:f>
+                            <m:fPr>
+                              <m:type m:val="lin"/>
+                              <m:ctrlPr>
+                                <a:rPr lang="zh-CN" altLang="en-US" i="1">
+                                  <a:latin typeface="Cambria Math" panose="02040503050406030204" pitchFamily="18" charset="0"/>
+                                  <a:ea typeface="微软雅黑" panose="020B0503020204020204" pitchFamily="34" charset="-122"/>
+                                </a:rPr>
+                              </m:ctrlPr>
+                            </m:fPr>
+                            <m:num>
+                              <m:r>
+                                <a:rPr lang="zh-CN" altLang="en-US" i="1">
+                                  <a:latin typeface="Cambria Math" panose="02040503050406030204" pitchFamily="18" charset="0"/>
+                                  <a:ea typeface="微软雅黑" panose="020B0503020204020204" pitchFamily="34" charset="-122"/>
+                                </a:rPr>
+                                <m:t>1</m:t>
+                              </m:r>
+                            </m:num>
+                            <m:den>
+                              <m:r>
+                                <a:rPr lang="zh-CN" altLang="en-US" i="1">
+                                  <a:latin typeface="Cambria Math" panose="02040503050406030204" pitchFamily="18" charset="0"/>
+                                  <a:ea typeface="微软雅黑" panose="020B0503020204020204" pitchFamily="34" charset="-122"/>
+                                </a:rPr>
+                                <m:t>𝑟</m:t>
+                              </m:r>
+                            </m:den>
+                          </m:f>
+                        </m:num>
+                        <m:den>
+                          <m:r>
+                            <a:rPr lang="zh-CN" altLang="en-US" i="1">
+                              <a:latin typeface="Cambria Math" panose="02040503050406030204" pitchFamily="18" charset="0"/>
+                              <a:ea typeface="微软雅黑" panose="020B0503020204020204" pitchFamily="34" charset="-122"/>
+                            </a:rPr>
+                            <m:t>1−</m:t>
+                          </m:r>
+                          <m:f>
+                            <m:fPr>
+                              <m:type m:val="lin"/>
+                              <m:ctrlPr>
+                                <a:rPr lang="zh-CN" altLang="en-US" i="1">
+                                  <a:latin typeface="Cambria Math" panose="02040503050406030204" pitchFamily="18" charset="0"/>
+                                  <a:ea typeface="微软雅黑" panose="020B0503020204020204" pitchFamily="34" charset="-122"/>
+                                </a:rPr>
+                              </m:ctrlPr>
+                            </m:fPr>
+                            <m:num>
+                              <m:r>
+                                <a:rPr lang="zh-CN" altLang="en-US" i="1">
+                                  <a:latin typeface="Cambria Math" panose="02040503050406030204" pitchFamily="18" charset="0"/>
+                                  <a:ea typeface="微软雅黑" panose="020B0503020204020204" pitchFamily="34" charset="-122"/>
+                                </a:rPr>
+                                <m:t>1</m:t>
+                              </m:r>
+                            </m:num>
+                            <m:den>
+                              <m:sSup>
+                                <m:sSupPr>
+                                  <m:ctrlPr>
+                                    <a:rPr lang="zh-CN" altLang="en-US" i="1">
+                                      <a:latin typeface="Cambria Math" panose="02040503050406030204" pitchFamily="18" charset="0"/>
+                                      <a:ea typeface="微软雅黑" panose="020B0503020204020204" pitchFamily="34" charset="-122"/>
+                                    </a:rPr>
+                                  </m:ctrlPr>
+                                </m:sSupPr>
+                                <m:e>
+                                  <m:r>
+                                    <a:rPr lang="zh-CN" altLang="en-US" i="1">
+                                      <a:latin typeface="Cambria Math" panose="02040503050406030204" pitchFamily="18" charset="0"/>
+                                      <a:ea typeface="微软雅黑" panose="020B0503020204020204" pitchFamily="34" charset="-122"/>
+                                    </a:rPr>
+                                    <m:t>𝑟</m:t>
+                                  </m:r>
+                                </m:e>
+                                <m:sup>
+                                  <m:r>
+                                    <a:rPr lang="zh-CN" altLang="en-US" i="1">
+                                      <a:latin typeface="Cambria Math" panose="02040503050406030204" pitchFamily="18" charset="0"/>
+                                      <a:ea typeface="微软雅黑" panose="020B0503020204020204" pitchFamily="34" charset="-122"/>
+                                    </a:rPr>
+                                    <m:t>𝑁</m:t>
+                                  </m:r>
+                                </m:sup>
+                              </m:sSup>
+                            </m:den>
+                          </m:f>
+                        </m:den>
+                      </m:f>
+                    </m:oMath>
+                  </m:oMathPara>
+                </a14:m>
+                <a:endParaRPr lang="zh-CN" altLang="en-US" dirty="0"/>
+              </a:p>
+            </p:txBody>
+          </p:sp>
+        </mc:Choice>
+        <mc:Fallback>
+          <p:sp>
+            <p:nvSpPr>
+              <p:cNvPr id="2" name="矩形 1">
+                <a:extLst>
+                  <a:ext uri="{FF2B5EF4-FFF2-40B4-BE49-F238E27FC236}">
+                    <a16:creationId xmlns:a16="http://schemas.microsoft.com/office/drawing/2014/main" id="{947388C1-64EA-4FD4-9230-FA49EBB73B16}"/>
+                  </a:ext>
+                </a:extLst>
+              </p:cNvPr>
+              <p:cNvSpPr>
+                <a:spLocks noRot="1" noChangeAspect="1" noMove="1" noResize="1" noEditPoints="1" noAdjustHandles="1" noChangeArrowheads="1" noChangeShapeType="1" noTextEdit="1"/>
+              </p:cNvSpPr>
+              <p:nvPr/>
+            </p:nvSpPr>
+            <p:spPr>
+              <a:xfrm>
+                <a:off x="6824688" y="7813334"/>
+                <a:ext cx="1596784" cy="664990"/>
+              </a:xfrm>
+              <a:prstGeom prst="rect">
+                <a:avLst/>
+              </a:prstGeom>
+              <a:blipFill>
+                <a:blip r:embed="rId11"/>
+                <a:stretch>
+                  <a:fillRect/>
                 </a:stretch>
               </a:blipFill>
             </p:spPr>
@@ -17762,7 +20479,7 @@
               </a:ln>
               <a:extLst>
                 <a:ext uri="{C572A759-6A51-4108-AA02-DFA0A04FC94B}">
-                  <ma14:wrappingTextBoxFlag xmlns:ma14="http://schemas.microsoft.com/office/mac/drawingml/2011/main" xmlns:m="http://schemas.openxmlformats.org/officeDocument/2006/math" xmlns="" val="1"/>
+                  <ma14:wrappingTextBoxFlag xmlns="" xmlns:m="http://schemas.openxmlformats.org/officeDocument/2006/math" xmlns:ma14="http://schemas.microsoft.com/office/mac/drawingml/2011/main" val="1"/>
                 </a:ext>
               </a:extLst>
             </p:spPr>
@@ -19361,8 +22078,8 @@
         </p:blipFill>
         <p:spPr>
           <a:xfrm>
-            <a:off x="2083032" y="6562814"/>
-            <a:ext cx="7580952" cy="1428571"/>
+            <a:off x="2169825" y="6226819"/>
+            <a:ext cx="8755222" cy="1649853"/>
           </a:xfrm>
           <a:prstGeom prst="rect">
             <a:avLst/>
@@ -19384,7 +22101,7 @@
         <p:spPr>
           <a:xfrm>
             <a:off x="81470" y="5666709"/>
-            <a:ext cx="9118202" cy="461665"/>
+            <a:ext cx="7758855" cy="461665"/>
           </a:xfrm>
           <a:prstGeom prst="rect">
             <a:avLst/>
@@ -19410,39 +22127,7 @@
                   <a:srgbClr val="C00000"/>
                 </a:solidFill>
               </a:rPr>
-              <a:t>任意的出生率</a:t>
-            </a:r>
-            <a:r>
-              <a:rPr lang="en-US" altLang="zh-CN" sz="2400" dirty="0">
-                <a:solidFill>
-                  <a:srgbClr val="C00000"/>
-                </a:solidFill>
-              </a:rPr>
-              <a:t>(</a:t>
-            </a:r>
-            <a:r>
-              <a:rPr lang="zh-CN" altLang="en-US" sz="2400" dirty="0">
-                <a:solidFill>
-                  <a:srgbClr val="C00000"/>
-                </a:solidFill>
-              </a:rPr>
-              <a:t>适合度</a:t>
-            </a:r>
-            <a:r>
-              <a:rPr lang="en-US" altLang="zh-CN" sz="2400" dirty="0">
-                <a:solidFill>
-                  <a:srgbClr val="C00000"/>
-                </a:solidFill>
-              </a:rPr>
-              <a:t>)</a:t>
-            </a:r>
-            <a:r>
-              <a:rPr lang="zh-CN" altLang="en-US" sz="2400" dirty="0">
-                <a:solidFill>
-                  <a:srgbClr val="C00000"/>
-                </a:solidFill>
-              </a:rPr>
-              <a:t>和死亡率</a:t>
+              <a:t>任意的出生率和死亡率</a:t>
             </a:r>
             <a:r>
               <a:rPr lang="zh-CN" altLang="en-US" sz="2400" dirty="0"/>
@@ -19451,6 +22136,162 @@
           </a:p>
         </p:txBody>
       </p:sp>
+      <p:sp>
+        <p:nvSpPr>
+          <p:cNvPr id="6" name="矩形 5">
+            <a:extLst>
+              <a:ext uri="{FF2B5EF4-FFF2-40B4-BE49-F238E27FC236}">
+                <a16:creationId xmlns:a16="http://schemas.microsoft.com/office/drawing/2014/main" id="{C17A912A-DCB4-4976-AD44-CDE7F11BD945}"/>
+              </a:ext>
+            </a:extLst>
+          </p:cNvPr>
+          <p:cNvSpPr/>
+          <p:nvPr/>
+        </p:nvSpPr>
+        <p:spPr>
+          <a:xfrm>
+            <a:off x="0" y="6342750"/>
+            <a:ext cx="4339650" cy="369332"/>
+          </a:xfrm>
+          <a:prstGeom prst="rect">
+            <a:avLst/>
+          </a:prstGeom>
+        </p:spPr>
+        <p:txBody>
+          <a:bodyPr wrap="none">
+            <a:spAutoFit/>
+          </a:bodyPr>
+          <a:lstStyle/>
+          <a:p>
+            <a:r>
+              <a:rPr lang="zh-CN" altLang="en-US" dirty="0"/>
+              <a:t>在</a:t>
+            </a:r>
+            <a:r>
+              <a:rPr lang="zh-CN" altLang="en-US" b="1" dirty="0"/>
+              <a:t>完全图</a:t>
+            </a:r>
+            <a:r>
+              <a:rPr lang="zh-CN" altLang="en-US" dirty="0"/>
+              <a:t>的且</a:t>
+            </a:r>
+            <a:r>
+              <a:rPr lang="zh-CN" altLang="en-US" b="1" dirty="0"/>
+              <a:t>自己包含在邻居</a:t>
+            </a:r>
+            <a:r>
+              <a:rPr lang="zh-CN" altLang="en-US" dirty="0"/>
+              <a:t>的情况下：</a:t>
+            </a:r>
+          </a:p>
+        </p:txBody>
+      </p:sp>
+      <mc:AlternateContent xmlns:mc="http://schemas.openxmlformats.org/markup-compatibility/2006">
+        <mc:Choice xmlns:a14="http://schemas.microsoft.com/office/drawing/2010/main" Requires="a14">
+          <p:sp>
+            <p:nvSpPr>
+              <p:cNvPr id="10" name="矩形 9">
+                <a:extLst>
+                  <a:ext uri="{FF2B5EF4-FFF2-40B4-BE49-F238E27FC236}">
+                    <a16:creationId xmlns:a16="http://schemas.microsoft.com/office/drawing/2014/main" id="{2370143B-460F-4BE0-95E4-B58124FFA6B9}"/>
+                  </a:ext>
+                </a:extLst>
+              </p:cNvPr>
+              <p:cNvSpPr/>
+              <p:nvPr/>
+            </p:nvSpPr>
+            <p:spPr>
+              <a:xfrm>
+                <a:off x="131799" y="8165895"/>
+                <a:ext cx="3845220" cy="369332"/>
+              </a:xfrm>
+              <a:prstGeom prst="rect">
+                <a:avLst/>
+              </a:prstGeom>
+            </p:spPr>
+            <p:txBody>
+              <a:bodyPr wrap="none">
+                <a:spAutoFit/>
+              </a:bodyPr>
+              <a:lstStyle/>
+              <a:p>
+                <a14:m>
+                  <m:oMath xmlns:m="http://schemas.openxmlformats.org/officeDocument/2006/math">
+                    <m:r>
+                      <a:rPr lang="en-US" altLang="zh-CN" b="0" i="1" smtClean="0">
+                        <a:latin typeface="Cambria Math" panose="02040503050406030204" pitchFamily="18" charset="0"/>
+                      </a:rPr>
+                      <m:t>𝑑</m:t>
+                    </m:r>
+                    <m:r>
+                      <a:rPr lang="en-US" altLang="zh-CN" b="0" i="1" smtClean="0">
+                        <a:latin typeface="Cambria Math" panose="02040503050406030204" pitchFamily="18" charset="0"/>
+                      </a:rPr>
+                      <m:t>=1</m:t>
+                    </m:r>
+                  </m:oMath>
+                </a14:m>
+                <a:r>
+                  <a:rPr lang="zh-CN" altLang="en-US" dirty="0"/>
+                  <a:t>的</a:t>
+                </a:r>
+                <a:r>
+                  <a:rPr lang="en-US" altLang="zh-CN" dirty="0"/>
+                  <a:t>BD</a:t>
+                </a:r>
+                <a:r>
+                  <a:rPr lang="zh-CN" altLang="en-US" dirty="0"/>
+                  <a:t>过程就是之前的等温定理</a:t>
+                </a:r>
+              </a:p>
+            </p:txBody>
+          </p:sp>
+        </mc:Choice>
+        <mc:Fallback>
+          <p:sp>
+            <p:nvSpPr>
+              <p:cNvPr id="10" name="矩形 9">
+                <a:extLst>
+                  <a:ext uri="{FF2B5EF4-FFF2-40B4-BE49-F238E27FC236}">
+                    <a16:creationId xmlns:a16="http://schemas.microsoft.com/office/drawing/2014/main" id="{2370143B-460F-4BE0-95E4-B58124FFA6B9}"/>
+                  </a:ext>
+                </a:extLst>
+              </p:cNvPr>
+              <p:cNvSpPr>
+                <a:spLocks noRot="1" noChangeAspect="1" noMove="1" noResize="1" noEditPoints="1" noAdjustHandles="1" noChangeArrowheads="1" noChangeShapeType="1" noTextEdit="1"/>
+              </p:cNvSpPr>
+              <p:nvPr/>
+            </p:nvSpPr>
+            <p:spPr>
+              <a:xfrm>
+                <a:off x="131799" y="8165895"/>
+                <a:ext cx="3845220" cy="369332"/>
+              </a:xfrm>
+              <a:prstGeom prst="rect">
+                <a:avLst/>
+              </a:prstGeom>
+              <a:blipFill>
+                <a:blip r:embed="rId7"/>
+                <a:stretch>
+                  <a:fillRect t="-10000" r="-952" b="-26667"/>
+                </a:stretch>
+              </a:blipFill>
+            </p:spPr>
+            <p:txBody>
+              <a:bodyPr/>
+              <a:lstStyle/>
+              <a:p>
+                <a:r>
+                  <a:rPr lang="zh-CN" altLang="en-US">
+                    <a:noFill/>
+                  </a:rPr>
+                  <a:t> </a:t>
+                </a:r>
+              </a:p>
+            </p:txBody>
+          </p:sp>
+        </mc:Fallback>
+      </mc:AlternateContent>
     </p:spTree>
     <p:extLst>
       <p:ext uri="{BB962C8B-B14F-4D97-AF65-F5344CB8AC3E}">
@@ -20875,7 +23716,7 @@
         <p:spPr>
           <a:xfrm>
             <a:off x="106638" y="326480"/>
-            <a:ext cx="6417141" cy="923330"/>
+            <a:ext cx="7122463" cy="769441"/>
           </a:xfrm>
           <a:prstGeom prst="rect">
             <a:avLst/>
@@ -20888,7 +23729,7 @@
           <a:lstStyle/>
           <a:p>
             <a:r>
-              <a:rPr lang="zh-CN" altLang="en-US" sz="5400" dirty="0">
+              <a:rPr lang="zh-CN" altLang="en-US" sz="4400" dirty="0">
                 <a:solidFill>
                   <a:srgbClr val="FCFCFF"/>
                 </a:solidFill>
@@ -20896,9 +23737,9 @@
                 <a:ea typeface="微软雅黑" panose="020B0503020204020204" pitchFamily="34" charset="-122"/>
                 <a:cs typeface="Times New Roman" panose="02020603050405020304" pitchFamily="18" charset="0"/>
               </a:rPr>
-              <a:t>模型：平均中性漂变</a:t>
+              <a:t>模型：适合度 平均中性漂变</a:t>
             </a:r>
-            <a:endParaRPr lang="zh-CN" altLang="en-US" sz="5400" dirty="0">
+            <a:endParaRPr lang="zh-CN" altLang="en-US" sz="4400" dirty="0">
               <a:solidFill>
                 <a:srgbClr val="FCFCFF"/>
               </a:solidFill>
@@ -20908,44 +23749,136 @@
           </a:p>
         </p:txBody>
       </p:sp>
-      <p:pic>
-        <p:nvPicPr>
-          <p:cNvPr id="2" name="图片 1">
+      <p:sp>
+        <p:nvSpPr>
+          <p:cNvPr id="3" name="矩形 2">
             <a:extLst>
               <a:ext uri="{FF2B5EF4-FFF2-40B4-BE49-F238E27FC236}">
-                <a16:creationId xmlns:a16="http://schemas.microsoft.com/office/drawing/2014/main" id="{AFD7DDAA-38E7-4263-86CA-750619CCE946}"/>
+                <a16:creationId xmlns:a16="http://schemas.microsoft.com/office/drawing/2014/main" id="{7F2CE263-8B9B-4288-9C37-914AE7564E9B}"/>
               </a:ext>
             </a:extLst>
           </p:cNvPr>
-          <p:cNvPicPr>
-            <a:picLocks noChangeAspect="1"/>
-          </p:cNvPicPr>
+          <p:cNvSpPr/>
           <p:nvPr/>
-        </p:nvPicPr>
-        <p:blipFill>
-          <a:blip r:embed="rId2"/>
-          <a:stretch>
-            <a:fillRect/>
-          </a:stretch>
-        </p:blipFill>
+        </p:nvSpPr>
         <p:spPr>
           <a:xfrm>
-            <a:off x="348246" y="4991100"/>
-            <a:ext cx="4086892" cy="3949700"/>
+            <a:off x="429928" y="1689905"/>
+            <a:ext cx="10754628" cy="1200329"/>
           </a:xfrm>
           <a:prstGeom prst="rect">
             <a:avLst/>
           </a:prstGeom>
         </p:spPr>
-      </p:pic>
+        <p:txBody>
+          <a:bodyPr wrap="square">
+            <a:spAutoFit/>
+          </a:bodyPr>
+          <a:lstStyle/>
+          <a:p>
+            <a:r>
+              <a:rPr lang="zh-CN" altLang="en-US" sz="2400" b="1" dirty="0"/>
+              <a:t>目的</a:t>
+            </a:r>
+            <a:endParaRPr lang="en-US" altLang="zh-CN" sz="2400" b="1" dirty="0"/>
+          </a:p>
+          <a:p>
+            <a:r>
+              <a:rPr lang="zh-CN" altLang="en-US" sz="2400" dirty="0"/>
+              <a:t>在有限种群构成的</a:t>
+            </a:r>
+            <a:r>
+              <a:rPr lang="zh-CN" altLang="en-US" sz="2400" b="1" dirty="0"/>
+              <a:t>网络</a:t>
+            </a:r>
+            <a:r>
+              <a:rPr lang="zh-CN" altLang="en-US" sz="2400" dirty="0"/>
+              <a:t>中，假设</a:t>
+            </a:r>
+            <a:r>
+              <a:rPr lang="zh-CN" altLang="en-US" sz="2400" b="1" dirty="0"/>
+              <a:t>适合度</a:t>
+            </a:r>
+            <a:r>
+              <a:rPr lang="zh-CN" altLang="en-US" sz="2400" dirty="0"/>
+              <a:t>方差来自于每个个体不同数量的邻居，利用</a:t>
+            </a:r>
+            <a:r>
+              <a:rPr lang="zh-CN" altLang="en-US" sz="2400" b="1" dirty="0"/>
+              <a:t>平均中性漂变</a:t>
+            </a:r>
+            <a:r>
+              <a:rPr lang="zh-CN" altLang="en-US" sz="2400" dirty="0"/>
+              <a:t>的思想，探究邻居数变化对</a:t>
+            </a:r>
+            <a:r>
+              <a:rPr lang="zh-CN" altLang="en-US" sz="2400" b="1" dirty="0"/>
+              <a:t>固定概率</a:t>
+            </a:r>
+            <a:r>
+              <a:rPr lang="zh-CN" altLang="en-US" sz="2400" dirty="0"/>
+              <a:t>的影响。</a:t>
+            </a:r>
+          </a:p>
+        </p:txBody>
+      </p:sp>
+      <p:sp>
+        <p:nvSpPr>
+          <p:cNvPr id="5" name="矩形 4">
+            <a:extLst>
+              <a:ext uri="{FF2B5EF4-FFF2-40B4-BE49-F238E27FC236}">
+                <a16:creationId xmlns:a16="http://schemas.microsoft.com/office/drawing/2014/main" id="{CB3FFCBB-61EE-477C-8AE4-1BFD91336E53}"/>
+              </a:ext>
+            </a:extLst>
+          </p:cNvPr>
+          <p:cNvSpPr/>
+          <p:nvPr/>
+        </p:nvSpPr>
+        <p:spPr>
+          <a:xfrm>
+            <a:off x="429928" y="3350983"/>
+            <a:ext cx="10985633" cy="1569660"/>
+          </a:xfrm>
+          <a:prstGeom prst="rect">
+            <a:avLst/>
+          </a:prstGeom>
+        </p:spPr>
+        <p:txBody>
+          <a:bodyPr wrap="square">
+            <a:spAutoFit/>
+          </a:bodyPr>
+          <a:lstStyle/>
+          <a:p>
+            <a:r>
+              <a:rPr lang="zh-CN" altLang="en-US" sz="2400" b="1" dirty="0"/>
+              <a:t>适合度</a:t>
+            </a:r>
+            <a:endParaRPr lang="en-US" altLang="zh-CN" sz="2400" b="1" dirty="0"/>
+          </a:p>
+          <a:p>
+            <a:r>
+              <a:rPr lang="zh-CN" altLang="en-US" sz="2400" dirty="0"/>
+              <a:t>对于种群中变异个体，如果它获得了使其更能繁殖和（或）抵抗死亡的性质，那么它将有机会在种群中固定。进化动力学中，用适合度(fitness)来包括这些所有的性质，因此，</a:t>
+            </a:r>
+            <a:r>
+              <a:rPr lang="zh-CN" altLang="en-US" sz="2400" b="1" dirty="0"/>
+              <a:t>适合度是个体出生率和（或）死亡率的函数</a:t>
+            </a:r>
+            <a:r>
+              <a:rPr lang="zh-CN" altLang="en-US" sz="2400" dirty="0"/>
+              <a:t>。</a:t>
+            </a:r>
+          </a:p>
+        </p:txBody>
+      </p:sp>
       <mc:AlternateContent xmlns:mc="http://schemas.openxmlformats.org/markup-compatibility/2006">
         <mc:Choice xmlns:a14="http://schemas.microsoft.com/office/drawing/2010/main" Requires="a14">
           <p:sp>
             <p:nvSpPr>
-              <p:cNvPr id="6" name="矩形 5">
+              <p:cNvPr id="13" name="矩形 12">
                 <a:extLst>
                   <a:ext uri="{FF2B5EF4-FFF2-40B4-BE49-F238E27FC236}">
-                    <a16:creationId xmlns:a16="http://schemas.microsoft.com/office/drawing/2014/main" id="{3EDC814A-58B1-42E5-9BB9-F082826C19C3}"/>
+                    <a16:creationId xmlns:a16="http://schemas.microsoft.com/office/drawing/2014/main" id="{EAB8F837-014E-4932-8FEF-A9C0F6C0FBE6}"/>
                   </a:ext>
                 </a:extLst>
               </p:cNvPr>
@@ -20954,1287 +23887,8 @@
             </p:nvSpPr>
             <p:spPr>
               <a:xfrm>
-                <a:off x="4600238" y="5517634"/>
-                <a:ext cx="7391703" cy="2271006"/>
-              </a:xfrm>
-              <a:prstGeom prst="rect">
-                <a:avLst/>
-              </a:prstGeom>
-            </p:spPr>
-            <p:txBody>
-              <a:bodyPr wrap="none">
-                <a:spAutoFit/>
-              </a:bodyPr>
-              <a:lstStyle/>
-              <a:p>
-                <a:r>
-                  <a:rPr lang="zh-CN" altLang="en-US" sz="2400" dirty="0"/>
-                  <a:t>选择结点</a:t>
-                </a:r>
-                <a:r>
-                  <a:rPr lang="en-US" altLang="zh-CN" sz="2400" dirty="0"/>
-                  <a:t>11</a:t>
-                </a:r>
-                <a:r>
-                  <a:rPr lang="zh-CN" altLang="en-US" sz="2400" dirty="0"/>
-                  <a:t>繁殖</a:t>
-                </a:r>
-                <a:endParaRPr lang="en-US" altLang="zh-CN" sz="2400" dirty="0"/>
-              </a:p>
-              <a:p>
-                <a:r>
-                  <a:rPr lang="zh-CN" altLang="en-US" sz="2400" dirty="0"/>
-                  <a:t>邻居：</a:t>
-                </a:r>
-                <a:r>
-                  <a:rPr lang="en-US" altLang="zh-CN" sz="2400" dirty="0"/>
-                  <a:t>{</a:t>
-                </a:r>
-                <a:r>
-                  <a:rPr lang="en-US" altLang="zh-CN" sz="2400" dirty="0">
-                    <a:solidFill>
-                      <a:srgbClr val="1F77B4"/>
-                    </a:solidFill>
-                  </a:rPr>
-                  <a:t>1</a:t>
-                </a:r>
-                <a:r>
-                  <a:rPr lang="en-US" altLang="zh-CN" sz="2400" dirty="0"/>
-                  <a:t>, </a:t>
-                </a:r>
-                <a:r>
-                  <a:rPr lang="en-US" altLang="zh-CN" sz="2400" dirty="0">
-                    <a:solidFill>
-                      <a:srgbClr val="D62728"/>
-                    </a:solidFill>
-                  </a:rPr>
-                  <a:t>2</a:t>
-                </a:r>
-                <a:r>
-                  <a:rPr lang="en-US" altLang="zh-CN" sz="2400" dirty="0"/>
-                  <a:t>, </a:t>
-                </a:r>
-                <a:r>
-                  <a:rPr lang="en-US" altLang="zh-CN" sz="2400" dirty="0">
-                    <a:solidFill>
-                      <a:srgbClr val="1F77B4"/>
-                    </a:solidFill>
-                  </a:rPr>
-                  <a:t>4</a:t>
-                </a:r>
-                <a:r>
-                  <a:rPr lang="en-US" altLang="zh-CN" sz="2400" dirty="0"/>
-                  <a:t>, </a:t>
-                </a:r>
-                <a:r>
-                  <a:rPr lang="en-US" altLang="zh-CN" sz="2400" dirty="0">
-                    <a:solidFill>
-                      <a:srgbClr val="D62728"/>
-                    </a:solidFill>
-                  </a:rPr>
-                  <a:t>6</a:t>
-                </a:r>
-                <a:r>
-                  <a:rPr lang="en-US" altLang="zh-CN" sz="2400" dirty="0"/>
-                  <a:t>, </a:t>
-                </a:r>
-                <a:r>
-                  <a:rPr lang="en-US" altLang="zh-CN" sz="2400" dirty="0">
-                    <a:solidFill>
-                      <a:srgbClr val="1F77B4"/>
-                    </a:solidFill>
-                  </a:rPr>
-                  <a:t>7</a:t>
-                </a:r>
-                <a:r>
-                  <a:rPr lang="en-US" altLang="zh-CN" sz="2400" dirty="0"/>
-                  <a:t>, </a:t>
-                </a:r>
-                <a:r>
-                  <a:rPr lang="en-US" altLang="zh-CN" sz="2400" dirty="0">
-                    <a:solidFill>
-                      <a:srgbClr val="D62728"/>
-                    </a:solidFill>
-                  </a:rPr>
-                  <a:t>10</a:t>
-                </a:r>
-                <a:r>
-                  <a:rPr lang="en-US" altLang="zh-CN" sz="2400" dirty="0"/>
-                  <a:t>}</a:t>
-                </a:r>
-              </a:p>
-              <a:p>
-                <a:r>
-                  <a:rPr lang="zh-CN" altLang="en-US" sz="2400" dirty="0"/>
-                  <a:t>野生型</a:t>
-                </a:r>
-                <a:r>
-                  <a:rPr lang="en-US" altLang="zh-CN" sz="2400" dirty="0">
-                    <a:solidFill>
-                      <a:srgbClr val="1F77B4"/>
-                    </a:solidFill>
-                  </a:rPr>
-                  <a:t>A</a:t>
-                </a:r>
-                <a:r>
-                  <a:rPr lang="zh-CN" altLang="en-US" sz="2400" dirty="0"/>
-                  <a:t>：</a:t>
-                </a:r>
-                <a:r>
-                  <a:rPr lang="en-US" altLang="zh-CN" sz="2400" dirty="0"/>
-                  <a:t>{</a:t>
-                </a:r>
-                <a:r>
-                  <a:rPr lang="en-US" altLang="zh-CN" sz="2400" dirty="0">
-                    <a:solidFill>
-                      <a:srgbClr val="1F77B4"/>
-                    </a:solidFill>
-                  </a:rPr>
-                  <a:t>1</a:t>
-                </a:r>
-                <a:r>
-                  <a:rPr lang="en-US" altLang="zh-CN" sz="2400" dirty="0"/>
-                  <a:t>, </a:t>
-                </a:r>
-                <a:r>
-                  <a:rPr lang="en-US" altLang="zh-CN" sz="2400" dirty="0">
-                    <a:solidFill>
-                      <a:srgbClr val="1F77B4"/>
-                    </a:solidFill>
-                  </a:rPr>
-                  <a:t>4</a:t>
-                </a:r>
-                <a:r>
-                  <a:rPr lang="en-US" altLang="zh-CN" sz="2400" dirty="0"/>
-                  <a:t>, </a:t>
-                </a:r>
-                <a:r>
-                  <a:rPr lang="en-US" altLang="zh-CN" sz="2400" dirty="0">
-                    <a:solidFill>
-                      <a:srgbClr val="1F77B4"/>
-                    </a:solidFill>
-                  </a:rPr>
-                  <a:t>7</a:t>
-                </a:r>
-                <a:r>
-                  <a:rPr lang="en-US" altLang="zh-CN" sz="2400" dirty="0"/>
-                  <a:t>}  </a:t>
-                </a:r>
-                <a:r>
-                  <a:rPr lang="zh-CN" altLang="en-US" sz="2400" dirty="0"/>
-                  <a:t>死亡率</a:t>
-                </a:r>
-                <a14:m>
-                  <m:oMath xmlns:m="http://schemas.openxmlformats.org/officeDocument/2006/math">
-                    <m:sSub>
-                      <m:sSubPr>
-                        <m:ctrlPr>
-                          <a:rPr lang="en-US" altLang="zh-CN" sz="2400" b="0" i="1" smtClean="0">
-                            <a:latin typeface="Cambria Math" panose="02040503050406030204" pitchFamily="18" charset="0"/>
-                          </a:rPr>
-                        </m:ctrlPr>
-                      </m:sSubPr>
-                      <m:e>
-                        <m:r>
-                          <a:rPr lang="en-US" altLang="zh-CN" sz="2400" b="0" i="1" smtClean="0">
-                            <a:latin typeface="Cambria Math" panose="02040503050406030204" pitchFamily="18" charset="0"/>
-                          </a:rPr>
-                          <m:t>𝑑</m:t>
-                        </m:r>
-                      </m:e>
-                      <m:sub>
-                        <m:r>
-                          <a:rPr lang="en-US" altLang="zh-CN" sz="2400" b="0" i="1" smtClean="0">
-                            <a:latin typeface="Cambria Math" panose="02040503050406030204" pitchFamily="18" charset="0"/>
-                          </a:rPr>
-                          <m:t>𝐴</m:t>
-                        </m:r>
-                      </m:sub>
-                    </m:sSub>
-                    <m:r>
-                      <a:rPr lang="en-US" altLang="zh-CN" sz="2400" b="0" i="1" smtClean="0">
-                        <a:latin typeface="Cambria Math" panose="02040503050406030204" pitchFamily="18" charset="0"/>
-                      </a:rPr>
-                      <m:t>=1</m:t>
-                    </m:r>
-                  </m:oMath>
-                </a14:m>
-                <a:endParaRPr lang="en-US" altLang="zh-CN" sz="2400" dirty="0"/>
-              </a:p>
-              <a:p>
-                <a:r>
-                  <a:rPr lang="zh-CN" altLang="en-US" sz="2400" dirty="0"/>
-                  <a:t>突变型</a:t>
-                </a:r>
-                <a:r>
-                  <a:rPr lang="en-US" altLang="zh-CN" sz="2400" dirty="0">
-                    <a:solidFill>
-                      <a:srgbClr val="D62728"/>
-                    </a:solidFill>
-                  </a:rPr>
-                  <a:t>B</a:t>
-                </a:r>
-                <a:r>
-                  <a:rPr lang="zh-CN" altLang="en-US" sz="2400" dirty="0"/>
-                  <a:t>：</a:t>
-                </a:r>
-                <a:r>
-                  <a:rPr lang="en-US" altLang="zh-CN" sz="2400" dirty="0"/>
-                  <a:t>{</a:t>
-                </a:r>
-                <a:r>
-                  <a:rPr lang="en-US" altLang="zh-CN" sz="2400" dirty="0">
-                    <a:solidFill>
-                      <a:srgbClr val="D62728"/>
-                    </a:solidFill>
-                  </a:rPr>
-                  <a:t>2</a:t>
-                </a:r>
-                <a:r>
-                  <a:rPr lang="en-US" altLang="zh-CN" sz="2400" dirty="0"/>
-                  <a:t>, </a:t>
-                </a:r>
-                <a:r>
-                  <a:rPr lang="en-US" altLang="zh-CN" sz="2400" dirty="0">
-                    <a:solidFill>
-                      <a:srgbClr val="D62728"/>
-                    </a:solidFill>
-                  </a:rPr>
-                  <a:t>6</a:t>
-                </a:r>
-                <a:r>
-                  <a:rPr lang="en-US" altLang="zh-CN" sz="2400" dirty="0"/>
-                  <a:t>, </a:t>
-                </a:r>
-                <a:r>
-                  <a:rPr lang="en-US" altLang="zh-CN" sz="2400" dirty="0">
-                    <a:solidFill>
-                      <a:srgbClr val="D62728"/>
-                    </a:solidFill>
-                  </a:rPr>
-                  <a:t>10</a:t>
-                </a:r>
-                <a:r>
-                  <a:rPr lang="en-US" altLang="zh-CN" sz="2400" dirty="0"/>
-                  <a:t>} </a:t>
-                </a:r>
-                <a14:m>
-                  <m:oMath xmlns:m="http://schemas.openxmlformats.org/officeDocument/2006/math">
-                    <m:sSub>
-                      <m:sSubPr>
-                        <m:ctrlPr>
-                          <a:rPr lang="en-US" altLang="zh-CN" sz="2400" b="0" i="1" smtClean="0">
-                            <a:latin typeface="Cambria Math" panose="02040503050406030204" pitchFamily="18" charset="0"/>
-                          </a:rPr>
-                        </m:ctrlPr>
-                      </m:sSubPr>
-                      <m:e>
-                        <m:r>
-                          <a:rPr lang="en-US" altLang="zh-CN" sz="2400" b="0" i="1" smtClean="0">
-                            <a:latin typeface="Cambria Math" panose="02040503050406030204" pitchFamily="18" charset="0"/>
-                          </a:rPr>
-                          <m:t>𝑘</m:t>
-                        </m:r>
-                      </m:e>
-                      <m:sub>
-                        <m:r>
-                          <a:rPr lang="en-US" altLang="zh-CN" sz="2400" b="0" i="1" smtClean="0">
-                            <a:latin typeface="Cambria Math" panose="02040503050406030204" pitchFamily="18" charset="0"/>
-                          </a:rPr>
-                          <m:t>2</m:t>
-                        </m:r>
-                      </m:sub>
-                    </m:sSub>
-                    <m:r>
-                      <a:rPr lang="en-US" altLang="zh-CN" sz="2400" b="0" i="1" smtClean="0">
-                        <a:latin typeface="Cambria Math" panose="02040503050406030204" pitchFamily="18" charset="0"/>
-                      </a:rPr>
-                      <m:t>=2,</m:t>
-                    </m:r>
-                    <m:sSub>
-                      <m:sSubPr>
-                        <m:ctrlPr>
-                          <a:rPr lang="en-US" altLang="zh-CN" sz="2400" b="0" i="1" smtClean="0">
-                            <a:latin typeface="Cambria Math" panose="02040503050406030204" pitchFamily="18" charset="0"/>
-                          </a:rPr>
-                        </m:ctrlPr>
-                      </m:sSubPr>
-                      <m:e>
-                        <m:r>
-                          <a:rPr lang="en-US" altLang="zh-CN" sz="2400" b="0" i="1" smtClean="0">
-                            <a:latin typeface="Cambria Math" panose="02040503050406030204" pitchFamily="18" charset="0"/>
-                          </a:rPr>
-                          <m:t>𝑘</m:t>
-                        </m:r>
-                      </m:e>
-                      <m:sub>
-                        <m:r>
-                          <a:rPr lang="en-US" altLang="zh-CN" sz="2400" b="0" i="1" smtClean="0">
-                            <a:latin typeface="Cambria Math" panose="02040503050406030204" pitchFamily="18" charset="0"/>
-                          </a:rPr>
-                          <m:t>6</m:t>
-                        </m:r>
-                      </m:sub>
-                    </m:sSub>
-                    <m:r>
-                      <a:rPr lang="en-US" altLang="zh-CN" sz="2400" b="0" i="1" smtClean="0">
-                        <a:latin typeface="Cambria Math" panose="02040503050406030204" pitchFamily="18" charset="0"/>
-                      </a:rPr>
-                      <m:t>=2,</m:t>
-                    </m:r>
-                    <m:sSub>
-                      <m:sSubPr>
-                        <m:ctrlPr>
-                          <a:rPr lang="en-US" altLang="zh-CN" sz="2400" b="0" i="1" smtClean="0">
-                            <a:latin typeface="Cambria Math" panose="02040503050406030204" pitchFamily="18" charset="0"/>
-                          </a:rPr>
-                        </m:ctrlPr>
-                      </m:sSubPr>
-                      <m:e>
-                        <m:r>
-                          <a:rPr lang="en-US" altLang="zh-CN" sz="2400" b="0" i="1" smtClean="0">
-                            <a:latin typeface="Cambria Math" panose="02040503050406030204" pitchFamily="18" charset="0"/>
-                          </a:rPr>
-                          <m:t>𝑘</m:t>
-                        </m:r>
-                      </m:e>
-                      <m:sub>
-                        <m:r>
-                          <a:rPr lang="en-US" altLang="zh-CN" sz="2400" b="0" i="1" smtClean="0">
-                            <a:latin typeface="Cambria Math" panose="02040503050406030204" pitchFamily="18" charset="0"/>
-                          </a:rPr>
-                          <m:t>10</m:t>
-                        </m:r>
-                      </m:sub>
-                    </m:sSub>
-                    <m:r>
-                      <a:rPr lang="en-US" altLang="zh-CN" sz="2400" b="0" i="1" smtClean="0">
-                        <a:latin typeface="Cambria Math" panose="02040503050406030204" pitchFamily="18" charset="0"/>
-                      </a:rPr>
-                      <m:t>=5, &lt;</m:t>
-                    </m:r>
-                    <m:r>
-                      <a:rPr lang="en-US" altLang="zh-CN" sz="2400" b="0" i="1" smtClean="0">
-                        <a:latin typeface="Cambria Math" panose="02040503050406030204" pitchFamily="18" charset="0"/>
-                      </a:rPr>
-                      <m:t>𝑘</m:t>
-                    </m:r>
-                    <m:r>
-                      <a:rPr lang="en-US" altLang="zh-CN" sz="2400" b="0" i="1" smtClean="0">
-                        <a:latin typeface="Cambria Math" panose="02040503050406030204" pitchFamily="18" charset="0"/>
-                      </a:rPr>
-                      <m:t>&gt; =3</m:t>
-                    </m:r>
-                  </m:oMath>
-                </a14:m>
-                <a:endParaRPr lang="en-US" altLang="zh-CN" sz="2400" dirty="0"/>
-              </a:p>
-              <a:p>
-                <a14:m>
-                  <m:oMathPara xmlns:m="http://schemas.openxmlformats.org/officeDocument/2006/math">
-                    <m:oMathParaPr>
-                      <m:jc m:val="centerGroup"/>
-                    </m:oMathParaPr>
-                    <m:oMath xmlns:m="http://schemas.openxmlformats.org/officeDocument/2006/math">
-                      <m:sSubSup>
-                        <m:sSubSupPr>
-                          <m:ctrlPr>
-                            <a:rPr lang="en-US" altLang="zh-CN" sz="2400" b="0" i="1" smtClean="0">
-                              <a:latin typeface="Cambria Math" panose="02040503050406030204" pitchFamily="18" charset="0"/>
-                            </a:rPr>
-                          </m:ctrlPr>
-                        </m:sSubSupPr>
-                        <m:e>
-                          <m:r>
-                            <a:rPr lang="en-US" altLang="zh-CN" sz="2400" b="0" i="1" smtClean="0">
-                              <a:latin typeface="Cambria Math" panose="02040503050406030204" pitchFamily="18" charset="0"/>
-                            </a:rPr>
-                            <m:t>𝑑</m:t>
-                          </m:r>
-                        </m:e>
-                        <m:sub>
-                          <m:r>
-                            <a:rPr lang="en-US" altLang="zh-CN" sz="2400" b="0" i="1" smtClean="0">
-                              <a:latin typeface="Cambria Math" panose="02040503050406030204" pitchFamily="18" charset="0"/>
-                            </a:rPr>
-                            <m:t>𝐵</m:t>
-                          </m:r>
-                        </m:sub>
-                        <m:sup>
-                          <m:r>
-                            <a:rPr lang="en-US" altLang="zh-CN" sz="2400" b="0" i="1" smtClean="0">
-                              <a:latin typeface="Cambria Math" panose="02040503050406030204" pitchFamily="18" charset="0"/>
-                            </a:rPr>
-                            <m:t>(2)</m:t>
-                          </m:r>
-                        </m:sup>
-                      </m:sSubSup>
-                      <m:r>
-                        <a:rPr lang="en-US" altLang="zh-CN" sz="2400" b="0" i="1" smtClean="0">
-                          <a:latin typeface="Cambria Math" panose="02040503050406030204" pitchFamily="18" charset="0"/>
-                        </a:rPr>
-                        <m:t>=</m:t>
-                      </m:r>
-                      <m:f>
-                        <m:fPr>
-                          <m:ctrlPr>
-                            <a:rPr lang="en-US" altLang="zh-CN" sz="2400" b="0" i="1" smtClean="0">
-                              <a:latin typeface="Cambria Math" panose="02040503050406030204" pitchFamily="18" charset="0"/>
-                            </a:rPr>
-                          </m:ctrlPr>
-                        </m:fPr>
-                        <m:num>
-                          <m:r>
-                            <a:rPr lang="en-US" altLang="zh-CN" sz="2400" b="0" i="1" smtClean="0">
-                              <a:latin typeface="Cambria Math" panose="02040503050406030204" pitchFamily="18" charset="0"/>
-                            </a:rPr>
-                            <m:t>2</m:t>
-                          </m:r>
-                        </m:num>
-                        <m:den>
-                          <m:r>
-                            <a:rPr lang="en-US" altLang="zh-CN" sz="2400" b="0" i="1" smtClean="0">
-                              <a:latin typeface="Cambria Math" panose="02040503050406030204" pitchFamily="18" charset="0"/>
-                            </a:rPr>
-                            <m:t>3</m:t>
-                          </m:r>
-                        </m:den>
-                      </m:f>
-                      <m:r>
-                        <a:rPr lang="en-US" altLang="zh-CN" sz="2400" b="0" i="1" smtClean="0">
-                          <a:latin typeface="Cambria Math" panose="02040503050406030204" pitchFamily="18" charset="0"/>
-                        </a:rPr>
-                        <m:t>,</m:t>
-                      </m:r>
-                      <m:sSubSup>
-                        <m:sSubSupPr>
-                          <m:ctrlPr>
-                            <a:rPr lang="en-US" altLang="zh-CN" sz="2400" i="1">
-                              <a:latin typeface="Cambria Math" panose="02040503050406030204" pitchFamily="18" charset="0"/>
-                            </a:rPr>
-                          </m:ctrlPr>
-                        </m:sSubSupPr>
-                        <m:e>
-                          <m:r>
-                            <a:rPr lang="en-US" altLang="zh-CN" sz="2400" i="1">
-                              <a:latin typeface="Cambria Math" panose="02040503050406030204" pitchFamily="18" charset="0"/>
-                            </a:rPr>
-                            <m:t>𝑑</m:t>
-                          </m:r>
-                        </m:e>
-                        <m:sub>
-                          <m:r>
-                            <a:rPr lang="en-US" altLang="zh-CN" sz="2400" i="1">
-                              <a:latin typeface="Cambria Math" panose="02040503050406030204" pitchFamily="18" charset="0"/>
-                            </a:rPr>
-                            <m:t>𝐵</m:t>
-                          </m:r>
-                        </m:sub>
-                        <m:sup>
-                          <m:r>
-                            <a:rPr lang="en-US" altLang="zh-CN" sz="2400" i="1">
-                              <a:latin typeface="Cambria Math" panose="02040503050406030204" pitchFamily="18" charset="0"/>
-                            </a:rPr>
-                            <m:t>(</m:t>
-                          </m:r>
-                          <m:r>
-                            <a:rPr lang="en-US" altLang="zh-CN" sz="2400" b="0" i="1" smtClean="0">
-                              <a:latin typeface="Cambria Math" panose="02040503050406030204" pitchFamily="18" charset="0"/>
-                            </a:rPr>
-                            <m:t>6</m:t>
-                          </m:r>
-                          <m:r>
-                            <a:rPr lang="en-US" altLang="zh-CN" sz="2400" i="1">
-                              <a:latin typeface="Cambria Math" panose="02040503050406030204" pitchFamily="18" charset="0"/>
-                            </a:rPr>
-                            <m:t>)</m:t>
-                          </m:r>
-                        </m:sup>
-                      </m:sSubSup>
-                      <m:r>
-                        <a:rPr lang="en-US" altLang="zh-CN" sz="2400" i="1">
-                          <a:latin typeface="Cambria Math" panose="02040503050406030204" pitchFamily="18" charset="0"/>
-                        </a:rPr>
-                        <m:t>=</m:t>
-                      </m:r>
-                      <m:f>
-                        <m:fPr>
-                          <m:ctrlPr>
-                            <a:rPr lang="en-US" altLang="zh-CN" sz="2400" i="1">
-                              <a:latin typeface="Cambria Math" panose="02040503050406030204" pitchFamily="18" charset="0"/>
-                            </a:rPr>
-                          </m:ctrlPr>
-                        </m:fPr>
-                        <m:num>
-                          <m:r>
-                            <a:rPr lang="en-US" altLang="zh-CN" sz="2400" i="1">
-                              <a:latin typeface="Cambria Math" panose="02040503050406030204" pitchFamily="18" charset="0"/>
-                            </a:rPr>
-                            <m:t>2</m:t>
-                          </m:r>
-                        </m:num>
-                        <m:den>
-                          <m:r>
-                            <a:rPr lang="en-US" altLang="zh-CN" sz="2400" i="1">
-                              <a:latin typeface="Cambria Math" panose="02040503050406030204" pitchFamily="18" charset="0"/>
-                            </a:rPr>
-                            <m:t>3</m:t>
-                          </m:r>
-                        </m:den>
-                      </m:f>
-                      <m:r>
-                        <a:rPr lang="en-US" altLang="zh-CN" sz="2400" b="0" i="1" smtClean="0">
-                          <a:latin typeface="Cambria Math" panose="02040503050406030204" pitchFamily="18" charset="0"/>
-                        </a:rPr>
-                        <m:t>,</m:t>
-                      </m:r>
-                      <m:sSubSup>
-                        <m:sSubSupPr>
-                          <m:ctrlPr>
-                            <a:rPr lang="en-US" altLang="zh-CN" sz="2400" i="1">
-                              <a:latin typeface="Cambria Math" panose="02040503050406030204" pitchFamily="18" charset="0"/>
-                            </a:rPr>
-                          </m:ctrlPr>
-                        </m:sSubSupPr>
-                        <m:e>
-                          <m:r>
-                            <a:rPr lang="en-US" altLang="zh-CN" sz="2400" i="1">
-                              <a:latin typeface="Cambria Math" panose="02040503050406030204" pitchFamily="18" charset="0"/>
-                            </a:rPr>
-                            <m:t>𝑑</m:t>
-                          </m:r>
-                        </m:e>
-                        <m:sub>
-                          <m:r>
-                            <a:rPr lang="en-US" altLang="zh-CN" sz="2400" i="1">
-                              <a:latin typeface="Cambria Math" panose="02040503050406030204" pitchFamily="18" charset="0"/>
-                            </a:rPr>
-                            <m:t>𝐵</m:t>
-                          </m:r>
-                        </m:sub>
-                        <m:sup>
-                          <m:r>
-                            <a:rPr lang="en-US" altLang="zh-CN" sz="2400" i="1">
-                              <a:latin typeface="Cambria Math" panose="02040503050406030204" pitchFamily="18" charset="0"/>
-                            </a:rPr>
-                            <m:t>(</m:t>
-                          </m:r>
-                          <m:r>
-                            <a:rPr lang="en-US" altLang="zh-CN" sz="2400" b="0" i="1" smtClean="0">
-                              <a:latin typeface="Cambria Math" panose="02040503050406030204" pitchFamily="18" charset="0"/>
-                            </a:rPr>
-                            <m:t>10</m:t>
-                          </m:r>
-                          <m:r>
-                            <a:rPr lang="en-US" altLang="zh-CN" sz="2400" i="1">
-                              <a:latin typeface="Cambria Math" panose="02040503050406030204" pitchFamily="18" charset="0"/>
-                            </a:rPr>
-                            <m:t>)</m:t>
-                          </m:r>
-                        </m:sup>
-                      </m:sSubSup>
-                      <m:r>
-                        <a:rPr lang="en-US" altLang="zh-CN" sz="2400" b="0" i="1" smtClean="0">
-                          <a:latin typeface="Cambria Math" panose="02040503050406030204" pitchFamily="18" charset="0"/>
-                        </a:rPr>
-                        <m:t>=</m:t>
-                      </m:r>
-                      <m:f>
-                        <m:fPr>
-                          <m:ctrlPr>
-                            <a:rPr lang="en-US" altLang="zh-CN" sz="2400" b="0" i="1" smtClean="0">
-                              <a:latin typeface="Cambria Math" panose="02040503050406030204" pitchFamily="18" charset="0"/>
-                            </a:rPr>
-                          </m:ctrlPr>
-                        </m:fPr>
-                        <m:num>
-                          <m:r>
-                            <a:rPr lang="en-US" altLang="zh-CN" sz="2400" b="0" i="1" smtClean="0">
-                              <a:latin typeface="Cambria Math" panose="02040503050406030204" pitchFamily="18" charset="0"/>
-                            </a:rPr>
-                            <m:t>5</m:t>
-                          </m:r>
-                        </m:num>
-                        <m:den>
-                          <m:r>
-                            <a:rPr lang="en-US" altLang="zh-CN" sz="2400" b="0" i="1" smtClean="0">
-                              <a:latin typeface="Cambria Math" panose="02040503050406030204" pitchFamily="18" charset="0"/>
-                            </a:rPr>
-                            <m:t>3</m:t>
-                          </m:r>
-                        </m:den>
-                      </m:f>
-                    </m:oMath>
-                  </m:oMathPara>
-                </a14:m>
-                <a:endParaRPr lang="en-US" altLang="zh-CN" sz="2400" dirty="0"/>
-              </a:p>
-            </p:txBody>
-          </p:sp>
-        </mc:Choice>
-        <mc:Fallback>
-          <p:sp>
-            <p:nvSpPr>
-              <p:cNvPr id="6" name="矩形 5">
-                <a:extLst>
-                  <a:ext uri="{FF2B5EF4-FFF2-40B4-BE49-F238E27FC236}">
-                    <a16:creationId xmlns:a16="http://schemas.microsoft.com/office/drawing/2014/main" id="{3EDC814A-58B1-42E5-9BB9-F082826C19C3}"/>
-                  </a:ext>
-                </a:extLst>
-              </p:cNvPr>
-              <p:cNvSpPr>
-                <a:spLocks noRot="1" noChangeAspect="1" noMove="1" noResize="1" noEditPoints="1" noAdjustHandles="1" noChangeArrowheads="1" noChangeShapeType="1" noTextEdit="1"/>
-              </p:cNvSpPr>
-              <p:nvPr/>
-            </p:nvSpPr>
-            <p:spPr>
-              <a:xfrm>
-                <a:off x="4600238" y="5517634"/>
-                <a:ext cx="7391703" cy="2271006"/>
-              </a:xfrm>
-              <a:prstGeom prst="rect">
-                <a:avLst/>
-              </a:prstGeom>
-              <a:blipFill>
-                <a:blip r:embed="rId3"/>
-                <a:stretch>
-                  <a:fillRect l="-1320" t="-2145"/>
-                </a:stretch>
-              </a:blipFill>
-            </p:spPr>
-            <p:txBody>
-              <a:bodyPr/>
-              <a:lstStyle/>
-              <a:p>
-                <a:r>
-                  <a:rPr lang="zh-CN" altLang="en-US">
-                    <a:noFill/>
-                  </a:rPr>
-                  <a:t> </a:t>
-                </a:r>
-              </a:p>
-            </p:txBody>
-          </p:sp>
-        </mc:Fallback>
-      </mc:AlternateContent>
-      <mc:AlternateContent xmlns:mc="http://schemas.openxmlformats.org/markup-compatibility/2006">
-        <mc:Choice xmlns:a14="http://schemas.microsoft.com/office/drawing/2010/main" Requires="a14">
-          <p:sp>
-            <p:nvSpPr>
-              <p:cNvPr id="9" name="矩形 8">
-                <a:extLst>
-                  <a:ext uri="{FF2B5EF4-FFF2-40B4-BE49-F238E27FC236}">
-                    <a16:creationId xmlns:a16="http://schemas.microsoft.com/office/drawing/2014/main" id="{6084C05D-EB5F-4EDD-B9AC-ACE49F8CD7D0}"/>
-                  </a:ext>
-                </a:extLst>
-              </p:cNvPr>
-              <p:cNvSpPr/>
-              <p:nvPr/>
-            </p:nvSpPr>
-            <p:spPr>
-              <a:xfrm>
-                <a:off x="4435138" y="7985741"/>
-                <a:ext cx="6581225" cy="793679"/>
-              </a:xfrm>
-              <a:prstGeom prst="rect">
-                <a:avLst/>
-              </a:prstGeom>
-            </p:spPr>
-            <p:txBody>
-              <a:bodyPr wrap="none">
-                <a:spAutoFit/>
-              </a:bodyPr>
-              <a:lstStyle/>
-              <a:p>
-                <a:pPr lvl="0"/>
-                <a14:m>
-                  <m:oMathPara xmlns:m="http://schemas.openxmlformats.org/officeDocument/2006/math">
-                    <m:oMathParaPr>
-                      <m:jc m:val="centerGroup"/>
-                    </m:oMathParaPr>
-                    <m:oMath xmlns:m="http://schemas.openxmlformats.org/officeDocument/2006/math">
-                      <m:sSub>
-                        <m:sSubPr>
-                          <m:ctrlPr>
-                            <a:rPr lang="en-US" altLang="zh-CN" sz="2400" b="0" i="1" smtClean="0">
-                              <a:solidFill>
-                                <a:srgbClr val="1F77B4"/>
-                              </a:solidFill>
-                              <a:latin typeface="Cambria Math" panose="02040503050406030204" pitchFamily="18" charset="0"/>
-                            </a:rPr>
-                          </m:ctrlPr>
-                        </m:sSubPr>
-                        <m:e>
-                          <m:r>
-                            <a:rPr lang="en-US" altLang="zh-CN" sz="2400" b="0" i="1" smtClean="0">
-                              <a:solidFill>
-                                <a:srgbClr val="1F77B4"/>
-                              </a:solidFill>
-                              <a:latin typeface="Cambria Math" panose="02040503050406030204" pitchFamily="18" charset="0"/>
-                            </a:rPr>
-                            <m:t>𝑝</m:t>
-                          </m:r>
-                        </m:e>
-                        <m:sub>
-                          <m:r>
-                            <a:rPr lang="en-US" altLang="zh-CN" sz="2400" b="0" i="1" smtClean="0">
-                              <a:solidFill>
-                                <a:srgbClr val="1F77B4"/>
-                              </a:solidFill>
-                              <a:latin typeface="Cambria Math" panose="02040503050406030204" pitchFamily="18" charset="0"/>
-                            </a:rPr>
-                            <m:t>1</m:t>
-                          </m:r>
-                        </m:sub>
-                      </m:sSub>
-                      <m:r>
-                        <a:rPr lang="en-US" altLang="zh-CN" sz="2400" i="1">
-                          <a:solidFill>
-                            <a:prstClr val="black"/>
-                          </a:solidFill>
-                          <a:latin typeface="Cambria Math" panose="02040503050406030204" pitchFamily="18" charset="0"/>
-                        </a:rPr>
-                        <m:t>=</m:t>
-                      </m:r>
-                      <m:f>
-                        <m:fPr>
-                          <m:ctrlPr>
-                            <a:rPr lang="en-US" altLang="zh-CN" sz="2400" i="1">
-                              <a:solidFill>
-                                <a:prstClr val="black"/>
-                              </a:solidFill>
-                              <a:latin typeface="Cambria Math" panose="02040503050406030204" pitchFamily="18" charset="0"/>
-                            </a:rPr>
-                          </m:ctrlPr>
-                        </m:fPr>
-                        <m:num>
-                          <m:r>
-                            <a:rPr lang="en-US" altLang="zh-CN" sz="2400" b="0" i="1" smtClean="0">
-                              <a:solidFill>
-                                <a:prstClr val="black"/>
-                              </a:solidFill>
-                              <a:latin typeface="Cambria Math" panose="02040503050406030204" pitchFamily="18" charset="0"/>
-                            </a:rPr>
-                            <m:t>1</m:t>
-                          </m:r>
-                        </m:num>
-                        <m:den>
-                          <m:r>
-                            <a:rPr lang="en-US" altLang="zh-CN" sz="2400" b="0" i="1" smtClean="0">
-                              <a:solidFill>
-                                <a:prstClr val="black"/>
-                              </a:solidFill>
-                              <a:latin typeface="Cambria Math" panose="02040503050406030204" pitchFamily="18" charset="0"/>
-                            </a:rPr>
-                            <m:t>6</m:t>
-                          </m:r>
-                        </m:den>
-                      </m:f>
-                      <m:r>
-                        <a:rPr lang="en-US" altLang="zh-CN" sz="2400" i="1">
-                          <a:solidFill>
-                            <a:prstClr val="black"/>
-                          </a:solidFill>
-                          <a:latin typeface="Cambria Math" panose="02040503050406030204" pitchFamily="18" charset="0"/>
-                        </a:rPr>
-                        <m:t>,</m:t>
-                      </m:r>
-                      <m:sSub>
-                        <m:sSubPr>
-                          <m:ctrlPr>
-                            <a:rPr lang="en-US" altLang="zh-CN" sz="2400" i="1" smtClean="0">
-                              <a:solidFill>
-                                <a:srgbClr val="1F77B4"/>
-                              </a:solidFill>
-                              <a:latin typeface="Cambria Math" panose="02040503050406030204" pitchFamily="18" charset="0"/>
-                            </a:rPr>
-                          </m:ctrlPr>
-                        </m:sSubPr>
-                        <m:e>
-                          <m:r>
-                            <a:rPr lang="en-US" altLang="zh-CN" sz="2400" i="1">
-                              <a:solidFill>
-                                <a:srgbClr val="1F77B4"/>
-                              </a:solidFill>
-                              <a:latin typeface="Cambria Math" panose="02040503050406030204" pitchFamily="18" charset="0"/>
-                            </a:rPr>
-                            <m:t>𝑝</m:t>
-                          </m:r>
-                        </m:e>
-                        <m:sub>
-                          <m:r>
-                            <a:rPr lang="en-US" altLang="zh-CN" sz="2400" b="0" i="1" smtClean="0">
-                              <a:solidFill>
-                                <a:srgbClr val="1F77B4"/>
-                              </a:solidFill>
-                              <a:latin typeface="Cambria Math" panose="02040503050406030204" pitchFamily="18" charset="0"/>
-                            </a:rPr>
-                            <m:t>4</m:t>
-                          </m:r>
-                        </m:sub>
-                      </m:sSub>
-                      <m:r>
-                        <a:rPr lang="en-US" altLang="zh-CN" sz="2400" b="0" i="1" smtClean="0">
-                          <a:solidFill>
-                            <a:prstClr val="black"/>
-                          </a:solidFill>
-                          <a:latin typeface="Cambria Math" panose="02040503050406030204" pitchFamily="18" charset="0"/>
-                        </a:rPr>
-                        <m:t>=</m:t>
-                      </m:r>
-                      <m:f>
-                        <m:fPr>
-                          <m:ctrlPr>
-                            <a:rPr lang="en-US" altLang="zh-CN" sz="2400" b="0" i="1" smtClean="0">
-                              <a:solidFill>
-                                <a:prstClr val="black"/>
-                              </a:solidFill>
-                              <a:latin typeface="Cambria Math" panose="02040503050406030204" pitchFamily="18" charset="0"/>
-                            </a:rPr>
-                          </m:ctrlPr>
-                        </m:fPr>
-                        <m:num>
-                          <m:r>
-                            <a:rPr lang="en-US" altLang="zh-CN" sz="2400" b="0" i="1" smtClean="0">
-                              <a:solidFill>
-                                <a:prstClr val="black"/>
-                              </a:solidFill>
-                              <a:latin typeface="Cambria Math" panose="02040503050406030204" pitchFamily="18" charset="0"/>
-                            </a:rPr>
-                            <m:t>1</m:t>
-                          </m:r>
-                        </m:num>
-                        <m:den>
-                          <m:r>
-                            <a:rPr lang="en-US" altLang="zh-CN" sz="2400" b="0" i="1" smtClean="0">
-                              <a:solidFill>
-                                <a:prstClr val="black"/>
-                              </a:solidFill>
-                              <a:latin typeface="Cambria Math" panose="02040503050406030204" pitchFamily="18" charset="0"/>
-                            </a:rPr>
-                            <m:t>6</m:t>
-                          </m:r>
-                        </m:den>
-                      </m:f>
-                      <m:r>
-                        <a:rPr lang="en-US" altLang="zh-CN" sz="2400" i="1">
-                          <a:solidFill>
-                            <a:prstClr val="black"/>
-                          </a:solidFill>
-                          <a:latin typeface="Cambria Math" panose="02040503050406030204" pitchFamily="18" charset="0"/>
-                        </a:rPr>
-                        <m:t>,</m:t>
-                      </m:r>
-                      <m:sSub>
-                        <m:sSubPr>
-                          <m:ctrlPr>
-                            <a:rPr lang="en-US" altLang="zh-CN" sz="2400" i="1" smtClean="0">
-                              <a:solidFill>
-                                <a:srgbClr val="1F77B4"/>
-                              </a:solidFill>
-                              <a:latin typeface="Cambria Math" panose="02040503050406030204" pitchFamily="18" charset="0"/>
-                            </a:rPr>
-                          </m:ctrlPr>
-                        </m:sSubPr>
-                        <m:e>
-                          <m:r>
-                            <a:rPr lang="en-US" altLang="zh-CN" sz="2400" i="1">
-                              <a:solidFill>
-                                <a:srgbClr val="1F77B4"/>
-                              </a:solidFill>
-                              <a:latin typeface="Cambria Math" panose="02040503050406030204" pitchFamily="18" charset="0"/>
-                            </a:rPr>
-                            <m:t>𝑝</m:t>
-                          </m:r>
-                        </m:e>
-                        <m:sub>
-                          <m:r>
-                            <a:rPr lang="en-US" altLang="zh-CN" sz="2400" b="0" i="1" smtClean="0">
-                              <a:solidFill>
-                                <a:srgbClr val="1F77B4"/>
-                              </a:solidFill>
-                              <a:latin typeface="Cambria Math" panose="02040503050406030204" pitchFamily="18" charset="0"/>
-                            </a:rPr>
-                            <m:t>7</m:t>
-                          </m:r>
-                        </m:sub>
-                      </m:sSub>
-                      <m:r>
-                        <a:rPr lang="en-US" altLang="zh-CN" sz="2400" b="0" i="1" smtClean="0">
-                          <a:solidFill>
-                            <a:prstClr val="black"/>
-                          </a:solidFill>
-                          <a:latin typeface="Cambria Math" panose="02040503050406030204" pitchFamily="18" charset="0"/>
-                        </a:rPr>
-                        <m:t>=</m:t>
-                      </m:r>
-                      <m:f>
-                        <m:fPr>
-                          <m:ctrlPr>
-                            <a:rPr lang="en-US" altLang="zh-CN" sz="2400" b="0" i="1" smtClean="0">
-                              <a:solidFill>
-                                <a:prstClr val="black"/>
-                              </a:solidFill>
-                              <a:latin typeface="Cambria Math" panose="02040503050406030204" pitchFamily="18" charset="0"/>
-                            </a:rPr>
-                          </m:ctrlPr>
-                        </m:fPr>
-                        <m:num>
-                          <m:r>
-                            <a:rPr lang="en-US" altLang="zh-CN" sz="2400" b="0" i="1" smtClean="0">
-                              <a:solidFill>
-                                <a:prstClr val="black"/>
-                              </a:solidFill>
-                              <a:latin typeface="Cambria Math" panose="02040503050406030204" pitchFamily="18" charset="0"/>
-                            </a:rPr>
-                            <m:t>1</m:t>
-                          </m:r>
-                        </m:num>
-                        <m:den>
-                          <m:r>
-                            <a:rPr lang="en-US" altLang="zh-CN" sz="2400" b="0" i="1" smtClean="0">
-                              <a:solidFill>
-                                <a:prstClr val="black"/>
-                              </a:solidFill>
-                              <a:latin typeface="Cambria Math" panose="02040503050406030204" pitchFamily="18" charset="0"/>
-                            </a:rPr>
-                            <m:t>9</m:t>
-                          </m:r>
-                        </m:den>
-                      </m:f>
-                      <m:r>
-                        <a:rPr lang="en-US" altLang="zh-CN" sz="2400" b="0" i="1" smtClean="0">
-                          <a:solidFill>
-                            <a:prstClr val="black"/>
-                          </a:solidFill>
-                          <a:latin typeface="Cambria Math" panose="02040503050406030204" pitchFamily="18" charset="0"/>
-                        </a:rPr>
-                        <m:t>, </m:t>
-                      </m:r>
-                      <m:sSub>
-                        <m:sSubPr>
-                          <m:ctrlPr>
-                            <a:rPr lang="en-US" altLang="zh-CN" sz="2400" b="0" i="1" smtClean="0">
-                              <a:solidFill>
-                                <a:srgbClr val="D62728"/>
-                              </a:solidFill>
-                              <a:latin typeface="Cambria Math" panose="02040503050406030204" pitchFamily="18" charset="0"/>
-                            </a:rPr>
-                          </m:ctrlPr>
-                        </m:sSubPr>
-                        <m:e>
-                          <m:r>
-                            <a:rPr lang="en-US" altLang="zh-CN" sz="2400" b="0" i="1" smtClean="0">
-                              <a:solidFill>
-                                <a:srgbClr val="D62728"/>
-                              </a:solidFill>
-                              <a:latin typeface="Cambria Math" panose="02040503050406030204" pitchFamily="18" charset="0"/>
-                            </a:rPr>
-                            <m:t>𝑝</m:t>
-                          </m:r>
-                        </m:e>
-                        <m:sub>
-                          <m:r>
-                            <a:rPr lang="en-US" altLang="zh-CN" sz="2400" b="0" i="1" smtClean="0">
-                              <a:solidFill>
-                                <a:srgbClr val="D62728"/>
-                              </a:solidFill>
-                              <a:latin typeface="Cambria Math" panose="02040503050406030204" pitchFamily="18" charset="0"/>
-                            </a:rPr>
-                            <m:t>2</m:t>
-                          </m:r>
-                        </m:sub>
-                      </m:sSub>
-                      <m:r>
-                        <a:rPr lang="en-US" altLang="zh-CN" sz="2400" b="0" i="1" smtClean="0">
-                          <a:solidFill>
-                            <a:prstClr val="black"/>
-                          </a:solidFill>
-                          <a:latin typeface="Cambria Math" panose="02040503050406030204" pitchFamily="18" charset="0"/>
-                        </a:rPr>
-                        <m:t>=</m:t>
-                      </m:r>
-                      <m:f>
-                        <m:fPr>
-                          <m:ctrlPr>
-                            <a:rPr lang="en-US" altLang="zh-CN" sz="2400" b="0" i="1" smtClean="0">
-                              <a:solidFill>
-                                <a:prstClr val="black"/>
-                              </a:solidFill>
-                              <a:latin typeface="Cambria Math" panose="02040503050406030204" pitchFamily="18" charset="0"/>
-                            </a:rPr>
-                          </m:ctrlPr>
-                        </m:fPr>
-                        <m:num>
-                          <m:r>
-                            <a:rPr lang="en-US" altLang="zh-CN" sz="2400" b="0" i="1" smtClean="0">
-                              <a:solidFill>
-                                <a:prstClr val="black"/>
-                              </a:solidFill>
-                              <a:latin typeface="Cambria Math" panose="02040503050406030204" pitchFamily="18" charset="0"/>
-                            </a:rPr>
-                            <m:t>1</m:t>
-                          </m:r>
-                        </m:num>
-                        <m:den>
-                          <m:r>
-                            <a:rPr lang="en-US" altLang="zh-CN" sz="2400" b="0" i="1" smtClean="0">
-                              <a:solidFill>
-                                <a:prstClr val="black"/>
-                              </a:solidFill>
-                              <a:latin typeface="Cambria Math" panose="02040503050406030204" pitchFamily="18" charset="0"/>
-                            </a:rPr>
-                            <m:t>9</m:t>
-                          </m:r>
-                        </m:den>
-                      </m:f>
-                      <m:r>
-                        <a:rPr lang="en-US" altLang="zh-CN" sz="2400" b="0" i="1" smtClean="0">
-                          <a:solidFill>
-                            <a:prstClr val="black"/>
-                          </a:solidFill>
-                          <a:latin typeface="Cambria Math" panose="02040503050406030204" pitchFamily="18" charset="0"/>
-                        </a:rPr>
-                        <m:t>,</m:t>
-                      </m:r>
-                      <m:sSub>
-                        <m:sSubPr>
-                          <m:ctrlPr>
-                            <a:rPr lang="en-US" altLang="zh-CN" sz="2400" i="1" smtClean="0">
-                              <a:solidFill>
-                                <a:srgbClr val="D62728"/>
-                              </a:solidFill>
-                              <a:latin typeface="Cambria Math" panose="02040503050406030204" pitchFamily="18" charset="0"/>
-                            </a:rPr>
-                          </m:ctrlPr>
-                        </m:sSubPr>
-                        <m:e>
-                          <m:r>
-                            <a:rPr lang="en-US" altLang="zh-CN" sz="2400" i="1">
-                              <a:solidFill>
-                                <a:srgbClr val="D62728"/>
-                              </a:solidFill>
-                              <a:latin typeface="Cambria Math" panose="02040503050406030204" pitchFamily="18" charset="0"/>
-                            </a:rPr>
-                            <m:t>𝑝</m:t>
-                          </m:r>
-                        </m:e>
-                        <m:sub>
-                          <m:r>
-                            <a:rPr lang="en-US" altLang="zh-CN" sz="2400" b="0" i="1" smtClean="0">
-                              <a:solidFill>
-                                <a:srgbClr val="D62728"/>
-                              </a:solidFill>
-                              <a:latin typeface="Cambria Math" panose="02040503050406030204" pitchFamily="18" charset="0"/>
-                            </a:rPr>
-                            <m:t>6</m:t>
-                          </m:r>
-                        </m:sub>
-                      </m:sSub>
-                      <m:r>
-                        <a:rPr lang="en-US" altLang="zh-CN" sz="2400" i="1">
-                          <a:solidFill>
-                            <a:prstClr val="black"/>
-                          </a:solidFill>
-                          <a:latin typeface="Cambria Math" panose="02040503050406030204" pitchFamily="18" charset="0"/>
-                        </a:rPr>
-                        <m:t>=</m:t>
-                      </m:r>
-                      <m:f>
-                        <m:fPr>
-                          <m:ctrlPr>
-                            <a:rPr lang="en-US" altLang="zh-CN" sz="2400" i="1">
-                              <a:solidFill>
-                                <a:prstClr val="black"/>
-                              </a:solidFill>
-                              <a:latin typeface="Cambria Math" panose="02040503050406030204" pitchFamily="18" charset="0"/>
-                            </a:rPr>
-                          </m:ctrlPr>
-                        </m:fPr>
-                        <m:num>
-                          <m:r>
-                            <a:rPr lang="en-US" altLang="zh-CN" sz="2400" i="1">
-                              <a:solidFill>
-                                <a:prstClr val="black"/>
-                              </a:solidFill>
-                              <a:latin typeface="Cambria Math" panose="02040503050406030204" pitchFamily="18" charset="0"/>
-                            </a:rPr>
-                            <m:t>1</m:t>
-                          </m:r>
-                        </m:num>
-                        <m:den>
-                          <m:r>
-                            <a:rPr lang="en-US" altLang="zh-CN" sz="2400" i="1">
-                              <a:solidFill>
-                                <a:prstClr val="black"/>
-                              </a:solidFill>
-                              <a:latin typeface="Cambria Math" panose="02040503050406030204" pitchFamily="18" charset="0"/>
-                            </a:rPr>
-                            <m:t>9</m:t>
-                          </m:r>
-                        </m:den>
-                      </m:f>
-                      <m:r>
-                        <a:rPr lang="en-US" altLang="zh-CN" sz="2400" i="1">
-                          <a:solidFill>
-                            <a:prstClr val="black"/>
-                          </a:solidFill>
-                          <a:latin typeface="Cambria Math" panose="02040503050406030204" pitchFamily="18" charset="0"/>
-                        </a:rPr>
-                        <m:t>,</m:t>
-                      </m:r>
-                      <m:sSub>
-                        <m:sSubPr>
-                          <m:ctrlPr>
-                            <a:rPr lang="en-US" altLang="zh-CN" sz="2400" i="1" smtClean="0">
-                              <a:solidFill>
-                                <a:srgbClr val="D62728"/>
-                              </a:solidFill>
-                              <a:latin typeface="Cambria Math" panose="02040503050406030204" pitchFamily="18" charset="0"/>
-                            </a:rPr>
-                          </m:ctrlPr>
-                        </m:sSubPr>
-                        <m:e>
-                          <m:r>
-                            <a:rPr lang="en-US" altLang="zh-CN" sz="2400" i="1">
-                              <a:solidFill>
-                                <a:srgbClr val="D62728"/>
-                              </a:solidFill>
-                              <a:latin typeface="Cambria Math" panose="02040503050406030204" pitchFamily="18" charset="0"/>
-                            </a:rPr>
-                            <m:t>𝑝</m:t>
-                          </m:r>
-                        </m:e>
-                        <m:sub>
-                          <m:r>
-                            <a:rPr lang="en-US" altLang="zh-CN" sz="2400" b="0" i="1" smtClean="0">
-                              <a:solidFill>
-                                <a:srgbClr val="D62728"/>
-                              </a:solidFill>
-                              <a:latin typeface="Cambria Math" panose="02040503050406030204" pitchFamily="18" charset="0"/>
-                            </a:rPr>
-                            <m:t>10</m:t>
-                          </m:r>
-                        </m:sub>
-                      </m:sSub>
-                      <m:r>
-                        <a:rPr lang="en-US" altLang="zh-CN" sz="2400" i="1">
-                          <a:solidFill>
-                            <a:prstClr val="black"/>
-                          </a:solidFill>
-                          <a:latin typeface="Cambria Math" panose="02040503050406030204" pitchFamily="18" charset="0"/>
-                        </a:rPr>
-                        <m:t>=</m:t>
-                      </m:r>
-                      <m:f>
-                        <m:fPr>
-                          <m:ctrlPr>
-                            <a:rPr lang="en-US" altLang="zh-CN" sz="2400" i="1">
-                              <a:solidFill>
-                                <a:prstClr val="black"/>
-                              </a:solidFill>
-                              <a:latin typeface="Cambria Math" panose="02040503050406030204" pitchFamily="18" charset="0"/>
-                            </a:rPr>
-                          </m:ctrlPr>
-                        </m:fPr>
-                        <m:num>
-                          <m:r>
-                            <a:rPr lang="en-US" altLang="zh-CN" sz="2400" b="0" i="1" smtClean="0">
-                              <a:solidFill>
-                                <a:prstClr val="black"/>
-                              </a:solidFill>
-                              <a:latin typeface="Cambria Math" panose="02040503050406030204" pitchFamily="18" charset="0"/>
-                            </a:rPr>
-                            <m:t>5</m:t>
-                          </m:r>
-                        </m:num>
-                        <m:den>
-                          <m:r>
-                            <a:rPr lang="en-US" altLang="zh-CN" sz="2400" b="0" i="1" smtClean="0">
-                              <a:solidFill>
-                                <a:prstClr val="black"/>
-                              </a:solidFill>
-                              <a:latin typeface="Cambria Math" panose="02040503050406030204" pitchFamily="18" charset="0"/>
-                            </a:rPr>
-                            <m:t>18</m:t>
-                          </m:r>
-                        </m:den>
-                      </m:f>
-                    </m:oMath>
-                  </m:oMathPara>
-                </a14:m>
-                <a:endParaRPr lang="en-US" altLang="zh-CN" sz="2400" dirty="0">
-                  <a:solidFill>
-                    <a:prstClr val="black"/>
-                  </a:solidFill>
-                </a:endParaRPr>
-              </a:p>
-            </p:txBody>
-          </p:sp>
-        </mc:Choice>
-        <mc:Fallback>
-          <p:sp>
-            <p:nvSpPr>
-              <p:cNvPr id="9" name="矩形 8">
-                <a:extLst>
-                  <a:ext uri="{FF2B5EF4-FFF2-40B4-BE49-F238E27FC236}">
-                    <a16:creationId xmlns:a16="http://schemas.microsoft.com/office/drawing/2014/main" id="{6084C05D-EB5F-4EDD-B9AC-ACE49F8CD7D0}"/>
-                  </a:ext>
-                </a:extLst>
-              </p:cNvPr>
-              <p:cNvSpPr>
-                <a:spLocks noRot="1" noChangeAspect="1" noMove="1" noResize="1" noEditPoints="1" noAdjustHandles="1" noChangeArrowheads="1" noChangeShapeType="1" noTextEdit="1"/>
-              </p:cNvSpPr>
-              <p:nvPr/>
-            </p:nvSpPr>
-            <p:spPr>
-              <a:xfrm>
-                <a:off x="4435138" y="7985741"/>
-                <a:ext cx="6581225" cy="793679"/>
-              </a:xfrm>
-              <a:prstGeom prst="rect">
-                <a:avLst/>
-              </a:prstGeom>
-              <a:blipFill>
-                <a:blip r:embed="rId4"/>
-                <a:stretch>
-                  <a:fillRect/>
-                </a:stretch>
-              </a:blipFill>
-            </p:spPr>
-            <p:txBody>
-              <a:bodyPr/>
-              <a:lstStyle/>
-              <a:p>
-                <a:r>
-                  <a:rPr lang="zh-CN" altLang="en-US">
-                    <a:noFill/>
-                  </a:rPr>
-                  <a:t> </a:t>
-                </a:r>
-              </a:p>
-            </p:txBody>
-          </p:sp>
-        </mc:Fallback>
-      </mc:AlternateContent>
-      <mc:AlternateContent xmlns:mc="http://schemas.openxmlformats.org/markup-compatibility/2006">
-        <mc:Choice xmlns:a14="http://schemas.microsoft.com/office/drawing/2010/main" Requires="a14">
-          <p:sp>
-            <p:nvSpPr>
-              <p:cNvPr id="11" name="矩形 10">
-                <a:extLst>
-                  <a:ext uri="{FF2B5EF4-FFF2-40B4-BE49-F238E27FC236}">
-                    <a16:creationId xmlns:a16="http://schemas.microsoft.com/office/drawing/2014/main" id="{62937932-7FF9-4BF4-BE44-0C41D6F531F7}"/>
-                  </a:ext>
-                </a:extLst>
-              </p:cNvPr>
-              <p:cNvSpPr/>
-              <p:nvPr/>
-            </p:nvSpPr>
-            <p:spPr>
-              <a:xfrm>
-                <a:off x="348246" y="1872734"/>
-                <a:ext cx="10510254" cy="923330"/>
+                <a:off x="429929" y="5381392"/>
+                <a:ext cx="10985632" cy="2677656"/>
               </a:xfrm>
               <a:prstGeom prst="rect">
                 <a:avLst/>
@@ -22247,126 +23901,60 @@
               <a:lstStyle/>
               <a:p>
                 <a:r>
-                  <a:rPr lang="zh-CN" altLang="en-US" dirty="0">
-                    <a:latin typeface="微软雅黑" panose="020B0503020204020204" pitchFamily="34" charset="-122"/>
-                    <a:ea typeface="微软雅黑" panose="020B0503020204020204" pitchFamily="34" charset="-122"/>
-                    <a:cs typeface="Times New Roman" panose="02020603050405020304" pitchFamily="18" charset="0"/>
-                  </a:rPr>
-                  <a:t>考虑种群大小为</a:t>
+                  <a:rPr lang="zh-CN" altLang="en-US" sz="2400" b="1" dirty="0"/>
+                  <a:t>平均中性漂变</a:t>
+                </a:r>
+                <a:endParaRPr lang="en-US" altLang="zh-CN" sz="2400" b="1" dirty="0"/>
+              </a:p>
+              <a:p>
+                <a:r>
+                  <a:rPr lang="zh-CN" altLang="en-US" sz="2400" dirty="0"/>
+                  <a:t>考虑种群大小为N的有限种群，由两类物种组成：A(野生型) B(突变体)，种群在BD过程下进化，</a:t>
+                </a:r>
+                <a:r>
+                  <a:rPr lang="zh-CN" altLang="en-US" sz="2400" b="1" dirty="0"/>
+                  <a:t>适合度取决于死亡率</a:t>
+                </a:r>
+                <a:r>
+                  <a:rPr lang="zh-CN" altLang="en-US" sz="2400" dirty="0"/>
+                  <a:t>。在中性漂变的条件下（A, B适合度相同）。</a:t>
+                </a:r>
+                <a:endParaRPr lang="en-US" altLang="zh-CN" sz="2400" dirty="0"/>
+              </a:p>
+              <a:p>
+                <a:endParaRPr lang="en-US" altLang="zh-CN" sz="2400" dirty="0"/>
+              </a:p>
+              <a:p>
+                <a:r>
+                  <a:rPr lang="zh-CN" altLang="en-US" sz="2400" dirty="0"/>
+                  <a:t>突变型的固定概率为</a:t>
                 </a:r>
                 <a14:m>
                   <m:oMath xmlns:m="http://schemas.openxmlformats.org/officeDocument/2006/math">
                     <m:r>
-                      <m:rPr>
-                        <m:sty m:val="p"/>
-                      </m:rPr>
-                      <a:rPr lang="en-US" altLang="zh-CN" b="0" i="0" smtClean="0">
+                      <a:rPr lang="zh-CN" altLang="en-US" sz="2400" i="1" dirty="0" smtClean="0">
                         <a:latin typeface="Cambria Math" panose="02040503050406030204" pitchFamily="18" charset="0"/>
-                        <a:ea typeface="微软雅黑" panose="020B0503020204020204" pitchFamily="34" charset="-122"/>
-                        <a:cs typeface="Times New Roman" panose="02020603050405020304" pitchFamily="18" charset="0"/>
                       </a:rPr>
-                      <m:t>N</m:t>
+                      <m:t>1/</m:t>
+                    </m:r>
+                    <m:r>
+                      <a:rPr lang="zh-CN" altLang="en-US" sz="2400" i="1" dirty="0" smtClean="0">
+                        <a:latin typeface="Cambria Math" panose="02040503050406030204" pitchFamily="18" charset="0"/>
+                      </a:rPr>
+                      <m:t>𝑁</m:t>
+                    </m:r>
+                    <m:r>
+                      <a:rPr lang="zh-CN" altLang="en-US" sz="2400" i="1" dirty="0" smtClean="0">
+                        <a:latin typeface="Cambria Math" panose="02040503050406030204" pitchFamily="18" charset="0"/>
+                      </a:rPr>
+                      <m:t>.</m:t>
                     </m:r>
                   </m:oMath>
                 </a14:m>
                 <a:r>
-                  <a:rPr lang="zh-CN" altLang="en-US" dirty="0">
-                    <a:latin typeface="微软雅黑" panose="020B0503020204020204" pitchFamily="34" charset="-122"/>
-                    <a:ea typeface="微软雅黑" panose="020B0503020204020204" pitchFamily="34" charset="-122"/>
-                    <a:cs typeface="Times New Roman" panose="02020603050405020304" pitchFamily="18" charset="0"/>
-                  </a:rPr>
-                  <a:t>的有限种群，由两类物种组成：</a:t>
-                </a:r>
-                <a:r>
-                  <a:rPr lang="en-US" altLang="zh-CN" dirty="0">
-                    <a:latin typeface="微软雅黑" panose="020B0503020204020204" pitchFamily="34" charset="-122"/>
-                    <a:ea typeface="微软雅黑" panose="020B0503020204020204" pitchFamily="34" charset="-122"/>
-                    <a:cs typeface="Times New Roman" panose="02020603050405020304" pitchFamily="18" charset="0"/>
-                  </a:rPr>
-                  <a:t>A(</a:t>
-                </a:r>
-                <a:r>
-                  <a:rPr lang="zh-CN" altLang="en-US" dirty="0">
-                    <a:latin typeface="微软雅黑" panose="020B0503020204020204" pitchFamily="34" charset="-122"/>
-                    <a:ea typeface="微软雅黑" panose="020B0503020204020204" pitchFamily="34" charset="-122"/>
-                    <a:cs typeface="Times New Roman" panose="02020603050405020304" pitchFamily="18" charset="0"/>
-                  </a:rPr>
-                  <a:t>野生型</a:t>
-                </a:r>
-                <a:r>
-                  <a:rPr lang="en-US" altLang="zh-CN" dirty="0">
-                    <a:latin typeface="微软雅黑" panose="020B0503020204020204" pitchFamily="34" charset="-122"/>
-                    <a:ea typeface="微软雅黑" panose="020B0503020204020204" pitchFamily="34" charset="-122"/>
-                    <a:cs typeface="Times New Roman" panose="02020603050405020304" pitchFamily="18" charset="0"/>
-                  </a:rPr>
-                  <a:t>) B(</a:t>
-                </a:r>
-                <a:r>
-                  <a:rPr lang="zh-CN" altLang="en-US" dirty="0">
-                    <a:latin typeface="微软雅黑" panose="020B0503020204020204" pitchFamily="34" charset="-122"/>
-                    <a:ea typeface="微软雅黑" panose="020B0503020204020204" pitchFamily="34" charset="-122"/>
-                    <a:cs typeface="Times New Roman" panose="02020603050405020304" pitchFamily="18" charset="0"/>
-                  </a:rPr>
-                  <a:t>突变型</a:t>
-                </a:r>
-                <a:r>
-                  <a:rPr lang="en-US" altLang="zh-CN" dirty="0">
-                    <a:latin typeface="微软雅黑" panose="020B0503020204020204" pitchFamily="34" charset="-122"/>
-                    <a:ea typeface="微软雅黑" panose="020B0503020204020204" pitchFamily="34" charset="-122"/>
-                    <a:cs typeface="Times New Roman" panose="02020603050405020304" pitchFamily="18" charset="0"/>
-                  </a:rPr>
-                  <a:t>)</a:t>
-                </a:r>
-                <a:r>
-                  <a:rPr lang="zh-CN" altLang="en-US" dirty="0">
-                    <a:latin typeface="微软雅黑" panose="020B0503020204020204" pitchFamily="34" charset="-122"/>
-                    <a:ea typeface="微软雅黑" panose="020B0503020204020204" pitchFamily="34" charset="-122"/>
-                    <a:cs typeface="Times New Roman" panose="02020603050405020304" pitchFamily="18" charset="0"/>
-                  </a:rPr>
-                  <a:t>，种群在</a:t>
-                </a:r>
-                <a:r>
-                  <a:rPr lang="en-US" altLang="zh-CN" dirty="0">
-                    <a:latin typeface="微软雅黑" panose="020B0503020204020204" pitchFamily="34" charset="-122"/>
-                    <a:ea typeface="微软雅黑" panose="020B0503020204020204" pitchFamily="34" charset="-122"/>
-                    <a:cs typeface="Times New Roman" panose="02020603050405020304" pitchFamily="18" charset="0"/>
-                  </a:rPr>
-                  <a:t>BD</a:t>
-                </a:r>
-                <a:r>
-                  <a:rPr lang="zh-CN" altLang="en-US" dirty="0">
-                    <a:latin typeface="微软雅黑" panose="020B0503020204020204" pitchFamily="34" charset="-122"/>
-                    <a:ea typeface="微软雅黑" panose="020B0503020204020204" pitchFamily="34" charset="-122"/>
-                    <a:cs typeface="Times New Roman" panose="02020603050405020304" pitchFamily="18" charset="0"/>
-                  </a:rPr>
-                  <a:t>过程下进化</a:t>
-                </a:r>
-                <a:endParaRPr lang="en-US" altLang="zh-CN" dirty="0">
-                  <a:latin typeface="微软雅黑" panose="020B0503020204020204" pitchFamily="34" charset="-122"/>
-                  <a:ea typeface="微软雅黑" panose="020B0503020204020204" pitchFamily="34" charset="-122"/>
-                  <a:cs typeface="Times New Roman" panose="02020603050405020304" pitchFamily="18" charset="0"/>
-                </a:endParaRPr>
-              </a:p>
-              <a:p>
-                <a:r>
-                  <a:rPr lang="zh-CN" altLang="en-US" b="1" dirty="0">
-                    <a:latin typeface="微软雅黑" panose="020B0503020204020204" pitchFamily="34" charset="-122"/>
-                    <a:ea typeface="微软雅黑" panose="020B0503020204020204" pitchFamily="34" charset="-122"/>
-                    <a:cs typeface="Times New Roman" panose="02020603050405020304" pitchFamily="18" charset="0"/>
-                  </a:rPr>
-                  <a:t>平均中性漂变</a:t>
-                </a:r>
-                <a:r>
-                  <a:rPr lang="en-US" altLang="zh-CN" b="1" dirty="0">
-                    <a:latin typeface="微软雅黑" panose="020B0503020204020204" pitchFamily="34" charset="-122"/>
-                    <a:ea typeface="微软雅黑" panose="020B0503020204020204" pitchFamily="34" charset="-122"/>
-                    <a:cs typeface="Times New Roman" panose="02020603050405020304" pitchFamily="18" charset="0"/>
-                  </a:rPr>
-                  <a:t>(neutral drift with average)</a:t>
-                </a:r>
-              </a:p>
-              <a:p>
-                <a:endParaRPr lang="zh-CN" altLang="en-US" b="1" dirty="0"/>
+                  <a:rPr lang="zh-CN" altLang="en-US" sz="2400" dirty="0"/>
+                  <a:t> 但考虑环境和时间会对物种的适应度有影响，因此假设一些突变体会比野生型具有更高的适合度，其他突变体则相反，但平均下来，两类物种的适合度是相同的。这种情况就叫做平均中性漂变(average neutral drift).</a:t>
+                </a:r>
               </a:p>
             </p:txBody>
           </p:sp>
@@ -22374,10 +23962,10 @@
         <mc:Fallback>
           <p:sp>
             <p:nvSpPr>
-              <p:cNvPr id="11" name="矩形 10">
+              <p:cNvPr id="13" name="矩形 12">
                 <a:extLst>
                   <a:ext uri="{FF2B5EF4-FFF2-40B4-BE49-F238E27FC236}">
-                    <a16:creationId xmlns:a16="http://schemas.microsoft.com/office/drawing/2014/main" id="{62937932-7FF9-4BF4-BE44-0C41D6F531F7}"/>
+                    <a16:creationId xmlns:a16="http://schemas.microsoft.com/office/drawing/2014/main" id="{EAB8F837-014E-4932-8FEF-A9C0F6C0FBE6}"/>
                   </a:ext>
                 </a:extLst>
               </p:cNvPr>
@@ -22388,16 +23976,16 @@
             </p:nvSpPr>
             <p:spPr>
               <a:xfrm>
-                <a:off x="348246" y="1872734"/>
-                <a:ext cx="10510254" cy="923330"/>
+                <a:off x="429929" y="5381392"/>
+                <a:ext cx="10985632" cy="2677656"/>
               </a:xfrm>
               <a:prstGeom prst="rect">
                 <a:avLst/>
               </a:prstGeom>
               <a:blipFill>
-                <a:blip r:embed="rId5"/>
+                <a:blip r:embed="rId2"/>
                 <a:stretch>
-                  <a:fillRect l="-464" t="-3289"/>
+                  <a:fillRect l="-888" t="-1822" r="-3219" b="-4328"/>
                 </a:stretch>
               </a:blipFill>
             </p:spPr>

--- a/dynamics/pre.pptx
+++ b/dynamics/pre.pptx
@@ -5,7 +5,7 @@
     <p:sldMasterId id="2147483684" r:id="rId1"/>
   </p:sldMasterIdLst>
   <p:notesMasterIdLst>
-    <p:notesMasterId r:id="rId16"/>
+    <p:notesMasterId r:id="rId17"/>
   </p:notesMasterIdLst>
   <p:sldIdLst>
     <p:sldId id="280" r:id="rId2"/>
@@ -22,6 +22,7 @@
     <p:sldId id="282" r:id="rId13"/>
     <p:sldId id="283" r:id="rId14"/>
     <p:sldId id="287" r:id="rId15"/>
+    <p:sldId id="288" r:id="rId16"/>
   </p:sldIdLst>
   <p:sldSz cx="12192000" cy="9144000"/>
   <p:notesSz cx="6858000" cy="9144000"/>
@@ -210,7 +211,7 @@
           <a:p>
             <a:fld id="{62B517B9-F9DA-4CE7-8A0F-16C8C2F77E8F}" type="datetimeFigureOut">
               <a:rPr lang="zh-CN" altLang="en-US" smtClean="0"/>
-              <a:t>2021/11/26</a:t>
+              <a:t>2021/11/27</a:t>
             </a:fld>
             <a:endParaRPr lang="zh-CN" altLang="en-US"/>
           </a:p>
@@ -984,6 +985,174 @@
 </p:notes>
 </file>
 
+<file path=ppt/notesSlides/notesSlide7.xml><?xml version="1.0" encoding="utf-8"?>
+<p:notes xmlns:a="http://schemas.openxmlformats.org/drawingml/2006/main" xmlns:r="http://schemas.openxmlformats.org/officeDocument/2006/relationships" xmlns:p="http://schemas.openxmlformats.org/presentationml/2006/main">
+  <p:cSld>
+    <p:spTree>
+      <p:nvGrpSpPr>
+        <p:cNvPr id="1" name=""/>
+        <p:cNvGrpSpPr/>
+        <p:nvPr/>
+      </p:nvGrpSpPr>
+      <p:grpSpPr>
+        <a:xfrm>
+          <a:off x="0" y="0"/>
+          <a:ext cx="0" cy="0"/>
+          <a:chOff x="0" y="0"/>
+          <a:chExt cx="0" cy="0"/>
+        </a:xfrm>
+      </p:grpSpPr>
+      <p:sp>
+        <p:nvSpPr>
+          <p:cNvPr id="2" name="幻灯片图像占位符 1"/>
+          <p:cNvSpPr>
+            <a:spLocks noGrp="1" noRot="1" noChangeAspect="1"/>
+          </p:cNvSpPr>
+          <p:nvPr>
+            <p:ph type="sldImg"/>
+          </p:nvPr>
+        </p:nvSpPr>
+        <p:spPr/>
+      </p:sp>
+      <p:sp>
+        <p:nvSpPr>
+          <p:cNvPr id="3" name="备注占位符 2"/>
+          <p:cNvSpPr>
+            <a:spLocks noGrp="1"/>
+          </p:cNvSpPr>
+          <p:nvPr>
+            <p:ph type="body" idx="1"/>
+          </p:nvPr>
+        </p:nvSpPr>
+        <p:spPr/>
+        <p:txBody>
+          <a:bodyPr/>
+          <a:lstStyle/>
+          <a:p>
+            <a:endParaRPr lang="zh-CN" altLang="en-US" dirty="0"/>
+          </a:p>
+        </p:txBody>
+      </p:sp>
+      <p:sp>
+        <p:nvSpPr>
+          <p:cNvPr id="4" name="灯片编号占位符 3"/>
+          <p:cNvSpPr>
+            <a:spLocks noGrp="1"/>
+          </p:cNvSpPr>
+          <p:nvPr>
+            <p:ph type="sldNum" sz="quarter" idx="5"/>
+          </p:nvPr>
+        </p:nvSpPr>
+        <p:spPr/>
+        <p:txBody>
+          <a:bodyPr/>
+          <a:lstStyle/>
+          <a:p>
+            <a:fld id="{F0BEF969-9955-4A7A-886D-0A6DC0CB3B66}" type="slidenum">
+              <a:rPr lang="zh-CN" altLang="en-US" smtClean="0"/>
+              <a:t>14</a:t>
+            </a:fld>
+            <a:endParaRPr lang="zh-CN" altLang="en-US"/>
+          </a:p>
+        </p:txBody>
+      </p:sp>
+    </p:spTree>
+    <p:extLst>
+      <p:ext uri="{BB962C8B-B14F-4D97-AF65-F5344CB8AC3E}">
+        <p14:creationId xmlns:p14="http://schemas.microsoft.com/office/powerpoint/2010/main" val="1170919657"/>
+      </p:ext>
+    </p:extLst>
+  </p:cSld>
+  <p:clrMapOvr>
+    <a:masterClrMapping/>
+  </p:clrMapOvr>
+</p:notes>
+</file>
+
+<file path=ppt/notesSlides/notesSlide8.xml><?xml version="1.0" encoding="utf-8"?>
+<p:notes xmlns:a="http://schemas.openxmlformats.org/drawingml/2006/main" xmlns:r="http://schemas.openxmlformats.org/officeDocument/2006/relationships" xmlns:p="http://schemas.openxmlformats.org/presentationml/2006/main">
+  <p:cSld>
+    <p:spTree>
+      <p:nvGrpSpPr>
+        <p:cNvPr id="1" name=""/>
+        <p:cNvGrpSpPr/>
+        <p:nvPr/>
+      </p:nvGrpSpPr>
+      <p:grpSpPr>
+        <a:xfrm>
+          <a:off x="0" y="0"/>
+          <a:ext cx="0" cy="0"/>
+          <a:chOff x="0" y="0"/>
+          <a:chExt cx="0" cy="0"/>
+        </a:xfrm>
+      </p:grpSpPr>
+      <p:sp>
+        <p:nvSpPr>
+          <p:cNvPr id="2" name="幻灯片图像占位符 1"/>
+          <p:cNvSpPr>
+            <a:spLocks noGrp="1" noRot="1" noChangeAspect="1"/>
+          </p:cNvSpPr>
+          <p:nvPr>
+            <p:ph type="sldImg"/>
+          </p:nvPr>
+        </p:nvSpPr>
+        <p:spPr/>
+      </p:sp>
+      <p:sp>
+        <p:nvSpPr>
+          <p:cNvPr id="3" name="备注占位符 2"/>
+          <p:cNvSpPr>
+            <a:spLocks noGrp="1"/>
+          </p:cNvSpPr>
+          <p:nvPr>
+            <p:ph type="body" idx="1"/>
+          </p:nvPr>
+        </p:nvSpPr>
+        <p:spPr/>
+        <p:txBody>
+          <a:bodyPr/>
+          <a:lstStyle/>
+          <a:p>
+            <a:endParaRPr lang="zh-CN" altLang="en-US" dirty="0"/>
+          </a:p>
+        </p:txBody>
+      </p:sp>
+      <p:sp>
+        <p:nvSpPr>
+          <p:cNvPr id="4" name="灯片编号占位符 3"/>
+          <p:cNvSpPr>
+            <a:spLocks noGrp="1"/>
+          </p:cNvSpPr>
+          <p:nvPr>
+            <p:ph type="sldNum" sz="quarter" idx="5"/>
+          </p:nvPr>
+        </p:nvSpPr>
+        <p:spPr/>
+        <p:txBody>
+          <a:bodyPr/>
+          <a:lstStyle/>
+          <a:p>
+            <a:fld id="{F0BEF969-9955-4A7A-886D-0A6DC0CB3B66}" type="slidenum">
+              <a:rPr lang="zh-CN" altLang="en-US" smtClean="0"/>
+              <a:t>15</a:t>
+            </a:fld>
+            <a:endParaRPr lang="zh-CN" altLang="en-US"/>
+          </a:p>
+        </p:txBody>
+      </p:sp>
+    </p:spTree>
+    <p:extLst>
+      <p:ext uri="{BB962C8B-B14F-4D97-AF65-F5344CB8AC3E}">
+        <p14:creationId xmlns:p14="http://schemas.microsoft.com/office/powerpoint/2010/main" val="2938101603"/>
+      </p:ext>
+    </p:extLst>
+  </p:cSld>
+  <p:clrMapOvr>
+    <a:masterClrMapping/>
+  </p:clrMapOvr>
+</p:notes>
+</file>
+
 <file path=ppt/slideLayouts/slideLayout1.xml><?xml version="1.0" encoding="utf-8"?>
 <p:sldLayout xmlns:a="http://schemas.openxmlformats.org/drawingml/2006/main" xmlns:r="http://schemas.openxmlformats.org/officeDocument/2006/relationships" xmlns:p="http://schemas.openxmlformats.org/presentationml/2006/main" type="title" preserve="1">
   <p:cSld name="标题幻灯片">
@@ -1115,7 +1284,7 @@
           <a:p>
             <a:fld id="{7AC5E4EC-F5B6-4692-B35B-92C4C1A65EF4}" type="datetimeFigureOut">
               <a:rPr lang="zh-CN" altLang="en-US" smtClean="0"/>
-              <a:t>2021/11/26</a:t>
+              <a:t>2021/11/27</a:t>
             </a:fld>
             <a:endParaRPr lang="zh-CN" altLang="en-US"/>
           </a:p>
@@ -1285,7 +1454,7 @@
           <a:p>
             <a:fld id="{7AC5E4EC-F5B6-4692-B35B-92C4C1A65EF4}" type="datetimeFigureOut">
               <a:rPr lang="zh-CN" altLang="en-US" smtClean="0"/>
-              <a:t>2021/11/26</a:t>
+              <a:t>2021/11/27</a:t>
             </a:fld>
             <a:endParaRPr lang="zh-CN" altLang="en-US"/>
           </a:p>
@@ -1465,7 +1634,7 @@
           <a:p>
             <a:fld id="{7AC5E4EC-F5B6-4692-B35B-92C4C1A65EF4}" type="datetimeFigureOut">
               <a:rPr lang="zh-CN" altLang="en-US" smtClean="0"/>
-              <a:t>2021/11/26</a:t>
+              <a:t>2021/11/27</a:t>
             </a:fld>
             <a:endParaRPr lang="zh-CN" altLang="en-US"/>
           </a:p>
@@ -1635,7 +1804,7 @@
           <a:p>
             <a:fld id="{7AC5E4EC-F5B6-4692-B35B-92C4C1A65EF4}" type="datetimeFigureOut">
               <a:rPr lang="zh-CN" altLang="en-US" smtClean="0"/>
-              <a:t>2021/11/26</a:t>
+              <a:t>2021/11/27</a:t>
             </a:fld>
             <a:endParaRPr lang="zh-CN" altLang="en-US"/>
           </a:p>
@@ -1879,7 +2048,7 @@
           <a:p>
             <a:fld id="{7AC5E4EC-F5B6-4692-B35B-92C4C1A65EF4}" type="datetimeFigureOut">
               <a:rPr lang="zh-CN" altLang="en-US" smtClean="0"/>
-              <a:t>2021/11/26</a:t>
+              <a:t>2021/11/27</a:t>
             </a:fld>
             <a:endParaRPr lang="zh-CN" altLang="en-US"/>
           </a:p>
@@ -2111,7 +2280,7 @@
           <a:p>
             <a:fld id="{7AC5E4EC-F5B6-4692-B35B-92C4C1A65EF4}" type="datetimeFigureOut">
               <a:rPr lang="zh-CN" altLang="en-US" smtClean="0"/>
-              <a:t>2021/11/26</a:t>
+              <a:t>2021/11/27</a:t>
             </a:fld>
             <a:endParaRPr lang="zh-CN" altLang="en-US"/>
           </a:p>
@@ -2478,7 +2647,7 @@
           <a:p>
             <a:fld id="{7AC5E4EC-F5B6-4692-B35B-92C4C1A65EF4}" type="datetimeFigureOut">
               <a:rPr lang="zh-CN" altLang="en-US" smtClean="0"/>
-              <a:t>2021/11/26</a:t>
+              <a:t>2021/11/27</a:t>
             </a:fld>
             <a:endParaRPr lang="zh-CN" altLang="en-US"/>
           </a:p>
@@ -2596,7 +2765,7 @@
           <a:p>
             <a:fld id="{7AC5E4EC-F5B6-4692-B35B-92C4C1A65EF4}" type="datetimeFigureOut">
               <a:rPr lang="zh-CN" altLang="en-US" smtClean="0"/>
-              <a:t>2021/11/26</a:t>
+              <a:t>2021/11/27</a:t>
             </a:fld>
             <a:endParaRPr lang="zh-CN" altLang="en-US"/>
           </a:p>
@@ -2691,7 +2860,7 @@
           <a:p>
             <a:fld id="{7AC5E4EC-F5B6-4692-B35B-92C4C1A65EF4}" type="datetimeFigureOut">
               <a:rPr lang="zh-CN" altLang="en-US" smtClean="0"/>
-              <a:t>2021/11/26</a:t>
+              <a:t>2021/11/27</a:t>
             </a:fld>
             <a:endParaRPr lang="zh-CN" altLang="en-US"/>
           </a:p>
@@ -2968,7 +3137,7 @@
           <a:p>
             <a:fld id="{7AC5E4EC-F5B6-4692-B35B-92C4C1A65EF4}" type="datetimeFigureOut">
               <a:rPr lang="zh-CN" altLang="en-US" smtClean="0"/>
-              <a:t>2021/11/26</a:t>
+              <a:t>2021/11/27</a:t>
             </a:fld>
             <a:endParaRPr lang="zh-CN" altLang="en-US"/>
           </a:p>
@@ -3225,7 +3394,7 @@
           <a:p>
             <a:fld id="{7AC5E4EC-F5B6-4692-B35B-92C4C1A65EF4}" type="datetimeFigureOut">
               <a:rPr lang="zh-CN" altLang="en-US" smtClean="0"/>
-              <a:t>2021/11/26</a:t>
+              <a:t>2021/11/27</a:t>
             </a:fld>
             <a:endParaRPr lang="zh-CN" altLang="en-US"/>
           </a:p>
@@ -3438,7 +3607,7 @@
           <a:p>
             <a:fld id="{7AC5E4EC-F5B6-4692-B35B-92C4C1A65EF4}" type="datetimeFigureOut">
               <a:rPr lang="zh-CN" altLang="en-US" smtClean="0"/>
-              <a:t>2021/11/26</a:t>
+              <a:t>2021/11/27</a:t>
             </a:fld>
             <a:endParaRPr lang="zh-CN" altLang="en-US"/>
           </a:p>
@@ -4611,8 +4780,8 @@
           </a:prstGeom>
         </p:spPr>
       </p:pic>
-      <mc:AlternateContent xmlns:mc="http://schemas.openxmlformats.org/markup-compatibility/2006">
-        <mc:Choice xmlns:a14="http://schemas.microsoft.com/office/drawing/2010/main" Requires="a14">
+      <mc:AlternateContent xmlns:mc="http://schemas.openxmlformats.org/markup-compatibility/2006" xmlns:a14="http://schemas.microsoft.com/office/drawing/2010/main">
+        <mc:Choice Requires="a14">
           <p:sp>
             <p:nvSpPr>
               <p:cNvPr id="6" name="矩形 5">
@@ -5278,7 +5447,7 @@
             </p:txBody>
           </p:sp>
         </mc:Choice>
-        <mc:Fallback>
+        <mc:Fallback xmlns="">
           <p:sp>
             <p:nvSpPr>
               <p:cNvPr id="6" name="矩形 5">
@@ -5323,8 +5492,8 @@
           </p:sp>
         </mc:Fallback>
       </mc:AlternateContent>
-      <mc:AlternateContent xmlns:mc="http://schemas.openxmlformats.org/markup-compatibility/2006">
-        <mc:Choice xmlns:a14="http://schemas.microsoft.com/office/drawing/2010/main" Requires="a14">
+      <mc:AlternateContent xmlns:mc="http://schemas.openxmlformats.org/markup-compatibility/2006" xmlns:a14="http://schemas.microsoft.com/office/drawing/2010/main">
+        <mc:Choice Requires="a14">
           <p:sp>
             <p:nvSpPr>
               <p:cNvPr id="9" name="矩形 8">
@@ -5878,7 +6047,7 @@
             </p:txBody>
           </p:sp>
         </mc:Choice>
-        <mc:Fallback>
+        <mc:Fallback xmlns="">
           <p:sp>
             <p:nvSpPr>
               <p:cNvPr id="9" name="矩形 8">
@@ -5923,8 +6092,8 @@
           </p:sp>
         </mc:Fallback>
       </mc:AlternateContent>
-      <mc:AlternateContent xmlns:mc="http://schemas.openxmlformats.org/markup-compatibility/2006">
-        <mc:Choice xmlns:a14="http://schemas.microsoft.com/office/drawing/2010/main" Requires="a14">
+      <mc:AlternateContent xmlns:mc="http://schemas.openxmlformats.org/markup-compatibility/2006" xmlns:a14="http://schemas.microsoft.com/office/drawing/2010/main">
+        <mc:Choice Requires="a14">
           <p:sp>
             <p:nvSpPr>
               <p:cNvPr id="11" name="矩形 10">
@@ -6083,6 +6252,7 @@
                 </a:r>
               </a:p>
               <a:p>
+                <a:pPr/>
                 <a14:m>
                   <m:oMathPara xmlns:m="http://schemas.openxmlformats.org/officeDocument/2006/math">
                     <m:oMathParaPr>
@@ -6255,6 +6425,7 @@
                 </a:endParaRPr>
               </a:p>
               <a:p>
+                <a:pPr/>
                 <a14:m>
                   <m:oMathPara xmlns:m="http://schemas.openxmlformats.org/officeDocument/2006/math">
                     <m:oMathParaPr>
@@ -6501,7 +6672,7 @@
             </p:txBody>
           </p:sp>
         </mc:Choice>
-        <mc:Fallback>
+        <mc:Fallback xmlns="">
           <p:sp>
             <p:nvSpPr>
               <p:cNvPr id="11" name="矩形 10">
@@ -7337,8 +7508,8 @@
           </p:sp>
         </mc:Fallback>
       </mc:AlternateContent>
-      <mc:AlternateContent xmlns:mc="http://schemas.openxmlformats.org/markup-compatibility/2006">
-        <mc:Choice xmlns:a14="http://schemas.microsoft.com/office/drawing/2010/main" Requires="a14">
+      <mc:AlternateContent xmlns:mc="http://schemas.openxmlformats.org/markup-compatibility/2006" xmlns:a14="http://schemas.microsoft.com/office/drawing/2010/main">
+        <mc:Choice Requires="a14">
           <p:sp>
             <p:nvSpPr>
               <p:cNvPr id="12" name="矩形 11">
@@ -7552,7 +7723,7 @@
             </p:txBody>
           </p:sp>
         </mc:Choice>
-        <mc:Fallback>
+        <mc:Fallback xmlns="">
           <p:sp>
             <p:nvSpPr>
               <p:cNvPr id="12" name="矩形 11">
@@ -7597,8 +7768,8 @@
           </p:sp>
         </mc:Fallback>
       </mc:AlternateContent>
-      <mc:AlternateContent xmlns:mc="http://schemas.openxmlformats.org/markup-compatibility/2006">
-        <mc:Choice xmlns:a14="http://schemas.microsoft.com/office/drawing/2010/main" Requires="a14">
+      <mc:AlternateContent xmlns:mc="http://schemas.openxmlformats.org/markup-compatibility/2006" xmlns:a14="http://schemas.microsoft.com/office/drawing/2010/main">
+        <mc:Choice Requires="a14">
           <p:sp>
             <p:nvSpPr>
               <p:cNvPr id="2" name="矩形 1">
@@ -7626,6 +7797,7 @@
               </a:bodyPr>
               <a:lstStyle/>
               <a:p>
+                <a:pPr/>
                 <a14:m>
                   <m:oMathPara xmlns:m="http://schemas.openxmlformats.org/officeDocument/2006/math">
                     <m:oMathParaPr>
@@ -7700,6 +7872,7 @@
                 <a:endParaRPr lang="en-US" altLang="zh-CN" dirty="0"/>
               </a:p>
               <a:p>
+                <a:pPr/>
                 <a14:m>
                   <m:oMathPara xmlns:m="http://schemas.openxmlformats.org/officeDocument/2006/math">
                     <m:oMathParaPr>
@@ -7763,7 +7936,7 @@
             </p:txBody>
           </p:sp>
         </mc:Choice>
-        <mc:Fallback>
+        <mc:Fallback xmlns="">
           <p:sp>
             <p:nvSpPr>
               <p:cNvPr id="2" name="矩形 1">
@@ -7868,8 +8041,8 @@
           </a:prstGeom>
         </p:spPr>
       </p:pic>
-      <mc:AlternateContent xmlns:mc="http://schemas.openxmlformats.org/markup-compatibility/2006">
-        <mc:Choice xmlns:a14="http://schemas.microsoft.com/office/drawing/2010/main" Requires="a14">
+      <mc:AlternateContent xmlns:mc="http://schemas.openxmlformats.org/markup-compatibility/2006" xmlns:a14="http://schemas.microsoft.com/office/drawing/2010/main">
+        <mc:Choice Requires="a14">
           <p:sp>
             <p:nvSpPr>
               <p:cNvPr id="13" name="矩形 12">
@@ -7897,6 +8070,7 @@
               </a:bodyPr>
               <a:lstStyle/>
               <a:p>
+                <a:pPr/>
                 <a14:m>
                   <m:oMathPara xmlns:m="http://schemas.openxmlformats.org/officeDocument/2006/math">
                     <m:oMathParaPr>
@@ -7944,7 +8118,7 @@
             </p:txBody>
           </p:sp>
         </mc:Choice>
-        <mc:Fallback>
+        <mc:Fallback xmlns="">
           <p:sp>
             <p:nvSpPr>
               <p:cNvPr id="13" name="矩形 12">
@@ -7989,8 +8163,8 @@
           </p:sp>
         </mc:Fallback>
       </mc:AlternateContent>
-      <mc:AlternateContent xmlns:mc="http://schemas.openxmlformats.org/markup-compatibility/2006">
-        <mc:Choice xmlns:a14="http://schemas.microsoft.com/office/drawing/2010/main" Requires="a14">
+      <mc:AlternateContent xmlns:mc="http://schemas.openxmlformats.org/markup-compatibility/2006" xmlns:a14="http://schemas.microsoft.com/office/drawing/2010/main">
+        <mc:Choice Requires="a14">
           <p:sp>
             <p:nvSpPr>
               <p:cNvPr id="14" name="矩形 13">
@@ -8018,6 +8192,7 @@
               </a:bodyPr>
               <a:lstStyle/>
               <a:p>
+                <a:pPr/>
                 <a14:m>
                   <m:oMathPara xmlns:m="http://schemas.openxmlformats.org/officeDocument/2006/math">
                     <m:oMathParaPr>
@@ -8065,7 +8240,7 @@
             </p:txBody>
           </p:sp>
         </mc:Choice>
-        <mc:Fallback>
+        <mc:Fallback xmlns="">
           <p:sp>
             <p:nvSpPr>
               <p:cNvPr id="14" name="矩形 13">
@@ -8263,8 +8438,8 @@
         </p:blipFill>
         <p:spPr>
           <a:xfrm>
-            <a:off x="2229256" y="2873497"/>
-            <a:ext cx="7588512" cy="6139342"/>
+            <a:off x="6096000" y="3780330"/>
+            <a:ext cx="5991413" cy="4847239"/>
           </a:xfrm>
           <a:prstGeom prst="rect">
             <a:avLst/>
@@ -8287,24 +8462,24 @@
             </p:nvSpPr>
             <p:spPr>
               <a:xfrm>
-                <a:off x="575366" y="1787083"/>
-                <a:ext cx="6998070" cy="925190"/>
+                <a:off x="106638" y="1624717"/>
+                <a:ext cx="11590062" cy="2123658"/>
               </a:xfrm>
               <a:prstGeom prst="rect">
                 <a:avLst/>
               </a:prstGeom>
             </p:spPr>
             <p:txBody>
-              <a:bodyPr wrap="none">
+              <a:bodyPr wrap="square">
                 <a:spAutoFit/>
               </a:bodyPr>
               <a:lstStyle/>
               <a:p>
                 <a:r>
-                  <a:rPr lang="zh-CN" altLang="en-US" dirty="0"/>
+                  <a:rPr lang="zh-CN" altLang="en-US" sz="2400" b="1" dirty="0"/>
                   <a:t>小世界网络</a:t>
                 </a:r>
-                <a:endParaRPr lang="en-US" altLang="zh-CN" dirty="0"/>
+                <a:endParaRPr lang="en-US" altLang="zh-CN" sz="2400" b="1" dirty="0"/>
               </a:p>
               <a:p>
                 <a:pPr marL="285750" indent="-285750">
@@ -8323,33 +8498,42 @@
                 </a14:m>
                 <a:r>
                   <a:rPr lang="zh-CN" altLang="en-US" dirty="0"/>
-                  <a:t>上升，固定概率上升，重连</a:t>
+                  <a:t>上升，固定概率上升，重连概率</a:t>
                 </a:r>
                 <a14:m>
                   <m:oMath xmlns:m="http://schemas.openxmlformats.org/officeDocument/2006/math">
-                    <m:r>
-                      <a:rPr lang="zh-CN" altLang="en-US" b="0" i="1" dirty="0">
-                        <a:latin typeface="Cambria Math" panose="02040503050406030204" pitchFamily="18" charset="0"/>
-                      </a:rPr>
-                      <m:t>概率</m:t>
-                    </m:r>
                     <m:r>
                       <a:rPr lang="en-US" altLang="zh-CN" b="0" i="1" smtClean="0">
                         <a:latin typeface="Cambria Math" panose="02040503050406030204" pitchFamily="18" charset="0"/>
                       </a:rPr>
                       <m:t>𝑞</m:t>
                     </m:r>
+                  </m:oMath>
+                </a14:m>
+                <a:r>
+                  <a:rPr lang="zh-CN" altLang="en-US" dirty="0"/>
+                  <a:t>是网络随机性的度量</a:t>
+                </a:r>
+                <a:endParaRPr lang="en-US" altLang="zh-CN" dirty="0"/>
+              </a:p>
+              <a:p>
+                <a:r>
+                  <a:rPr lang="zh-CN" altLang="en-US" dirty="0"/>
+                  <a:t>增加</a:t>
+                </a:r>
+                <a14:m>
+                  <m:oMath xmlns:m="http://schemas.openxmlformats.org/officeDocument/2006/math">
                     <m:r>
-                      <a:rPr lang="zh-CN" altLang="en-US" i="1">
+                      <a:rPr lang="en-US" altLang="zh-CN" b="0" i="1" smtClean="0">
                         <a:latin typeface="Cambria Math" panose="02040503050406030204" pitchFamily="18" charset="0"/>
                       </a:rPr>
-                      <m:t>是</m:t>
+                      <m:t>𝑞</m:t>
                     </m:r>
                   </m:oMath>
                 </a14:m>
                 <a:r>
                   <a:rPr lang="zh-CN" altLang="en-US" dirty="0"/>
-                  <a:t>网络随机性的度量。</a:t>
+                  <a:t>，度分布向度数小的结点倾斜（即这一部分概率增大），因此在选择死亡的相邻物种时，突变体不太可能被平均选择，因为它们的死亡率小于1</a:t>
                 </a:r>
                 <a:endParaRPr lang="en-US" altLang="zh-CN" dirty="0"/>
               </a:p>
@@ -8408,7 +8592,66 @@
                 </a14:m>
                 <a:r>
                   <a:rPr lang="zh-CN" altLang="en-US" dirty="0"/>
-                  <a:t>是网络稀疏性的度量。</a:t>
+                  <a:t>是网络稀疏性的度量</a:t>
+                </a:r>
+                <a:endParaRPr lang="en-US" altLang="zh-CN" dirty="0"/>
+              </a:p>
+              <a:p>
+                <a:r>
+                  <a:rPr lang="zh-CN" altLang="en-US" dirty="0"/>
+                  <a:t>增加</a:t>
+                </a:r>
+                <a14:m>
+                  <m:oMath xmlns:m="http://schemas.openxmlformats.org/officeDocument/2006/math">
+                    <m:r>
+                      <a:rPr lang="en-US" altLang="zh-CN" b="0" i="1" smtClean="0">
+                        <a:latin typeface="Cambria Math" panose="02040503050406030204" pitchFamily="18" charset="0"/>
+                      </a:rPr>
+                      <m:t>&lt;</m:t>
+                    </m:r>
+                    <m:r>
+                      <a:rPr lang="en-US" altLang="zh-CN" b="0" i="1" smtClean="0">
+                        <a:latin typeface="Cambria Math" panose="02040503050406030204" pitchFamily="18" charset="0"/>
+                      </a:rPr>
+                      <m:t>𝑘</m:t>
+                    </m:r>
+                    <m:r>
+                      <a:rPr lang="en-US" altLang="zh-CN" b="0" i="1" smtClean="0">
+                        <a:latin typeface="Cambria Math" panose="02040503050406030204" pitchFamily="18" charset="0"/>
+                      </a:rPr>
+                      <m:t>&gt;</m:t>
+                    </m:r>
+                  </m:oMath>
+                </a14:m>
+                <a:r>
+                  <a:rPr lang="zh-CN" altLang="en-US" dirty="0"/>
+                  <a:t>，接近对称的高斯分布，因此更有可能选择变异体死亡（度数大的点累积概率变大），导致固定概率降低。在非常大的</a:t>
+                </a:r>
+                <a14:m>
+                  <m:oMath xmlns:m="http://schemas.openxmlformats.org/officeDocument/2006/math">
+                    <m:r>
+                      <a:rPr lang="en-US" altLang="zh-CN" i="1">
+                        <a:latin typeface="Cambria Math" panose="02040503050406030204" pitchFamily="18" charset="0"/>
+                      </a:rPr>
+                      <m:t>&lt;</m:t>
+                    </m:r>
+                    <m:r>
+                      <a:rPr lang="en-US" altLang="zh-CN" i="1">
+                        <a:latin typeface="Cambria Math" panose="02040503050406030204" pitchFamily="18" charset="0"/>
+                      </a:rPr>
+                      <m:t>𝑘</m:t>
+                    </m:r>
+                    <m:r>
+                      <a:rPr lang="en-US" altLang="zh-CN" i="1">
+                        <a:latin typeface="Cambria Math" panose="02040503050406030204" pitchFamily="18" charset="0"/>
+                      </a:rPr>
+                      <m:t>&gt;</m:t>
+                    </m:r>
+                  </m:oMath>
+                </a14:m>
+                <a:r>
+                  <a:rPr lang="zh-CN" altLang="en-US" dirty="0"/>
+                  <a:t>的极端情况下，我们有一个完全图，因此固定概率由Moran模型得到</a:t>
                 </a:r>
               </a:p>
             </p:txBody>
@@ -8431,8 +8674,8 @@
             </p:nvSpPr>
             <p:spPr>
               <a:xfrm>
-                <a:off x="575366" y="1787083"/>
-                <a:ext cx="6998070" cy="925190"/>
+                <a:off x="106638" y="1624717"/>
+                <a:ext cx="11590062" cy="2123658"/>
               </a:xfrm>
               <a:prstGeom prst="rect">
                 <a:avLst/>
@@ -8440,7 +8683,7 @@
               <a:blipFill>
                 <a:blip r:embed="rId3"/>
                 <a:stretch>
-                  <a:fillRect l="-697" t="-3289" r="-87" b="-9211"/>
+                  <a:fillRect l="-789" t="-2299" r="-105" b="-3736"/>
                 </a:stretch>
               </a:blipFill>
             </p:spPr>
@@ -8459,6 +8702,84 @@
           </p:sp>
         </mc:Fallback>
       </mc:AlternateContent>
+      <p:pic>
+        <p:nvPicPr>
+          <p:cNvPr id="5" name="图片 4">
+            <a:extLst>
+              <a:ext uri="{FF2B5EF4-FFF2-40B4-BE49-F238E27FC236}">
+                <a16:creationId xmlns:a16="http://schemas.microsoft.com/office/drawing/2014/main" id="{6443F266-FF9D-4977-842E-BAD2EA10B1C0}"/>
+              </a:ext>
+            </a:extLst>
+          </p:cNvPr>
+          <p:cNvPicPr>
+            <a:picLocks noChangeAspect="1"/>
+          </p:cNvPicPr>
+          <p:nvPr/>
+        </p:nvPicPr>
+        <p:blipFill>
+          <a:blip r:embed="rId4">
+            <a:extLst>
+              <a:ext uri="{28A0092B-C50C-407E-A947-70E740481C1C}">
+                <a14:useLocalDpi xmlns:a14="http://schemas.microsoft.com/office/drawing/2010/main" val="0"/>
+              </a:ext>
+            </a:extLst>
+          </a:blip>
+          <a:stretch>
+            <a:fillRect/>
+          </a:stretch>
+        </p:blipFill>
+        <p:spPr>
+          <a:xfrm>
+            <a:off x="277626" y="3780330"/>
+            <a:ext cx="5115074" cy="4449269"/>
+          </a:xfrm>
+          <a:prstGeom prst="rect">
+            <a:avLst/>
+          </a:prstGeom>
+        </p:spPr>
+      </p:pic>
+      <p:sp>
+        <p:nvSpPr>
+          <p:cNvPr id="10" name="矩形 9">
+            <a:extLst>
+              <a:ext uri="{FF2B5EF4-FFF2-40B4-BE49-F238E27FC236}">
+                <a16:creationId xmlns:a16="http://schemas.microsoft.com/office/drawing/2014/main" id="{56E776B0-E926-429D-81C5-2C80D96111E7}"/>
+              </a:ext>
+            </a:extLst>
+          </p:cNvPr>
+          <p:cNvSpPr/>
+          <p:nvPr/>
+        </p:nvSpPr>
+        <p:spPr>
+          <a:xfrm>
+            <a:off x="104587" y="8627569"/>
+            <a:ext cx="6151043" cy="369332"/>
+          </a:xfrm>
+          <a:prstGeom prst="rect">
+            <a:avLst/>
+          </a:prstGeom>
+        </p:spPr>
+        <p:txBody>
+          <a:bodyPr wrap="none">
+            <a:spAutoFit/>
+          </a:bodyPr>
+          <a:lstStyle/>
+          <a:p>
+            <a:r>
+              <a:rPr lang="zh-CN" altLang="en-US" dirty="0"/>
+              <a:t>变异体在</a:t>
+            </a:r>
+            <a:r>
+              <a:rPr lang="zh-CN" altLang="en-US" b="1" dirty="0"/>
+              <a:t>随机性较强和稀疏的网络</a:t>
+            </a:r>
+            <a:r>
+              <a:rPr lang="zh-CN" altLang="en-US" dirty="0"/>
+              <a:t>中占领种群更有优势。</a:t>
+            </a:r>
+          </a:p>
+        </p:txBody>
+      </p:sp>
     </p:spTree>
     <p:extLst>
       <p:ext uri="{BB962C8B-B14F-4D97-AF65-F5344CB8AC3E}">
@@ -8489,6 +8810,42 @@
           <a:chExt cx="0" cy="0"/>
         </a:xfrm>
       </p:grpSpPr>
+      <p:pic>
+        <p:nvPicPr>
+          <p:cNvPr id="8" name="图片 7">
+            <a:extLst>
+              <a:ext uri="{FF2B5EF4-FFF2-40B4-BE49-F238E27FC236}">
+                <a16:creationId xmlns:a16="http://schemas.microsoft.com/office/drawing/2014/main" id="{DE9F1DE2-A74E-4661-B451-BD4E5C407852}"/>
+              </a:ext>
+            </a:extLst>
+          </p:cNvPr>
+          <p:cNvPicPr>
+            <a:picLocks noChangeAspect="1"/>
+          </p:cNvPicPr>
+          <p:nvPr/>
+        </p:nvPicPr>
+        <p:blipFill>
+          <a:blip r:embed="rId3">
+            <a:extLst>
+              <a:ext uri="{28A0092B-C50C-407E-A947-70E740481C1C}">
+                <a14:useLocalDpi xmlns:a14="http://schemas.microsoft.com/office/drawing/2010/main" val="0"/>
+              </a:ext>
+            </a:extLst>
+          </a:blip>
+          <a:stretch>
+            <a:fillRect/>
+          </a:stretch>
+        </p:blipFill>
+        <p:spPr>
+          <a:xfrm>
+            <a:off x="372844" y="4407299"/>
+            <a:ext cx="3396061" cy="3184389"/>
+          </a:xfrm>
+          <a:prstGeom prst="rect">
+            <a:avLst/>
+          </a:prstGeom>
+        </p:spPr>
+      </p:pic>
       <p:sp>
         <p:nvSpPr>
           <p:cNvPr id="4" name="矩形 3">
@@ -8604,8 +8961,8 @@
         </p:nvSpPr>
         <p:spPr>
           <a:xfrm>
-            <a:off x="575366" y="1787083"/>
-            <a:ext cx="1569660" cy="369332"/>
+            <a:off x="681478" y="1596479"/>
+            <a:ext cx="1723549" cy="461665"/>
           </a:xfrm>
           <a:prstGeom prst="rect">
             <a:avLst/>
@@ -8618,9 +8975,10 @@
           <a:lstStyle/>
           <a:p>
             <a:r>
-              <a:rPr lang="zh-CN" altLang="en-US" dirty="0"/>
-              <a:t>无标度网络：</a:t>
+              <a:rPr lang="zh-CN" altLang="en-US" sz="2400" b="1" dirty="0"/>
+              <a:t>无标度网络</a:t>
             </a:r>
+            <a:endParaRPr lang="en-US" altLang="zh-CN" sz="2400" b="1" dirty="0"/>
           </a:p>
         </p:txBody>
       </p:sp>
@@ -8639,25 +8997,970 @@
           <p:nvPr/>
         </p:nvPicPr>
         <p:blipFill>
-          <a:blip r:embed="rId2"/>
+          <a:blip r:embed="rId4"/>
           <a:stretch>
             <a:fillRect/>
           </a:stretch>
         </p:blipFill>
         <p:spPr>
           <a:xfrm>
-            <a:off x="2332515" y="2749648"/>
-            <a:ext cx="7052115" cy="5696195"/>
+            <a:off x="5671423" y="4000500"/>
+            <a:ext cx="6147733" cy="4965700"/>
           </a:xfrm>
           <a:prstGeom prst="rect">
             <a:avLst/>
           </a:prstGeom>
         </p:spPr>
       </p:pic>
+      <p:sp>
+        <p:nvSpPr>
+          <p:cNvPr id="2" name="矩形 1">
+            <a:extLst>
+              <a:ext uri="{FF2B5EF4-FFF2-40B4-BE49-F238E27FC236}">
+                <a16:creationId xmlns:a16="http://schemas.microsoft.com/office/drawing/2014/main" id="{CCE342A4-2667-4C5C-943A-89278D6EAC01}"/>
+              </a:ext>
+            </a:extLst>
+          </p:cNvPr>
+          <p:cNvSpPr/>
+          <p:nvPr/>
+        </p:nvSpPr>
+        <p:spPr>
+          <a:xfrm>
+            <a:off x="372844" y="2375974"/>
+            <a:ext cx="4781981" cy="2031325"/>
+          </a:xfrm>
+          <a:prstGeom prst="rect">
+            <a:avLst/>
+          </a:prstGeom>
+        </p:spPr>
+        <p:txBody>
+          <a:bodyPr wrap="square">
+            <a:spAutoFit/>
+          </a:bodyPr>
+          <a:lstStyle/>
+          <a:p>
+            <a:r>
+              <a:rPr lang="zh-CN" altLang="en-US" b="1" dirty="0"/>
+              <a:t>总体趋势</a:t>
+            </a:r>
+            <a:r>
+              <a:rPr lang="zh-CN" altLang="en-US" dirty="0"/>
+              <a:t>来看，由于幂律函数递减行为，度小于平均都的结点个数更多，突变体的死亡率小于</a:t>
+            </a:r>
+            <a:r>
+              <a:rPr lang="en-US" altLang="zh-CN" dirty="0"/>
+              <a:t>1</a:t>
+            </a:r>
+            <a:r>
+              <a:rPr lang="zh-CN" altLang="en-US" dirty="0"/>
+              <a:t>，固定概率大于</a:t>
+            </a:r>
+            <a:r>
+              <a:rPr lang="en-US" altLang="zh-CN" dirty="0"/>
+              <a:t>Moran</a:t>
+            </a:r>
+            <a:r>
+              <a:rPr lang="zh-CN" altLang="en-US" dirty="0"/>
+              <a:t>过程的固定概率。</a:t>
+            </a:r>
+            <a:endParaRPr lang="en-US" altLang="zh-CN" dirty="0"/>
+          </a:p>
+          <a:p>
+            <a:endParaRPr lang="en-US" altLang="zh-CN" dirty="0"/>
+          </a:p>
+          <a:p>
+            <a:r>
+              <a:rPr lang="zh-CN" altLang="en-US" b="1" dirty="0"/>
+              <a:t>当无标度指数增大</a:t>
+            </a:r>
+            <a:r>
+              <a:rPr lang="zh-CN" altLang="en-US" dirty="0"/>
+              <a:t>时，度分布变窄，所有结点的度更加集中，突变体的死亡率将接近野生型，固定概率朝着</a:t>
+            </a:r>
+            <a:r>
+              <a:rPr lang="en-US" altLang="zh-CN" dirty="0"/>
+              <a:t>Moran</a:t>
+            </a:r>
+            <a:r>
+              <a:rPr lang="zh-CN" altLang="en-US" dirty="0"/>
+              <a:t>过程的固定概率递减。</a:t>
+            </a:r>
+          </a:p>
+        </p:txBody>
+      </p:sp>
+      <mc:AlternateContent xmlns:mc="http://schemas.openxmlformats.org/markup-compatibility/2006">
+        <mc:Choice xmlns:a14="http://schemas.microsoft.com/office/drawing/2010/main" Requires="a14">
+          <p:sp>
+            <p:nvSpPr>
+              <p:cNvPr id="5" name="矩形 4">
+                <a:extLst>
+                  <a:ext uri="{FF2B5EF4-FFF2-40B4-BE49-F238E27FC236}">
+                    <a16:creationId xmlns:a16="http://schemas.microsoft.com/office/drawing/2014/main" id="{D5D4CBCD-9D4D-4098-A76E-F11CFD7CEE60}"/>
+                  </a:ext>
+                </a:extLst>
+              </p:cNvPr>
+              <p:cNvSpPr/>
+              <p:nvPr/>
+            </p:nvSpPr>
+            <p:spPr>
+              <a:xfrm>
+                <a:off x="5723156" y="1753628"/>
+                <a:ext cx="6096000" cy="2031325"/>
+              </a:xfrm>
+              <a:prstGeom prst="rect">
+                <a:avLst/>
+              </a:prstGeom>
+            </p:spPr>
+            <p:txBody>
+              <a:bodyPr>
+                <a:spAutoFit/>
+              </a:bodyPr>
+              <a:lstStyle/>
+              <a:p>
+                <a:r>
+                  <a:rPr lang="zh-CN" altLang="en-US" dirty="0"/>
+                  <a:t>但关于平均度，对不同</a:t>
+                </a:r>
+                <a14:m>
+                  <m:oMath xmlns:m="http://schemas.openxmlformats.org/officeDocument/2006/math">
+                    <m:r>
+                      <a:rPr lang="en-US" altLang="zh-CN" i="1">
+                        <a:latin typeface="Cambria Math" panose="02040503050406030204" pitchFamily="18" charset="0"/>
+                      </a:rPr>
+                      <m:t>𝛾</m:t>
+                    </m:r>
+                  </m:oMath>
+                </a14:m>
+                <a:r>
+                  <a:rPr lang="zh-CN" altLang="en-US" dirty="0"/>
+                  <a:t>有差异</a:t>
+                </a:r>
+                <a:endParaRPr lang="en-US" altLang="zh-CN" dirty="0"/>
+              </a:p>
+              <a:p>
+                <a:pPr marL="285750" indent="-285750">
+                  <a:buFont typeface="Arial" panose="020B0604020202020204" pitchFamily="34" charset="0"/>
+                  <a:buChar char="•"/>
+                </a:pPr>
+                <a14:m>
+                  <m:oMath xmlns:m="http://schemas.openxmlformats.org/officeDocument/2006/math">
+                    <m:r>
+                      <a:rPr lang="en-US" altLang="zh-CN" i="1">
+                        <a:latin typeface="Cambria Math" panose="02040503050406030204" pitchFamily="18" charset="0"/>
+                      </a:rPr>
+                      <m:t>2</m:t>
+                    </m:r>
+                    <m:r>
+                      <a:rPr lang="en-US" altLang="zh-CN" i="1">
+                        <a:latin typeface="Cambria Math" panose="02040503050406030204" pitchFamily="18" charset="0"/>
+                      </a:rPr>
+                      <m:t>&lt;</m:t>
+                    </m:r>
+                    <m:r>
+                      <a:rPr lang="en-US" altLang="zh-CN" i="1">
+                        <a:latin typeface="Cambria Math" panose="02040503050406030204" pitchFamily="18" charset="0"/>
+                      </a:rPr>
+                      <m:t>𝛾</m:t>
+                    </m:r>
+                    <m:r>
+                      <a:rPr lang="en-US" altLang="zh-CN" i="1">
+                        <a:latin typeface="Cambria Math" panose="02040503050406030204" pitchFamily="18" charset="0"/>
+                      </a:rPr>
+                      <m:t>≤3</m:t>
+                    </m:r>
+                  </m:oMath>
+                </a14:m>
+                <a:endParaRPr lang="en-US" altLang="zh-CN" dirty="0"/>
+              </a:p>
+              <a:p>
+                <a:r>
+                  <a:rPr lang="zh-CN" altLang="en-US" dirty="0"/>
+                  <a:t>度分布均值为平均度，依赖于</a:t>
+                </a:r>
+                <a14:m>
+                  <m:oMath xmlns:m="http://schemas.openxmlformats.org/officeDocument/2006/math">
+                    <m:r>
+                      <a:rPr lang="en-US" altLang="zh-CN" i="1">
+                        <a:latin typeface="Cambria Math" panose="02040503050406030204" pitchFamily="18" charset="0"/>
+                      </a:rPr>
+                      <m:t>𝛾</m:t>
+                    </m:r>
+                  </m:oMath>
+                </a14:m>
+                <a:r>
+                  <a:rPr lang="zh-CN" altLang="en-US" dirty="0"/>
+                  <a:t>，方差取决于网络大小和</a:t>
+                </a:r>
+                <a14:m>
+                  <m:oMath xmlns:m="http://schemas.openxmlformats.org/officeDocument/2006/math">
+                    <m:r>
+                      <a:rPr lang="en-US" altLang="zh-CN" b="0" i="1" smtClean="0">
+                        <a:latin typeface="Cambria Math" panose="02040503050406030204" pitchFamily="18" charset="0"/>
+                      </a:rPr>
+                      <m:t>𝛾</m:t>
+                    </m:r>
+                  </m:oMath>
+                </a14:m>
+                <a:r>
+                  <a:rPr lang="zh-CN" altLang="en-US" dirty="0"/>
+                  <a:t>，</a:t>
+                </a:r>
+                <a:endParaRPr lang="en-US" altLang="zh-CN" dirty="0"/>
+              </a:p>
+              <a:p>
+                <a:r>
+                  <a:rPr lang="zh-CN" altLang="en-US" dirty="0"/>
+                  <a:t>则固定概率同时依赖平均度和</a:t>
+                </a:r>
+                <a14:m>
+                  <m:oMath xmlns:m="http://schemas.openxmlformats.org/officeDocument/2006/math">
+                    <m:r>
+                      <a:rPr lang="en-US" altLang="zh-CN" i="1">
+                        <a:latin typeface="Cambria Math" panose="02040503050406030204" pitchFamily="18" charset="0"/>
+                      </a:rPr>
+                      <m:t>𝛾</m:t>
+                    </m:r>
+                  </m:oMath>
+                </a14:m>
+                <a:r>
+                  <a:rPr lang="en-US" altLang="zh-CN" dirty="0"/>
+                  <a:t>.</a:t>
+                </a:r>
+              </a:p>
+              <a:p>
+                <a:pPr marL="285750" indent="-285750">
+                  <a:buFont typeface="Arial" panose="020B0604020202020204" pitchFamily="34" charset="0"/>
+                  <a:buChar char="•"/>
+                </a:pPr>
+                <a14:m>
+                  <m:oMath xmlns:m="http://schemas.openxmlformats.org/officeDocument/2006/math">
+                    <m:r>
+                      <a:rPr lang="en-US" altLang="zh-CN" i="1">
+                        <a:latin typeface="Cambria Math" panose="02040503050406030204" pitchFamily="18" charset="0"/>
+                      </a:rPr>
+                      <m:t>𝛾</m:t>
+                    </m:r>
+                    <m:r>
+                      <a:rPr lang="en-US" altLang="zh-CN" i="1">
+                        <a:latin typeface="Cambria Math" panose="02040503050406030204" pitchFamily="18" charset="0"/>
+                      </a:rPr>
+                      <m:t>&gt;3</m:t>
+                    </m:r>
+                  </m:oMath>
+                </a14:m>
+                <a:endParaRPr lang="en-US" altLang="zh-CN" dirty="0"/>
+              </a:p>
+              <a:p>
+                <a:r>
+                  <a:rPr lang="zh-CN" altLang="en-US" dirty="0"/>
+                  <a:t>度分布均值为平均度，依赖于</a:t>
+                </a:r>
+                <a14:m>
+                  <m:oMath xmlns:m="http://schemas.openxmlformats.org/officeDocument/2006/math">
+                    <m:r>
+                      <a:rPr lang="en-US" altLang="zh-CN" b="0" i="1" smtClean="0">
+                        <a:latin typeface="Cambria Math" panose="02040503050406030204" pitchFamily="18" charset="0"/>
+                      </a:rPr>
+                      <m:t>𝛾</m:t>
+                    </m:r>
+                  </m:oMath>
+                </a14:m>
+                <a:r>
+                  <a:rPr lang="zh-CN" altLang="en-US" dirty="0"/>
+                  <a:t>，有限方差仅依赖于</a:t>
+                </a:r>
+                <a14:m>
+                  <m:oMath xmlns:m="http://schemas.openxmlformats.org/officeDocument/2006/math">
+                    <m:r>
+                      <a:rPr lang="en-US" altLang="zh-CN" i="1">
+                        <a:latin typeface="Cambria Math" panose="02040503050406030204" pitchFamily="18" charset="0"/>
+                      </a:rPr>
+                      <m:t>𝛾</m:t>
+                    </m:r>
+                    <m:r>
+                      <a:rPr lang="zh-CN" altLang="en-US" i="1" smtClean="0">
+                        <a:latin typeface="Cambria Math" panose="02040503050406030204" pitchFamily="18" charset="0"/>
+                      </a:rPr>
+                      <m:t>，</m:t>
+                    </m:r>
+                  </m:oMath>
+                </a14:m>
+                <a:endParaRPr lang="en-US" altLang="zh-CN" dirty="0"/>
+              </a:p>
+              <a:p>
+                <a:r>
+                  <a:rPr lang="zh-CN" altLang="en-US" dirty="0"/>
+                  <a:t>因此固定概率取决于</a:t>
+                </a:r>
+                <a14:m>
+                  <m:oMath xmlns:m="http://schemas.openxmlformats.org/officeDocument/2006/math">
+                    <m:r>
+                      <a:rPr lang="en-US" altLang="zh-CN" b="0" i="1" smtClean="0">
+                        <a:latin typeface="Cambria Math" panose="02040503050406030204" pitchFamily="18" charset="0"/>
+                      </a:rPr>
+                      <m:t>𝛾</m:t>
+                    </m:r>
+                  </m:oMath>
+                </a14:m>
+                <a:r>
+                  <a:rPr lang="en-US" altLang="zh-CN" dirty="0"/>
+                  <a:t>.</a:t>
+                </a:r>
+                <a:endParaRPr lang="zh-CN" altLang="en-US" dirty="0"/>
+              </a:p>
+            </p:txBody>
+          </p:sp>
+        </mc:Choice>
+        <mc:Fallback>
+          <p:sp>
+            <p:nvSpPr>
+              <p:cNvPr id="5" name="矩形 4">
+                <a:extLst>
+                  <a:ext uri="{FF2B5EF4-FFF2-40B4-BE49-F238E27FC236}">
+                    <a16:creationId xmlns:a16="http://schemas.microsoft.com/office/drawing/2014/main" id="{D5D4CBCD-9D4D-4098-A76E-F11CFD7CEE60}"/>
+                  </a:ext>
+                </a:extLst>
+              </p:cNvPr>
+              <p:cNvSpPr>
+                <a:spLocks noRot="1" noChangeAspect="1" noMove="1" noResize="1" noEditPoints="1" noAdjustHandles="1" noChangeArrowheads="1" noChangeShapeType="1" noTextEdit="1"/>
+              </p:cNvSpPr>
+              <p:nvPr/>
+            </p:nvSpPr>
+            <p:spPr>
+              <a:xfrm>
+                <a:off x="5723156" y="1753628"/>
+                <a:ext cx="6096000" cy="2031325"/>
+              </a:xfrm>
+              <a:prstGeom prst="rect">
+                <a:avLst/>
+              </a:prstGeom>
+              <a:blipFill>
+                <a:blip r:embed="rId5"/>
+                <a:stretch>
+                  <a:fillRect l="-900" t="-1802" r="-4600" b="-3904"/>
+                </a:stretch>
+              </a:blipFill>
+            </p:spPr>
+            <p:txBody>
+              <a:bodyPr/>
+              <a:lstStyle/>
+              <a:p>
+                <a:r>
+                  <a:rPr lang="zh-CN" altLang="en-US">
+                    <a:noFill/>
+                  </a:rPr>
+                  <a:t> </a:t>
+                </a:r>
+              </a:p>
+            </p:txBody>
+          </p:sp>
+        </mc:Fallback>
+      </mc:AlternateContent>
+      <mc:AlternateContent xmlns:mc="http://schemas.openxmlformats.org/markup-compatibility/2006">
+        <mc:Choice xmlns:a14="http://schemas.microsoft.com/office/drawing/2010/main" Requires="a14">
+          <p:sp>
+            <p:nvSpPr>
+              <p:cNvPr id="9" name="矩形 8">
+                <a:extLst>
+                  <a:ext uri="{FF2B5EF4-FFF2-40B4-BE49-F238E27FC236}">
+                    <a16:creationId xmlns:a16="http://schemas.microsoft.com/office/drawing/2014/main" id="{27F01D31-6F59-41CE-9F09-3EA0B485955D}"/>
+                  </a:ext>
+                </a:extLst>
+              </p:cNvPr>
+              <p:cNvSpPr/>
+              <p:nvPr/>
+            </p:nvSpPr>
+            <p:spPr>
+              <a:xfrm>
+                <a:off x="2867246" y="1596479"/>
+                <a:ext cx="1591269" cy="461665"/>
+              </a:xfrm>
+              <a:prstGeom prst="rect">
+                <a:avLst/>
+              </a:prstGeom>
+            </p:spPr>
+            <p:txBody>
+              <a:bodyPr wrap="none">
+                <a:spAutoFit/>
+              </a:bodyPr>
+              <a:lstStyle/>
+              <a:p>
+                <a14:m>
+                  <m:oMathPara xmlns:m="http://schemas.openxmlformats.org/officeDocument/2006/math">
+                    <m:oMathParaPr>
+                      <m:jc m:val="centerGroup"/>
+                    </m:oMathParaPr>
+                    <m:oMath xmlns:m="http://schemas.openxmlformats.org/officeDocument/2006/math">
+                      <m:r>
+                        <a:rPr lang="en-US" altLang="zh-CN" sz="2400" i="1">
+                          <a:latin typeface="Cambria Math" panose="02040503050406030204" pitchFamily="18" charset="0"/>
+                          <a:ea typeface="微软雅黑" panose="020B0503020204020204" pitchFamily="34" charset="-122"/>
+                          <a:cs typeface="Times New Roman" panose="02020603050405020304" pitchFamily="18" charset="0"/>
+                        </a:rPr>
+                        <m:t>𝑝</m:t>
+                      </m:r>
+                      <m:d>
+                        <m:dPr>
+                          <m:ctrlPr>
+                            <a:rPr lang="en-US" altLang="zh-CN" sz="2400" i="1">
+                              <a:latin typeface="Cambria Math" panose="02040503050406030204" pitchFamily="18" charset="0"/>
+                              <a:ea typeface="微软雅黑" panose="020B0503020204020204" pitchFamily="34" charset="-122"/>
+                              <a:cs typeface="Times New Roman" panose="02020603050405020304" pitchFamily="18" charset="0"/>
+                            </a:rPr>
+                          </m:ctrlPr>
+                        </m:dPr>
+                        <m:e>
+                          <m:r>
+                            <a:rPr lang="en-US" altLang="zh-CN" sz="2400" i="1">
+                              <a:latin typeface="Cambria Math" panose="02040503050406030204" pitchFamily="18" charset="0"/>
+                              <a:ea typeface="微软雅黑" panose="020B0503020204020204" pitchFamily="34" charset="-122"/>
+                              <a:cs typeface="Times New Roman" panose="02020603050405020304" pitchFamily="18" charset="0"/>
+                            </a:rPr>
+                            <m:t>𝑘</m:t>
+                          </m:r>
+                        </m:e>
+                      </m:d>
+                      <m:r>
+                        <a:rPr lang="en-US" altLang="zh-CN" sz="2400" i="1">
+                          <a:latin typeface="Cambria Math" panose="02040503050406030204" pitchFamily="18" charset="0"/>
+                          <a:ea typeface="微软雅黑" panose="020B0503020204020204" pitchFamily="34" charset="-122"/>
+                          <a:cs typeface="Times New Roman" panose="02020603050405020304" pitchFamily="18" charset="0"/>
+                        </a:rPr>
+                        <m:t>~</m:t>
+                      </m:r>
+                      <m:sSup>
+                        <m:sSupPr>
+                          <m:ctrlPr>
+                            <a:rPr lang="en-US" altLang="zh-CN" sz="2400" i="1">
+                              <a:latin typeface="Cambria Math" panose="02040503050406030204" pitchFamily="18" charset="0"/>
+                              <a:ea typeface="微软雅黑" panose="020B0503020204020204" pitchFamily="34" charset="-122"/>
+                              <a:cs typeface="Times New Roman" panose="02020603050405020304" pitchFamily="18" charset="0"/>
+                            </a:rPr>
+                          </m:ctrlPr>
+                        </m:sSupPr>
+                        <m:e>
+                          <m:r>
+                            <a:rPr lang="en-US" altLang="zh-CN" sz="2400" i="1">
+                              <a:latin typeface="Cambria Math" panose="02040503050406030204" pitchFamily="18" charset="0"/>
+                              <a:ea typeface="微软雅黑" panose="020B0503020204020204" pitchFamily="34" charset="-122"/>
+                              <a:cs typeface="Times New Roman" panose="02020603050405020304" pitchFamily="18" charset="0"/>
+                            </a:rPr>
+                            <m:t>𝑘</m:t>
+                          </m:r>
+                        </m:e>
+                        <m:sup>
+                          <m:r>
+                            <a:rPr lang="en-US" altLang="zh-CN" sz="2400" i="1">
+                              <a:latin typeface="Cambria Math" panose="02040503050406030204" pitchFamily="18" charset="0"/>
+                              <a:ea typeface="微软雅黑" panose="020B0503020204020204" pitchFamily="34" charset="-122"/>
+                              <a:cs typeface="Times New Roman" panose="02020603050405020304" pitchFamily="18" charset="0"/>
+                            </a:rPr>
+                            <m:t>−</m:t>
+                          </m:r>
+                          <m:r>
+                            <a:rPr lang="en-US" altLang="zh-CN" sz="2400" i="1">
+                              <a:latin typeface="Cambria Math" panose="02040503050406030204" pitchFamily="18" charset="0"/>
+                              <a:ea typeface="微软雅黑" panose="020B0503020204020204" pitchFamily="34" charset="-122"/>
+                              <a:cs typeface="Times New Roman" panose="02020603050405020304" pitchFamily="18" charset="0"/>
+                            </a:rPr>
+                            <m:t>𝛾</m:t>
+                          </m:r>
+                        </m:sup>
+                      </m:sSup>
+                    </m:oMath>
+                  </m:oMathPara>
+                </a14:m>
+                <a:endParaRPr lang="zh-CN" altLang="en-US" sz="2400" dirty="0"/>
+              </a:p>
+            </p:txBody>
+          </p:sp>
+        </mc:Choice>
+        <mc:Fallback>
+          <p:sp>
+            <p:nvSpPr>
+              <p:cNvPr id="9" name="矩形 8">
+                <a:extLst>
+                  <a:ext uri="{FF2B5EF4-FFF2-40B4-BE49-F238E27FC236}">
+                    <a16:creationId xmlns:a16="http://schemas.microsoft.com/office/drawing/2014/main" id="{27F01D31-6F59-41CE-9F09-3EA0B485955D}"/>
+                  </a:ext>
+                </a:extLst>
+              </p:cNvPr>
+              <p:cNvSpPr>
+                <a:spLocks noRot="1" noChangeAspect="1" noMove="1" noResize="1" noEditPoints="1" noAdjustHandles="1" noChangeArrowheads="1" noChangeShapeType="1" noTextEdit="1"/>
+              </p:cNvSpPr>
+              <p:nvPr/>
+            </p:nvSpPr>
+            <p:spPr>
+              <a:xfrm>
+                <a:off x="2867246" y="1596479"/>
+                <a:ext cx="1591269" cy="461665"/>
+              </a:xfrm>
+              <a:prstGeom prst="rect">
+                <a:avLst/>
+              </a:prstGeom>
+              <a:blipFill>
+                <a:blip r:embed="rId6"/>
+                <a:stretch>
+                  <a:fillRect b="-10526"/>
+                </a:stretch>
+              </a:blipFill>
+            </p:spPr>
+            <p:txBody>
+              <a:bodyPr/>
+              <a:lstStyle/>
+              <a:p>
+                <a:r>
+                  <a:rPr lang="zh-CN" altLang="en-US">
+                    <a:noFill/>
+                  </a:rPr>
+                  <a:t> </a:t>
+                </a:r>
+              </a:p>
+            </p:txBody>
+          </p:sp>
+        </mc:Fallback>
+      </mc:AlternateContent>
+      <mc:AlternateContent xmlns:mc="http://schemas.openxmlformats.org/markup-compatibility/2006">
+        <mc:Choice xmlns:a14="http://schemas.microsoft.com/office/drawing/2010/main" Requires="a14">
+          <p:sp>
+            <p:nvSpPr>
+              <p:cNvPr id="10" name="矩形 9">
+                <a:extLst>
+                  <a:ext uri="{FF2B5EF4-FFF2-40B4-BE49-F238E27FC236}">
+                    <a16:creationId xmlns:a16="http://schemas.microsoft.com/office/drawing/2014/main" id="{D6258A74-35A3-4C44-A2A4-826B60D0B69F}"/>
+                  </a:ext>
+                </a:extLst>
+              </p:cNvPr>
+              <p:cNvSpPr/>
+              <p:nvPr/>
+            </p:nvSpPr>
+            <p:spPr>
+              <a:xfrm>
+                <a:off x="90141" y="7591688"/>
+                <a:ext cx="5302559" cy="1347164"/>
+              </a:xfrm>
+              <a:prstGeom prst="rect">
+                <a:avLst/>
+              </a:prstGeom>
+            </p:spPr>
+            <p:txBody>
+              <a:bodyPr wrap="square">
+                <a:spAutoFit/>
+              </a:bodyPr>
+              <a:lstStyle/>
+              <a:p>
+                <a:r>
+                  <a:rPr lang="zh-CN" altLang="en-US" b="1" dirty="0"/>
+                  <a:t>异质性</a:t>
+                </a:r>
+                <a:r>
+                  <a:rPr lang="zh-CN" altLang="en-US" dirty="0"/>
+                  <a:t>：网络的异质性通常来自度很大的枢纽结点的存在。当</a:t>
+                </a:r>
+                <a14:m>
+                  <m:oMath xmlns:m="http://schemas.openxmlformats.org/officeDocument/2006/math">
+                    <m:r>
+                      <a:rPr lang="en-US" altLang="zh-CN" b="0" i="1" smtClean="0">
+                        <a:latin typeface="Cambria Math" panose="02040503050406030204" pitchFamily="18" charset="0"/>
+                      </a:rPr>
+                      <m:t>𝛾</m:t>
+                    </m:r>
+                  </m:oMath>
+                </a14:m>
+                <a:r>
+                  <a:rPr lang="zh-CN" altLang="en-US" dirty="0"/>
+                  <a:t>越大时，找到枢纽结点的概率变小，因此我们考虑</a:t>
+                </a:r>
+                <a14:m>
+                  <m:oMath xmlns:m="http://schemas.openxmlformats.org/officeDocument/2006/math">
+                    <m:f>
+                      <m:fPr>
+                        <m:ctrlPr>
+                          <a:rPr lang="en-US" altLang="zh-CN" b="0" i="1" smtClean="0">
+                            <a:latin typeface="Cambria Math" panose="02040503050406030204" pitchFamily="18" charset="0"/>
+                          </a:rPr>
+                        </m:ctrlPr>
+                      </m:fPr>
+                      <m:num>
+                        <m:r>
+                          <a:rPr lang="en-US" altLang="zh-CN" b="0" i="1" smtClean="0">
+                            <a:latin typeface="Cambria Math" panose="02040503050406030204" pitchFamily="18" charset="0"/>
+                          </a:rPr>
+                          <m:t>1</m:t>
+                        </m:r>
+                      </m:num>
+                      <m:den>
+                        <m:r>
+                          <a:rPr lang="en-US" altLang="zh-CN" b="0" i="1" smtClean="0">
+                            <a:latin typeface="Cambria Math" panose="02040503050406030204" pitchFamily="18" charset="0"/>
+                          </a:rPr>
+                          <m:t>𝛾</m:t>
+                        </m:r>
+                      </m:den>
+                    </m:f>
+                  </m:oMath>
+                </a14:m>
+                <a:r>
+                  <a:rPr lang="zh-CN" altLang="en-US" dirty="0"/>
+                  <a:t>为异质性的度量。</a:t>
+                </a:r>
+                <a:endParaRPr lang="en-US" altLang="zh-CN" dirty="0"/>
+              </a:p>
+              <a:p>
+                <a:r>
+                  <a:rPr lang="zh-CN" altLang="en-US" dirty="0"/>
+                  <a:t>变异体在</a:t>
+                </a:r>
+                <a:r>
+                  <a:rPr lang="zh-CN" altLang="en-US" b="1" dirty="0"/>
+                  <a:t>异质性强</a:t>
+                </a:r>
+                <a:r>
+                  <a:rPr lang="zh-CN" altLang="en-US" dirty="0"/>
+                  <a:t>的网络中占领种群更有优势。</a:t>
+                </a:r>
+              </a:p>
+            </p:txBody>
+          </p:sp>
+        </mc:Choice>
+        <mc:Fallback>
+          <p:sp>
+            <p:nvSpPr>
+              <p:cNvPr id="10" name="矩形 9">
+                <a:extLst>
+                  <a:ext uri="{FF2B5EF4-FFF2-40B4-BE49-F238E27FC236}">
+                    <a16:creationId xmlns:a16="http://schemas.microsoft.com/office/drawing/2014/main" id="{D6258A74-35A3-4C44-A2A4-826B60D0B69F}"/>
+                  </a:ext>
+                </a:extLst>
+              </p:cNvPr>
+              <p:cNvSpPr>
+                <a:spLocks noRot="1" noChangeAspect="1" noMove="1" noResize="1" noEditPoints="1" noAdjustHandles="1" noChangeArrowheads="1" noChangeShapeType="1" noTextEdit="1"/>
+              </p:cNvSpPr>
+              <p:nvPr/>
+            </p:nvSpPr>
+            <p:spPr>
+              <a:xfrm>
+                <a:off x="90141" y="7591688"/>
+                <a:ext cx="5302559" cy="1347164"/>
+              </a:xfrm>
+              <a:prstGeom prst="rect">
+                <a:avLst/>
+              </a:prstGeom>
+              <a:blipFill>
+                <a:blip r:embed="rId7"/>
+                <a:stretch>
+                  <a:fillRect l="-1034" t="-2262" b="-6335"/>
+                </a:stretch>
+              </a:blipFill>
+            </p:spPr>
+            <p:txBody>
+              <a:bodyPr/>
+              <a:lstStyle/>
+              <a:p>
+                <a:r>
+                  <a:rPr lang="zh-CN" altLang="en-US">
+                    <a:noFill/>
+                  </a:rPr>
+                  <a:t> </a:t>
+                </a:r>
+              </a:p>
+            </p:txBody>
+          </p:sp>
+        </mc:Fallback>
+      </mc:AlternateContent>
     </p:spTree>
     <p:extLst>
       <p:ext uri="{BB962C8B-B14F-4D97-AF65-F5344CB8AC3E}">
         <p14:creationId xmlns:p14="http://schemas.microsoft.com/office/powerpoint/2010/main" val="3091257938"/>
+      </p:ext>
+    </p:extLst>
+  </p:cSld>
+  <p:clrMapOvr>
+    <a:masterClrMapping/>
+  </p:clrMapOvr>
+</p:sld>
+</file>
+
+<file path=ppt/slides/slide15.xml><?xml version="1.0" encoding="utf-8"?>
+<p:sld xmlns:a="http://schemas.openxmlformats.org/drawingml/2006/main" xmlns:r="http://schemas.openxmlformats.org/officeDocument/2006/relationships" xmlns:p="http://schemas.openxmlformats.org/presentationml/2006/main">
+  <p:cSld>
+    <p:spTree>
+      <p:nvGrpSpPr>
+        <p:cNvPr id="1" name=""/>
+        <p:cNvGrpSpPr/>
+        <p:nvPr/>
+      </p:nvGrpSpPr>
+      <p:grpSpPr>
+        <a:xfrm>
+          <a:off x="0" y="0"/>
+          <a:ext cx="0" cy="0"/>
+          <a:chOff x="0" y="0"/>
+          <a:chExt cx="0" cy="0"/>
+        </a:xfrm>
+      </p:grpSpPr>
+      <p:sp>
+        <p:nvSpPr>
+          <p:cNvPr id="4" name="矩形 3">
+            <a:extLst>
+              <a:ext uri="{FF2B5EF4-FFF2-40B4-BE49-F238E27FC236}">
+                <a16:creationId xmlns:a16="http://schemas.microsoft.com/office/drawing/2014/main" id="{F7F56775-9DF5-4E8B-90D1-8A5DC5B1D139}"/>
+              </a:ext>
+            </a:extLst>
+          </p:cNvPr>
+          <p:cNvSpPr/>
+          <p:nvPr/>
+        </p:nvSpPr>
+        <p:spPr>
+          <a:xfrm>
+            <a:off x="0" y="0"/>
+            <a:ext cx="12192000" cy="1439334"/>
+          </a:xfrm>
+          <a:prstGeom prst="rect">
+            <a:avLst/>
+          </a:prstGeom>
+          <a:solidFill>
+            <a:schemeClr val="tx2"/>
+          </a:solidFill>
+        </p:spPr>
+        <p:style>
+          <a:lnRef idx="2">
+            <a:schemeClr val="accent1">
+              <a:shade val="50000"/>
+            </a:schemeClr>
+          </a:lnRef>
+          <a:fillRef idx="1">
+            <a:schemeClr val="accent1"/>
+          </a:fillRef>
+          <a:effectRef idx="0">
+            <a:schemeClr val="accent1"/>
+          </a:effectRef>
+          <a:fontRef idx="minor">
+            <a:schemeClr val="lt1"/>
+          </a:fontRef>
+        </p:style>
+        <p:txBody>
+          <a:bodyPr rtlCol="0" anchor="ctr"/>
+          <a:lstStyle/>
+          <a:p>
+            <a:pPr algn="ctr"/>
+            <a:endParaRPr lang="zh-CN" altLang="en-US">
+              <a:solidFill>
+                <a:srgbClr val="FF0000"/>
+              </a:solidFill>
+            </a:endParaRPr>
+          </a:p>
+        </p:txBody>
+      </p:sp>
+      <p:sp>
+        <p:nvSpPr>
+          <p:cNvPr id="7" name="矩形 6">
+            <a:extLst>
+              <a:ext uri="{FF2B5EF4-FFF2-40B4-BE49-F238E27FC236}">
+                <a16:creationId xmlns:a16="http://schemas.microsoft.com/office/drawing/2014/main" id="{45935406-9B51-4ACA-A604-DE84FECA04AD}"/>
+              </a:ext>
+            </a:extLst>
+          </p:cNvPr>
+          <p:cNvSpPr/>
+          <p:nvPr/>
+        </p:nvSpPr>
+        <p:spPr>
+          <a:xfrm>
+            <a:off x="106638" y="326480"/>
+            <a:ext cx="1569660" cy="923330"/>
+          </a:xfrm>
+          <a:prstGeom prst="rect">
+            <a:avLst/>
+          </a:prstGeom>
+        </p:spPr>
+        <p:txBody>
+          <a:bodyPr wrap="none">
+            <a:spAutoFit/>
+          </a:bodyPr>
+          <a:lstStyle/>
+          <a:p>
+            <a:r>
+              <a:rPr lang="zh-CN" altLang="en-US" sz="5400" dirty="0">
+                <a:solidFill>
+                  <a:srgbClr val="FCFCFF"/>
+                </a:solidFill>
+                <a:latin typeface="微软雅黑" panose="020B0503020204020204" pitchFamily="34" charset="-122"/>
+                <a:ea typeface="微软雅黑" panose="020B0503020204020204" pitchFamily="34" charset="-122"/>
+                <a:cs typeface="Times New Roman" panose="02020603050405020304" pitchFamily="18" charset="0"/>
+              </a:rPr>
+              <a:t>总结</a:t>
+            </a:r>
+            <a:endParaRPr lang="zh-CN" altLang="en-US" sz="5400" dirty="0">
+              <a:solidFill>
+                <a:srgbClr val="FCFCFF"/>
+              </a:solidFill>
+              <a:latin typeface="微软雅黑" panose="020B0503020204020204" pitchFamily="34" charset="-122"/>
+              <a:ea typeface="微软雅黑" panose="020B0503020204020204" pitchFamily="34" charset="-122"/>
+            </a:endParaRPr>
+          </a:p>
+        </p:txBody>
+      </p:sp>
+      <p:sp>
+        <p:nvSpPr>
+          <p:cNvPr id="11" name="矩形 10">
+            <a:extLst>
+              <a:ext uri="{FF2B5EF4-FFF2-40B4-BE49-F238E27FC236}">
+                <a16:creationId xmlns:a16="http://schemas.microsoft.com/office/drawing/2014/main" id="{BE83A20F-84EF-4915-932B-FE95189D61F4}"/>
+              </a:ext>
+            </a:extLst>
+          </p:cNvPr>
+          <p:cNvSpPr/>
+          <p:nvPr/>
+        </p:nvSpPr>
+        <p:spPr>
+          <a:xfrm>
+            <a:off x="991834" y="2648635"/>
+            <a:ext cx="10208332" cy="5262979"/>
+          </a:xfrm>
+          <a:prstGeom prst="rect">
+            <a:avLst/>
+          </a:prstGeom>
+        </p:spPr>
+        <p:txBody>
+          <a:bodyPr wrap="square">
+            <a:spAutoFit/>
+          </a:bodyPr>
+          <a:lstStyle/>
+          <a:p>
+            <a:pPr marL="285750" indent="-285750">
+              <a:buFont typeface="Wingdings" panose="05000000000000000000" pitchFamily="2" charset="2"/>
+              <a:buChar char="p"/>
+            </a:pPr>
+            <a:r>
+              <a:rPr lang="zh-CN" altLang="en-US" sz="2400" dirty="0">
+                <a:solidFill>
+                  <a:schemeClr val="accent2"/>
+                </a:solidFill>
+              </a:rPr>
+              <a:t> </a:t>
+            </a:r>
+            <a:r>
+              <a:rPr lang="zh-CN" altLang="en-US" sz="2400" dirty="0"/>
+              <a:t>通过资源竞争角度，提出物种之间的邻居关系，这种邻居模式用复杂网络刻画。</a:t>
+            </a:r>
+            <a:endParaRPr lang="en-US" altLang="zh-CN" sz="2400" dirty="0"/>
+          </a:p>
+          <a:p>
+            <a:pPr marL="285750" indent="-285750">
+              <a:buFont typeface="Wingdings" panose="05000000000000000000" pitchFamily="2" charset="2"/>
+              <a:buChar char="p"/>
+            </a:pPr>
+            <a:endParaRPr lang="en-US" altLang="zh-CN" sz="2400" dirty="0"/>
+          </a:p>
+          <a:p>
+            <a:pPr marL="285750" indent="-285750">
+              <a:buFont typeface="Wingdings" panose="05000000000000000000" pitchFamily="2" charset="2"/>
+              <a:buChar char="p"/>
+            </a:pPr>
+            <a:r>
+              <a:rPr lang="zh-CN" altLang="en-US" sz="2400" dirty="0">
+                <a:solidFill>
+                  <a:schemeClr val="accent2"/>
+                </a:solidFill>
+              </a:rPr>
+              <a:t> </a:t>
+            </a:r>
+            <a:r>
+              <a:rPr lang="zh-CN" altLang="en-US" sz="2400" dirty="0"/>
+              <a:t>将环境中资源分布不规则用复杂网络的性质刻画：随机性、异质性、稀疏性。</a:t>
+            </a:r>
+            <a:endParaRPr lang="en-US" altLang="zh-CN" sz="2400" dirty="0"/>
+          </a:p>
+          <a:p>
+            <a:pPr marL="285750" indent="-285750">
+              <a:buFont typeface="Wingdings" panose="05000000000000000000" pitchFamily="2" charset="2"/>
+              <a:buChar char="p"/>
+            </a:pPr>
+            <a:endParaRPr lang="en-US" altLang="zh-CN" sz="2400" dirty="0"/>
+          </a:p>
+          <a:p>
+            <a:pPr marL="285750" indent="-285750">
+              <a:buFont typeface="Wingdings" panose="05000000000000000000" pitchFamily="2" charset="2"/>
+              <a:buChar char="p"/>
+            </a:pPr>
+            <a:r>
+              <a:rPr lang="en-US" altLang="zh-CN" sz="2400" dirty="0">
+                <a:solidFill>
+                  <a:schemeClr val="accent2"/>
+                </a:solidFill>
+              </a:rPr>
+              <a:t> </a:t>
+            </a:r>
+            <a:r>
+              <a:rPr lang="zh-CN" altLang="en-US" sz="2400" dirty="0"/>
+              <a:t>提出了一个复杂网络上的BD过程模型，以研究环境不规则性对突变物种固定的影响，其中变异个体的死亡率取决于其邻居数量，其他参数为</a:t>
+            </a:r>
+            <a:r>
+              <a:rPr lang="en-US" altLang="zh-CN" sz="2400" dirty="0"/>
+              <a:t>1</a:t>
+            </a:r>
+            <a:r>
+              <a:rPr lang="zh-CN" altLang="en-US" sz="2400" dirty="0"/>
+              <a:t>。</a:t>
+            </a:r>
+            <a:endParaRPr lang="en-US" altLang="zh-CN" sz="2400" dirty="0"/>
+          </a:p>
+          <a:p>
+            <a:pPr marL="285750" indent="-285750">
+              <a:buFont typeface="Wingdings" panose="05000000000000000000" pitchFamily="2" charset="2"/>
+              <a:buChar char="p"/>
+            </a:pPr>
+            <a:endParaRPr lang="en-US" altLang="zh-CN" sz="2400" dirty="0"/>
+          </a:p>
+          <a:p>
+            <a:pPr marL="285750" indent="-285750">
+              <a:buFont typeface="Wingdings" panose="05000000000000000000" pitchFamily="2" charset="2"/>
+              <a:buChar char="p"/>
+            </a:pPr>
+            <a:r>
+              <a:rPr lang="zh-CN" altLang="en-US" sz="2400" dirty="0">
+                <a:solidFill>
+                  <a:schemeClr val="accent2"/>
+                </a:solidFill>
+              </a:rPr>
+              <a:t> </a:t>
+            </a:r>
+            <a:r>
+              <a:rPr lang="zh-CN" altLang="en-US" sz="2400" dirty="0"/>
+              <a:t>通过上述模型将动力学和网络结构耦合，导致等温定律的违反。</a:t>
+            </a:r>
+            <a:endParaRPr lang="en-US" altLang="zh-CN" sz="2400" dirty="0"/>
+          </a:p>
+          <a:p>
+            <a:pPr marL="285750" indent="-285750">
+              <a:buFont typeface="Wingdings" panose="05000000000000000000" pitchFamily="2" charset="2"/>
+              <a:buChar char="p"/>
+            </a:pPr>
+            <a:endParaRPr lang="en-US" altLang="zh-CN" sz="2400" dirty="0"/>
+          </a:p>
+          <a:p>
+            <a:pPr marL="285750" indent="-285750">
+              <a:buFont typeface="Wingdings" panose="05000000000000000000" pitchFamily="2" charset="2"/>
+              <a:buChar char="p"/>
+            </a:pPr>
+            <a:r>
+              <a:rPr lang="zh-CN" altLang="en-US" sz="2400" dirty="0">
+                <a:solidFill>
+                  <a:schemeClr val="accent2"/>
+                </a:solidFill>
+              </a:rPr>
+              <a:t> </a:t>
+            </a:r>
+            <a:r>
+              <a:rPr lang="zh-CN" altLang="en-US" sz="2400" dirty="0"/>
+              <a:t>在星图上进行了理论和仿真分析，小世界网路和无标度网络进行仿真分析，发现变异体会受益于环境中的不一致性，随机性和异质性将会帮助变异个体以更高的概率占领整个种群。</a:t>
+            </a:r>
+          </a:p>
+        </p:txBody>
+      </p:sp>
+    </p:spTree>
+    <p:extLst>
+      <p:ext uri="{BB962C8B-B14F-4D97-AF65-F5344CB8AC3E}">
+        <p14:creationId xmlns:p14="http://schemas.microsoft.com/office/powerpoint/2010/main" val="1165978588"/>
       </p:ext>
     </p:extLst>
   </p:cSld>
@@ -16928,7 +18231,7 @@
               </a:ln>
               <a:extLst>
                 <a:ext uri="{C572A759-6A51-4108-AA02-DFA0A04FC94B}">
-                  <ma14:wrappingTextBoxFlag xmlns="" xmlns:m="http://schemas.openxmlformats.org/officeDocument/2006/math" xmlns:ma14="http://schemas.microsoft.com/office/mac/drawingml/2011/main" val="1"/>
+                  <ma14:wrappingTextBoxFlag xmlns:ma14="http://schemas.microsoft.com/office/mac/drawingml/2011/main" xmlns:m="http://schemas.openxmlformats.org/officeDocument/2006/math" xmlns="" val="1"/>
                 </a:ext>
               </a:extLst>
             </p:spPr>
@@ -19147,8 +20450,8 @@
           </p:sp>
         </mc:Fallback>
       </mc:AlternateContent>
-      <mc:AlternateContent xmlns:mc="http://schemas.openxmlformats.org/markup-compatibility/2006">
-        <mc:Choice xmlns:a14="http://schemas.microsoft.com/office/drawing/2010/main" Requires="a14">
+      <mc:AlternateContent xmlns:mc="http://schemas.openxmlformats.org/markup-compatibility/2006" xmlns:a14="http://schemas.microsoft.com/office/drawing/2010/main">
+        <mc:Choice Requires="a14">
           <p:sp>
             <p:nvSpPr>
               <p:cNvPr id="10" name="矩形 9">
@@ -19594,7 +20897,7 @@
             </p:txBody>
           </p:sp>
         </mc:Choice>
-        <mc:Fallback>
+        <mc:Fallback xmlns="">
           <p:sp>
             <p:nvSpPr>
               <p:cNvPr id="10" name="矩形 9">
@@ -19991,8 +21294,8 @@
           </p:sp>
         </mc:Fallback>
       </mc:AlternateContent>
-      <mc:AlternateContent xmlns:mc="http://schemas.openxmlformats.org/markup-compatibility/2006">
-        <mc:Choice xmlns:a14="http://schemas.microsoft.com/office/drawing/2010/main" Requires="a14">
+      <mc:AlternateContent xmlns:mc="http://schemas.openxmlformats.org/markup-compatibility/2006" xmlns:a14="http://schemas.microsoft.com/office/drawing/2010/main">
+        <mc:Choice Requires="a14">
           <p:sp>
             <p:nvSpPr>
               <p:cNvPr id="2" name="矩形 1">
@@ -20020,6 +21323,7 @@
               </a:bodyPr>
               <a:lstStyle/>
               <a:p>
+                <a:pPr/>
                 <a14:m>
                   <m:oMathPara xmlns:m="http://schemas.openxmlformats.org/officeDocument/2006/math">
                     <m:oMathParaPr>
@@ -20155,7 +21459,7 @@
             </p:txBody>
           </p:sp>
         </mc:Choice>
-        <mc:Fallback>
+        <mc:Fallback xmlns="">
           <p:sp>
             <p:nvSpPr>
               <p:cNvPr id="2" name="矩形 1">
@@ -20479,7 +21783,7 @@
               </a:ln>
               <a:extLst>
                 <a:ext uri="{C572A759-6A51-4108-AA02-DFA0A04FC94B}">
-                  <ma14:wrappingTextBoxFlag xmlns="" xmlns:m="http://schemas.openxmlformats.org/officeDocument/2006/math" xmlns:ma14="http://schemas.microsoft.com/office/mac/drawingml/2011/main" val="1"/>
+                  <ma14:wrappingTextBoxFlag xmlns:ma14="http://schemas.microsoft.com/office/mac/drawingml/2011/main" xmlns:m="http://schemas.openxmlformats.org/officeDocument/2006/math" xmlns="" val="1"/>
                 </a:ext>
               </a:extLst>
             </p:spPr>
@@ -22186,8 +23490,8 @@
           </a:p>
         </p:txBody>
       </p:sp>
-      <mc:AlternateContent xmlns:mc="http://schemas.openxmlformats.org/markup-compatibility/2006">
-        <mc:Choice xmlns:a14="http://schemas.microsoft.com/office/drawing/2010/main" Requires="a14">
+      <mc:AlternateContent xmlns:mc="http://schemas.openxmlformats.org/markup-compatibility/2006" xmlns:a14="http://schemas.microsoft.com/office/drawing/2010/main">
+        <mc:Choice Requires="a14">
           <p:sp>
             <p:nvSpPr>
               <p:cNvPr id="10" name="矩形 9">
@@ -22247,7 +23551,7 @@
             </p:txBody>
           </p:sp>
         </mc:Choice>
-        <mc:Fallback>
+        <mc:Fallback xmlns="">
           <p:sp>
             <p:nvSpPr>
               <p:cNvPr id="10" name="矩形 9">
@@ -23871,8 +25175,8 @@
           </a:p>
         </p:txBody>
       </p:sp>
-      <mc:AlternateContent xmlns:mc="http://schemas.openxmlformats.org/markup-compatibility/2006">
-        <mc:Choice xmlns:a14="http://schemas.microsoft.com/office/drawing/2010/main" Requires="a14">
+      <mc:AlternateContent xmlns:mc="http://schemas.openxmlformats.org/markup-compatibility/2006" xmlns:a14="http://schemas.microsoft.com/office/drawing/2010/main">
+        <mc:Choice Requires="a14">
           <p:sp>
             <p:nvSpPr>
               <p:cNvPr id="13" name="矩形 12">
@@ -23959,7 +25263,7 @@
             </p:txBody>
           </p:sp>
         </mc:Choice>
-        <mc:Fallback>
+        <mc:Fallback xmlns="">
           <p:sp>
             <p:nvSpPr>
               <p:cNvPr id="13" name="矩形 12">

--- a/dynamics/pre.pptx
+++ b/dynamics/pre.pptx
@@ -211,7 +211,7 @@
           <a:p>
             <a:fld id="{62B517B9-F9DA-4CE7-8A0F-16C8C2F77E8F}" type="datetimeFigureOut">
               <a:rPr lang="zh-CN" altLang="en-US" smtClean="0"/>
-              <a:t>2021/11/27</a:t>
+              <a:t>2021/12/1</a:t>
             </a:fld>
             <a:endParaRPr lang="zh-CN" altLang="en-US"/>
           </a:p>
@@ -1284,7 +1284,7 @@
           <a:p>
             <a:fld id="{7AC5E4EC-F5B6-4692-B35B-92C4C1A65EF4}" type="datetimeFigureOut">
               <a:rPr lang="zh-CN" altLang="en-US" smtClean="0"/>
-              <a:t>2021/11/27</a:t>
+              <a:t>2021/12/1</a:t>
             </a:fld>
             <a:endParaRPr lang="zh-CN" altLang="en-US"/>
           </a:p>
@@ -1454,7 +1454,7 @@
           <a:p>
             <a:fld id="{7AC5E4EC-F5B6-4692-B35B-92C4C1A65EF4}" type="datetimeFigureOut">
               <a:rPr lang="zh-CN" altLang="en-US" smtClean="0"/>
-              <a:t>2021/11/27</a:t>
+              <a:t>2021/12/1</a:t>
             </a:fld>
             <a:endParaRPr lang="zh-CN" altLang="en-US"/>
           </a:p>
@@ -1634,7 +1634,7 @@
           <a:p>
             <a:fld id="{7AC5E4EC-F5B6-4692-B35B-92C4C1A65EF4}" type="datetimeFigureOut">
               <a:rPr lang="zh-CN" altLang="en-US" smtClean="0"/>
-              <a:t>2021/11/27</a:t>
+              <a:t>2021/12/1</a:t>
             </a:fld>
             <a:endParaRPr lang="zh-CN" altLang="en-US"/>
           </a:p>
@@ -1804,7 +1804,7 @@
           <a:p>
             <a:fld id="{7AC5E4EC-F5B6-4692-B35B-92C4C1A65EF4}" type="datetimeFigureOut">
               <a:rPr lang="zh-CN" altLang="en-US" smtClean="0"/>
-              <a:t>2021/11/27</a:t>
+              <a:t>2021/12/1</a:t>
             </a:fld>
             <a:endParaRPr lang="zh-CN" altLang="en-US"/>
           </a:p>
@@ -2048,7 +2048,7 @@
           <a:p>
             <a:fld id="{7AC5E4EC-F5B6-4692-B35B-92C4C1A65EF4}" type="datetimeFigureOut">
               <a:rPr lang="zh-CN" altLang="en-US" smtClean="0"/>
-              <a:t>2021/11/27</a:t>
+              <a:t>2021/12/1</a:t>
             </a:fld>
             <a:endParaRPr lang="zh-CN" altLang="en-US"/>
           </a:p>
@@ -2280,7 +2280,7 @@
           <a:p>
             <a:fld id="{7AC5E4EC-F5B6-4692-B35B-92C4C1A65EF4}" type="datetimeFigureOut">
               <a:rPr lang="zh-CN" altLang="en-US" smtClean="0"/>
-              <a:t>2021/11/27</a:t>
+              <a:t>2021/12/1</a:t>
             </a:fld>
             <a:endParaRPr lang="zh-CN" altLang="en-US"/>
           </a:p>
@@ -2647,7 +2647,7 @@
           <a:p>
             <a:fld id="{7AC5E4EC-F5B6-4692-B35B-92C4C1A65EF4}" type="datetimeFigureOut">
               <a:rPr lang="zh-CN" altLang="en-US" smtClean="0"/>
-              <a:t>2021/11/27</a:t>
+              <a:t>2021/12/1</a:t>
             </a:fld>
             <a:endParaRPr lang="zh-CN" altLang="en-US"/>
           </a:p>
@@ -2765,7 +2765,7 @@
           <a:p>
             <a:fld id="{7AC5E4EC-F5B6-4692-B35B-92C4C1A65EF4}" type="datetimeFigureOut">
               <a:rPr lang="zh-CN" altLang="en-US" smtClean="0"/>
-              <a:t>2021/11/27</a:t>
+              <a:t>2021/12/1</a:t>
             </a:fld>
             <a:endParaRPr lang="zh-CN" altLang="en-US"/>
           </a:p>
@@ -2860,7 +2860,7 @@
           <a:p>
             <a:fld id="{7AC5E4EC-F5B6-4692-B35B-92C4C1A65EF4}" type="datetimeFigureOut">
               <a:rPr lang="zh-CN" altLang="en-US" smtClean="0"/>
-              <a:t>2021/11/27</a:t>
+              <a:t>2021/12/1</a:t>
             </a:fld>
             <a:endParaRPr lang="zh-CN" altLang="en-US"/>
           </a:p>
@@ -3137,7 +3137,7 @@
           <a:p>
             <a:fld id="{7AC5E4EC-F5B6-4692-B35B-92C4C1A65EF4}" type="datetimeFigureOut">
               <a:rPr lang="zh-CN" altLang="en-US" smtClean="0"/>
-              <a:t>2021/11/27</a:t>
+              <a:t>2021/12/1</a:t>
             </a:fld>
             <a:endParaRPr lang="zh-CN" altLang="en-US"/>
           </a:p>
@@ -3394,7 +3394,7 @@
           <a:p>
             <a:fld id="{7AC5E4EC-F5B6-4692-B35B-92C4C1A65EF4}" type="datetimeFigureOut">
               <a:rPr lang="zh-CN" altLang="en-US" smtClean="0"/>
-              <a:t>2021/11/27</a:t>
+              <a:t>2021/12/1</a:t>
             </a:fld>
             <a:endParaRPr lang="zh-CN" altLang="en-US"/>
           </a:p>
@@ -3607,7 +3607,7 @@
           <a:p>
             <a:fld id="{7AC5E4EC-F5B6-4692-B35B-92C4C1A65EF4}" type="datetimeFigureOut">
               <a:rPr lang="zh-CN" altLang="en-US" smtClean="0"/>
-              <a:t>2021/11/27</a:t>
+              <a:t>2021/12/1</a:t>
             </a:fld>
             <a:endParaRPr lang="zh-CN" altLang="en-US"/>
           </a:p>
@@ -4597,6 +4597,110 @@
           </a:p>
         </p:txBody>
       </p:sp>
+      <p:sp>
+        <p:nvSpPr>
+          <p:cNvPr id="2" name="矩形: 圆角 1">
+            <a:extLst>
+              <a:ext uri="{FF2B5EF4-FFF2-40B4-BE49-F238E27FC236}">
+                <a16:creationId xmlns:a16="http://schemas.microsoft.com/office/drawing/2014/main" id="{2B75BF45-0789-4B88-A710-5D373FB45933}"/>
+              </a:ext>
+            </a:extLst>
+          </p:cNvPr>
+          <p:cNvSpPr/>
+          <p:nvPr/>
+        </p:nvSpPr>
+        <p:spPr>
+          <a:xfrm>
+            <a:off x="1447800" y="622300"/>
+            <a:ext cx="3721100" cy="495300"/>
+          </a:xfrm>
+          <a:prstGeom prst="roundRect">
+            <a:avLst/>
+          </a:prstGeom>
+          <a:noFill/>
+          <a:ln w="57150">
+            <a:solidFill>
+              <a:schemeClr val="accent2"/>
+            </a:solidFill>
+          </a:ln>
+        </p:spPr>
+        <p:style>
+          <a:lnRef idx="2">
+            <a:schemeClr val="accent1">
+              <a:shade val="50000"/>
+            </a:schemeClr>
+          </a:lnRef>
+          <a:fillRef idx="1">
+            <a:schemeClr val="accent1"/>
+          </a:fillRef>
+          <a:effectRef idx="0">
+            <a:schemeClr val="accent1"/>
+          </a:effectRef>
+          <a:fontRef idx="minor">
+            <a:schemeClr val="lt1"/>
+          </a:fontRef>
+        </p:style>
+        <p:txBody>
+          <a:bodyPr rtlCol="0" anchor="ctr"/>
+          <a:lstStyle/>
+          <a:p>
+            <a:pPr algn="ctr"/>
+            <a:endParaRPr lang="zh-CN" altLang="en-US"/>
+          </a:p>
+        </p:txBody>
+      </p:sp>
+      <p:sp>
+        <p:nvSpPr>
+          <p:cNvPr id="3" name="矩形: 圆角 2">
+            <a:extLst>
+              <a:ext uri="{FF2B5EF4-FFF2-40B4-BE49-F238E27FC236}">
+                <a16:creationId xmlns:a16="http://schemas.microsoft.com/office/drawing/2014/main" id="{1523B9BC-901B-43AC-B726-6A7BD62C11DD}"/>
+              </a:ext>
+            </a:extLst>
+          </p:cNvPr>
+          <p:cNvSpPr/>
+          <p:nvPr/>
+        </p:nvSpPr>
+        <p:spPr>
+          <a:xfrm>
+            <a:off x="7353300" y="1117600"/>
+            <a:ext cx="2476500" cy="609600"/>
+          </a:xfrm>
+          <a:prstGeom prst="roundRect">
+            <a:avLst/>
+          </a:prstGeom>
+          <a:noFill/>
+          <a:ln w="57150">
+            <a:solidFill>
+              <a:schemeClr val="accent2"/>
+            </a:solidFill>
+          </a:ln>
+        </p:spPr>
+        <p:style>
+          <a:lnRef idx="2">
+            <a:schemeClr val="accent1">
+              <a:shade val="50000"/>
+            </a:schemeClr>
+          </a:lnRef>
+          <a:fillRef idx="1">
+            <a:schemeClr val="accent1"/>
+          </a:fillRef>
+          <a:effectRef idx="0">
+            <a:schemeClr val="accent1"/>
+          </a:effectRef>
+          <a:fontRef idx="minor">
+            <a:schemeClr val="lt1"/>
+          </a:fontRef>
+        </p:style>
+        <p:txBody>
+          <a:bodyPr rtlCol="0" anchor="ctr"/>
+          <a:lstStyle/>
+          <a:p>
+            <a:pPr algn="ctr"/>
+            <a:endParaRPr lang="zh-CN" altLang="en-US"/>
+          </a:p>
+        </p:txBody>
+      </p:sp>
     </p:spTree>
     <p:extLst>
       <p:ext uri="{BB962C8B-B14F-4D97-AF65-F5344CB8AC3E}">
@@ -4780,8 +4884,8 @@
           </a:prstGeom>
         </p:spPr>
       </p:pic>
-      <mc:AlternateContent xmlns:mc="http://schemas.openxmlformats.org/markup-compatibility/2006" xmlns:a14="http://schemas.microsoft.com/office/drawing/2010/main">
-        <mc:Choice Requires="a14">
+      <mc:AlternateContent xmlns:mc="http://schemas.openxmlformats.org/markup-compatibility/2006">
+        <mc:Choice xmlns:a14="http://schemas.microsoft.com/office/drawing/2010/main" Requires="a14">
           <p:sp>
             <p:nvSpPr>
               <p:cNvPr id="6" name="矩形 5">
@@ -4846,7 +4950,11 @@
                   <a:t>选择结点</a:t>
                 </a:r>
                 <a:r>
-                  <a:rPr lang="en-US" altLang="zh-CN" sz="2400" dirty="0"/>
+                  <a:rPr lang="en-US" altLang="zh-CN" sz="2400" dirty="0">
+                    <a:solidFill>
+                      <a:srgbClr val="D62728"/>
+                    </a:solidFill>
+                  </a:rPr>
                   <a:t>11</a:t>
                 </a:r>
                 <a:r>
@@ -5447,7 +5555,7 @@
             </p:txBody>
           </p:sp>
         </mc:Choice>
-        <mc:Fallback xmlns="">
+        <mc:Fallback>
           <p:sp>
             <p:nvSpPr>
               <p:cNvPr id="6" name="矩形 5">
@@ -6092,8 +6200,8 @@
           </p:sp>
         </mc:Fallback>
       </mc:AlternateContent>
-      <mc:AlternateContent xmlns:mc="http://schemas.openxmlformats.org/markup-compatibility/2006" xmlns:a14="http://schemas.microsoft.com/office/drawing/2010/main">
-        <mc:Choice Requires="a14">
+      <mc:AlternateContent xmlns:mc="http://schemas.openxmlformats.org/markup-compatibility/2006">
+        <mc:Choice xmlns:a14="http://schemas.microsoft.com/office/drawing/2010/main" Requires="a14">
           <p:sp>
             <p:nvSpPr>
               <p:cNvPr id="11" name="矩形 10">
@@ -6672,7 +6780,7 @@
             </p:txBody>
           </p:sp>
         </mc:Choice>
-        <mc:Fallback xmlns="">
+        <mc:Fallback>
           <p:sp>
             <p:nvSpPr>
               <p:cNvPr id="11" name="矩形 10">
@@ -6717,6 +6825,60 @@
           </p:sp>
         </mc:Fallback>
       </mc:AlternateContent>
+      <p:sp>
+        <p:nvSpPr>
+          <p:cNvPr id="5" name="矩形 4">
+            <a:extLst>
+              <a:ext uri="{FF2B5EF4-FFF2-40B4-BE49-F238E27FC236}">
+                <a16:creationId xmlns:a16="http://schemas.microsoft.com/office/drawing/2014/main" id="{5D8FA758-C28A-4376-80C8-0598BCBD5A0F}"/>
+              </a:ext>
+            </a:extLst>
+          </p:cNvPr>
+          <p:cNvSpPr/>
+          <p:nvPr/>
+        </p:nvSpPr>
+        <p:spPr>
+          <a:xfrm>
+            <a:off x="4362594" y="8223523"/>
+            <a:ext cx="7417415" cy="461665"/>
+          </a:xfrm>
+          <a:prstGeom prst="rect">
+            <a:avLst/>
+          </a:prstGeom>
+        </p:spPr>
+        <p:txBody>
+          <a:bodyPr wrap="none">
+            <a:spAutoFit/>
+          </a:bodyPr>
+          <a:lstStyle/>
+          <a:p>
+            <a:r>
+              <a:rPr lang="zh-CN" altLang="en-US" sz="2400" dirty="0">
+                <a:solidFill>
+                  <a:prstClr val="black"/>
+                </a:solidFill>
+                <a:latin typeface="微软雅黑" panose="020B0503020204020204" pitchFamily="34" charset="-122"/>
+                <a:ea typeface="微软雅黑" panose="020B0503020204020204" pitchFamily="34" charset="-122"/>
+                <a:cs typeface="Times New Roman" panose="02020603050405020304" pitchFamily="18" charset="0"/>
+              </a:rPr>
+              <a:t>若取代了</a:t>
+            </a:r>
+            <a:r>
+              <a:rPr lang="en-US" altLang="zh-CN" sz="2400" dirty="0">
+                <a:solidFill>
+                  <a:srgbClr val="1F77B4"/>
+                </a:solidFill>
+              </a:rPr>
+              <a:t>1</a:t>
+            </a:r>
+            <a:r>
+              <a:rPr lang="zh-CN" altLang="en-US" sz="2400" dirty="0"/>
+              <a:t>，则下一时间步，取代概率将会发生变化。</a:t>
+            </a:r>
+            <a:endParaRPr lang="zh-CN" altLang="en-US" dirty="0"/>
+          </a:p>
+        </p:txBody>
+      </p:sp>
     </p:spTree>
     <p:extLst>
       <p:ext uri="{BB962C8B-B14F-4D97-AF65-F5344CB8AC3E}">
@@ -8446,8 +8608,8 @@
           </a:prstGeom>
         </p:spPr>
       </p:pic>
-      <mc:AlternateContent xmlns:mc="http://schemas.openxmlformats.org/markup-compatibility/2006">
-        <mc:Choice xmlns:a14="http://schemas.microsoft.com/office/drawing/2010/main" Requires="a14">
+      <mc:AlternateContent xmlns:mc="http://schemas.openxmlformats.org/markup-compatibility/2006" xmlns:a14="http://schemas.microsoft.com/office/drawing/2010/main">
+        <mc:Choice Requires="a14">
           <p:sp>
             <p:nvSpPr>
               <p:cNvPr id="6" name="矩形 5">
@@ -8657,7 +8819,7 @@
             </p:txBody>
           </p:sp>
         </mc:Choice>
-        <mc:Fallback>
+        <mc:Fallback xmlns="">
           <p:sp>
             <p:nvSpPr>
               <p:cNvPr id="6" name="矩形 5">
@@ -9088,8 +9250,8 @@
           </a:p>
         </p:txBody>
       </p:sp>
-      <mc:AlternateContent xmlns:mc="http://schemas.openxmlformats.org/markup-compatibility/2006">
-        <mc:Choice xmlns:a14="http://schemas.microsoft.com/office/drawing/2010/main" Requires="a14">
+      <mc:AlternateContent xmlns:mc="http://schemas.openxmlformats.org/markup-compatibility/2006" xmlns:a14="http://schemas.microsoft.com/office/drawing/2010/main">
+        <mc:Choice Requires="a14">
           <p:sp>
             <p:nvSpPr>
               <p:cNvPr id="5" name="矩形 4">
@@ -9148,13 +9310,7 @@
                       <a:rPr lang="en-US" altLang="zh-CN" i="1">
                         <a:latin typeface="Cambria Math" panose="02040503050406030204" pitchFamily="18" charset="0"/>
                       </a:rPr>
-                      <m:t>2</m:t>
-                    </m:r>
-                    <m:r>
-                      <a:rPr lang="en-US" altLang="zh-CN" i="1">
-                        <a:latin typeface="Cambria Math" panose="02040503050406030204" pitchFamily="18" charset="0"/>
-                      </a:rPr>
-                      <m:t>&lt;</m:t>
+                      <m:t>2&lt;</m:t>
                     </m:r>
                     <m:r>
                       <a:rPr lang="en-US" altLang="zh-CN" i="1">
@@ -9311,7 +9467,7 @@
             </p:txBody>
           </p:sp>
         </mc:Choice>
-        <mc:Fallback>
+        <mc:Fallback xmlns="">
           <p:sp>
             <p:nvSpPr>
               <p:cNvPr id="5" name="矩形 4">
@@ -9356,8 +9512,8 @@
           </p:sp>
         </mc:Fallback>
       </mc:AlternateContent>
-      <mc:AlternateContent xmlns:mc="http://schemas.openxmlformats.org/markup-compatibility/2006">
-        <mc:Choice xmlns:a14="http://schemas.microsoft.com/office/drawing/2010/main" Requires="a14">
+      <mc:AlternateContent xmlns:mc="http://schemas.openxmlformats.org/markup-compatibility/2006" xmlns:a14="http://schemas.microsoft.com/office/drawing/2010/main">
+        <mc:Choice Requires="a14">
           <p:sp>
             <p:nvSpPr>
               <p:cNvPr id="9" name="矩形 8">
@@ -9385,6 +9541,7 @@
               </a:bodyPr>
               <a:lstStyle/>
               <a:p>
+                <a:pPr/>
                 <a14:m>
                   <m:oMathPara xmlns:m="http://schemas.openxmlformats.org/officeDocument/2006/math">
                     <m:oMathParaPr>
@@ -9475,7 +9632,7 @@
             </p:txBody>
           </p:sp>
         </mc:Choice>
-        <mc:Fallback>
+        <mc:Fallback xmlns="">
           <p:sp>
             <p:nvSpPr>
               <p:cNvPr id="9" name="矩形 8">
@@ -9520,8 +9677,8 @@
           </p:sp>
         </mc:Fallback>
       </mc:AlternateContent>
-      <mc:AlternateContent xmlns:mc="http://schemas.openxmlformats.org/markup-compatibility/2006">
-        <mc:Choice xmlns:a14="http://schemas.microsoft.com/office/drawing/2010/main" Requires="a14">
+      <mc:AlternateContent xmlns:mc="http://schemas.openxmlformats.org/markup-compatibility/2006" xmlns:a14="http://schemas.microsoft.com/office/drawing/2010/main">
+        <mc:Choice Requires="a14">
           <p:sp>
             <p:nvSpPr>
               <p:cNvPr id="10" name="矩形 9">
@@ -9623,7 +9780,7 @@
             </p:txBody>
           </p:sp>
         </mc:Choice>
-        <mc:Fallback>
+        <mc:Fallback xmlns="">
           <p:sp>
             <p:nvSpPr>
               <p:cNvPr id="10" name="矩形 9">
@@ -18231,7 +18388,7 @@
               </a:ln>
               <a:extLst>
                 <a:ext uri="{C572A759-6A51-4108-AA02-DFA0A04FC94B}">
-                  <ma14:wrappingTextBoxFlag xmlns:ma14="http://schemas.microsoft.com/office/mac/drawingml/2011/main" xmlns:m="http://schemas.openxmlformats.org/officeDocument/2006/math" xmlns="" val="1"/>
+                  <ma14:wrappingTextBoxFlag xmlns="" xmlns:m="http://schemas.openxmlformats.org/officeDocument/2006/math" xmlns:ma14="http://schemas.microsoft.com/office/mac/drawingml/2011/main" val="1"/>
                 </a:ext>
               </a:extLst>
             </p:spPr>
@@ -21783,7 +21940,7 @@
               </a:ln>
               <a:extLst>
                 <a:ext uri="{C572A759-6A51-4108-AA02-DFA0A04FC94B}">
-                  <ma14:wrappingTextBoxFlag xmlns:ma14="http://schemas.microsoft.com/office/mac/drawingml/2011/main" xmlns:m="http://schemas.openxmlformats.org/officeDocument/2006/math" xmlns="" val="1"/>
+                  <ma14:wrappingTextBoxFlag xmlns="" xmlns:m="http://schemas.openxmlformats.org/officeDocument/2006/math" xmlns:ma14="http://schemas.microsoft.com/office/mac/drawingml/2011/main" val="1"/>
                 </a:ext>
               </a:extLst>
             </p:spPr>
